--- a/H_BimNote/logo.pptx
+++ b/H_BimNote/logo.pptx
@@ -105,6 +105,11 @@
       </a:defRPr>
     </a:lvl9pPr>
   </p:defaultTextStyle>
+  <p:extLst>
+    <p:ext uri="{EFAFB233-063F-42B5-8137-9DF3F51BA10A}">
+      <p15:sldGuideLst xmlns:p15="http://schemas.microsoft.com/office/powerpoint/2012/main"/>
+    </p:ext>
+  </p:extLst>
 </p:presentation>
 </file>
 
@@ -255,7 +260,7 @@
           <a:p>
             <a:fld id="{A6A5F888-23C1-4C2D-8DA0-CBACC41D9E90}" type="datetimeFigureOut">
               <a:rPr lang="ko-KR" altLang="en-US" smtClean="0"/>
-              <a:t>2024-12-02</a:t>
+              <a:t>2024-12-03</a:t>
             </a:fld>
             <a:endParaRPr lang="ko-KR" altLang="en-US"/>
           </a:p>
@@ -453,7 +458,7 @@
           <a:p>
             <a:fld id="{A6A5F888-23C1-4C2D-8DA0-CBACC41D9E90}" type="datetimeFigureOut">
               <a:rPr lang="ko-KR" altLang="en-US" smtClean="0"/>
-              <a:t>2024-12-02</a:t>
+              <a:t>2024-12-03</a:t>
             </a:fld>
             <a:endParaRPr lang="ko-KR" altLang="en-US"/>
           </a:p>
@@ -661,7 +666,7 @@
           <a:p>
             <a:fld id="{A6A5F888-23C1-4C2D-8DA0-CBACC41D9E90}" type="datetimeFigureOut">
               <a:rPr lang="ko-KR" altLang="en-US" smtClean="0"/>
-              <a:t>2024-12-02</a:t>
+              <a:t>2024-12-03</a:t>
             </a:fld>
             <a:endParaRPr lang="ko-KR" altLang="en-US"/>
           </a:p>
@@ -859,7 +864,7 @@
           <a:p>
             <a:fld id="{A6A5F888-23C1-4C2D-8DA0-CBACC41D9E90}" type="datetimeFigureOut">
               <a:rPr lang="ko-KR" altLang="en-US" smtClean="0"/>
-              <a:t>2024-12-02</a:t>
+              <a:t>2024-12-03</a:t>
             </a:fld>
             <a:endParaRPr lang="ko-KR" altLang="en-US"/>
           </a:p>
@@ -1134,7 +1139,7 @@
           <a:p>
             <a:fld id="{A6A5F888-23C1-4C2D-8DA0-CBACC41D9E90}" type="datetimeFigureOut">
               <a:rPr lang="ko-KR" altLang="en-US" smtClean="0"/>
-              <a:t>2024-12-02</a:t>
+              <a:t>2024-12-03</a:t>
             </a:fld>
             <a:endParaRPr lang="ko-KR" altLang="en-US"/>
           </a:p>
@@ -1399,7 +1404,7 @@
           <a:p>
             <a:fld id="{A6A5F888-23C1-4C2D-8DA0-CBACC41D9E90}" type="datetimeFigureOut">
               <a:rPr lang="ko-KR" altLang="en-US" smtClean="0"/>
-              <a:t>2024-12-02</a:t>
+              <a:t>2024-12-03</a:t>
             </a:fld>
             <a:endParaRPr lang="ko-KR" altLang="en-US"/>
           </a:p>
@@ -1811,7 +1816,7 @@
           <a:p>
             <a:fld id="{A6A5F888-23C1-4C2D-8DA0-CBACC41D9E90}" type="datetimeFigureOut">
               <a:rPr lang="ko-KR" altLang="en-US" smtClean="0"/>
-              <a:t>2024-12-02</a:t>
+              <a:t>2024-12-03</a:t>
             </a:fld>
             <a:endParaRPr lang="ko-KR" altLang="en-US"/>
           </a:p>
@@ -1952,7 +1957,7 @@
           <a:p>
             <a:fld id="{A6A5F888-23C1-4C2D-8DA0-CBACC41D9E90}" type="datetimeFigureOut">
               <a:rPr lang="ko-KR" altLang="en-US" smtClean="0"/>
-              <a:t>2024-12-02</a:t>
+              <a:t>2024-12-03</a:t>
             </a:fld>
             <a:endParaRPr lang="ko-KR" altLang="en-US"/>
           </a:p>
@@ -2065,7 +2070,7 @@
           <a:p>
             <a:fld id="{A6A5F888-23C1-4C2D-8DA0-CBACC41D9E90}" type="datetimeFigureOut">
               <a:rPr lang="ko-KR" altLang="en-US" smtClean="0"/>
-              <a:t>2024-12-02</a:t>
+              <a:t>2024-12-03</a:t>
             </a:fld>
             <a:endParaRPr lang="ko-KR" altLang="en-US"/>
           </a:p>
@@ -2376,7 +2381,7 @@
           <a:p>
             <a:fld id="{A6A5F888-23C1-4C2D-8DA0-CBACC41D9E90}" type="datetimeFigureOut">
               <a:rPr lang="ko-KR" altLang="en-US" smtClean="0"/>
-              <a:t>2024-12-02</a:t>
+              <a:t>2024-12-03</a:t>
             </a:fld>
             <a:endParaRPr lang="ko-KR" altLang="en-US"/>
           </a:p>
@@ -2664,7 +2669,7 @@
           <a:p>
             <a:fld id="{A6A5F888-23C1-4C2D-8DA0-CBACC41D9E90}" type="datetimeFigureOut">
               <a:rPr lang="ko-KR" altLang="en-US" smtClean="0"/>
-              <a:t>2024-12-02</a:t>
+              <a:t>2024-12-03</a:t>
             </a:fld>
             <a:endParaRPr lang="ko-KR" altLang="en-US"/>
           </a:p>
@@ -2905,7 +2910,7 @@
           <a:p>
             <a:fld id="{A6A5F888-23C1-4C2D-8DA0-CBACC41D9E90}" type="datetimeFigureOut">
               <a:rPr lang="ko-KR" altLang="en-US" smtClean="0"/>
-              <a:t>2024-12-02</a:t>
+              <a:t>2024-12-03</a:t>
             </a:fld>
             <a:endParaRPr lang="ko-KR" altLang="en-US"/>
           </a:p>
@@ -5987,7 +5992,7 @@
         </p:nvGrpSpPr>
         <p:grpSpPr>
           <a:xfrm>
-            <a:off x="4259020" y="1535359"/>
+            <a:off x="4277492" y="1526123"/>
             <a:ext cx="2373366" cy="3020488"/>
             <a:chOff x="4154634" y="1487634"/>
             <a:chExt cx="2373366" cy="3020488"/>

--- a/H_BimNote/logo.pptx
+++ b/H_BimNote/logo.pptx
@@ -262,7 +262,7 @@
           <a:p>
             <a:fld id="{A6A5F888-23C1-4C2D-8DA0-CBACC41D9E90}" type="datetimeFigureOut">
               <a:rPr lang="ko-KR" altLang="en-US" smtClean="0"/>
-              <a:t>2024-12-26</a:t>
+              <a:t>2024-12-27</a:t>
             </a:fld>
             <a:endParaRPr lang="ko-KR" altLang="en-US"/>
           </a:p>
@@ -460,7 +460,7 @@
           <a:p>
             <a:fld id="{A6A5F888-23C1-4C2D-8DA0-CBACC41D9E90}" type="datetimeFigureOut">
               <a:rPr lang="ko-KR" altLang="en-US" smtClean="0"/>
-              <a:t>2024-12-26</a:t>
+              <a:t>2024-12-27</a:t>
             </a:fld>
             <a:endParaRPr lang="ko-KR" altLang="en-US"/>
           </a:p>
@@ -668,7 +668,7 @@
           <a:p>
             <a:fld id="{A6A5F888-23C1-4C2D-8DA0-CBACC41D9E90}" type="datetimeFigureOut">
               <a:rPr lang="ko-KR" altLang="en-US" smtClean="0"/>
-              <a:t>2024-12-26</a:t>
+              <a:t>2024-12-27</a:t>
             </a:fld>
             <a:endParaRPr lang="ko-KR" altLang="en-US"/>
           </a:p>
@@ -866,7 +866,7 @@
           <a:p>
             <a:fld id="{A6A5F888-23C1-4C2D-8DA0-CBACC41D9E90}" type="datetimeFigureOut">
               <a:rPr lang="ko-KR" altLang="en-US" smtClean="0"/>
-              <a:t>2024-12-26</a:t>
+              <a:t>2024-12-27</a:t>
             </a:fld>
             <a:endParaRPr lang="ko-KR" altLang="en-US"/>
           </a:p>
@@ -1141,7 +1141,7 @@
           <a:p>
             <a:fld id="{A6A5F888-23C1-4C2D-8DA0-CBACC41D9E90}" type="datetimeFigureOut">
               <a:rPr lang="ko-KR" altLang="en-US" smtClean="0"/>
-              <a:t>2024-12-26</a:t>
+              <a:t>2024-12-27</a:t>
             </a:fld>
             <a:endParaRPr lang="ko-KR" altLang="en-US"/>
           </a:p>
@@ -1406,7 +1406,7 @@
           <a:p>
             <a:fld id="{A6A5F888-23C1-4C2D-8DA0-CBACC41D9E90}" type="datetimeFigureOut">
               <a:rPr lang="ko-KR" altLang="en-US" smtClean="0"/>
-              <a:t>2024-12-26</a:t>
+              <a:t>2024-12-27</a:t>
             </a:fld>
             <a:endParaRPr lang="ko-KR" altLang="en-US"/>
           </a:p>
@@ -1818,7 +1818,7 @@
           <a:p>
             <a:fld id="{A6A5F888-23C1-4C2D-8DA0-CBACC41D9E90}" type="datetimeFigureOut">
               <a:rPr lang="ko-KR" altLang="en-US" smtClean="0"/>
-              <a:t>2024-12-26</a:t>
+              <a:t>2024-12-27</a:t>
             </a:fld>
             <a:endParaRPr lang="ko-KR" altLang="en-US"/>
           </a:p>
@@ -1959,7 +1959,7 @@
           <a:p>
             <a:fld id="{A6A5F888-23C1-4C2D-8DA0-CBACC41D9E90}" type="datetimeFigureOut">
               <a:rPr lang="ko-KR" altLang="en-US" smtClean="0"/>
-              <a:t>2024-12-26</a:t>
+              <a:t>2024-12-27</a:t>
             </a:fld>
             <a:endParaRPr lang="ko-KR" altLang="en-US"/>
           </a:p>
@@ -2072,7 +2072,7 @@
           <a:p>
             <a:fld id="{A6A5F888-23C1-4C2D-8DA0-CBACC41D9E90}" type="datetimeFigureOut">
               <a:rPr lang="ko-KR" altLang="en-US" smtClean="0"/>
-              <a:t>2024-12-26</a:t>
+              <a:t>2024-12-27</a:t>
             </a:fld>
             <a:endParaRPr lang="ko-KR" altLang="en-US"/>
           </a:p>
@@ -2383,7 +2383,7 @@
           <a:p>
             <a:fld id="{A6A5F888-23C1-4C2D-8DA0-CBACC41D9E90}" type="datetimeFigureOut">
               <a:rPr lang="ko-KR" altLang="en-US" smtClean="0"/>
-              <a:t>2024-12-26</a:t>
+              <a:t>2024-12-27</a:t>
             </a:fld>
             <a:endParaRPr lang="ko-KR" altLang="en-US"/>
           </a:p>
@@ -2671,7 +2671,7 @@
           <a:p>
             <a:fld id="{A6A5F888-23C1-4C2D-8DA0-CBACC41D9E90}" type="datetimeFigureOut">
               <a:rPr lang="ko-KR" altLang="en-US" smtClean="0"/>
-              <a:t>2024-12-26</a:t>
+              <a:t>2024-12-27</a:t>
             </a:fld>
             <a:endParaRPr lang="ko-KR" altLang="en-US"/>
           </a:p>
@@ -2912,7 +2912,7 @@
           <a:p>
             <a:fld id="{A6A5F888-23C1-4C2D-8DA0-CBACC41D9E90}" type="datetimeFigureOut">
               <a:rPr lang="ko-KR" altLang="en-US" smtClean="0"/>
-              <a:t>2024-12-26</a:t>
+              <a:t>2024-12-27</a:t>
             </a:fld>
             <a:endParaRPr lang="ko-KR" altLang="en-US"/>
           </a:p>

--- a/H_BimNote/logo.pptx
+++ b/H_BimNote/logo.pptx
@@ -262,7 +262,7 @@
           <a:p>
             <a:fld id="{A6A5F888-23C1-4C2D-8DA0-CBACC41D9E90}" type="datetimeFigureOut">
               <a:rPr lang="ko-KR" altLang="en-US" smtClean="0"/>
-              <a:t>2024-12-27</a:t>
+              <a:t>2025-01-03</a:t>
             </a:fld>
             <a:endParaRPr lang="ko-KR" altLang="en-US"/>
           </a:p>
@@ -460,7 +460,7 @@
           <a:p>
             <a:fld id="{A6A5F888-23C1-4C2D-8DA0-CBACC41D9E90}" type="datetimeFigureOut">
               <a:rPr lang="ko-KR" altLang="en-US" smtClean="0"/>
-              <a:t>2024-12-27</a:t>
+              <a:t>2025-01-03</a:t>
             </a:fld>
             <a:endParaRPr lang="ko-KR" altLang="en-US"/>
           </a:p>
@@ -668,7 +668,7 @@
           <a:p>
             <a:fld id="{A6A5F888-23C1-4C2D-8DA0-CBACC41D9E90}" type="datetimeFigureOut">
               <a:rPr lang="ko-KR" altLang="en-US" smtClean="0"/>
-              <a:t>2024-12-27</a:t>
+              <a:t>2025-01-03</a:t>
             </a:fld>
             <a:endParaRPr lang="ko-KR" altLang="en-US"/>
           </a:p>
@@ -866,7 +866,7 @@
           <a:p>
             <a:fld id="{A6A5F888-23C1-4C2D-8DA0-CBACC41D9E90}" type="datetimeFigureOut">
               <a:rPr lang="ko-KR" altLang="en-US" smtClean="0"/>
-              <a:t>2024-12-27</a:t>
+              <a:t>2025-01-03</a:t>
             </a:fld>
             <a:endParaRPr lang="ko-KR" altLang="en-US"/>
           </a:p>
@@ -1141,7 +1141,7 @@
           <a:p>
             <a:fld id="{A6A5F888-23C1-4C2D-8DA0-CBACC41D9E90}" type="datetimeFigureOut">
               <a:rPr lang="ko-KR" altLang="en-US" smtClean="0"/>
-              <a:t>2024-12-27</a:t>
+              <a:t>2025-01-03</a:t>
             </a:fld>
             <a:endParaRPr lang="ko-KR" altLang="en-US"/>
           </a:p>
@@ -1406,7 +1406,7 @@
           <a:p>
             <a:fld id="{A6A5F888-23C1-4C2D-8DA0-CBACC41D9E90}" type="datetimeFigureOut">
               <a:rPr lang="ko-KR" altLang="en-US" smtClean="0"/>
-              <a:t>2024-12-27</a:t>
+              <a:t>2025-01-03</a:t>
             </a:fld>
             <a:endParaRPr lang="ko-KR" altLang="en-US"/>
           </a:p>
@@ -1818,7 +1818,7 @@
           <a:p>
             <a:fld id="{A6A5F888-23C1-4C2D-8DA0-CBACC41D9E90}" type="datetimeFigureOut">
               <a:rPr lang="ko-KR" altLang="en-US" smtClean="0"/>
-              <a:t>2024-12-27</a:t>
+              <a:t>2025-01-03</a:t>
             </a:fld>
             <a:endParaRPr lang="ko-KR" altLang="en-US"/>
           </a:p>
@@ -1959,7 +1959,7 @@
           <a:p>
             <a:fld id="{A6A5F888-23C1-4C2D-8DA0-CBACC41D9E90}" type="datetimeFigureOut">
               <a:rPr lang="ko-KR" altLang="en-US" smtClean="0"/>
-              <a:t>2024-12-27</a:t>
+              <a:t>2025-01-03</a:t>
             </a:fld>
             <a:endParaRPr lang="ko-KR" altLang="en-US"/>
           </a:p>
@@ -2072,7 +2072,7 @@
           <a:p>
             <a:fld id="{A6A5F888-23C1-4C2D-8DA0-CBACC41D9E90}" type="datetimeFigureOut">
               <a:rPr lang="ko-KR" altLang="en-US" smtClean="0"/>
-              <a:t>2024-12-27</a:t>
+              <a:t>2025-01-03</a:t>
             </a:fld>
             <a:endParaRPr lang="ko-KR" altLang="en-US"/>
           </a:p>
@@ -2383,7 +2383,7 @@
           <a:p>
             <a:fld id="{A6A5F888-23C1-4C2D-8DA0-CBACC41D9E90}" type="datetimeFigureOut">
               <a:rPr lang="ko-KR" altLang="en-US" smtClean="0"/>
-              <a:t>2024-12-27</a:t>
+              <a:t>2025-01-03</a:t>
             </a:fld>
             <a:endParaRPr lang="ko-KR" altLang="en-US"/>
           </a:p>
@@ -2671,7 +2671,7 @@
           <a:p>
             <a:fld id="{A6A5F888-23C1-4C2D-8DA0-CBACC41D9E90}" type="datetimeFigureOut">
               <a:rPr lang="ko-KR" altLang="en-US" smtClean="0"/>
-              <a:t>2024-12-27</a:t>
+              <a:t>2025-01-03</a:t>
             </a:fld>
             <a:endParaRPr lang="ko-KR" altLang="en-US"/>
           </a:p>
@@ -2912,7 +2912,7 @@
           <a:p>
             <a:fld id="{A6A5F888-23C1-4C2D-8DA0-CBACC41D9E90}" type="datetimeFigureOut">
               <a:rPr lang="ko-KR" altLang="en-US" smtClean="0"/>
-              <a:t>2024-12-27</a:t>
+              <a:t>2025-01-03</a:t>
             </a:fld>
             <a:endParaRPr lang="ko-KR" altLang="en-US"/>
           </a:p>

--- a/H_BimNote/logo.pptx
+++ b/H_BimNote/logo.pptx
@@ -8,7 +8,8 @@
     <p:sldId id="256" r:id="rId2"/>
     <p:sldId id="257" r:id="rId3"/>
     <p:sldId id="258" r:id="rId4"/>
-    <p:sldId id="260" r:id="rId5"/>
+    <p:sldId id="261" r:id="rId5"/>
+    <p:sldId id="260" r:id="rId6"/>
   </p:sldIdLst>
   <p:sldSz cx="12192000" cy="6858000"/>
   <p:notesSz cx="6858000" cy="9144000"/>
@@ -262,7 +263,7 @@
           <a:p>
             <a:fld id="{A6A5F888-23C1-4C2D-8DA0-CBACC41D9E90}" type="datetimeFigureOut">
               <a:rPr lang="ko-KR" altLang="en-US" smtClean="0"/>
-              <a:t>2025-01-03</a:t>
+              <a:t>2025-01-08</a:t>
             </a:fld>
             <a:endParaRPr lang="ko-KR" altLang="en-US"/>
           </a:p>
@@ -460,7 +461,7 @@
           <a:p>
             <a:fld id="{A6A5F888-23C1-4C2D-8DA0-CBACC41D9E90}" type="datetimeFigureOut">
               <a:rPr lang="ko-KR" altLang="en-US" smtClean="0"/>
-              <a:t>2025-01-03</a:t>
+              <a:t>2025-01-08</a:t>
             </a:fld>
             <a:endParaRPr lang="ko-KR" altLang="en-US"/>
           </a:p>
@@ -668,7 +669,7 @@
           <a:p>
             <a:fld id="{A6A5F888-23C1-4C2D-8DA0-CBACC41D9E90}" type="datetimeFigureOut">
               <a:rPr lang="ko-KR" altLang="en-US" smtClean="0"/>
-              <a:t>2025-01-03</a:t>
+              <a:t>2025-01-08</a:t>
             </a:fld>
             <a:endParaRPr lang="ko-KR" altLang="en-US"/>
           </a:p>
@@ -866,7 +867,7 @@
           <a:p>
             <a:fld id="{A6A5F888-23C1-4C2D-8DA0-CBACC41D9E90}" type="datetimeFigureOut">
               <a:rPr lang="ko-KR" altLang="en-US" smtClean="0"/>
-              <a:t>2025-01-03</a:t>
+              <a:t>2025-01-08</a:t>
             </a:fld>
             <a:endParaRPr lang="ko-KR" altLang="en-US"/>
           </a:p>
@@ -1141,7 +1142,7 @@
           <a:p>
             <a:fld id="{A6A5F888-23C1-4C2D-8DA0-CBACC41D9E90}" type="datetimeFigureOut">
               <a:rPr lang="ko-KR" altLang="en-US" smtClean="0"/>
-              <a:t>2025-01-03</a:t>
+              <a:t>2025-01-08</a:t>
             </a:fld>
             <a:endParaRPr lang="ko-KR" altLang="en-US"/>
           </a:p>
@@ -1406,7 +1407,7 @@
           <a:p>
             <a:fld id="{A6A5F888-23C1-4C2D-8DA0-CBACC41D9E90}" type="datetimeFigureOut">
               <a:rPr lang="ko-KR" altLang="en-US" smtClean="0"/>
-              <a:t>2025-01-03</a:t>
+              <a:t>2025-01-08</a:t>
             </a:fld>
             <a:endParaRPr lang="ko-KR" altLang="en-US"/>
           </a:p>
@@ -1818,7 +1819,7 @@
           <a:p>
             <a:fld id="{A6A5F888-23C1-4C2D-8DA0-CBACC41D9E90}" type="datetimeFigureOut">
               <a:rPr lang="ko-KR" altLang="en-US" smtClean="0"/>
-              <a:t>2025-01-03</a:t>
+              <a:t>2025-01-08</a:t>
             </a:fld>
             <a:endParaRPr lang="ko-KR" altLang="en-US"/>
           </a:p>
@@ -1959,7 +1960,7 @@
           <a:p>
             <a:fld id="{A6A5F888-23C1-4C2D-8DA0-CBACC41D9E90}" type="datetimeFigureOut">
               <a:rPr lang="ko-KR" altLang="en-US" smtClean="0"/>
-              <a:t>2025-01-03</a:t>
+              <a:t>2025-01-08</a:t>
             </a:fld>
             <a:endParaRPr lang="ko-KR" altLang="en-US"/>
           </a:p>
@@ -2072,7 +2073,7 @@
           <a:p>
             <a:fld id="{A6A5F888-23C1-4C2D-8DA0-CBACC41D9E90}" type="datetimeFigureOut">
               <a:rPr lang="ko-KR" altLang="en-US" smtClean="0"/>
-              <a:t>2025-01-03</a:t>
+              <a:t>2025-01-08</a:t>
             </a:fld>
             <a:endParaRPr lang="ko-KR" altLang="en-US"/>
           </a:p>
@@ -2383,7 +2384,7 @@
           <a:p>
             <a:fld id="{A6A5F888-23C1-4C2D-8DA0-CBACC41D9E90}" type="datetimeFigureOut">
               <a:rPr lang="ko-KR" altLang="en-US" smtClean="0"/>
-              <a:t>2025-01-03</a:t>
+              <a:t>2025-01-08</a:t>
             </a:fld>
             <a:endParaRPr lang="ko-KR" altLang="en-US"/>
           </a:p>
@@ -2671,7 +2672,7 @@
           <a:p>
             <a:fld id="{A6A5F888-23C1-4C2D-8DA0-CBACC41D9E90}" type="datetimeFigureOut">
               <a:rPr lang="ko-KR" altLang="en-US" smtClean="0"/>
-              <a:t>2025-01-03</a:t>
+              <a:t>2025-01-08</a:t>
             </a:fld>
             <a:endParaRPr lang="ko-KR" altLang="en-US"/>
           </a:p>
@@ -2912,7 +2913,7 @@
           <a:p>
             <a:fld id="{A6A5F888-23C1-4C2D-8DA0-CBACC41D9E90}" type="datetimeFigureOut">
               <a:rPr lang="ko-KR" altLang="en-US" smtClean="0"/>
-              <a:t>2025-01-03</a:t>
+              <a:t>2025-01-08</a:t>
             </a:fld>
             <a:endParaRPr lang="ko-KR" altLang="en-US"/>
           </a:p>
@@ -8365,7 +8366,7 @@
         </p:nvSpPr>
         <p:spPr>
           <a:xfrm>
-            <a:off x="1568161" y="1104900"/>
+            <a:off x="68557" y="1104900"/>
             <a:ext cx="3805006" cy="3805006"/>
           </a:xfrm>
           <a:prstGeom prst="rect">
@@ -8415,7 +8416,7 @@
         </p:nvGrpSpPr>
         <p:grpSpPr>
           <a:xfrm>
-            <a:off x="2391542" y="1526123"/>
+            <a:off x="891938" y="1339087"/>
             <a:ext cx="2373366" cy="3020488"/>
             <a:chOff x="4154634" y="1487634"/>
             <a:chExt cx="2373366" cy="3020488"/>
@@ -9170,7 +9171,7 @@
         </p:nvGrpSpPr>
         <p:grpSpPr>
           <a:xfrm>
-            <a:off x="2347670" y="1497159"/>
+            <a:off x="848066" y="1310123"/>
             <a:ext cx="2373366" cy="3020488"/>
             <a:chOff x="4154634" y="1487634"/>
             <a:chExt cx="2373366" cy="3020488"/>
@@ -9925,7 +9926,7 @@
         </p:nvGrpSpPr>
         <p:grpSpPr>
           <a:xfrm>
-            <a:off x="2268684" y="1459059"/>
+            <a:off x="769080" y="1272023"/>
             <a:ext cx="2373366" cy="3020488"/>
             <a:chOff x="4154634" y="1487634"/>
             <a:chExt cx="2373366" cy="3020488"/>
@@ -10702,7 +10703,7 @@
         </p:nvSpPr>
         <p:spPr>
           <a:xfrm>
-            <a:off x="3089210" y="3457296"/>
+            <a:off x="1589606" y="3270260"/>
             <a:ext cx="655949" cy="369332"/>
           </a:xfrm>
           <a:prstGeom prst="rect">
@@ -10772,7 +10773,7 @@
         </p:nvSpPr>
         <p:spPr>
           <a:xfrm>
-            <a:off x="3134898" y="2181134"/>
+            <a:off x="1635294" y="1994098"/>
             <a:ext cx="564577" cy="369332"/>
           </a:xfrm>
           <a:prstGeom prst="rect">
@@ -10842,8 +10843,8 @@
         </p:nvSpPr>
         <p:spPr>
           <a:xfrm>
-            <a:off x="2823542" y="4536697"/>
-            <a:ext cx="2013692" cy="369332"/>
+            <a:off x="413792" y="4385948"/>
+            <a:ext cx="3026791" cy="523220"/>
           </a:xfrm>
           <a:prstGeom prst="rect">
             <a:avLst/>
@@ -10858,7 +10859,7 @@
           <a:p>
             <a:pPr algn="r"/>
             <a:r>
-              <a:rPr lang="en-US" altLang="ko-KR" sz="900" dirty="0">
+              <a:rPr lang="en-US" altLang="ko-KR" sz="1400" dirty="0">
                 <a:solidFill>
                   <a:schemeClr val="tx1">
                     <a:lumMod val="50000"/>
@@ -10874,7 +10875,7 @@
           <a:p>
             <a:pPr algn="r"/>
             <a:r>
-              <a:rPr lang="en-US" altLang="ko-KR" sz="900" dirty="0">
+              <a:rPr lang="en-US" altLang="ko-KR" sz="1400" dirty="0">
                 <a:solidFill>
                   <a:schemeClr val="tx1">
                     <a:lumMod val="50000"/>
@@ -10884,9 +10885,9 @@
                 <a:latin typeface="리디바탕" panose="020B0600000101010101" pitchFamily="50" charset="-127"/>
                 <a:ea typeface="리디바탕" panose="020B0600000101010101" pitchFamily="50" charset="-127"/>
               </a:rPr>
-              <a:t>BIM Info Management Tool</a:t>
+              <a:t>BIM Info Management Docs</a:t>
             </a:r>
-            <a:endParaRPr lang="ko-KR" altLang="en-US" sz="900" dirty="0">
+            <a:endParaRPr lang="ko-KR" altLang="en-US" sz="1400" dirty="0">
               <a:solidFill>
                 <a:schemeClr val="tx1">
                   <a:lumMod val="50000"/>
@@ -10913,7 +10914,7 @@
         </p:nvSpPr>
         <p:spPr>
           <a:xfrm>
-            <a:off x="6628548" y="1104900"/>
+            <a:off x="8133498" y="1104900"/>
             <a:ext cx="3805006" cy="3805006"/>
           </a:xfrm>
           <a:prstGeom prst="rect">
@@ -10963,7 +10964,7 @@
         </p:nvGrpSpPr>
         <p:grpSpPr>
           <a:xfrm>
-            <a:off x="7451929" y="1526123"/>
+            <a:off x="8956879" y="1526123"/>
             <a:ext cx="2373366" cy="3020488"/>
             <a:chOff x="4154634" y="1487634"/>
             <a:chExt cx="2373366" cy="3020488"/>
@@ -11718,7 +11719,7 @@
         </p:nvGrpSpPr>
         <p:grpSpPr>
           <a:xfrm>
-            <a:off x="7408057" y="1497159"/>
+            <a:off x="8913007" y="1497159"/>
             <a:ext cx="2373366" cy="3020488"/>
             <a:chOff x="4154634" y="1487634"/>
             <a:chExt cx="2373366" cy="3020488"/>
@@ -12473,7 +12474,7 @@
         </p:nvGrpSpPr>
         <p:grpSpPr>
           <a:xfrm>
-            <a:off x="7329071" y="1459059"/>
+            <a:off x="8834021" y="1459059"/>
             <a:ext cx="2373366" cy="3020488"/>
             <a:chOff x="4154634" y="1487634"/>
             <a:chExt cx="2373366" cy="3020488"/>
@@ -13250,7 +13251,7 @@
         </p:nvSpPr>
         <p:spPr>
           <a:xfrm>
-            <a:off x="8149597" y="3457296"/>
+            <a:off x="9654547" y="3457296"/>
             <a:ext cx="655949" cy="369332"/>
           </a:xfrm>
           <a:prstGeom prst="rect">
@@ -13330,7 +13331,7 @@
         </p:nvSpPr>
         <p:spPr>
           <a:xfrm>
-            <a:off x="8195285" y="2181134"/>
+            <a:off x="9700235" y="2181134"/>
             <a:ext cx="564577" cy="369332"/>
           </a:xfrm>
           <a:prstGeom prst="rect">
@@ -13396,6 +13397,2479 @@
           </a:p>
         </p:txBody>
       </p:sp>
+      <p:sp>
+        <p:nvSpPr>
+          <p:cNvPr id="8" name="직사각형 7">
+            <a:extLst>
+              <a:ext uri="{FF2B5EF4-FFF2-40B4-BE49-F238E27FC236}">
+                <a16:creationId xmlns:a16="http://schemas.microsoft.com/office/drawing/2014/main" id="{545C1A4A-224B-DAC0-A37D-BA1568AD515D}"/>
+              </a:ext>
+            </a:extLst>
+          </p:cNvPr>
+          <p:cNvSpPr/>
+          <p:nvPr/>
+        </p:nvSpPr>
+        <p:spPr>
+          <a:xfrm>
+            <a:off x="3924071" y="1104900"/>
+            <a:ext cx="3805006" cy="3805006"/>
+          </a:xfrm>
+          <a:prstGeom prst="rect">
+            <a:avLst/>
+          </a:prstGeom>
+          <a:noFill/>
+          <a:ln w="6350">
+            <a:noFill/>
+          </a:ln>
+        </p:spPr>
+        <p:style>
+          <a:lnRef idx="2">
+            <a:schemeClr val="accent1">
+              <a:shade val="15000"/>
+            </a:schemeClr>
+          </a:lnRef>
+          <a:fillRef idx="1">
+            <a:schemeClr val="accent1"/>
+          </a:fillRef>
+          <a:effectRef idx="0">
+            <a:schemeClr val="accent1"/>
+          </a:effectRef>
+          <a:fontRef idx="minor">
+            <a:schemeClr val="lt1"/>
+          </a:fontRef>
+        </p:style>
+        <p:txBody>
+          <a:bodyPr rtlCol="0" anchor="ctr"/>
+          <a:lstStyle/>
+          <a:p>
+            <a:pPr algn="ctr"/>
+            <a:endParaRPr lang="ko-KR" altLang="en-US"/>
+          </a:p>
+        </p:txBody>
+      </p:sp>
+      <p:grpSp>
+        <p:nvGrpSpPr>
+          <p:cNvPr id="9" name="그룹 8">
+            <a:extLst>
+              <a:ext uri="{FF2B5EF4-FFF2-40B4-BE49-F238E27FC236}">
+                <a16:creationId xmlns:a16="http://schemas.microsoft.com/office/drawing/2014/main" id="{83924C43-13B8-506A-401C-675B02C294B3}"/>
+              </a:ext>
+            </a:extLst>
+          </p:cNvPr>
+          <p:cNvGrpSpPr/>
+          <p:nvPr/>
+        </p:nvGrpSpPr>
+        <p:grpSpPr>
+          <a:xfrm>
+            <a:off x="4747452" y="1523248"/>
+            <a:ext cx="2373366" cy="3020488"/>
+            <a:chOff x="4154634" y="1487634"/>
+            <a:chExt cx="2373366" cy="3020488"/>
+          </a:xfrm>
+          <a:solidFill>
+            <a:schemeClr val="accent4">
+              <a:lumMod val="60000"/>
+              <a:lumOff val="40000"/>
+            </a:schemeClr>
+          </a:solidFill>
+        </p:grpSpPr>
+        <p:sp>
+          <p:nvSpPr>
+            <p:cNvPr id="10" name="타원 9">
+              <a:extLst>
+                <a:ext uri="{FF2B5EF4-FFF2-40B4-BE49-F238E27FC236}">
+                  <a16:creationId xmlns:a16="http://schemas.microsoft.com/office/drawing/2014/main" id="{B81711CF-5828-F0C9-3F38-C44A152CCB6C}"/>
+                </a:ext>
+              </a:extLst>
+            </p:cNvPr>
+            <p:cNvSpPr>
+              <a:spLocks noChangeAspect="1"/>
+            </p:cNvSpPr>
+            <p:nvPr/>
+          </p:nvSpPr>
+          <p:spPr>
+            <a:xfrm>
+              <a:off x="4801756" y="1487634"/>
+              <a:ext cx="432000" cy="432000"/>
+            </a:xfrm>
+            <a:prstGeom prst="ellipse">
+              <a:avLst/>
+            </a:prstGeom>
+            <a:grpFill/>
+            <a:ln>
+              <a:noFill/>
+            </a:ln>
+          </p:spPr>
+          <p:style>
+            <a:lnRef idx="2">
+              <a:schemeClr val="accent1">
+                <a:shade val="15000"/>
+              </a:schemeClr>
+            </a:lnRef>
+            <a:fillRef idx="1">
+              <a:schemeClr val="accent1"/>
+            </a:fillRef>
+            <a:effectRef idx="0">
+              <a:schemeClr val="accent1"/>
+            </a:effectRef>
+            <a:fontRef idx="minor">
+              <a:schemeClr val="lt1"/>
+            </a:fontRef>
+          </p:style>
+          <p:txBody>
+            <a:bodyPr rtlCol="0" anchor="ctr"/>
+            <a:lstStyle/>
+            <a:p>
+              <a:pPr algn="ctr"/>
+              <a:endParaRPr lang="ko-KR" altLang="en-US"/>
+            </a:p>
+          </p:txBody>
+        </p:sp>
+        <p:sp>
+          <p:nvSpPr>
+            <p:cNvPr id="14" name="타원 13">
+              <a:extLst>
+                <a:ext uri="{FF2B5EF4-FFF2-40B4-BE49-F238E27FC236}">
+                  <a16:creationId xmlns:a16="http://schemas.microsoft.com/office/drawing/2014/main" id="{0A537F62-10AC-AE8E-08A8-F94649757D68}"/>
+                </a:ext>
+              </a:extLst>
+            </p:cNvPr>
+            <p:cNvSpPr>
+              <a:spLocks noChangeAspect="1"/>
+            </p:cNvSpPr>
+            <p:nvPr/>
+          </p:nvSpPr>
+          <p:spPr>
+            <a:xfrm>
+              <a:off x="5448878" y="1487634"/>
+              <a:ext cx="432000" cy="432000"/>
+            </a:xfrm>
+            <a:prstGeom prst="ellipse">
+              <a:avLst/>
+            </a:prstGeom>
+            <a:grpFill/>
+            <a:ln>
+              <a:noFill/>
+            </a:ln>
+          </p:spPr>
+          <p:style>
+            <a:lnRef idx="2">
+              <a:schemeClr val="accent1">
+                <a:shade val="15000"/>
+              </a:schemeClr>
+            </a:lnRef>
+            <a:fillRef idx="1">
+              <a:schemeClr val="accent1"/>
+            </a:fillRef>
+            <a:effectRef idx="0">
+              <a:schemeClr val="accent1"/>
+            </a:effectRef>
+            <a:fontRef idx="minor">
+              <a:schemeClr val="lt1"/>
+            </a:fontRef>
+          </p:style>
+          <p:txBody>
+            <a:bodyPr rtlCol="0" anchor="ctr"/>
+            <a:lstStyle/>
+            <a:p>
+              <a:pPr algn="ctr"/>
+              <a:endParaRPr lang="ko-KR" altLang="en-US"/>
+            </a:p>
+          </p:txBody>
+        </p:sp>
+        <p:sp>
+          <p:nvSpPr>
+            <p:cNvPr id="15" name="타원 14">
+              <a:extLst>
+                <a:ext uri="{FF2B5EF4-FFF2-40B4-BE49-F238E27FC236}">
+                  <a16:creationId xmlns:a16="http://schemas.microsoft.com/office/drawing/2014/main" id="{030EF776-4374-9765-1EF7-98CE84A8A580}"/>
+                </a:ext>
+              </a:extLst>
+            </p:cNvPr>
+            <p:cNvSpPr>
+              <a:spLocks noChangeAspect="1"/>
+            </p:cNvSpPr>
+            <p:nvPr/>
+          </p:nvSpPr>
+          <p:spPr>
+            <a:xfrm>
+              <a:off x="6096000" y="2134756"/>
+              <a:ext cx="432000" cy="432000"/>
+            </a:xfrm>
+            <a:prstGeom prst="ellipse">
+              <a:avLst/>
+            </a:prstGeom>
+            <a:grpFill/>
+            <a:ln>
+              <a:noFill/>
+            </a:ln>
+          </p:spPr>
+          <p:style>
+            <a:lnRef idx="2">
+              <a:schemeClr val="accent1">
+                <a:shade val="15000"/>
+              </a:schemeClr>
+            </a:lnRef>
+            <a:fillRef idx="1">
+              <a:schemeClr val="accent1"/>
+            </a:fillRef>
+            <a:effectRef idx="0">
+              <a:schemeClr val="accent1"/>
+            </a:effectRef>
+            <a:fontRef idx="minor">
+              <a:schemeClr val="lt1"/>
+            </a:fontRef>
+          </p:style>
+          <p:txBody>
+            <a:bodyPr rtlCol="0" anchor="ctr"/>
+            <a:lstStyle/>
+            <a:p>
+              <a:pPr algn="ctr"/>
+              <a:endParaRPr lang="ko-KR" altLang="en-US" dirty="0"/>
+            </a:p>
+          </p:txBody>
+        </p:sp>
+        <p:sp>
+          <p:nvSpPr>
+            <p:cNvPr id="16" name="타원 15">
+              <a:extLst>
+                <a:ext uri="{FF2B5EF4-FFF2-40B4-BE49-F238E27FC236}">
+                  <a16:creationId xmlns:a16="http://schemas.microsoft.com/office/drawing/2014/main" id="{C4B4BBB4-877C-11AC-71C5-AA64B70BB709}"/>
+                </a:ext>
+              </a:extLst>
+            </p:cNvPr>
+            <p:cNvSpPr>
+              <a:spLocks noChangeAspect="1"/>
+            </p:cNvSpPr>
+            <p:nvPr/>
+          </p:nvSpPr>
+          <p:spPr>
+            <a:xfrm>
+              <a:off x="4801756" y="2781878"/>
+              <a:ext cx="432000" cy="432000"/>
+            </a:xfrm>
+            <a:prstGeom prst="ellipse">
+              <a:avLst/>
+            </a:prstGeom>
+            <a:grpFill/>
+            <a:ln>
+              <a:noFill/>
+            </a:ln>
+          </p:spPr>
+          <p:style>
+            <a:lnRef idx="2">
+              <a:schemeClr val="accent1">
+                <a:shade val="15000"/>
+              </a:schemeClr>
+            </a:lnRef>
+            <a:fillRef idx="1">
+              <a:schemeClr val="accent1"/>
+            </a:fillRef>
+            <a:effectRef idx="0">
+              <a:schemeClr val="accent1"/>
+            </a:effectRef>
+            <a:fontRef idx="minor">
+              <a:schemeClr val="lt1"/>
+            </a:fontRef>
+          </p:style>
+          <p:txBody>
+            <a:bodyPr rtlCol="0" anchor="ctr"/>
+            <a:lstStyle/>
+            <a:p>
+              <a:pPr algn="ctr"/>
+              <a:endParaRPr lang="ko-KR" altLang="en-US"/>
+            </a:p>
+          </p:txBody>
+        </p:sp>
+        <p:sp>
+          <p:nvSpPr>
+            <p:cNvPr id="17" name="타원 16">
+              <a:extLst>
+                <a:ext uri="{FF2B5EF4-FFF2-40B4-BE49-F238E27FC236}">
+                  <a16:creationId xmlns:a16="http://schemas.microsoft.com/office/drawing/2014/main" id="{AED22CE9-807A-574B-9A85-C404D5516F92}"/>
+                </a:ext>
+              </a:extLst>
+            </p:cNvPr>
+            <p:cNvSpPr>
+              <a:spLocks noChangeAspect="1"/>
+            </p:cNvSpPr>
+            <p:nvPr/>
+          </p:nvSpPr>
+          <p:spPr>
+            <a:xfrm>
+              <a:off x="5448878" y="2781878"/>
+              <a:ext cx="432000" cy="432000"/>
+            </a:xfrm>
+            <a:prstGeom prst="ellipse">
+              <a:avLst/>
+            </a:prstGeom>
+            <a:grpFill/>
+            <a:ln>
+              <a:noFill/>
+            </a:ln>
+          </p:spPr>
+          <p:style>
+            <a:lnRef idx="2">
+              <a:schemeClr val="accent1">
+                <a:shade val="15000"/>
+              </a:schemeClr>
+            </a:lnRef>
+            <a:fillRef idx="1">
+              <a:schemeClr val="accent1"/>
+            </a:fillRef>
+            <a:effectRef idx="0">
+              <a:schemeClr val="accent1"/>
+            </a:effectRef>
+            <a:fontRef idx="minor">
+              <a:schemeClr val="lt1"/>
+            </a:fontRef>
+          </p:style>
+          <p:txBody>
+            <a:bodyPr rtlCol="0" anchor="ctr"/>
+            <a:lstStyle/>
+            <a:p>
+              <a:pPr algn="ctr"/>
+              <a:endParaRPr lang="ko-KR" altLang="en-US"/>
+            </a:p>
+          </p:txBody>
+        </p:sp>
+        <p:sp>
+          <p:nvSpPr>
+            <p:cNvPr id="18" name="타원 17">
+              <a:extLst>
+                <a:ext uri="{FF2B5EF4-FFF2-40B4-BE49-F238E27FC236}">
+                  <a16:creationId xmlns:a16="http://schemas.microsoft.com/office/drawing/2014/main" id="{63E770EB-3BF3-7A72-BC67-3ADAC04063C5}"/>
+                </a:ext>
+              </a:extLst>
+            </p:cNvPr>
+            <p:cNvSpPr>
+              <a:spLocks noChangeAspect="1"/>
+            </p:cNvSpPr>
+            <p:nvPr/>
+          </p:nvSpPr>
+          <p:spPr>
+            <a:xfrm>
+              <a:off x="6096000" y="2781878"/>
+              <a:ext cx="432000" cy="432000"/>
+            </a:xfrm>
+            <a:prstGeom prst="ellipse">
+              <a:avLst/>
+            </a:prstGeom>
+            <a:grpFill/>
+            <a:ln>
+              <a:noFill/>
+            </a:ln>
+          </p:spPr>
+          <p:style>
+            <a:lnRef idx="2">
+              <a:schemeClr val="accent1">
+                <a:shade val="15000"/>
+              </a:schemeClr>
+            </a:lnRef>
+            <a:fillRef idx="1">
+              <a:schemeClr val="accent1"/>
+            </a:fillRef>
+            <a:effectRef idx="0">
+              <a:schemeClr val="accent1"/>
+            </a:effectRef>
+            <a:fontRef idx="minor">
+              <a:schemeClr val="lt1"/>
+            </a:fontRef>
+          </p:style>
+          <p:txBody>
+            <a:bodyPr rtlCol="0" anchor="ctr"/>
+            <a:lstStyle/>
+            <a:p>
+              <a:pPr algn="ctr"/>
+              <a:endParaRPr lang="ko-KR" altLang="en-US"/>
+            </a:p>
+          </p:txBody>
+        </p:sp>
+        <p:sp>
+          <p:nvSpPr>
+            <p:cNvPr id="19" name="타원 18">
+              <a:extLst>
+                <a:ext uri="{FF2B5EF4-FFF2-40B4-BE49-F238E27FC236}">
+                  <a16:creationId xmlns:a16="http://schemas.microsoft.com/office/drawing/2014/main" id="{D4119843-6F26-9AAB-2A94-A85CE3F423F4}"/>
+                </a:ext>
+              </a:extLst>
+            </p:cNvPr>
+            <p:cNvSpPr>
+              <a:spLocks noChangeAspect="1"/>
+            </p:cNvSpPr>
+            <p:nvPr/>
+          </p:nvSpPr>
+          <p:spPr>
+            <a:xfrm>
+              <a:off x="6096000" y="3429000"/>
+              <a:ext cx="432000" cy="432000"/>
+            </a:xfrm>
+            <a:prstGeom prst="ellipse">
+              <a:avLst/>
+            </a:prstGeom>
+            <a:grpFill/>
+            <a:ln>
+              <a:noFill/>
+            </a:ln>
+          </p:spPr>
+          <p:style>
+            <a:lnRef idx="2">
+              <a:schemeClr val="accent1">
+                <a:shade val="15000"/>
+              </a:schemeClr>
+            </a:lnRef>
+            <a:fillRef idx="1">
+              <a:schemeClr val="accent1"/>
+            </a:fillRef>
+            <a:effectRef idx="0">
+              <a:schemeClr val="accent1"/>
+            </a:effectRef>
+            <a:fontRef idx="minor">
+              <a:schemeClr val="lt1"/>
+            </a:fontRef>
+          </p:style>
+          <p:txBody>
+            <a:bodyPr rtlCol="0" anchor="ctr"/>
+            <a:lstStyle/>
+            <a:p>
+              <a:pPr algn="ctr"/>
+              <a:endParaRPr lang="ko-KR" altLang="en-US"/>
+            </a:p>
+          </p:txBody>
+        </p:sp>
+        <p:sp>
+          <p:nvSpPr>
+            <p:cNvPr id="21" name="타원 20">
+              <a:extLst>
+                <a:ext uri="{FF2B5EF4-FFF2-40B4-BE49-F238E27FC236}">
+                  <a16:creationId xmlns:a16="http://schemas.microsoft.com/office/drawing/2014/main" id="{0320BE9C-C784-A79A-1971-FDE8D95AA4BB}"/>
+                </a:ext>
+              </a:extLst>
+            </p:cNvPr>
+            <p:cNvSpPr>
+              <a:spLocks noChangeAspect="1"/>
+            </p:cNvSpPr>
+            <p:nvPr/>
+          </p:nvSpPr>
+          <p:spPr>
+            <a:xfrm>
+              <a:off x="4801756" y="4076122"/>
+              <a:ext cx="432000" cy="432000"/>
+            </a:xfrm>
+            <a:prstGeom prst="ellipse">
+              <a:avLst/>
+            </a:prstGeom>
+            <a:grpFill/>
+            <a:ln>
+              <a:noFill/>
+            </a:ln>
+          </p:spPr>
+          <p:style>
+            <a:lnRef idx="2">
+              <a:schemeClr val="accent1">
+                <a:shade val="15000"/>
+              </a:schemeClr>
+            </a:lnRef>
+            <a:fillRef idx="1">
+              <a:schemeClr val="accent1"/>
+            </a:fillRef>
+            <a:effectRef idx="0">
+              <a:schemeClr val="accent1"/>
+            </a:effectRef>
+            <a:fontRef idx="minor">
+              <a:schemeClr val="lt1"/>
+            </a:fontRef>
+          </p:style>
+          <p:txBody>
+            <a:bodyPr rtlCol="0" anchor="ctr"/>
+            <a:lstStyle/>
+            <a:p>
+              <a:pPr algn="ctr"/>
+              <a:endParaRPr lang="ko-KR" altLang="en-US"/>
+            </a:p>
+          </p:txBody>
+        </p:sp>
+        <p:sp>
+          <p:nvSpPr>
+            <p:cNvPr id="22" name="타원 21">
+              <a:extLst>
+                <a:ext uri="{FF2B5EF4-FFF2-40B4-BE49-F238E27FC236}">
+                  <a16:creationId xmlns:a16="http://schemas.microsoft.com/office/drawing/2014/main" id="{22FF1089-0668-615B-E637-4DF9155C7619}"/>
+                </a:ext>
+              </a:extLst>
+            </p:cNvPr>
+            <p:cNvSpPr>
+              <a:spLocks noChangeAspect="1"/>
+            </p:cNvSpPr>
+            <p:nvPr/>
+          </p:nvSpPr>
+          <p:spPr>
+            <a:xfrm>
+              <a:off x="5448878" y="4076122"/>
+              <a:ext cx="432000" cy="432000"/>
+            </a:xfrm>
+            <a:prstGeom prst="ellipse">
+              <a:avLst/>
+            </a:prstGeom>
+            <a:grpFill/>
+            <a:ln>
+              <a:noFill/>
+            </a:ln>
+          </p:spPr>
+          <p:style>
+            <a:lnRef idx="2">
+              <a:schemeClr val="accent1">
+                <a:shade val="15000"/>
+              </a:schemeClr>
+            </a:lnRef>
+            <a:fillRef idx="1">
+              <a:schemeClr val="accent1"/>
+            </a:fillRef>
+            <a:effectRef idx="0">
+              <a:schemeClr val="accent1"/>
+            </a:effectRef>
+            <a:fontRef idx="minor">
+              <a:schemeClr val="lt1"/>
+            </a:fontRef>
+          </p:style>
+          <p:txBody>
+            <a:bodyPr rtlCol="0" anchor="ctr"/>
+            <a:lstStyle/>
+            <a:p>
+              <a:pPr algn="ctr"/>
+              <a:endParaRPr lang="ko-KR" altLang="en-US"/>
+            </a:p>
+          </p:txBody>
+        </p:sp>
+        <p:sp>
+          <p:nvSpPr>
+            <p:cNvPr id="23" name="타원 22">
+              <a:extLst>
+                <a:ext uri="{FF2B5EF4-FFF2-40B4-BE49-F238E27FC236}">
+                  <a16:creationId xmlns:a16="http://schemas.microsoft.com/office/drawing/2014/main" id="{0799FA19-1D43-BBFB-3349-67BE08E03274}"/>
+                </a:ext>
+              </a:extLst>
+            </p:cNvPr>
+            <p:cNvSpPr>
+              <a:spLocks noChangeAspect="1"/>
+            </p:cNvSpPr>
+            <p:nvPr/>
+          </p:nvSpPr>
+          <p:spPr>
+            <a:xfrm>
+              <a:off x="4154634" y="1487634"/>
+              <a:ext cx="432000" cy="432000"/>
+            </a:xfrm>
+            <a:prstGeom prst="ellipse">
+              <a:avLst/>
+            </a:prstGeom>
+            <a:grpFill/>
+            <a:ln>
+              <a:noFill/>
+            </a:ln>
+          </p:spPr>
+          <p:style>
+            <a:lnRef idx="2">
+              <a:schemeClr val="accent1">
+                <a:shade val="15000"/>
+              </a:schemeClr>
+            </a:lnRef>
+            <a:fillRef idx="1">
+              <a:schemeClr val="accent1"/>
+            </a:fillRef>
+            <a:effectRef idx="0">
+              <a:schemeClr val="accent1"/>
+            </a:effectRef>
+            <a:fontRef idx="minor">
+              <a:schemeClr val="lt1"/>
+            </a:fontRef>
+          </p:style>
+          <p:txBody>
+            <a:bodyPr rtlCol="0" anchor="ctr"/>
+            <a:lstStyle/>
+            <a:p>
+              <a:pPr algn="ctr"/>
+              <a:endParaRPr lang="ko-KR" altLang="en-US"/>
+            </a:p>
+          </p:txBody>
+        </p:sp>
+        <p:sp>
+          <p:nvSpPr>
+            <p:cNvPr id="27" name="타원 26">
+              <a:extLst>
+                <a:ext uri="{FF2B5EF4-FFF2-40B4-BE49-F238E27FC236}">
+                  <a16:creationId xmlns:a16="http://schemas.microsoft.com/office/drawing/2014/main" id="{34D5EC16-8DB8-944A-A937-6C60D2E1981E}"/>
+                </a:ext>
+              </a:extLst>
+            </p:cNvPr>
+            <p:cNvSpPr>
+              <a:spLocks noChangeAspect="1"/>
+            </p:cNvSpPr>
+            <p:nvPr/>
+          </p:nvSpPr>
+          <p:spPr>
+            <a:xfrm>
+              <a:off x="4154634" y="2134756"/>
+              <a:ext cx="432000" cy="432000"/>
+            </a:xfrm>
+            <a:prstGeom prst="ellipse">
+              <a:avLst/>
+            </a:prstGeom>
+            <a:grpFill/>
+            <a:ln>
+              <a:noFill/>
+            </a:ln>
+          </p:spPr>
+          <p:style>
+            <a:lnRef idx="2">
+              <a:schemeClr val="accent1">
+                <a:shade val="15000"/>
+              </a:schemeClr>
+            </a:lnRef>
+            <a:fillRef idx="1">
+              <a:schemeClr val="accent1"/>
+            </a:fillRef>
+            <a:effectRef idx="0">
+              <a:schemeClr val="accent1"/>
+            </a:effectRef>
+            <a:fontRef idx="minor">
+              <a:schemeClr val="lt1"/>
+            </a:fontRef>
+          </p:style>
+          <p:txBody>
+            <a:bodyPr rtlCol="0" anchor="ctr"/>
+            <a:lstStyle/>
+            <a:p>
+              <a:pPr algn="ctr"/>
+              <a:endParaRPr lang="ko-KR" altLang="en-US"/>
+            </a:p>
+          </p:txBody>
+        </p:sp>
+        <p:sp>
+          <p:nvSpPr>
+            <p:cNvPr id="28" name="타원 27">
+              <a:extLst>
+                <a:ext uri="{FF2B5EF4-FFF2-40B4-BE49-F238E27FC236}">
+                  <a16:creationId xmlns:a16="http://schemas.microsoft.com/office/drawing/2014/main" id="{9EADAA22-6E3A-EB8E-6496-F83D99764F2B}"/>
+                </a:ext>
+              </a:extLst>
+            </p:cNvPr>
+            <p:cNvSpPr>
+              <a:spLocks noChangeAspect="1"/>
+            </p:cNvSpPr>
+            <p:nvPr/>
+          </p:nvSpPr>
+          <p:spPr>
+            <a:xfrm>
+              <a:off x="4154634" y="2781878"/>
+              <a:ext cx="432000" cy="432000"/>
+            </a:xfrm>
+            <a:prstGeom prst="ellipse">
+              <a:avLst/>
+            </a:prstGeom>
+            <a:grpFill/>
+            <a:ln>
+              <a:noFill/>
+            </a:ln>
+          </p:spPr>
+          <p:style>
+            <a:lnRef idx="2">
+              <a:schemeClr val="accent1">
+                <a:shade val="15000"/>
+              </a:schemeClr>
+            </a:lnRef>
+            <a:fillRef idx="1">
+              <a:schemeClr val="accent1"/>
+            </a:fillRef>
+            <a:effectRef idx="0">
+              <a:schemeClr val="accent1"/>
+            </a:effectRef>
+            <a:fontRef idx="minor">
+              <a:schemeClr val="lt1"/>
+            </a:fontRef>
+          </p:style>
+          <p:txBody>
+            <a:bodyPr rtlCol="0" anchor="ctr"/>
+            <a:lstStyle/>
+            <a:p>
+              <a:pPr algn="ctr"/>
+              <a:endParaRPr lang="ko-KR" altLang="en-US"/>
+            </a:p>
+          </p:txBody>
+        </p:sp>
+        <p:sp>
+          <p:nvSpPr>
+            <p:cNvPr id="29" name="타원 28">
+              <a:extLst>
+                <a:ext uri="{FF2B5EF4-FFF2-40B4-BE49-F238E27FC236}">
+                  <a16:creationId xmlns:a16="http://schemas.microsoft.com/office/drawing/2014/main" id="{0683F8D3-7E58-8A43-864C-92A7EE68EB15}"/>
+                </a:ext>
+              </a:extLst>
+            </p:cNvPr>
+            <p:cNvSpPr>
+              <a:spLocks noChangeAspect="1"/>
+            </p:cNvSpPr>
+            <p:nvPr/>
+          </p:nvSpPr>
+          <p:spPr>
+            <a:xfrm>
+              <a:off x="4154634" y="3429000"/>
+              <a:ext cx="432000" cy="432000"/>
+            </a:xfrm>
+            <a:prstGeom prst="ellipse">
+              <a:avLst/>
+            </a:prstGeom>
+            <a:grpFill/>
+            <a:ln>
+              <a:noFill/>
+            </a:ln>
+          </p:spPr>
+          <p:style>
+            <a:lnRef idx="2">
+              <a:schemeClr val="accent1">
+                <a:shade val="15000"/>
+              </a:schemeClr>
+            </a:lnRef>
+            <a:fillRef idx="1">
+              <a:schemeClr val="accent1"/>
+            </a:fillRef>
+            <a:effectRef idx="0">
+              <a:schemeClr val="accent1"/>
+            </a:effectRef>
+            <a:fontRef idx="minor">
+              <a:schemeClr val="lt1"/>
+            </a:fontRef>
+          </p:style>
+          <p:txBody>
+            <a:bodyPr rtlCol="0" anchor="ctr"/>
+            <a:lstStyle/>
+            <a:p>
+              <a:pPr algn="ctr"/>
+              <a:endParaRPr lang="ko-KR" altLang="en-US"/>
+            </a:p>
+          </p:txBody>
+        </p:sp>
+        <p:sp>
+          <p:nvSpPr>
+            <p:cNvPr id="30" name="타원 29">
+              <a:extLst>
+                <a:ext uri="{FF2B5EF4-FFF2-40B4-BE49-F238E27FC236}">
+                  <a16:creationId xmlns:a16="http://schemas.microsoft.com/office/drawing/2014/main" id="{B62B9E82-A0BA-A27B-ED1A-432C9600BC8B}"/>
+                </a:ext>
+              </a:extLst>
+            </p:cNvPr>
+            <p:cNvSpPr>
+              <a:spLocks noChangeAspect="1"/>
+            </p:cNvSpPr>
+            <p:nvPr/>
+          </p:nvSpPr>
+          <p:spPr>
+            <a:xfrm>
+              <a:off x="4154634" y="4076122"/>
+              <a:ext cx="432000" cy="432000"/>
+            </a:xfrm>
+            <a:prstGeom prst="ellipse">
+              <a:avLst/>
+            </a:prstGeom>
+            <a:grpFill/>
+            <a:ln>
+              <a:noFill/>
+            </a:ln>
+          </p:spPr>
+          <p:style>
+            <a:lnRef idx="2">
+              <a:schemeClr val="accent1">
+                <a:shade val="15000"/>
+              </a:schemeClr>
+            </a:lnRef>
+            <a:fillRef idx="1">
+              <a:schemeClr val="accent1"/>
+            </a:fillRef>
+            <a:effectRef idx="0">
+              <a:schemeClr val="accent1"/>
+            </a:effectRef>
+            <a:fontRef idx="minor">
+              <a:schemeClr val="lt1"/>
+            </a:fontRef>
+          </p:style>
+          <p:txBody>
+            <a:bodyPr rtlCol="0" anchor="ctr"/>
+            <a:lstStyle/>
+            <a:p>
+              <a:pPr algn="ctr"/>
+              <a:endParaRPr lang="ko-KR" altLang="en-US"/>
+            </a:p>
+          </p:txBody>
+        </p:sp>
+      </p:grpSp>
+      <p:grpSp>
+        <p:nvGrpSpPr>
+          <p:cNvPr id="31" name="그룹 30">
+            <a:extLst>
+              <a:ext uri="{FF2B5EF4-FFF2-40B4-BE49-F238E27FC236}">
+                <a16:creationId xmlns:a16="http://schemas.microsoft.com/office/drawing/2014/main" id="{D734E4F6-C57D-403B-16F4-4090ABC2E157}"/>
+              </a:ext>
+            </a:extLst>
+          </p:cNvPr>
+          <p:cNvGrpSpPr/>
+          <p:nvPr/>
+        </p:nvGrpSpPr>
+        <p:grpSpPr>
+          <a:xfrm>
+            <a:off x="4703580" y="1494284"/>
+            <a:ext cx="2373366" cy="3020488"/>
+            <a:chOff x="4154634" y="1487634"/>
+            <a:chExt cx="2373366" cy="3020488"/>
+          </a:xfrm>
+          <a:solidFill>
+            <a:schemeClr val="accent5">
+              <a:lumMod val="40000"/>
+              <a:lumOff val="60000"/>
+            </a:schemeClr>
+          </a:solidFill>
+        </p:grpSpPr>
+        <p:sp>
+          <p:nvSpPr>
+            <p:cNvPr id="33" name="타원 32">
+              <a:extLst>
+                <a:ext uri="{FF2B5EF4-FFF2-40B4-BE49-F238E27FC236}">
+                  <a16:creationId xmlns:a16="http://schemas.microsoft.com/office/drawing/2014/main" id="{B8CE348C-6014-356E-FDE8-7BCEF6CC5FB2}"/>
+                </a:ext>
+              </a:extLst>
+            </p:cNvPr>
+            <p:cNvSpPr>
+              <a:spLocks noChangeAspect="1"/>
+            </p:cNvSpPr>
+            <p:nvPr/>
+          </p:nvSpPr>
+          <p:spPr>
+            <a:xfrm>
+              <a:off x="4801756" y="1487634"/>
+              <a:ext cx="432000" cy="432000"/>
+            </a:xfrm>
+            <a:prstGeom prst="ellipse">
+              <a:avLst/>
+            </a:prstGeom>
+            <a:grpFill/>
+            <a:ln>
+              <a:noFill/>
+            </a:ln>
+          </p:spPr>
+          <p:style>
+            <a:lnRef idx="2">
+              <a:schemeClr val="accent1">
+                <a:shade val="15000"/>
+              </a:schemeClr>
+            </a:lnRef>
+            <a:fillRef idx="1">
+              <a:schemeClr val="accent1"/>
+            </a:fillRef>
+            <a:effectRef idx="0">
+              <a:schemeClr val="accent1"/>
+            </a:effectRef>
+            <a:fontRef idx="minor">
+              <a:schemeClr val="lt1"/>
+            </a:fontRef>
+          </p:style>
+          <p:txBody>
+            <a:bodyPr rtlCol="0" anchor="ctr"/>
+            <a:lstStyle/>
+            <a:p>
+              <a:pPr algn="ctr"/>
+              <a:endParaRPr lang="ko-KR" altLang="en-US"/>
+            </a:p>
+          </p:txBody>
+        </p:sp>
+        <p:sp>
+          <p:nvSpPr>
+            <p:cNvPr id="34" name="타원 33">
+              <a:extLst>
+                <a:ext uri="{FF2B5EF4-FFF2-40B4-BE49-F238E27FC236}">
+                  <a16:creationId xmlns:a16="http://schemas.microsoft.com/office/drawing/2014/main" id="{8CBA0F1C-D996-8714-2200-A6D1C5A33D49}"/>
+                </a:ext>
+              </a:extLst>
+            </p:cNvPr>
+            <p:cNvSpPr>
+              <a:spLocks noChangeAspect="1"/>
+            </p:cNvSpPr>
+            <p:nvPr/>
+          </p:nvSpPr>
+          <p:spPr>
+            <a:xfrm>
+              <a:off x="5448878" y="1487634"/>
+              <a:ext cx="432000" cy="432000"/>
+            </a:xfrm>
+            <a:prstGeom prst="ellipse">
+              <a:avLst/>
+            </a:prstGeom>
+            <a:grpFill/>
+            <a:ln>
+              <a:noFill/>
+            </a:ln>
+          </p:spPr>
+          <p:style>
+            <a:lnRef idx="2">
+              <a:schemeClr val="accent1">
+                <a:shade val="15000"/>
+              </a:schemeClr>
+            </a:lnRef>
+            <a:fillRef idx="1">
+              <a:schemeClr val="accent1"/>
+            </a:fillRef>
+            <a:effectRef idx="0">
+              <a:schemeClr val="accent1"/>
+            </a:effectRef>
+            <a:fontRef idx="minor">
+              <a:schemeClr val="lt1"/>
+            </a:fontRef>
+          </p:style>
+          <p:txBody>
+            <a:bodyPr rtlCol="0" anchor="ctr"/>
+            <a:lstStyle/>
+            <a:p>
+              <a:pPr algn="ctr"/>
+              <a:endParaRPr lang="ko-KR" altLang="en-US"/>
+            </a:p>
+          </p:txBody>
+        </p:sp>
+        <p:sp>
+          <p:nvSpPr>
+            <p:cNvPr id="35" name="타원 34">
+              <a:extLst>
+                <a:ext uri="{FF2B5EF4-FFF2-40B4-BE49-F238E27FC236}">
+                  <a16:creationId xmlns:a16="http://schemas.microsoft.com/office/drawing/2014/main" id="{E08E50F0-9E6E-64E8-1C9D-45D9CF1FD4F3}"/>
+                </a:ext>
+              </a:extLst>
+            </p:cNvPr>
+            <p:cNvSpPr>
+              <a:spLocks noChangeAspect="1"/>
+            </p:cNvSpPr>
+            <p:nvPr/>
+          </p:nvSpPr>
+          <p:spPr>
+            <a:xfrm>
+              <a:off x="6096000" y="2134756"/>
+              <a:ext cx="432000" cy="432000"/>
+            </a:xfrm>
+            <a:prstGeom prst="ellipse">
+              <a:avLst/>
+            </a:prstGeom>
+            <a:grpFill/>
+            <a:ln>
+              <a:noFill/>
+            </a:ln>
+          </p:spPr>
+          <p:style>
+            <a:lnRef idx="2">
+              <a:schemeClr val="accent1">
+                <a:shade val="15000"/>
+              </a:schemeClr>
+            </a:lnRef>
+            <a:fillRef idx="1">
+              <a:schemeClr val="accent1"/>
+            </a:fillRef>
+            <a:effectRef idx="0">
+              <a:schemeClr val="accent1"/>
+            </a:effectRef>
+            <a:fontRef idx="minor">
+              <a:schemeClr val="lt1"/>
+            </a:fontRef>
+          </p:style>
+          <p:txBody>
+            <a:bodyPr rtlCol="0" anchor="ctr"/>
+            <a:lstStyle/>
+            <a:p>
+              <a:pPr algn="ctr"/>
+              <a:endParaRPr lang="ko-KR" altLang="en-US" dirty="0"/>
+            </a:p>
+          </p:txBody>
+        </p:sp>
+        <p:sp>
+          <p:nvSpPr>
+            <p:cNvPr id="38" name="타원 37">
+              <a:extLst>
+                <a:ext uri="{FF2B5EF4-FFF2-40B4-BE49-F238E27FC236}">
+                  <a16:creationId xmlns:a16="http://schemas.microsoft.com/office/drawing/2014/main" id="{7DC218BF-4E12-78A4-ED2E-0E45A77A57A0}"/>
+                </a:ext>
+              </a:extLst>
+            </p:cNvPr>
+            <p:cNvSpPr>
+              <a:spLocks noChangeAspect="1"/>
+            </p:cNvSpPr>
+            <p:nvPr/>
+          </p:nvSpPr>
+          <p:spPr>
+            <a:xfrm>
+              <a:off x="4801756" y="2781878"/>
+              <a:ext cx="432000" cy="432000"/>
+            </a:xfrm>
+            <a:prstGeom prst="ellipse">
+              <a:avLst/>
+            </a:prstGeom>
+            <a:grpFill/>
+            <a:ln>
+              <a:noFill/>
+            </a:ln>
+          </p:spPr>
+          <p:style>
+            <a:lnRef idx="2">
+              <a:schemeClr val="accent1">
+                <a:shade val="15000"/>
+              </a:schemeClr>
+            </a:lnRef>
+            <a:fillRef idx="1">
+              <a:schemeClr val="accent1"/>
+            </a:fillRef>
+            <a:effectRef idx="0">
+              <a:schemeClr val="accent1"/>
+            </a:effectRef>
+            <a:fontRef idx="minor">
+              <a:schemeClr val="lt1"/>
+            </a:fontRef>
+          </p:style>
+          <p:txBody>
+            <a:bodyPr rtlCol="0" anchor="ctr"/>
+            <a:lstStyle/>
+            <a:p>
+              <a:pPr algn="ctr"/>
+              <a:endParaRPr lang="ko-KR" altLang="en-US"/>
+            </a:p>
+          </p:txBody>
+        </p:sp>
+        <p:sp>
+          <p:nvSpPr>
+            <p:cNvPr id="39" name="타원 38">
+              <a:extLst>
+                <a:ext uri="{FF2B5EF4-FFF2-40B4-BE49-F238E27FC236}">
+                  <a16:creationId xmlns:a16="http://schemas.microsoft.com/office/drawing/2014/main" id="{CF86A55E-F531-4A51-255E-B42E27D6FD37}"/>
+                </a:ext>
+              </a:extLst>
+            </p:cNvPr>
+            <p:cNvSpPr>
+              <a:spLocks noChangeAspect="1"/>
+            </p:cNvSpPr>
+            <p:nvPr/>
+          </p:nvSpPr>
+          <p:spPr>
+            <a:xfrm>
+              <a:off x="5448878" y="2781878"/>
+              <a:ext cx="432000" cy="432000"/>
+            </a:xfrm>
+            <a:prstGeom prst="ellipse">
+              <a:avLst/>
+            </a:prstGeom>
+            <a:grpFill/>
+            <a:ln>
+              <a:noFill/>
+            </a:ln>
+          </p:spPr>
+          <p:style>
+            <a:lnRef idx="2">
+              <a:schemeClr val="accent1">
+                <a:shade val="15000"/>
+              </a:schemeClr>
+            </a:lnRef>
+            <a:fillRef idx="1">
+              <a:schemeClr val="accent1"/>
+            </a:fillRef>
+            <a:effectRef idx="0">
+              <a:schemeClr val="accent1"/>
+            </a:effectRef>
+            <a:fontRef idx="minor">
+              <a:schemeClr val="lt1"/>
+            </a:fontRef>
+          </p:style>
+          <p:txBody>
+            <a:bodyPr rtlCol="0" anchor="ctr"/>
+            <a:lstStyle/>
+            <a:p>
+              <a:pPr algn="ctr"/>
+              <a:endParaRPr lang="ko-KR" altLang="en-US"/>
+            </a:p>
+          </p:txBody>
+        </p:sp>
+        <p:sp>
+          <p:nvSpPr>
+            <p:cNvPr id="40" name="타원 39">
+              <a:extLst>
+                <a:ext uri="{FF2B5EF4-FFF2-40B4-BE49-F238E27FC236}">
+                  <a16:creationId xmlns:a16="http://schemas.microsoft.com/office/drawing/2014/main" id="{A369BC38-7114-5871-B299-FB588E58038A}"/>
+                </a:ext>
+              </a:extLst>
+            </p:cNvPr>
+            <p:cNvSpPr>
+              <a:spLocks noChangeAspect="1"/>
+            </p:cNvSpPr>
+            <p:nvPr/>
+          </p:nvSpPr>
+          <p:spPr>
+            <a:xfrm>
+              <a:off x="6096000" y="2781878"/>
+              <a:ext cx="432000" cy="432000"/>
+            </a:xfrm>
+            <a:prstGeom prst="ellipse">
+              <a:avLst/>
+            </a:prstGeom>
+            <a:grpFill/>
+            <a:ln>
+              <a:noFill/>
+            </a:ln>
+          </p:spPr>
+          <p:style>
+            <a:lnRef idx="2">
+              <a:schemeClr val="accent1">
+                <a:shade val="15000"/>
+              </a:schemeClr>
+            </a:lnRef>
+            <a:fillRef idx="1">
+              <a:schemeClr val="accent1"/>
+            </a:fillRef>
+            <a:effectRef idx="0">
+              <a:schemeClr val="accent1"/>
+            </a:effectRef>
+            <a:fontRef idx="minor">
+              <a:schemeClr val="lt1"/>
+            </a:fontRef>
+          </p:style>
+          <p:txBody>
+            <a:bodyPr rtlCol="0" anchor="ctr"/>
+            <a:lstStyle/>
+            <a:p>
+              <a:pPr algn="ctr"/>
+              <a:endParaRPr lang="ko-KR" altLang="en-US"/>
+            </a:p>
+          </p:txBody>
+        </p:sp>
+        <p:sp>
+          <p:nvSpPr>
+            <p:cNvPr id="41" name="타원 40">
+              <a:extLst>
+                <a:ext uri="{FF2B5EF4-FFF2-40B4-BE49-F238E27FC236}">
+                  <a16:creationId xmlns:a16="http://schemas.microsoft.com/office/drawing/2014/main" id="{9AA58944-93FB-181E-E5B9-B20C2FE64F51}"/>
+                </a:ext>
+              </a:extLst>
+            </p:cNvPr>
+            <p:cNvSpPr>
+              <a:spLocks noChangeAspect="1"/>
+            </p:cNvSpPr>
+            <p:nvPr/>
+          </p:nvSpPr>
+          <p:spPr>
+            <a:xfrm>
+              <a:off x="6096000" y="3429000"/>
+              <a:ext cx="432000" cy="432000"/>
+            </a:xfrm>
+            <a:prstGeom prst="ellipse">
+              <a:avLst/>
+            </a:prstGeom>
+            <a:grpFill/>
+            <a:ln>
+              <a:noFill/>
+            </a:ln>
+          </p:spPr>
+          <p:style>
+            <a:lnRef idx="2">
+              <a:schemeClr val="accent1">
+                <a:shade val="15000"/>
+              </a:schemeClr>
+            </a:lnRef>
+            <a:fillRef idx="1">
+              <a:schemeClr val="accent1"/>
+            </a:fillRef>
+            <a:effectRef idx="0">
+              <a:schemeClr val="accent1"/>
+            </a:effectRef>
+            <a:fontRef idx="minor">
+              <a:schemeClr val="lt1"/>
+            </a:fontRef>
+          </p:style>
+          <p:txBody>
+            <a:bodyPr rtlCol="0" anchor="ctr"/>
+            <a:lstStyle/>
+            <a:p>
+              <a:pPr algn="ctr"/>
+              <a:endParaRPr lang="ko-KR" altLang="en-US"/>
+            </a:p>
+          </p:txBody>
+        </p:sp>
+        <p:sp>
+          <p:nvSpPr>
+            <p:cNvPr id="42" name="타원 41">
+              <a:extLst>
+                <a:ext uri="{FF2B5EF4-FFF2-40B4-BE49-F238E27FC236}">
+                  <a16:creationId xmlns:a16="http://schemas.microsoft.com/office/drawing/2014/main" id="{920D46ED-057E-2D4E-92F3-43B32200768B}"/>
+                </a:ext>
+              </a:extLst>
+            </p:cNvPr>
+            <p:cNvSpPr>
+              <a:spLocks noChangeAspect="1"/>
+            </p:cNvSpPr>
+            <p:nvPr/>
+          </p:nvSpPr>
+          <p:spPr>
+            <a:xfrm>
+              <a:off x="4801756" y="4076122"/>
+              <a:ext cx="432000" cy="432000"/>
+            </a:xfrm>
+            <a:prstGeom prst="ellipse">
+              <a:avLst/>
+            </a:prstGeom>
+            <a:grpFill/>
+            <a:ln>
+              <a:noFill/>
+            </a:ln>
+          </p:spPr>
+          <p:style>
+            <a:lnRef idx="2">
+              <a:schemeClr val="accent1">
+                <a:shade val="15000"/>
+              </a:schemeClr>
+            </a:lnRef>
+            <a:fillRef idx="1">
+              <a:schemeClr val="accent1"/>
+            </a:fillRef>
+            <a:effectRef idx="0">
+              <a:schemeClr val="accent1"/>
+            </a:effectRef>
+            <a:fontRef idx="minor">
+              <a:schemeClr val="lt1"/>
+            </a:fontRef>
+          </p:style>
+          <p:txBody>
+            <a:bodyPr rtlCol="0" anchor="ctr"/>
+            <a:lstStyle/>
+            <a:p>
+              <a:pPr algn="ctr"/>
+              <a:endParaRPr lang="ko-KR" altLang="en-US"/>
+            </a:p>
+          </p:txBody>
+        </p:sp>
+        <p:sp>
+          <p:nvSpPr>
+            <p:cNvPr id="43" name="타원 42">
+              <a:extLst>
+                <a:ext uri="{FF2B5EF4-FFF2-40B4-BE49-F238E27FC236}">
+                  <a16:creationId xmlns:a16="http://schemas.microsoft.com/office/drawing/2014/main" id="{6E14413E-1322-72D1-AD7D-93CC48BB8C50}"/>
+                </a:ext>
+              </a:extLst>
+            </p:cNvPr>
+            <p:cNvSpPr>
+              <a:spLocks noChangeAspect="1"/>
+            </p:cNvSpPr>
+            <p:nvPr/>
+          </p:nvSpPr>
+          <p:spPr>
+            <a:xfrm>
+              <a:off x="5448878" y="4076122"/>
+              <a:ext cx="432000" cy="432000"/>
+            </a:xfrm>
+            <a:prstGeom prst="ellipse">
+              <a:avLst/>
+            </a:prstGeom>
+            <a:grpFill/>
+            <a:ln>
+              <a:noFill/>
+            </a:ln>
+          </p:spPr>
+          <p:style>
+            <a:lnRef idx="2">
+              <a:schemeClr val="accent1">
+                <a:shade val="15000"/>
+              </a:schemeClr>
+            </a:lnRef>
+            <a:fillRef idx="1">
+              <a:schemeClr val="accent1"/>
+            </a:fillRef>
+            <a:effectRef idx="0">
+              <a:schemeClr val="accent1"/>
+            </a:effectRef>
+            <a:fontRef idx="minor">
+              <a:schemeClr val="lt1"/>
+            </a:fontRef>
+          </p:style>
+          <p:txBody>
+            <a:bodyPr rtlCol="0" anchor="ctr"/>
+            <a:lstStyle/>
+            <a:p>
+              <a:pPr algn="ctr"/>
+              <a:endParaRPr lang="ko-KR" altLang="en-US"/>
+            </a:p>
+          </p:txBody>
+        </p:sp>
+        <p:sp>
+          <p:nvSpPr>
+            <p:cNvPr id="44" name="타원 43">
+              <a:extLst>
+                <a:ext uri="{FF2B5EF4-FFF2-40B4-BE49-F238E27FC236}">
+                  <a16:creationId xmlns:a16="http://schemas.microsoft.com/office/drawing/2014/main" id="{BC0D41DB-F7B6-0446-BC58-53C29CDED02D}"/>
+                </a:ext>
+              </a:extLst>
+            </p:cNvPr>
+            <p:cNvSpPr>
+              <a:spLocks noChangeAspect="1"/>
+            </p:cNvSpPr>
+            <p:nvPr/>
+          </p:nvSpPr>
+          <p:spPr>
+            <a:xfrm>
+              <a:off x="4154634" y="1487634"/>
+              <a:ext cx="432000" cy="432000"/>
+            </a:xfrm>
+            <a:prstGeom prst="ellipse">
+              <a:avLst/>
+            </a:prstGeom>
+            <a:grpFill/>
+            <a:ln>
+              <a:noFill/>
+            </a:ln>
+          </p:spPr>
+          <p:style>
+            <a:lnRef idx="2">
+              <a:schemeClr val="accent1">
+                <a:shade val="15000"/>
+              </a:schemeClr>
+            </a:lnRef>
+            <a:fillRef idx="1">
+              <a:schemeClr val="accent1"/>
+            </a:fillRef>
+            <a:effectRef idx="0">
+              <a:schemeClr val="accent1"/>
+            </a:effectRef>
+            <a:fontRef idx="minor">
+              <a:schemeClr val="lt1"/>
+            </a:fontRef>
+          </p:style>
+          <p:txBody>
+            <a:bodyPr rtlCol="0" anchor="ctr"/>
+            <a:lstStyle/>
+            <a:p>
+              <a:pPr algn="ctr"/>
+              <a:endParaRPr lang="ko-KR" altLang="en-US"/>
+            </a:p>
+          </p:txBody>
+        </p:sp>
+        <p:sp>
+          <p:nvSpPr>
+            <p:cNvPr id="45" name="타원 44">
+              <a:extLst>
+                <a:ext uri="{FF2B5EF4-FFF2-40B4-BE49-F238E27FC236}">
+                  <a16:creationId xmlns:a16="http://schemas.microsoft.com/office/drawing/2014/main" id="{8F18CD43-ABCD-A2F5-E124-9697ED73CDDB}"/>
+                </a:ext>
+              </a:extLst>
+            </p:cNvPr>
+            <p:cNvSpPr>
+              <a:spLocks noChangeAspect="1"/>
+            </p:cNvSpPr>
+            <p:nvPr/>
+          </p:nvSpPr>
+          <p:spPr>
+            <a:xfrm>
+              <a:off x="4154634" y="2134756"/>
+              <a:ext cx="432000" cy="432000"/>
+            </a:xfrm>
+            <a:prstGeom prst="ellipse">
+              <a:avLst/>
+            </a:prstGeom>
+            <a:grpFill/>
+            <a:ln>
+              <a:noFill/>
+            </a:ln>
+          </p:spPr>
+          <p:style>
+            <a:lnRef idx="2">
+              <a:schemeClr val="accent1">
+                <a:shade val="15000"/>
+              </a:schemeClr>
+            </a:lnRef>
+            <a:fillRef idx="1">
+              <a:schemeClr val="accent1"/>
+            </a:fillRef>
+            <a:effectRef idx="0">
+              <a:schemeClr val="accent1"/>
+            </a:effectRef>
+            <a:fontRef idx="minor">
+              <a:schemeClr val="lt1"/>
+            </a:fontRef>
+          </p:style>
+          <p:txBody>
+            <a:bodyPr rtlCol="0" anchor="ctr"/>
+            <a:lstStyle/>
+            <a:p>
+              <a:pPr algn="ctr"/>
+              <a:endParaRPr lang="ko-KR" altLang="en-US"/>
+            </a:p>
+          </p:txBody>
+        </p:sp>
+        <p:sp>
+          <p:nvSpPr>
+            <p:cNvPr id="46" name="타원 45">
+              <a:extLst>
+                <a:ext uri="{FF2B5EF4-FFF2-40B4-BE49-F238E27FC236}">
+                  <a16:creationId xmlns:a16="http://schemas.microsoft.com/office/drawing/2014/main" id="{162ADDF9-EF3A-55EF-AC88-D5BF948667DE}"/>
+                </a:ext>
+              </a:extLst>
+            </p:cNvPr>
+            <p:cNvSpPr>
+              <a:spLocks noChangeAspect="1"/>
+            </p:cNvSpPr>
+            <p:nvPr/>
+          </p:nvSpPr>
+          <p:spPr>
+            <a:xfrm>
+              <a:off x="4154634" y="2781878"/>
+              <a:ext cx="432000" cy="432000"/>
+            </a:xfrm>
+            <a:prstGeom prst="ellipse">
+              <a:avLst/>
+            </a:prstGeom>
+            <a:grpFill/>
+            <a:ln>
+              <a:noFill/>
+            </a:ln>
+          </p:spPr>
+          <p:style>
+            <a:lnRef idx="2">
+              <a:schemeClr val="accent1">
+                <a:shade val="15000"/>
+              </a:schemeClr>
+            </a:lnRef>
+            <a:fillRef idx="1">
+              <a:schemeClr val="accent1"/>
+            </a:fillRef>
+            <a:effectRef idx="0">
+              <a:schemeClr val="accent1"/>
+            </a:effectRef>
+            <a:fontRef idx="minor">
+              <a:schemeClr val="lt1"/>
+            </a:fontRef>
+          </p:style>
+          <p:txBody>
+            <a:bodyPr rtlCol="0" anchor="ctr"/>
+            <a:lstStyle/>
+            <a:p>
+              <a:pPr algn="ctr"/>
+              <a:endParaRPr lang="ko-KR" altLang="en-US"/>
+            </a:p>
+          </p:txBody>
+        </p:sp>
+        <p:sp>
+          <p:nvSpPr>
+            <p:cNvPr id="47" name="타원 46">
+              <a:extLst>
+                <a:ext uri="{FF2B5EF4-FFF2-40B4-BE49-F238E27FC236}">
+                  <a16:creationId xmlns:a16="http://schemas.microsoft.com/office/drawing/2014/main" id="{1045BE7A-F093-749A-C8CA-1DEA9004898B}"/>
+                </a:ext>
+              </a:extLst>
+            </p:cNvPr>
+            <p:cNvSpPr>
+              <a:spLocks noChangeAspect="1"/>
+            </p:cNvSpPr>
+            <p:nvPr/>
+          </p:nvSpPr>
+          <p:spPr>
+            <a:xfrm>
+              <a:off x="4154634" y="3429000"/>
+              <a:ext cx="432000" cy="432000"/>
+            </a:xfrm>
+            <a:prstGeom prst="ellipse">
+              <a:avLst/>
+            </a:prstGeom>
+            <a:grpFill/>
+            <a:ln>
+              <a:noFill/>
+            </a:ln>
+          </p:spPr>
+          <p:style>
+            <a:lnRef idx="2">
+              <a:schemeClr val="accent1">
+                <a:shade val="15000"/>
+              </a:schemeClr>
+            </a:lnRef>
+            <a:fillRef idx="1">
+              <a:schemeClr val="accent1"/>
+            </a:fillRef>
+            <a:effectRef idx="0">
+              <a:schemeClr val="accent1"/>
+            </a:effectRef>
+            <a:fontRef idx="minor">
+              <a:schemeClr val="lt1"/>
+            </a:fontRef>
+          </p:style>
+          <p:txBody>
+            <a:bodyPr rtlCol="0" anchor="ctr"/>
+            <a:lstStyle/>
+            <a:p>
+              <a:pPr algn="ctr"/>
+              <a:endParaRPr lang="ko-KR" altLang="en-US"/>
+            </a:p>
+          </p:txBody>
+        </p:sp>
+        <p:sp>
+          <p:nvSpPr>
+            <p:cNvPr id="48" name="타원 47">
+              <a:extLst>
+                <a:ext uri="{FF2B5EF4-FFF2-40B4-BE49-F238E27FC236}">
+                  <a16:creationId xmlns:a16="http://schemas.microsoft.com/office/drawing/2014/main" id="{3B4950CF-4159-AFC5-8C12-76E4802CA422}"/>
+                </a:ext>
+              </a:extLst>
+            </p:cNvPr>
+            <p:cNvSpPr>
+              <a:spLocks noChangeAspect="1"/>
+            </p:cNvSpPr>
+            <p:nvPr/>
+          </p:nvSpPr>
+          <p:spPr>
+            <a:xfrm>
+              <a:off x="4154634" y="4076122"/>
+              <a:ext cx="432000" cy="432000"/>
+            </a:xfrm>
+            <a:prstGeom prst="ellipse">
+              <a:avLst/>
+            </a:prstGeom>
+            <a:grpFill/>
+            <a:ln>
+              <a:noFill/>
+            </a:ln>
+          </p:spPr>
+          <p:style>
+            <a:lnRef idx="2">
+              <a:schemeClr val="accent1">
+                <a:shade val="15000"/>
+              </a:schemeClr>
+            </a:lnRef>
+            <a:fillRef idx="1">
+              <a:schemeClr val="accent1"/>
+            </a:fillRef>
+            <a:effectRef idx="0">
+              <a:schemeClr val="accent1"/>
+            </a:effectRef>
+            <a:fontRef idx="minor">
+              <a:schemeClr val="lt1"/>
+            </a:fontRef>
+          </p:style>
+          <p:txBody>
+            <a:bodyPr rtlCol="0" anchor="ctr"/>
+            <a:lstStyle/>
+            <a:p>
+              <a:pPr algn="ctr"/>
+              <a:endParaRPr lang="ko-KR" altLang="en-US"/>
+            </a:p>
+          </p:txBody>
+        </p:sp>
+      </p:grpSp>
+      <p:grpSp>
+        <p:nvGrpSpPr>
+          <p:cNvPr id="82" name="그룹 81">
+            <a:extLst>
+              <a:ext uri="{FF2B5EF4-FFF2-40B4-BE49-F238E27FC236}">
+                <a16:creationId xmlns:a16="http://schemas.microsoft.com/office/drawing/2014/main" id="{601C6F0D-4BD5-9CBA-5EB1-857ED76ECAA2}"/>
+              </a:ext>
+            </a:extLst>
+          </p:cNvPr>
+          <p:cNvGrpSpPr/>
+          <p:nvPr/>
+        </p:nvGrpSpPr>
+        <p:grpSpPr>
+          <a:xfrm>
+            <a:off x="4624594" y="1456184"/>
+            <a:ext cx="2373366" cy="3020488"/>
+            <a:chOff x="4154634" y="1487634"/>
+            <a:chExt cx="2373366" cy="3020488"/>
+          </a:xfrm>
+        </p:grpSpPr>
+        <p:sp>
+          <p:nvSpPr>
+            <p:cNvPr id="83" name="타원 82">
+              <a:extLst>
+                <a:ext uri="{FF2B5EF4-FFF2-40B4-BE49-F238E27FC236}">
+                  <a16:creationId xmlns:a16="http://schemas.microsoft.com/office/drawing/2014/main" id="{6668FB70-409A-EE83-FA19-4DC9E868DE9C}"/>
+                </a:ext>
+              </a:extLst>
+            </p:cNvPr>
+            <p:cNvSpPr>
+              <a:spLocks noChangeAspect="1"/>
+            </p:cNvSpPr>
+            <p:nvPr/>
+          </p:nvSpPr>
+          <p:spPr>
+            <a:xfrm>
+              <a:off x="4801756" y="1487634"/>
+              <a:ext cx="432000" cy="432000"/>
+            </a:xfrm>
+            <a:prstGeom prst="ellipse">
+              <a:avLst/>
+            </a:prstGeom>
+            <a:solidFill>
+              <a:srgbClr val="FF6699"/>
+            </a:solidFill>
+            <a:ln>
+              <a:noFill/>
+            </a:ln>
+          </p:spPr>
+          <p:style>
+            <a:lnRef idx="2">
+              <a:schemeClr val="accent1">
+                <a:shade val="15000"/>
+              </a:schemeClr>
+            </a:lnRef>
+            <a:fillRef idx="1">
+              <a:schemeClr val="accent1"/>
+            </a:fillRef>
+            <a:effectRef idx="0">
+              <a:schemeClr val="accent1"/>
+            </a:effectRef>
+            <a:fontRef idx="minor">
+              <a:schemeClr val="lt1"/>
+            </a:fontRef>
+          </p:style>
+          <p:txBody>
+            <a:bodyPr rtlCol="0" anchor="ctr"/>
+            <a:lstStyle/>
+            <a:p>
+              <a:pPr algn="ctr"/>
+              <a:endParaRPr lang="ko-KR" altLang="en-US"/>
+            </a:p>
+          </p:txBody>
+        </p:sp>
+        <p:sp>
+          <p:nvSpPr>
+            <p:cNvPr id="84" name="타원 83">
+              <a:extLst>
+                <a:ext uri="{FF2B5EF4-FFF2-40B4-BE49-F238E27FC236}">
+                  <a16:creationId xmlns:a16="http://schemas.microsoft.com/office/drawing/2014/main" id="{2295F63B-19A3-269C-0C2B-C872AE0F3FA9}"/>
+                </a:ext>
+              </a:extLst>
+            </p:cNvPr>
+            <p:cNvSpPr>
+              <a:spLocks noChangeAspect="1"/>
+            </p:cNvSpPr>
+            <p:nvPr/>
+          </p:nvSpPr>
+          <p:spPr>
+            <a:xfrm>
+              <a:off x="5448878" y="1487634"/>
+              <a:ext cx="432000" cy="432000"/>
+            </a:xfrm>
+            <a:prstGeom prst="ellipse">
+              <a:avLst/>
+            </a:prstGeom>
+            <a:solidFill>
+              <a:srgbClr val="FF6699"/>
+            </a:solidFill>
+            <a:ln>
+              <a:noFill/>
+            </a:ln>
+          </p:spPr>
+          <p:style>
+            <a:lnRef idx="2">
+              <a:schemeClr val="accent1">
+                <a:shade val="15000"/>
+              </a:schemeClr>
+            </a:lnRef>
+            <a:fillRef idx="1">
+              <a:schemeClr val="accent1"/>
+            </a:fillRef>
+            <a:effectRef idx="0">
+              <a:schemeClr val="accent1"/>
+            </a:effectRef>
+            <a:fontRef idx="minor">
+              <a:schemeClr val="lt1"/>
+            </a:fontRef>
+          </p:style>
+          <p:txBody>
+            <a:bodyPr rtlCol="0" anchor="ctr"/>
+            <a:lstStyle/>
+            <a:p>
+              <a:pPr algn="ctr"/>
+              <a:endParaRPr lang="ko-KR" altLang="en-US"/>
+            </a:p>
+          </p:txBody>
+        </p:sp>
+        <p:sp>
+          <p:nvSpPr>
+            <p:cNvPr id="85" name="타원 84">
+              <a:extLst>
+                <a:ext uri="{FF2B5EF4-FFF2-40B4-BE49-F238E27FC236}">
+                  <a16:creationId xmlns:a16="http://schemas.microsoft.com/office/drawing/2014/main" id="{15AE567F-DA52-670F-B035-0054DEDDD722}"/>
+                </a:ext>
+              </a:extLst>
+            </p:cNvPr>
+            <p:cNvSpPr>
+              <a:spLocks noChangeAspect="1"/>
+            </p:cNvSpPr>
+            <p:nvPr/>
+          </p:nvSpPr>
+          <p:spPr>
+            <a:xfrm>
+              <a:off x="6096000" y="2134756"/>
+              <a:ext cx="432000" cy="432000"/>
+            </a:xfrm>
+            <a:prstGeom prst="ellipse">
+              <a:avLst/>
+            </a:prstGeom>
+            <a:solidFill>
+              <a:srgbClr val="FF6699"/>
+            </a:solidFill>
+            <a:ln>
+              <a:noFill/>
+            </a:ln>
+          </p:spPr>
+          <p:style>
+            <a:lnRef idx="2">
+              <a:schemeClr val="accent1">
+                <a:shade val="15000"/>
+              </a:schemeClr>
+            </a:lnRef>
+            <a:fillRef idx="1">
+              <a:schemeClr val="accent1"/>
+            </a:fillRef>
+            <a:effectRef idx="0">
+              <a:schemeClr val="accent1"/>
+            </a:effectRef>
+            <a:fontRef idx="minor">
+              <a:schemeClr val="lt1"/>
+            </a:fontRef>
+          </p:style>
+          <p:txBody>
+            <a:bodyPr rtlCol="0" anchor="ctr"/>
+            <a:lstStyle/>
+            <a:p>
+              <a:pPr algn="ctr"/>
+              <a:endParaRPr lang="ko-KR" altLang="en-US"/>
+            </a:p>
+          </p:txBody>
+        </p:sp>
+        <p:sp>
+          <p:nvSpPr>
+            <p:cNvPr id="86" name="타원 85">
+              <a:extLst>
+                <a:ext uri="{FF2B5EF4-FFF2-40B4-BE49-F238E27FC236}">
+                  <a16:creationId xmlns:a16="http://schemas.microsoft.com/office/drawing/2014/main" id="{125DE817-F90C-B63D-482E-31E25E7B4301}"/>
+                </a:ext>
+              </a:extLst>
+            </p:cNvPr>
+            <p:cNvSpPr>
+              <a:spLocks noChangeAspect="1"/>
+            </p:cNvSpPr>
+            <p:nvPr/>
+          </p:nvSpPr>
+          <p:spPr>
+            <a:xfrm>
+              <a:off x="4801756" y="2781878"/>
+              <a:ext cx="432000" cy="432000"/>
+            </a:xfrm>
+            <a:prstGeom prst="ellipse">
+              <a:avLst/>
+            </a:prstGeom>
+            <a:solidFill>
+              <a:srgbClr val="FF6699"/>
+            </a:solidFill>
+            <a:ln>
+              <a:noFill/>
+            </a:ln>
+          </p:spPr>
+          <p:style>
+            <a:lnRef idx="2">
+              <a:schemeClr val="accent1">
+                <a:shade val="15000"/>
+              </a:schemeClr>
+            </a:lnRef>
+            <a:fillRef idx="1">
+              <a:schemeClr val="accent1"/>
+            </a:fillRef>
+            <a:effectRef idx="0">
+              <a:schemeClr val="accent1"/>
+            </a:effectRef>
+            <a:fontRef idx="minor">
+              <a:schemeClr val="lt1"/>
+            </a:fontRef>
+          </p:style>
+          <p:txBody>
+            <a:bodyPr rtlCol="0" anchor="ctr"/>
+            <a:lstStyle/>
+            <a:p>
+              <a:pPr algn="ctr"/>
+              <a:endParaRPr lang="ko-KR" altLang="en-US"/>
+            </a:p>
+          </p:txBody>
+        </p:sp>
+        <p:sp>
+          <p:nvSpPr>
+            <p:cNvPr id="87" name="타원 86">
+              <a:extLst>
+                <a:ext uri="{FF2B5EF4-FFF2-40B4-BE49-F238E27FC236}">
+                  <a16:creationId xmlns:a16="http://schemas.microsoft.com/office/drawing/2014/main" id="{37BB7553-6EBA-729A-539C-C5BB6D759FBF}"/>
+                </a:ext>
+              </a:extLst>
+            </p:cNvPr>
+            <p:cNvSpPr>
+              <a:spLocks noChangeAspect="1"/>
+            </p:cNvSpPr>
+            <p:nvPr/>
+          </p:nvSpPr>
+          <p:spPr>
+            <a:xfrm>
+              <a:off x="5448878" y="2781878"/>
+              <a:ext cx="432000" cy="432000"/>
+            </a:xfrm>
+            <a:prstGeom prst="ellipse">
+              <a:avLst/>
+            </a:prstGeom>
+            <a:solidFill>
+              <a:srgbClr val="FF6699"/>
+            </a:solidFill>
+            <a:ln>
+              <a:noFill/>
+            </a:ln>
+          </p:spPr>
+          <p:style>
+            <a:lnRef idx="2">
+              <a:schemeClr val="accent1">
+                <a:shade val="15000"/>
+              </a:schemeClr>
+            </a:lnRef>
+            <a:fillRef idx="1">
+              <a:schemeClr val="accent1"/>
+            </a:fillRef>
+            <a:effectRef idx="0">
+              <a:schemeClr val="accent1"/>
+            </a:effectRef>
+            <a:fontRef idx="minor">
+              <a:schemeClr val="lt1"/>
+            </a:fontRef>
+          </p:style>
+          <p:txBody>
+            <a:bodyPr rtlCol="0" anchor="ctr"/>
+            <a:lstStyle/>
+            <a:p>
+              <a:pPr algn="ctr"/>
+              <a:endParaRPr lang="ko-KR" altLang="en-US"/>
+            </a:p>
+          </p:txBody>
+        </p:sp>
+        <p:sp>
+          <p:nvSpPr>
+            <p:cNvPr id="88" name="타원 87">
+              <a:extLst>
+                <a:ext uri="{FF2B5EF4-FFF2-40B4-BE49-F238E27FC236}">
+                  <a16:creationId xmlns:a16="http://schemas.microsoft.com/office/drawing/2014/main" id="{EF5EBEA5-5EF0-1A07-CA23-023BD197006A}"/>
+                </a:ext>
+              </a:extLst>
+            </p:cNvPr>
+            <p:cNvSpPr>
+              <a:spLocks noChangeAspect="1"/>
+            </p:cNvSpPr>
+            <p:nvPr/>
+          </p:nvSpPr>
+          <p:spPr>
+            <a:xfrm>
+              <a:off x="6096000" y="2781878"/>
+              <a:ext cx="432000" cy="432000"/>
+            </a:xfrm>
+            <a:prstGeom prst="ellipse">
+              <a:avLst/>
+            </a:prstGeom>
+            <a:solidFill>
+              <a:srgbClr val="FF6699"/>
+            </a:solidFill>
+            <a:ln>
+              <a:noFill/>
+            </a:ln>
+          </p:spPr>
+          <p:style>
+            <a:lnRef idx="2">
+              <a:schemeClr val="accent1">
+                <a:shade val="15000"/>
+              </a:schemeClr>
+            </a:lnRef>
+            <a:fillRef idx="1">
+              <a:schemeClr val="accent1"/>
+            </a:fillRef>
+            <a:effectRef idx="0">
+              <a:schemeClr val="accent1"/>
+            </a:effectRef>
+            <a:fontRef idx="minor">
+              <a:schemeClr val="lt1"/>
+            </a:fontRef>
+          </p:style>
+          <p:txBody>
+            <a:bodyPr rtlCol="0" anchor="ctr"/>
+            <a:lstStyle/>
+            <a:p>
+              <a:pPr algn="ctr"/>
+              <a:endParaRPr lang="ko-KR" altLang="en-US"/>
+            </a:p>
+          </p:txBody>
+        </p:sp>
+        <p:sp>
+          <p:nvSpPr>
+            <p:cNvPr id="89" name="타원 88">
+              <a:extLst>
+                <a:ext uri="{FF2B5EF4-FFF2-40B4-BE49-F238E27FC236}">
+                  <a16:creationId xmlns:a16="http://schemas.microsoft.com/office/drawing/2014/main" id="{C701E229-C26F-33C1-C439-84176D7EA9B0}"/>
+                </a:ext>
+              </a:extLst>
+            </p:cNvPr>
+            <p:cNvSpPr>
+              <a:spLocks noChangeAspect="1"/>
+            </p:cNvSpPr>
+            <p:nvPr/>
+          </p:nvSpPr>
+          <p:spPr>
+            <a:xfrm>
+              <a:off x="6096000" y="3429000"/>
+              <a:ext cx="432000" cy="432000"/>
+            </a:xfrm>
+            <a:prstGeom prst="ellipse">
+              <a:avLst/>
+            </a:prstGeom>
+            <a:solidFill>
+              <a:srgbClr val="FF6699"/>
+            </a:solidFill>
+            <a:ln>
+              <a:noFill/>
+            </a:ln>
+          </p:spPr>
+          <p:style>
+            <a:lnRef idx="2">
+              <a:schemeClr val="accent1">
+                <a:shade val="15000"/>
+              </a:schemeClr>
+            </a:lnRef>
+            <a:fillRef idx="1">
+              <a:schemeClr val="accent1"/>
+            </a:fillRef>
+            <a:effectRef idx="0">
+              <a:schemeClr val="accent1"/>
+            </a:effectRef>
+            <a:fontRef idx="minor">
+              <a:schemeClr val="lt1"/>
+            </a:fontRef>
+          </p:style>
+          <p:txBody>
+            <a:bodyPr rtlCol="0" anchor="ctr"/>
+            <a:lstStyle/>
+            <a:p>
+              <a:pPr algn="ctr"/>
+              <a:endParaRPr lang="ko-KR" altLang="en-US"/>
+            </a:p>
+          </p:txBody>
+        </p:sp>
+        <p:sp>
+          <p:nvSpPr>
+            <p:cNvPr id="90" name="타원 89">
+              <a:extLst>
+                <a:ext uri="{FF2B5EF4-FFF2-40B4-BE49-F238E27FC236}">
+                  <a16:creationId xmlns:a16="http://schemas.microsoft.com/office/drawing/2014/main" id="{F5503AAE-4C24-B8DA-9B53-6F55BC179310}"/>
+                </a:ext>
+              </a:extLst>
+            </p:cNvPr>
+            <p:cNvSpPr>
+              <a:spLocks noChangeAspect="1"/>
+            </p:cNvSpPr>
+            <p:nvPr/>
+          </p:nvSpPr>
+          <p:spPr>
+            <a:xfrm>
+              <a:off x="4801756" y="4076122"/>
+              <a:ext cx="432000" cy="432000"/>
+            </a:xfrm>
+            <a:prstGeom prst="ellipse">
+              <a:avLst/>
+            </a:prstGeom>
+            <a:solidFill>
+              <a:srgbClr val="FF6699"/>
+            </a:solidFill>
+            <a:ln>
+              <a:noFill/>
+            </a:ln>
+          </p:spPr>
+          <p:style>
+            <a:lnRef idx="2">
+              <a:schemeClr val="accent1">
+                <a:shade val="15000"/>
+              </a:schemeClr>
+            </a:lnRef>
+            <a:fillRef idx="1">
+              <a:schemeClr val="accent1"/>
+            </a:fillRef>
+            <a:effectRef idx="0">
+              <a:schemeClr val="accent1"/>
+            </a:effectRef>
+            <a:fontRef idx="minor">
+              <a:schemeClr val="lt1"/>
+            </a:fontRef>
+          </p:style>
+          <p:txBody>
+            <a:bodyPr rtlCol="0" anchor="ctr"/>
+            <a:lstStyle/>
+            <a:p>
+              <a:pPr algn="ctr"/>
+              <a:endParaRPr lang="ko-KR" altLang="en-US"/>
+            </a:p>
+          </p:txBody>
+        </p:sp>
+        <p:sp>
+          <p:nvSpPr>
+            <p:cNvPr id="91" name="타원 90">
+              <a:extLst>
+                <a:ext uri="{FF2B5EF4-FFF2-40B4-BE49-F238E27FC236}">
+                  <a16:creationId xmlns:a16="http://schemas.microsoft.com/office/drawing/2014/main" id="{809EE155-D7ED-275A-1840-E30C27F49300}"/>
+                </a:ext>
+              </a:extLst>
+            </p:cNvPr>
+            <p:cNvSpPr>
+              <a:spLocks noChangeAspect="1"/>
+            </p:cNvSpPr>
+            <p:nvPr/>
+          </p:nvSpPr>
+          <p:spPr>
+            <a:xfrm>
+              <a:off x="5448878" y="4076122"/>
+              <a:ext cx="432000" cy="432000"/>
+            </a:xfrm>
+            <a:prstGeom prst="ellipse">
+              <a:avLst/>
+            </a:prstGeom>
+            <a:solidFill>
+              <a:srgbClr val="FF6699"/>
+            </a:solidFill>
+            <a:ln>
+              <a:noFill/>
+            </a:ln>
+          </p:spPr>
+          <p:style>
+            <a:lnRef idx="2">
+              <a:schemeClr val="accent1">
+                <a:shade val="15000"/>
+              </a:schemeClr>
+            </a:lnRef>
+            <a:fillRef idx="1">
+              <a:schemeClr val="accent1"/>
+            </a:fillRef>
+            <a:effectRef idx="0">
+              <a:schemeClr val="accent1"/>
+            </a:effectRef>
+            <a:fontRef idx="minor">
+              <a:schemeClr val="lt1"/>
+            </a:fontRef>
+          </p:style>
+          <p:txBody>
+            <a:bodyPr rtlCol="0" anchor="ctr"/>
+            <a:lstStyle/>
+            <a:p>
+              <a:pPr algn="ctr"/>
+              <a:endParaRPr lang="ko-KR" altLang="en-US"/>
+            </a:p>
+          </p:txBody>
+        </p:sp>
+        <p:sp>
+          <p:nvSpPr>
+            <p:cNvPr id="92" name="타원 91">
+              <a:extLst>
+                <a:ext uri="{FF2B5EF4-FFF2-40B4-BE49-F238E27FC236}">
+                  <a16:creationId xmlns:a16="http://schemas.microsoft.com/office/drawing/2014/main" id="{DBF776A2-2EDB-7B1D-4753-15AC7EFADAEA}"/>
+                </a:ext>
+              </a:extLst>
+            </p:cNvPr>
+            <p:cNvSpPr>
+              <a:spLocks noChangeAspect="1"/>
+            </p:cNvSpPr>
+            <p:nvPr/>
+          </p:nvSpPr>
+          <p:spPr>
+            <a:xfrm>
+              <a:off x="4154634" y="1487634"/>
+              <a:ext cx="432000" cy="432000"/>
+            </a:xfrm>
+            <a:prstGeom prst="ellipse">
+              <a:avLst/>
+            </a:prstGeom>
+            <a:solidFill>
+              <a:srgbClr val="FF6699"/>
+            </a:solidFill>
+            <a:ln>
+              <a:noFill/>
+            </a:ln>
+          </p:spPr>
+          <p:style>
+            <a:lnRef idx="2">
+              <a:schemeClr val="accent1">
+                <a:shade val="15000"/>
+              </a:schemeClr>
+            </a:lnRef>
+            <a:fillRef idx="1">
+              <a:schemeClr val="accent1"/>
+            </a:fillRef>
+            <a:effectRef idx="0">
+              <a:schemeClr val="accent1"/>
+            </a:effectRef>
+            <a:fontRef idx="minor">
+              <a:schemeClr val="lt1"/>
+            </a:fontRef>
+          </p:style>
+          <p:txBody>
+            <a:bodyPr rtlCol="0" anchor="ctr"/>
+            <a:lstStyle/>
+            <a:p>
+              <a:pPr algn="ctr"/>
+              <a:endParaRPr lang="ko-KR" altLang="en-US"/>
+            </a:p>
+          </p:txBody>
+        </p:sp>
+        <p:sp>
+          <p:nvSpPr>
+            <p:cNvPr id="93" name="타원 92">
+              <a:extLst>
+                <a:ext uri="{FF2B5EF4-FFF2-40B4-BE49-F238E27FC236}">
+                  <a16:creationId xmlns:a16="http://schemas.microsoft.com/office/drawing/2014/main" id="{A19B1371-EC9D-7EC6-6504-629DCE24EF96}"/>
+                </a:ext>
+              </a:extLst>
+            </p:cNvPr>
+            <p:cNvSpPr>
+              <a:spLocks noChangeAspect="1"/>
+            </p:cNvSpPr>
+            <p:nvPr/>
+          </p:nvSpPr>
+          <p:spPr>
+            <a:xfrm>
+              <a:off x="4154634" y="2134756"/>
+              <a:ext cx="432000" cy="432000"/>
+            </a:xfrm>
+            <a:prstGeom prst="ellipse">
+              <a:avLst/>
+            </a:prstGeom>
+            <a:solidFill>
+              <a:srgbClr val="FF6699"/>
+            </a:solidFill>
+            <a:ln>
+              <a:noFill/>
+            </a:ln>
+          </p:spPr>
+          <p:style>
+            <a:lnRef idx="2">
+              <a:schemeClr val="accent1">
+                <a:shade val="15000"/>
+              </a:schemeClr>
+            </a:lnRef>
+            <a:fillRef idx="1">
+              <a:schemeClr val="accent1"/>
+            </a:fillRef>
+            <a:effectRef idx="0">
+              <a:schemeClr val="accent1"/>
+            </a:effectRef>
+            <a:fontRef idx="minor">
+              <a:schemeClr val="lt1"/>
+            </a:fontRef>
+          </p:style>
+          <p:txBody>
+            <a:bodyPr rtlCol="0" anchor="ctr"/>
+            <a:lstStyle/>
+            <a:p>
+              <a:pPr algn="ctr"/>
+              <a:endParaRPr lang="ko-KR" altLang="en-US"/>
+            </a:p>
+          </p:txBody>
+        </p:sp>
+        <p:sp>
+          <p:nvSpPr>
+            <p:cNvPr id="94" name="타원 93">
+              <a:extLst>
+                <a:ext uri="{FF2B5EF4-FFF2-40B4-BE49-F238E27FC236}">
+                  <a16:creationId xmlns:a16="http://schemas.microsoft.com/office/drawing/2014/main" id="{68435B46-0BF4-71DF-E9B1-C453125DE0CD}"/>
+                </a:ext>
+              </a:extLst>
+            </p:cNvPr>
+            <p:cNvSpPr>
+              <a:spLocks noChangeAspect="1"/>
+            </p:cNvSpPr>
+            <p:nvPr/>
+          </p:nvSpPr>
+          <p:spPr>
+            <a:xfrm>
+              <a:off x="4154634" y="2781878"/>
+              <a:ext cx="432000" cy="432000"/>
+            </a:xfrm>
+            <a:prstGeom prst="ellipse">
+              <a:avLst/>
+            </a:prstGeom>
+            <a:solidFill>
+              <a:srgbClr val="FF6699"/>
+            </a:solidFill>
+            <a:ln>
+              <a:noFill/>
+            </a:ln>
+          </p:spPr>
+          <p:style>
+            <a:lnRef idx="2">
+              <a:schemeClr val="accent1">
+                <a:shade val="15000"/>
+              </a:schemeClr>
+            </a:lnRef>
+            <a:fillRef idx="1">
+              <a:schemeClr val="accent1"/>
+            </a:fillRef>
+            <a:effectRef idx="0">
+              <a:schemeClr val="accent1"/>
+            </a:effectRef>
+            <a:fontRef idx="minor">
+              <a:schemeClr val="lt1"/>
+            </a:fontRef>
+          </p:style>
+          <p:txBody>
+            <a:bodyPr rtlCol="0" anchor="ctr"/>
+            <a:lstStyle/>
+            <a:p>
+              <a:pPr algn="ctr"/>
+              <a:endParaRPr lang="ko-KR" altLang="en-US"/>
+            </a:p>
+          </p:txBody>
+        </p:sp>
+        <p:sp>
+          <p:nvSpPr>
+            <p:cNvPr id="95" name="타원 94">
+              <a:extLst>
+                <a:ext uri="{FF2B5EF4-FFF2-40B4-BE49-F238E27FC236}">
+                  <a16:creationId xmlns:a16="http://schemas.microsoft.com/office/drawing/2014/main" id="{76608D58-02EA-2B3F-F852-F979C9376402}"/>
+                </a:ext>
+              </a:extLst>
+            </p:cNvPr>
+            <p:cNvSpPr>
+              <a:spLocks noChangeAspect="1"/>
+            </p:cNvSpPr>
+            <p:nvPr/>
+          </p:nvSpPr>
+          <p:spPr>
+            <a:xfrm>
+              <a:off x="4154634" y="3429000"/>
+              <a:ext cx="432000" cy="432000"/>
+            </a:xfrm>
+            <a:prstGeom prst="ellipse">
+              <a:avLst/>
+            </a:prstGeom>
+            <a:solidFill>
+              <a:srgbClr val="FF6699"/>
+            </a:solidFill>
+            <a:ln>
+              <a:noFill/>
+            </a:ln>
+          </p:spPr>
+          <p:style>
+            <a:lnRef idx="2">
+              <a:schemeClr val="accent1">
+                <a:shade val="15000"/>
+              </a:schemeClr>
+            </a:lnRef>
+            <a:fillRef idx="1">
+              <a:schemeClr val="accent1"/>
+            </a:fillRef>
+            <a:effectRef idx="0">
+              <a:schemeClr val="accent1"/>
+            </a:effectRef>
+            <a:fontRef idx="minor">
+              <a:schemeClr val="lt1"/>
+            </a:fontRef>
+          </p:style>
+          <p:txBody>
+            <a:bodyPr rtlCol="0" anchor="ctr"/>
+            <a:lstStyle/>
+            <a:p>
+              <a:pPr algn="ctr"/>
+              <a:endParaRPr lang="ko-KR" altLang="en-US"/>
+            </a:p>
+          </p:txBody>
+        </p:sp>
+        <p:sp>
+          <p:nvSpPr>
+            <p:cNvPr id="96" name="타원 95">
+              <a:extLst>
+                <a:ext uri="{FF2B5EF4-FFF2-40B4-BE49-F238E27FC236}">
+                  <a16:creationId xmlns:a16="http://schemas.microsoft.com/office/drawing/2014/main" id="{BDB7F202-A371-45BF-DBA6-491D2A2B7EE1}"/>
+                </a:ext>
+              </a:extLst>
+            </p:cNvPr>
+            <p:cNvSpPr>
+              <a:spLocks noChangeAspect="1"/>
+            </p:cNvSpPr>
+            <p:nvPr/>
+          </p:nvSpPr>
+          <p:spPr>
+            <a:xfrm>
+              <a:off x="4154634" y="4076122"/>
+              <a:ext cx="432000" cy="432000"/>
+            </a:xfrm>
+            <a:prstGeom prst="ellipse">
+              <a:avLst/>
+            </a:prstGeom>
+            <a:solidFill>
+              <a:srgbClr val="FF6699"/>
+            </a:solidFill>
+            <a:ln>
+              <a:noFill/>
+            </a:ln>
+          </p:spPr>
+          <p:style>
+            <a:lnRef idx="2">
+              <a:schemeClr val="accent1">
+                <a:shade val="15000"/>
+              </a:schemeClr>
+            </a:lnRef>
+            <a:fillRef idx="1">
+              <a:schemeClr val="accent1"/>
+            </a:fillRef>
+            <a:effectRef idx="0">
+              <a:schemeClr val="accent1"/>
+            </a:effectRef>
+            <a:fontRef idx="minor">
+              <a:schemeClr val="lt1"/>
+            </a:fontRef>
+          </p:style>
+          <p:txBody>
+            <a:bodyPr rtlCol="0" anchor="ctr"/>
+            <a:lstStyle/>
+            <a:p>
+              <a:pPr algn="ctr"/>
+              <a:endParaRPr lang="ko-KR" altLang="en-US"/>
+            </a:p>
+          </p:txBody>
+        </p:sp>
+      </p:grpSp>
+      <p:sp>
+        <p:nvSpPr>
+          <p:cNvPr id="97" name="직사각형 96">
+            <a:extLst>
+              <a:ext uri="{FF2B5EF4-FFF2-40B4-BE49-F238E27FC236}">
+                <a16:creationId xmlns:a16="http://schemas.microsoft.com/office/drawing/2014/main" id="{3B8D9645-02AC-5C06-7737-5733412EB138}"/>
+              </a:ext>
+            </a:extLst>
+          </p:cNvPr>
+          <p:cNvSpPr/>
+          <p:nvPr/>
+        </p:nvSpPr>
+        <p:spPr>
+          <a:xfrm>
+            <a:off x="5445120" y="3454421"/>
+            <a:ext cx="655949" cy="369332"/>
+          </a:xfrm>
+          <a:prstGeom prst="rect">
+            <a:avLst/>
+          </a:prstGeom>
+          <a:noFill/>
+          <a:ln>
+            <a:noFill/>
+          </a:ln>
+        </p:spPr>
+        <p:txBody>
+          <a:bodyPr wrap="none" lIns="91440" tIns="45720" rIns="91440" bIns="45720">
+            <a:spAutoFit/>
+          </a:bodyPr>
+          <a:lstStyle/>
+          <a:p>
+            <a:pPr algn="ctr"/>
+            <a:r>
+              <a:rPr lang="en-US" altLang="ko-KR" b="1" dirty="0">
+                <a:ln w="13462">
+                  <a:noFill/>
+                  <a:prstDash val="solid"/>
+                </a:ln>
+                <a:effectLst>
+                  <a:outerShdw blurRad="38100" dist="38100" dir="2700000" algn="tl">
+                    <a:srgbClr val="000000">
+                      <a:alpha val="43137"/>
+                    </a:srgbClr>
+                  </a:outerShdw>
+                </a:effectLst>
+                <a:latin typeface="리디바탕" panose="020B0600000101010101" pitchFamily="50" charset="-127"/>
+                <a:ea typeface="리디바탕" panose="020B0600000101010101" pitchFamily="50" charset="-127"/>
+              </a:rPr>
+              <a:t>Note</a:t>
+            </a:r>
+            <a:endParaRPr lang="en-US" altLang="ko-KR" b="1" cap="none" spc="0" dirty="0">
+              <a:ln w="13462">
+                <a:noFill/>
+                <a:prstDash val="solid"/>
+              </a:ln>
+              <a:effectLst>
+                <a:outerShdw blurRad="38100" dist="38100" dir="2700000" algn="tl">
+                  <a:srgbClr val="000000">
+                    <a:alpha val="43137"/>
+                  </a:srgbClr>
+                </a:outerShdw>
+              </a:effectLst>
+              <a:latin typeface="리디바탕" panose="020B0600000101010101" pitchFamily="50" charset="-127"/>
+              <a:ea typeface="리디바탕" panose="020B0600000101010101" pitchFamily="50" charset="-127"/>
+            </a:endParaRPr>
+          </a:p>
+        </p:txBody>
+      </p:sp>
+      <p:sp>
+        <p:nvSpPr>
+          <p:cNvPr id="98" name="직사각형 97">
+            <a:extLst>
+              <a:ext uri="{FF2B5EF4-FFF2-40B4-BE49-F238E27FC236}">
+                <a16:creationId xmlns:a16="http://schemas.microsoft.com/office/drawing/2014/main" id="{7BBBDA83-4489-BA76-BDAB-4E28CF87A220}"/>
+              </a:ext>
+            </a:extLst>
+          </p:cNvPr>
+          <p:cNvSpPr/>
+          <p:nvPr/>
+        </p:nvSpPr>
+        <p:spPr>
+          <a:xfrm>
+            <a:off x="5490808" y="2178259"/>
+            <a:ext cx="564577" cy="369332"/>
+          </a:xfrm>
+          <a:prstGeom prst="rect">
+            <a:avLst/>
+          </a:prstGeom>
+          <a:noFill/>
+          <a:ln w="15875">
+            <a:noFill/>
+          </a:ln>
+        </p:spPr>
+        <p:txBody>
+          <a:bodyPr wrap="none" lIns="91440" tIns="45720" rIns="91440" bIns="45720">
+            <a:spAutoFit/>
+          </a:bodyPr>
+          <a:lstStyle/>
+          <a:p>
+            <a:pPr algn="ctr"/>
+            <a:r>
+              <a:rPr lang="en-US" altLang="ko-KR" b="1" dirty="0">
+                <a:ln w="13462">
+                  <a:noFill/>
+                  <a:prstDash val="solid"/>
+                </a:ln>
+                <a:effectLst>
+                  <a:outerShdw blurRad="38100" dist="38100" dir="2700000" algn="tl">
+                    <a:srgbClr val="000000">
+                      <a:alpha val="43137"/>
+                    </a:srgbClr>
+                  </a:outerShdw>
+                </a:effectLst>
+                <a:latin typeface="리디바탕" panose="020B0600000101010101" pitchFamily="50" charset="-127"/>
+                <a:ea typeface="리디바탕" panose="020B0600000101010101" pitchFamily="50" charset="-127"/>
+              </a:rPr>
+              <a:t>BIM</a:t>
+            </a:r>
+            <a:endParaRPr lang="en-US" altLang="ko-KR" b="1" cap="none" spc="0" dirty="0">
+              <a:ln w="13462">
+                <a:noFill/>
+                <a:prstDash val="solid"/>
+              </a:ln>
+              <a:effectLst>
+                <a:outerShdw blurRad="38100" dist="38100" dir="2700000" algn="tl">
+                  <a:srgbClr val="000000">
+                    <a:alpha val="43137"/>
+                  </a:srgbClr>
+                </a:outerShdw>
+              </a:effectLst>
+              <a:latin typeface="리디바탕" panose="020B0600000101010101" pitchFamily="50" charset="-127"/>
+              <a:ea typeface="리디바탕" panose="020B0600000101010101" pitchFamily="50" charset="-127"/>
+            </a:endParaRPr>
+          </a:p>
+        </p:txBody>
+      </p:sp>
     </p:spTree>
     <p:extLst>
       <p:ext uri="{BB962C8B-B14F-4D97-AF65-F5344CB8AC3E}">
@@ -13410,6 +15884,66 @@
 </file>
 
 <file path=ppt/slides/slide4.xml><?xml version="1.0" encoding="utf-8"?>
+<p:sld xmlns:a="http://schemas.openxmlformats.org/drawingml/2006/main" xmlns:r="http://schemas.openxmlformats.org/officeDocument/2006/relationships" xmlns:p="http://schemas.openxmlformats.org/presentationml/2006/main">
+  <p:cSld>
+    <p:spTree>
+      <p:nvGrpSpPr>
+        <p:cNvPr id="1" name=""/>
+        <p:cNvGrpSpPr/>
+        <p:nvPr/>
+      </p:nvGrpSpPr>
+      <p:grpSpPr>
+        <a:xfrm>
+          <a:off x="0" y="0"/>
+          <a:ext cx="0" cy="0"/>
+          <a:chOff x="0" y="0"/>
+          <a:chExt cx="0" cy="0"/>
+        </a:xfrm>
+      </p:grpSpPr>
+      <p:pic>
+        <p:nvPicPr>
+          <p:cNvPr id="52" name="그림 51">
+            <a:extLst>
+              <a:ext uri="{FF2B5EF4-FFF2-40B4-BE49-F238E27FC236}">
+                <a16:creationId xmlns:a16="http://schemas.microsoft.com/office/drawing/2014/main" id="{151E382B-4F7F-D994-4DDB-E5E8017EAEAA}"/>
+              </a:ext>
+            </a:extLst>
+          </p:cNvPr>
+          <p:cNvPicPr>
+            <a:picLocks noChangeAspect="1"/>
+          </p:cNvPicPr>
+          <p:nvPr/>
+        </p:nvPicPr>
+        <p:blipFill>
+          <a:blip r:embed="rId2"/>
+          <a:stretch>
+            <a:fillRect/>
+          </a:stretch>
+        </p:blipFill>
+        <p:spPr>
+          <a:xfrm>
+            <a:off x="498183" y="1526883"/>
+            <a:ext cx="3804234" cy="3804234"/>
+          </a:xfrm>
+          <a:prstGeom prst="rect">
+            <a:avLst/>
+          </a:prstGeom>
+        </p:spPr>
+      </p:pic>
+    </p:spTree>
+    <p:extLst>
+      <p:ext uri="{BB962C8B-B14F-4D97-AF65-F5344CB8AC3E}">
+        <p14:creationId xmlns:p14="http://schemas.microsoft.com/office/powerpoint/2010/main" val="204763406"/>
+      </p:ext>
+    </p:extLst>
+  </p:cSld>
+  <p:clrMapOvr>
+    <a:masterClrMapping/>
+  </p:clrMapOvr>
+</p:sld>
+</file>
+
+<file path=ppt/slides/slide5.xml><?xml version="1.0" encoding="utf-8"?>
 <p:sld xmlns:a="http://schemas.openxmlformats.org/drawingml/2006/main" xmlns:r="http://schemas.openxmlformats.org/officeDocument/2006/relationships" xmlns:p="http://schemas.openxmlformats.org/presentationml/2006/main">
   <p:cSld>
     <p:spTree>

--- a/H_BimNote/logo.pptx
+++ b/H_BimNote/logo.pptx
@@ -11,8 +11,9 @@
     <p:sldId id="261" r:id="rId5"/>
     <p:sldId id="263" r:id="rId6"/>
     <p:sldId id="264" r:id="rId7"/>
-    <p:sldId id="260" r:id="rId8"/>
-    <p:sldId id="262" r:id="rId9"/>
+    <p:sldId id="265" r:id="rId8"/>
+    <p:sldId id="260" r:id="rId9"/>
+    <p:sldId id="262" r:id="rId10"/>
   </p:sldIdLst>
   <p:sldSz cx="12192000" cy="6858000"/>
   <p:notesSz cx="6858000" cy="9144000"/>
@@ -266,7 +267,7 @@
           <a:p>
             <a:fld id="{A6A5F888-23C1-4C2D-8DA0-CBACC41D9E90}" type="datetimeFigureOut">
               <a:rPr lang="ko-KR" altLang="en-US" smtClean="0"/>
-              <a:t>2025-01-17</a:t>
+              <a:t>2025-01-20</a:t>
             </a:fld>
             <a:endParaRPr lang="ko-KR" altLang="en-US"/>
           </a:p>
@@ -464,7 +465,7 @@
           <a:p>
             <a:fld id="{A6A5F888-23C1-4C2D-8DA0-CBACC41D9E90}" type="datetimeFigureOut">
               <a:rPr lang="ko-KR" altLang="en-US" smtClean="0"/>
-              <a:t>2025-01-17</a:t>
+              <a:t>2025-01-20</a:t>
             </a:fld>
             <a:endParaRPr lang="ko-KR" altLang="en-US"/>
           </a:p>
@@ -672,7 +673,7 @@
           <a:p>
             <a:fld id="{A6A5F888-23C1-4C2D-8DA0-CBACC41D9E90}" type="datetimeFigureOut">
               <a:rPr lang="ko-KR" altLang="en-US" smtClean="0"/>
-              <a:t>2025-01-17</a:t>
+              <a:t>2025-01-20</a:t>
             </a:fld>
             <a:endParaRPr lang="ko-KR" altLang="en-US"/>
           </a:p>
@@ -870,7 +871,7 @@
           <a:p>
             <a:fld id="{A6A5F888-23C1-4C2D-8DA0-CBACC41D9E90}" type="datetimeFigureOut">
               <a:rPr lang="ko-KR" altLang="en-US" smtClean="0"/>
-              <a:t>2025-01-17</a:t>
+              <a:t>2025-01-20</a:t>
             </a:fld>
             <a:endParaRPr lang="ko-KR" altLang="en-US"/>
           </a:p>
@@ -1145,7 +1146,7 @@
           <a:p>
             <a:fld id="{A6A5F888-23C1-4C2D-8DA0-CBACC41D9E90}" type="datetimeFigureOut">
               <a:rPr lang="ko-KR" altLang="en-US" smtClean="0"/>
-              <a:t>2025-01-17</a:t>
+              <a:t>2025-01-20</a:t>
             </a:fld>
             <a:endParaRPr lang="ko-KR" altLang="en-US"/>
           </a:p>
@@ -1410,7 +1411,7 @@
           <a:p>
             <a:fld id="{A6A5F888-23C1-4C2D-8DA0-CBACC41D9E90}" type="datetimeFigureOut">
               <a:rPr lang="ko-KR" altLang="en-US" smtClean="0"/>
-              <a:t>2025-01-17</a:t>
+              <a:t>2025-01-20</a:t>
             </a:fld>
             <a:endParaRPr lang="ko-KR" altLang="en-US"/>
           </a:p>
@@ -1822,7 +1823,7 @@
           <a:p>
             <a:fld id="{A6A5F888-23C1-4C2D-8DA0-CBACC41D9E90}" type="datetimeFigureOut">
               <a:rPr lang="ko-KR" altLang="en-US" smtClean="0"/>
-              <a:t>2025-01-17</a:t>
+              <a:t>2025-01-20</a:t>
             </a:fld>
             <a:endParaRPr lang="ko-KR" altLang="en-US"/>
           </a:p>
@@ -1963,7 +1964,7 @@
           <a:p>
             <a:fld id="{A6A5F888-23C1-4C2D-8DA0-CBACC41D9E90}" type="datetimeFigureOut">
               <a:rPr lang="ko-KR" altLang="en-US" smtClean="0"/>
-              <a:t>2025-01-17</a:t>
+              <a:t>2025-01-20</a:t>
             </a:fld>
             <a:endParaRPr lang="ko-KR" altLang="en-US"/>
           </a:p>
@@ -2076,7 +2077,7 @@
           <a:p>
             <a:fld id="{A6A5F888-23C1-4C2D-8DA0-CBACC41D9E90}" type="datetimeFigureOut">
               <a:rPr lang="ko-KR" altLang="en-US" smtClean="0"/>
-              <a:t>2025-01-17</a:t>
+              <a:t>2025-01-20</a:t>
             </a:fld>
             <a:endParaRPr lang="ko-KR" altLang="en-US"/>
           </a:p>
@@ -2387,7 +2388,7 @@
           <a:p>
             <a:fld id="{A6A5F888-23C1-4C2D-8DA0-CBACC41D9E90}" type="datetimeFigureOut">
               <a:rPr lang="ko-KR" altLang="en-US" smtClean="0"/>
-              <a:t>2025-01-17</a:t>
+              <a:t>2025-01-20</a:t>
             </a:fld>
             <a:endParaRPr lang="ko-KR" altLang="en-US"/>
           </a:p>
@@ -2675,7 +2676,7 @@
           <a:p>
             <a:fld id="{A6A5F888-23C1-4C2D-8DA0-CBACC41D9E90}" type="datetimeFigureOut">
               <a:rPr lang="ko-KR" altLang="en-US" smtClean="0"/>
-              <a:t>2025-01-17</a:t>
+              <a:t>2025-01-20</a:t>
             </a:fld>
             <a:endParaRPr lang="ko-KR" altLang="en-US"/>
           </a:p>
@@ -2916,7 +2917,7 @@
           <a:p>
             <a:fld id="{A6A5F888-23C1-4C2D-8DA0-CBACC41D9E90}" type="datetimeFigureOut">
               <a:rPr lang="ko-KR" altLang="en-US" smtClean="0"/>
-              <a:t>2025-01-17</a:t>
+              <a:t>2025-01-20</a:t>
             </a:fld>
             <a:endParaRPr lang="ko-KR" altLang="en-US"/>
           </a:p>
@@ -16880,6 +16881,470 @@
           <a:chExt cx="0" cy="0"/>
         </a:xfrm>
       </p:grpSpPr>
+      <p:sp>
+        <p:nvSpPr>
+          <p:cNvPr id="4" name="직사각형 3">
+            <a:extLst>
+              <a:ext uri="{FF2B5EF4-FFF2-40B4-BE49-F238E27FC236}">
+                <a16:creationId xmlns:a16="http://schemas.microsoft.com/office/drawing/2014/main" id="{362C970C-5A6B-0EE0-C37A-699D9E0103B4}"/>
+              </a:ext>
+            </a:extLst>
+          </p:cNvPr>
+          <p:cNvSpPr/>
+          <p:nvPr/>
+        </p:nvSpPr>
+        <p:spPr>
+          <a:xfrm>
+            <a:off x="3815565" y="986135"/>
+            <a:ext cx="4560864" cy="923330"/>
+          </a:xfrm>
+          <a:prstGeom prst="rect">
+            <a:avLst/>
+          </a:prstGeom>
+          <a:noFill/>
+        </p:spPr>
+        <p:txBody>
+          <a:bodyPr wrap="none" lIns="91440" tIns="45720" rIns="91440" bIns="45720">
+            <a:spAutoFit/>
+          </a:bodyPr>
+          <a:lstStyle/>
+          <a:p>
+            <a:pPr algn="ctr"/>
+            <a:r>
+              <a:rPr lang="en-US" altLang="ko-KR" sz="5400" b="1" dirty="0">
+                <a:ln w="12700">
+                  <a:solidFill>
+                    <a:schemeClr val="accent1">
+                      <a:alpha val="33000"/>
+                    </a:schemeClr>
+                  </a:solidFill>
+                  <a:prstDash val="solid"/>
+                </a:ln>
+                <a:pattFill prst="pct50">
+                  <a:fgClr>
+                    <a:schemeClr val="bg1">
+                      <a:lumMod val="50000"/>
+                    </a:schemeClr>
+                  </a:fgClr>
+                  <a:bgClr>
+                    <a:schemeClr val="bg1">
+                      <a:lumMod val="85000"/>
+                    </a:schemeClr>
+                  </a:bgClr>
+                </a:pattFill>
+                <a:effectLst>
+                  <a:outerShdw dist="38100" dir="2640000" algn="bl" rotWithShape="0">
+                    <a:schemeClr val="accent1"/>
+                  </a:outerShdw>
+                </a:effectLst>
+                <a:latin typeface="디자인하우스 Bold" panose="020B0600000101010101" pitchFamily="50" charset="-127"/>
+                <a:ea typeface="디자인하우스 Bold" panose="020B0600000101010101" pitchFamily="50" charset="-127"/>
+              </a:rPr>
+              <a:t>Team Standard</a:t>
+            </a:r>
+            <a:endParaRPr lang="en-US" altLang="ko-KR" sz="5400" b="1" cap="none" spc="0" dirty="0">
+              <a:ln w="12700">
+                <a:solidFill>
+                  <a:schemeClr val="accent1">
+                    <a:alpha val="33000"/>
+                  </a:schemeClr>
+                </a:solidFill>
+                <a:prstDash val="solid"/>
+              </a:ln>
+              <a:pattFill prst="pct50">
+                <a:fgClr>
+                  <a:schemeClr val="bg1">
+                    <a:lumMod val="50000"/>
+                  </a:schemeClr>
+                </a:fgClr>
+                <a:bgClr>
+                  <a:schemeClr val="bg1">
+                    <a:lumMod val="85000"/>
+                  </a:schemeClr>
+                </a:bgClr>
+              </a:pattFill>
+              <a:effectLst>
+                <a:outerShdw dist="38100" dir="2640000" algn="bl" rotWithShape="0">
+                  <a:schemeClr val="accent1"/>
+                </a:outerShdw>
+              </a:effectLst>
+              <a:latin typeface="디자인하우스 Bold" panose="020B0600000101010101" pitchFamily="50" charset="-127"/>
+              <a:ea typeface="디자인하우스 Bold" panose="020B0600000101010101" pitchFamily="50" charset="-127"/>
+            </a:endParaRPr>
+          </a:p>
+        </p:txBody>
+      </p:sp>
+      <p:sp>
+        <p:nvSpPr>
+          <p:cNvPr id="5" name="직사각형 4">
+            <a:extLst>
+              <a:ext uri="{FF2B5EF4-FFF2-40B4-BE49-F238E27FC236}">
+                <a16:creationId xmlns:a16="http://schemas.microsoft.com/office/drawing/2014/main" id="{A7629D7F-2A1D-DF54-9E37-050A09205727}"/>
+              </a:ext>
+            </a:extLst>
+          </p:cNvPr>
+          <p:cNvSpPr/>
+          <p:nvPr/>
+        </p:nvSpPr>
+        <p:spPr>
+          <a:xfrm>
+            <a:off x="3608779" y="2981920"/>
+            <a:ext cx="4974439" cy="923330"/>
+          </a:xfrm>
+          <a:prstGeom prst="rect">
+            <a:avLst/>
+          </a:prstGeom>
+          <a:noFill/>
+        </p:spPr>
+        <p:txBody>
+          <a:bodyPr wrap="none" lIns="91440" tIns="45720" rIns="91440" bIns="45720">
+            <a:spAutoFit/>
+          </a:bodyPr>
+          <a:lstStyle/>
+          <a:p>
+            <a:pPr algn="ctr"/>
+            <a:r>
+              <a:rPr lang="en-US" altLang="ko-KR" sz="5400" b="1" dirty="0">
+                <a:ln w="12700">
+                  <a:solidFill>
+                    <a:schemeClr val="accent1"/>
+                  </a:solidFill>
+                  <a:prstDash val="solid"/>
+                </a:ln>
+                <a:pattFill prst="pct50">
+                  <a:fgClr>
+                    <a:schemeClr val="accent1"/>
+                  </a:fgClr>
+                  <a:bgClr>
+                    <a:schemeClr val="accent1">
+                      <a:lumMod val="20000"/>
+                      <a:lumOff val="80000"/>
+                    </a:schemeClr>
+                  </a:bgClr>
+                </a:pattFill>
+                <a:effectLst>
+                  <a:outerShdw dist="38100" dir="2640000" algn="bl" rotWithShape="0">
+                    <a:schemeClr val="accent1"/>
+                  </a:outerShdw>
+                </a:effectLst>
+                <a:latin typeface="디자인하우스 Bold" panose="020B0600000101010101" pitchFamily="50" charset="-127"/>
+                <a:ea typeface="디자인하우스 Bold" panose="020B0600000101010101" pitchFamily="50" charset="-127"/>
+              </a:rPr>
+              <a:t>Project Standard</a:t>
+            </a:r>
+            <a:endParaRPr lang="en-US" altLang="ko-KR" sz="5400" b="1" cap="none" spc="0" dirty="0">
+              <a:ln w="12700">
+                <a:solidFill>
+                  <a:schemeClr val="accent1"/>
+                </a:solidFill>
+                <a:prstDash val="solid"/>
+              </a:ln>
+              <a:pattFill prst="pct50">
+                <a:fgClr>
+                  <a:schemeClr val="accent1"/>
+                </a:fgClr>
+                <a:bgClr>
+                  <a:schemeClr val="accent1">
+                    <a:lumMod val="20000"/>
+                    <a:lumOff val="80000"/>
+                  </a:schemeClr>
+                </a:bgClr>
+              </a:pattFill>
+              <a:effectLst>
+                <a:outerShdw dist="38100" dir="2640000" algn="bl" rotWithShape="0">
+                  <a:schemeClr val="accent1"/>
+                </a:outerShdw>
+              </a:effectLst>
+              <a:latin typeface="디자인하우스 Bold" panose="020B0600000101010101" pitchFamily="50" charset="-127"/>
+              <a:ea typeface="디자인하우스 Bold" panose="020B0600000101010101" pitchFamily="50" charset="-127"/>
+            </a:endParaRPr>
+          </a:p>
+        </p:txBody>
+      </p:sp>
+      <p:sp>
+        <p:nvSpPr>
+          <p:cNvPr id="6" name="직사각형 5">
+            <a:extLst>
+              <a:ext uri="{FF2B5EF4-FFF2-40B4-BE49-F238E27FC236}">
+                <a16:creationId xmlns:a16="http://schemas.microsoft.com/office/drawing/2014/main" id="{6EB14060-D22F-77E1-F0EF-D004E171725E}"/>
+              </a:ext>
+            </a:extLst>
+          </p:cNvPr>
+          <p:cNvSpPr/>
+          <p:nvPr/>
+        </p:nvSpPr>
+        <p:spPr>
+          <a:xfrm>
+            <a:off x="4168229" y="4977705"/>
+            <a:ext cx="3855544" cy="923330"/>
+          </a:xfrm>
+          <a:prstGeom prst="rect">
+            <a:avLst/>
+          </a:prstGeom>
+          <a:noFill/>
+        </p:spPr>
+        <p:txBody>
+          <a:bodyPr wrap="none" lIns="91440" tIns="45720" rIns="91440" bIns="45720">
+            <a:spAutoFit/>
+          </a:bodyPr>
+          <a:lstStyle/>
+          <a:p>
+            <a:pPr algn="ctr"/>
+            <a:r>
+              <a:rPr lang="en-US" altLang="ko-KR" sz="5400" b="1" dirty="0">
+                <a:ln w="12700">
+                  <a:solidFill>
+                    <a:schemeClr val="accent1"/>
+                  </a:solidFill>
+                  <a:prstDash val="solid"/>
+                </a:ln>
+                <a:pattFill prst="pct50">
+                  <a:fgClr>
+                    <a:schemeClr val="accent5">
+                      <a:lumMod val="75000"/>
+                    </a:schemeClr>
+                  </a:fgClr>
+                  <a:bgClr>
+                    <a:schemeClr val="accent5">
+                      <a:lumMod val="40000"/>
+                      <a:lumOff val="60000"/>
+                    </a:schemeClr>
+                  </a:bgClr>
+                </a:pattFill>
+                <a:effectLst>
+                  <a:outerShdw dist="38100" dir="2640000" algn="bl" rotWithShape="0">
+                    <a:schemeClr val="accent1"/>
+                  </a:outerShdw>
+                </a:effectLst>
+                <a:latin typeface="디자인하우스 Bold" panose="020B0600000101010101" pitchFamily="50" charset="-127"/>
+                <a:ea typeface="디자인하우스 Bold" panose="020B0600000101010101" pitchFamily="50" charset="-127"/>
+              </a:rPr>
+              <a:t>Project Input</a:t>
+            </a:r>
+            <a:endParaRPr lang="en-US" altLang="ko-KR" sz="5400" b="1" cap="none" spc="0" dirty="0">
+              <a:ln w="12700">
+                <a:solidFill>
+                  <a:schemeClr val="accent1"/>
+                </a:solidFill>
+                <a:prstDash val="solid"/>
+              </a:ln>
+              <a:pattFill prst="pct50">
+                <a:fgClr>
+                  <a:schemeClr val="accent5">
+                    <a:lumMod val="75000"/>
+                  </a:schemeClr>
+                </a:fgClr>
+                <a:bgClr>
+                  <a:schemeClr val="accent5">
+                    <a:lumMod val="40000"/>
+                    <a:lumOff val="60000"/>
+                  </a:schemeClr>
+                </a:bgClr>
+              </a:pattFill>
+              <a:effectLst>
+                <a:outerShdw dist="38100" dir="2640000" algn="bl" rotWithShape="0">
+                  <a:schemeClr val="accent1"/>
+                </a:outerShdw>
+              </a:effectLst>
+              <a:latin typeface="디자인하우스 Bold" panose="020B0600000101010101" pitchFamily="50" charset="-127"/>
+              <a:ea typeface="디자인하우스 Bold" panose="020B0600000101010101" pitchFamily="50" charset="-127"/>
+            </a:endParaRPr>
+          </a:p>
+        </p:txBody>
+      </p:sp>
+      <p:sp>
+        <p:nvSpPr>
+          <p:cNvPr id="8" name="순서도: 병합 7">
+            <a:extLst>
+              <a:ext uri="{FF2B5EF4-FFF2-40B4-BE49-F238E27FC236}">
+                <a16:creationId xmlns:a16="http://schemas.microsoft.com/office/drawing/2014/main" id="{FD2C6B6D-A346-7180-2404-9A63AA38D5A4}"/>
+              </a:ext>
+            </a:extLst>
+          </p:cNvPr>
+          <p:cNvSpPr/>
+          <p:nvPr/>
+        </p:nvSpPr>
+        <p:spPr>
+          <a:xfrm>
+            <a:off x="5825996" y="2095500"/>
+            <a:ext cx="540000" cy="108000"/>
+          </a:xfrm>
+          <a:prstGeom prst="flowChartMerge">
+            <a:avLst/>
+          </a:prstGeom>
+          <a:solidFill>
+            <a:schemeClr val="tx1">
+              <a:alpha val="56000"/>
+            </a:schemeClr>
+          </a:solidFill>
+          <a:ln>
+            <a:noFill/>
+          </a:ln>
+        </p:spPr>
+        <p:style>
+          <a:lnRef idx="2">
+            <a:schemeClr val="accent1">
+              <a:shade val="15000"/>
+            </a:schemeClr>
+          </a:lnRef>
+          <a:fillRef idx="1">
+            <a:schemeClr val="accent1"/>
+          </a:fillRef>
+          <a:effectRef idx="0">
+            <a:schemeClr val="accent1"/>
+          </a:effectRef>
+          <a:fontRef idx="minor">
+            <a:schemeClr val="lt1"/>
+          </a:fontRef>
+        </p:style>
+        <p:txBody>
+          <a:bodyPr rtlCol="0" anchor="ctr"/>
+          <a:lstStyle/>
+          <a:p>
+            <a:pPr algn="ctr"/>
+            <a:endParaRPr lang="ko-KR" altLang="en-US"/>
+          </a:p>
+        </p:txBody>
+      </p:sp>
+      <p:sp>
+        <p:nvSpPr>
+          <p:cNvPr id="10" name="순서도: 병합 9">
+            <a:extLst>
+              <a:ext uri="{FF2B5EF4-FFF2-40B4-BE49-F238E27FC236}">
+                <a16:creationId xmlns:a16="http://schemas.microsoft.com/office/drawing/2014/main" id="{9987C965-6FF2-D23A-E216-775C8E052184}"/>
+              </a:ext>
+            </a:extLst>
+          </p:cNvPr>
+          <p:cNvSpPr/>
+          <p:nvPr/>
+        </p:nvSpPr>
+        <p:spPr>
+          <a:xfrm>
+            <a:off x="5825996" y="4279477"/>
+            <a:ext cx="540000" cy="108000"/>
+          </a:xfrm>
+          <a:prstGeom prst="flowChartMerge">
+            <a:avLst/>
+          </a:prstGeom>
+          <a:solidFill>
+            <a:schemeClr val="tx1">
+              <a:alpha val="56000"/>
+            </a:schemeClr>
+          </a:solidFill>
+          <a:ln>
+            <a:noFill/>
+          </a:ln>
+        </p:spPr>
+        <p:style>
+          <a:lnRef idx="2">
+            <a:schemeClr val="accent1">
+              <a:shade val="15000"/>
+            </a:schemeClr>
+          </a:lnRef>
+          <a:fillRef idx="1">
+            <a:schemeClr val="accent1"/>
+          </a:fillRef>
+          <a:effectRef idx="0">
+            <a:schemeClr val="accent1"/>
+          </a:effectRef>
+          <a:fontRef idx="minor">
+            <a:schemeClr val="lt1"/>
+          </a:fontRef>
+        </p:style>
+        <p:txBody>
+          <a:bodyPr rtlCol="0" anchor="ctr"/>
+          <a:lstStyle/>
+          <a:p>
+            <a:pPr algn="ctr"/>
+            <a:endParaRPr lang="ko-KR" altLang="en-US"/>
+          </a:p>
+        </p:txBody>
+      </p:sp>
+      <p:sp>
+        <p:nvSpPr>
+          <p:cNvPr id="11" name="사각형: 둥근 모서리 10">
+            <a:extLst>
+              <a:ext uri="{FF2B5EF4-FFF2-40B4-BE49-F238E27FC236}">
+                <a16:creationId xmlns:a16="http://schemas.microsoft.com/office/drawing/2014/main" id="{2C97DE32-B7DF-4F0B-F75E-43137C7E6449}"/>
+              </a:ext>
+            </a:extLst>
+          </p:cNvPr>
+          <p:cNvSpPr/>
+          <p:nvPr/>
+        </p:nvSpPr>
+        <p:spPr>
+          <a:xfrm>
+            <a:off x="3467100" y="2895600"/>
+            <a:ext cx="5334000" cy="2870200"/>
+          </a:xfrm>
+          <a:prstGeom prst="roundRect">
+            <a:avLst/>
+          </a:prstGeom>
+          <a:noFill/>
+          <a:ln>
+            <a:solidFill>
+              <a:schemeClr val="bg1">
+                <a:lumMod val="85000"/>
+              </a:schemeClr>
+            </a:solidFill>
+            <a:prstDash val="dash"/>
+          </a:ln>
+        </p:spPr>
+        <p:style>
+          <a:lnRef idx="2">
+            <a:schemeClr val="accent1">
+              <a:shade val="15000"/>
+            </a:schemeClr>
+          </a:lnRef>
+          <a:fillRef idx="1">
+            <a:schemeClr val="accent1"/>
+          </a:fillRef>
+          <a:effectRef idx="0">
+            <a:schemeClr val="accent1"/>
+          </a:effectRef>
+          <a:fontRef idx="minor">
+            <a:schemeClr val="lt1"/>
+          </a:fontRef>
+        </p:style>
+        <p:txBody>
+          <a:bodyPr rtlCol="0" anchor="ctr"/>
+          <a:lstStyle/>
+          <a:p>
+            <a:pPr algn="ctr"/>
+            <a:endParaRPr lang="ko-KR" altLang="en-US"/>
+          </a:p>
+        </p:txBody>
+      </p:sp>
+    </p:spTree>
+    <p:extLst>
+      <p:ext uri="{BB962C8B-B14F-4D97-AF65-F5344CB8AC3E}">
+        <p14:creationId xmlns:p14="http://schemas.microsoft.com/office/powerpoint/2010/main" val="3805762065"/>
+      </p:ext>
+    </p:extLst>
+  </p:cSld>
+  <p:clrMapOvr>
+    <a:masterClrMapping/>
+  </p:clrMapOvr>
+</p:sld>
+</file>
+
+<file path=ppt/slides/slide8.xml><?xml version="1.0" encoding="utf-8"?>
+<p:sld xmlns:a="http://schemas.openxmlformats.org/drawingml/2006/main" xmlns:r="http://schemas.openxmlformats.org/officeDocument/2006/relationships" xmlns:p="http://schemas.openxmlformats.org/presentationml/2006/main">
+  <p:cSld>
+    <p:spTree>
+      <p:nvGrpSpPr>
+        <p:cNvPr id="1" name=""/>
+        <p:cNvGrpSpPr/>
+        <p:nvPr/>
+      </p:nvGrpSpPr>
+      <p:grpSpPr>
+        <a:xfrm>
+          <a:off x="0" y="0"/>
+          <a:ext cx="0" cy="0"/>
+          <a:chOff x="0" y="0"/>
+          <a:chExt cx="0" cy="0"/>
+        </a:xfrm>
+      </p:grpSpPr>
       <p:pic>
         <p:nvPicPr>
           <p:cNvPr id="9" name="그림 8">
@@ -17013,7 +17478,7 @@
 </p:sld>
 </file>
 
-<file path=ppt/slides/slide8.xml><?xml version="1.0" encoding="utf-8"?>
+<file path=ppt/slides/slide9.xml><?xml version="1.0" encoding="utf-8"?>
 <p:sld xmlns:a="http://schemas.openxmlformats.org/drawingml/2006/main" xmlns:r="http://schemas.openxmlformats.org/officeDocument/2006/relationships" xmlns:p="http://schemas.openxmlformats.org/presentationml/2006/main">
   <p:cSld>
     <p:spTree>

--- a/H_BimNote/logo.pptx
+++ b/H_BimNote/logo.pptx
@@ -9,11 +9,13 @@
     <p:sldId id="257" r:id="rId3"/>
     <p:sldId id="258" r:id="rId4"/>
     <p:sldId id="261" r:id="rId5"/>
-    <p:sldId id="263" r:id="rId6"/>
-    <p:sldId id="264" r:id="rId7"/>
-    <p:sldId id="265" r:id="rId8"/>
-    <p:sldId id="260" r:id="rId9"/>
-    <p:sldId id="262" r:id="rId10"/>
+    <p:sldId id="266" r:id="rId6"/>
+    <p:sldId id="263" r:id="rId7"/>
+    <p:sldId id="264" r:id="rId8"/>
+    <p:sldId id="267" r:id="rId9"/>
+    <p:sldId id="265" r:id="rId10"/>
+    <p:sldId id="260" r:id="rId11"/>
+    <p:sldId id="262" r:id="rId12"/>
   </p:sldIdLst>
   <p:sldSz cx="12192000" cy="6858000"/>
   <p:notesSz cx="6858000" cy="9144000"/>
@@ -267,7 +269,7 @@
           <a:p>
             <a:fld id="{A6A5F888-23C1-4C2D-8DA0-CBACC41D9E90}" type="datetimeFigureOut">
               <a:rPr lang="ko-KR" altLang="en-US" smtClean="0"/>
-              <a:t>2025-01-20</a:t>
+              <a:t>2025-01-24</a:t>
             </a:fld>
             <a:endParaRPr lang="ko-KR" altLang="en-US"/>
           </a:p>
@@ -465,7 +467,7 @@
           <a:p>
             <a:fld id="{A6A5F888-23C1-4C2D-8DA0-CBACC41D9E90}" type="datetimeFigureOut">
               <a:rPr lang="ko-KR" altLang="en-US" smtClean="0"/>
-              <a:t>2025-01-20</a:t>
+              <a:t>2025-01-24</a:t>
             </a:fld>
             <a:endParaRPr lang="ko-KR" altLang="en-US"/>
           </a:p>
@@ -673,7 +675,7 @@
           <a:p>
             <a:fld id="{A6A5F888-23C1-4C2D-8DA0-CBACC41D9E90}" type="datetimeFigureOut">
               <a:rPr lang="ko-KR" altLang="en-US" smtClean="0"/>
-              <a:t>2025-01-20</a:t>
+              <a:t>2025-01-24</a:t>
             </a:fld>
             <a:endParaRPr lang="ko-KR" altLang="en-US"/>
           </a:p>
@@ -871,7 +873,7 @@
           <a:p>
             <a:fld id="{A6A5F888-23C1-4C2D-8DA0-CBACC41D9E90}" type="datetimeFigureOut">
               <a:rPr lang="ko-KR" altLang="en-US" smtClean="0"/>
-              <a:t>2025-01-20</a:t>
+              <a:t>2025-01-24</a:t>
             </a:fld>
             <a:endParaRPr lang="ko-KR" altLang="en-US"/>
           </a:p>
@@ -1146,7 +1148,7 @@
           <a:p>
             <a:fld id="{A6A5F888-23C1-4C2D-8DA0-CBACC41D9E90}" type="datetimeFigureOut">
               <a:rPr lang="ko-KR" altLang="en-US" smtClean="0"/>
-              <a:t>2025-01-20</a:t>
+              <a:t>2025-01-24</a:t>
             </a:fld>
             <a:endParaRPr lang="ko-KR" altLang="en-US"/>
           </a:p>
@@ -1411,7 +1413,7 @@
           <a:p>
             <a:fld id="{A6A5F888-23C1-4C2D-8DA0-CBACC41D9E90}" type="datetimeFigureOut">
               <a:rPr lang="ko-KR" altLang="en-US" smtClean="0"/>
-              <a:t>2025-01-20</a:t>
+              <a:t>2025-01-24</a:t>
             </a:fld>
             <a:endParaRPr lang="ko-KR" altLang="en-US"/>
           </a:p>
@@ -1823,7 +1825,7 @@
           <a:p>
             <a:fld id="{A6A5F888-23C1-4C2D-8DA0-CBACC41D9E90}" type="datetimeFigureOut">
               <a:rPr lang="ko-KR" altLang="en-US" smtClean="0"/>
-              <a:t>2025-01-20</a:t>
+              <a:t>2025-01-24</a:t>
             </a:fld>
             <a:endParaRPr lang="ko-KR" altLang="en-US"/>
           </a:p>
@@ -1964,7 +1966,7 @@
           <a:p>
             <a:fld id="{A6A5F888-23C1-4C2D-8DA0-CBACC41D9E90}" type="datetimeFigureOut">
               <a:rPr lang="ko-KR" altLang="en-US" smtClean="0"/>
-              <a:t>2025-01-20</a:t>
+              <a:t>2025-01-24</a:t>
             </a:fld>
             <a:endParaRPr lang="ko-KR" altLang="en-US"/>
           </a:p>
@@ -2077,7 +2079,7 @@
           <a:p>
             <a:fld id="{A6A5F888-23C1-4C2D-8DA0-CBACC41D9E90}" type="datetimeFigureOut">
               <a:rPr lang="ko-KR" altLang="en-US" smtClean="0"/>
-              <a:t>2025-01-20</a:t>
+              <a:t>2025-01-24</a:t>
             </a:fld>
             <a:endParaRPr lang="ko-KR" altLang="en-US"/>
           </a:p>
@@ -2388,7 +2390,7 @@
           <a:p>
             <a:fld id="{A6A5F888-23C1-4C2D-8DA0-CBACC41D9E90}" type="datetimeFigureOut">
               <a:rPr lang="ko-KR" altLang="en-US" smtClean="0"/>
-              <a:t>2025-01-20</a:t>
+              <a:t>2025-01-24</a:t>
             </a:fld>
             <a:endParaRPr lang="ko-KR" altLang="en-US"/>
           </a:p>
@@ -2676,7 +2678,7 @@
           <a:p>
             <a:fld id="{A6A5F888-23C1-4C2D-8DA0-CBACC41D9E90}" type="datetimeFigureOut">
               <a:rPr lang="ko-KR" altLang="en-US" smtClean="0"/>
-              <a:t>2025-01-20</a:t>
+              <a:t>2025-01-24</a:t>
             </a:fld>
             <a:endParaRPr lang="ko-KR" altLang="en-US"/>
           </a:p>
@@ -2917,7 +2919,7 @@
           <a:p>
             <a:fld id="{A6A5F888-23C1-4C2D-8DA0-CBACC41D9E90}" type="datetimeFigureOut">
               <a:rPr lang="ko-KR" altLang="en-US" smtClean="0"/>
-              <a:t>2025-01-20</a:t>
+              <a:t>2025-01-24</a:t>
             </a:fld>
             <a:endParaRPr lang="ko-KR" altLang="en-US"/>
           </a:p>
@@ -5962,6 +5964,408 @@
 </p:sld>
 </file>
 
+<file path=ppt/slides/slide10.xml><?xml version="1.0" encoding="utf-8"?>
+<p:sld xmlns:a="http://schemas.openxmlformats.org/drawingml/2006/main" xmlns:r="http://schemas.openxmlformats.org/officeDocument/2006/relationships" xmlns:p="http://schemas.openxmlformats.org/presentationml/2006/main">
+  <p:cSld>
+    <p:spTree>
+      <p:nvGrpSpPr>
+        <p:cNvPr id="1" name=""/>
+        <p:cNvGrpSpPr/>
+        <p:nvPr/>
+      </p:nvGrpSpPr>
+      <p:grpSpPr>
+        <a:xfrm>
+          <a:off x="0" y="0"/>
+          <a:ext cx="0" cy="0"/>
+          <a:chOff x="0" y="0"/>
+          <a:chExt cx="0" cy="0"/>
+        </a:xfrm>
+      </p:grpSpPr>
+      <p:pic>
+        <p:nvPicPr>
+          <p:cNvPr id="9" name="그림 8">
+            <a:extLst>
+              <a:ext uri="{FF2B5EF4-FFF2-40B4-BE49-F238E27FC236}">
+                <a16:creationId xmlns:a16="http://schemas.microsoft.com/office/drawing/2014/main" id="{C62B05E0-F2A2-ACA1-032C-AEABEEDF1F23}"/>
+              </a:ext>
+            </a:extLst>
+          </p:cNvPr>
+          <p:cNvPicPr>
+            <a:picLocks noChangeAspect="1"/>
+          </p:cNvPicPr>
+          <p:nvPr/>
+        </p:nvPicPr>
+        <p:blipFill>
+          <a:blip r:embed="rId2"/>
+          <a:stretch>
+            <a:fillRect/>
+          </a:stretch>
+        </p:blipFill>
+        <p:spPr>
+          <a:xfrm>
+            <a:off x="0" y="0"/>
+            <a:ext cx="5377460" cy="3164267"/>
+          </a:xfrm>
+          <a:prstGeom prst="rect">
+            <a:avLst/>
+          </a:prstGeom>
+        </p:spPr>
+      </p:pic>
+      <p:pic>
+        <p:nvPicPr>
+          <p:cNvPr id="11" name="그림 10">
+            <a:extLst>
+              <a:ext uri="{FF2B5EF4-FFF2-40B4-BE49-F238E27FC236}">
+                <a16:creationId xmlns:a16="http://schemas.microsoft.com/office/drawing/2014/main" id="{CC211FCA-800B-74C3-9941-863A1410AF23}"/>
+              </a:ext>
+            </a:extLst>
+          </p:cNvPr>
+          <p:cNvPicPr>
+            <a:picLocks noChangeAspect="1"/>
+          </p:cNvPicPr>
+          <p:nvPr/>
+        </p:nvPicPr>
+        <p:blipFill>
+          <a:blip r:embed="rId3"/>
+          <a:stretch>
+            <a:fillRect/>
+          </a:stretch>
+        </p:blipFill>
+        <p:spPr>
+          <a:xfrm>
+            <a:off x="5567054" y="199848"/>
+            <a:ext cx="4410691" cy="2534004"/>
+          </a:xfrm>
+          <a:prstGeom prst="rect">
+            <a:avLst/>
+          </a:prstGeom>
+        </p:spPr>
+      </p:pic>
+      <p:pic>
+        <p:nvPicPr>
+          <p:cNvPr id="13" name="그림 12">
+            <a:extLst>
+              <a:ext uri="{FF2B5EF4-FFF2-40B4-BE49-F238E27FC236}">
+                <a16:creationId xmlns:a16="http://schemas.microsoft.com/office/drawing/2014/main" id="{6EB10B58-9BEF-39D7-53BD-2AA23CB2D975}"/>
+              </a:ext>
+            </a:extLst>
+          </p:cNvPr>
+          <p:cNvPicPr>
+            <a:picLocks noChangeAspect="1"/>
+          </p:cNvPicPr>
+          <p:nvPr/>
+        </p:nvPicPr>
+        <p:blipFill>
+          <a:blip r:embed="rId4"/>
+          <a:stretch>
+            <a:fillRect/>
+          </a:stretch>
+        </p:blipFill>
+        <p:spPr>
+          <a:xfrm>
+            <a:off x="166815" y="3561888"/>
+            <a:ext cx="5400239" cy="2715417"/>
+          </a:xfrm>
+          <a:prstGeom prst="rect">
+            <a:avLst/>
+          </a:prstGeom>
+        </p:spPr>
+      </p:pic>
+      <p:pic>
+        <p:nvPicPr>
+          <p:cNvPr id="15" name="그림 14">
+            <a:extLst>
+              <a:ext uri="{FF2B5EF4-FFF2-40B4-BE49-F238E27FC236}">
+                <a16:creationId xmlns:a16="http://schemas.microsoft.com/office/drawing/2014/main" id="{30E76742-D5BC-1D5D-AAA3-F654F375BBCF}"/>
+              </a:ext>
+            </a:extLst>
+          </p:cNvPr>
+          <p:cNvPicPr>
+            <a:picLocks noChangeAspect="1"/>
+          </p:cNvPicPr>
+          <p:nvPr/>
+        </p:nvPicPr>
+        <p:blipFill>
+          <a:blip r:embed="rId5"/>
+          <a:stretch>
+            <a:fillRect/>
+          </a:stretch>
+        </p:blipFill>
+        <p:spPr>
+          <a:xfrm>
+            <a:off x="6046035" y="3561888"/>
+            <a:ext cx="5478058" cy="2715417"/>
+          </a:xfrm>
+          <a:prstGeom prst="rect">
+            <a:avLst/>
+          </a:prstGeom>
+        </p:spPr>
+      </p:pic>
+    </p:spTree>
+    <p:extLst>
+      <p:ext uri="{BB962C8B-B14F-4D97-AF65-F5344CB8AC3E}">
+        <p14:creationId xmlns:p14="http://schemas.microsoft.com/office/powerpoint/2010/main" val="973011046"/>
+      </p:ext>
+    </p:extLst>
+  </p:cSld>
+  <p:clrMapOvr>
+    <a:masterClrMapping/>
+  </p:clrMapOvr>
+</p:sld>
+</file>
+
+<file path=ppt/slides/slide11.xml><?xml version="1.0" encoding="utf-8"?>
+<p:sld xmlns:a="http://schemas.openxmlformats.org/drawingml/2006/main" xmlns:r="http://schemas.openxmlformats.org/officeDocument/2006/relationships" xmlns:p="http://schemas.openxmlformats.org/presentationml/2006/main">
+  <p:cSld>
+    <p:spTree>
+      <p:nvGrpSpPr>
+        <p:cNvPr id="1" name=""/>
+        <p:cNvGrpSpPr/>
+        <p:nvPr/>
+      </p:nvGrpSpPr>
+      <p:grpSpPr>
+        <a:xfrm>
+          <a:off x="0" y="0"/>
+          <a:ext cx="0" cy="0"/>
+          <a:chOff x="0" y="0"/>
+          <a:chExt cx="0" cy="0"/>
+        </a:xfrm>
+      </p:grpSpPr>
+      <p:sp>
+        <p:nvSpPr>
+          <p:cNvPr id="4" name="직사각형 3">
+            <a:extLst>
+              <a:ext uri="{FF2B5EF4-FFF2-40B4-BE49-F238E27FC236}">
+                <a16:creationId xmlns:a16="http://schemas.microsoft.com/office/drawing/2014/main" id="{02540FA1-D830-7CA8-5C47-5795E2E7A8FF}"/>
+              </a:ext>
+            </a:extLst>
+          </p:cNvPr>
+          <p:cNvSpPr/>
+          <p:nvPr/>
+        </p:nvSpPr>
+        <p:spPr>
+          <a:xfrm>
+            <a:off x="1841262" y="2538710"/>
+            <a:ext cx="508473" cy="646331"/>
+          </a:xfrm>
+          <a:prstGeom prst="rect">
+            <a:avLst/>
+          </a:prstGeom>
+          <a:noFill/>
+        </p:spPr>
+        <p:txBody>
+          <a:bodyPr wrap="none" lIns="91440" tIns="45720" rIns="91440" bIns="45720">
+            <a:spAutoFit/>
+          </a:bodyPr>
+          <a:lstStyle/>
+          <a:p>
+            <a:pPr algn="ctr"/>
+            <a:r>
+              <a:rPr lang="en-US" altLang="ko-KR" sz="3600" b="0" cap="none" spc="0" dirty="0">
+                <a:ln w="0"/>
+                <a:solidFill>
+                  <a:schemeClr val="tx1"/>
+                </a:solidFill>
+                <a:effectLst>
+                  <a:outerShdw blurRad="38100" dist="19050" dir="2700000" algn="tl" rotWithShape="0">
+                    <a:schemeClr val="dk1">
+                      <a:alpha val="40000"/>
+                    </a:schemeClr>
+                  </a:outerShdw>
+                </a:effectLst>
+              </a:rPr>
+              <a:t>+</a:t>
+            </a:r>
+          </a:p>
+        </p:txBody>
+      </p:sp>
+      <p:sp>
+        <p:nvSpPr>
+          <p:cNvPr id="5" name="직사각형 4">
+            <a:extLst>
+              <a:ext uri="{FF2B5EF4-FFF2-40B4-BE49-F238E27FC236}">
+                <a16:creationId xmlns:a16="http://schemas.microsoft.com/office/drawing/2014/main" id="{838F9C1C-23B5-5C3F-B1AE-D744BE913A75}"/>
+              </a:ext>
+            </a:extLst>
+          </p:cNvPr>
+          <p:cNvSpPr/>
+          <p:nvPr/>
+        </p:nvSpPr>
+        <p:spPr>
+          <a:xfrm>
+            <a:off x="1861300" y="3211295"/>
+            <a:ext cx="468398" cy="923330"/>
+          </a:xfrm>
+          <a:prstGeom prst="rect">
+            <a:avLst/>
+          </a:prstGeom>
+          <a:noFill/>
+        </p:spPr>
+        <p:txBody>
+          <a:bodyPr wrap="none" lIns="91440" tIns="45720" rIns="91440" bIns="45720">
+            <a:spAutoFit/>
+          </a:bodyPr>
+          <a:lstStyle/>
+          <a:p>
+            <a:pPr algn="ctr"/>
+            <a:r>
+              <a:rPr lang="en-US" altLang="ko-KR" sz="5400" dirty="0">
+                <a:ln w="0"/>
+                <a:effectLst>
+                  <a:outerShdw blurRad="38100" dist="19050" dir="2700000" algn="tl" rotWithShape="0">
+                    <a:schemeClr val="dk1">
+                      <a:alpha val="40000"/>
+                    </a:schemeClr>
+                  </a:outerShdw>
+                </a:effectLst>
+              </a:rPr>
+              <a:t>-</a:t>
+            </a:r>
+            <a:endParaRPr lang="en-US" altLang="ko-KR" sz="5400" b="0" cap="none" spc="0" dirty="0">
+              <a:ln w="0"/>
+              <a:solidFill>
+                <a:schemeClr val="tx1"/>
+              </a:solidFill>
+              <a:effectLst>
+                <a:outerShdw blurRad="38100" dist="19050" dir="2700000" algn="tl" rotWithShape="0">
+                  <a:schemeClr val="dk1">
+                    <a:alpha val="40000"/>
+                  </a:schemeClr>
+                </a:outerShdw>
+              </a:effectLst>
+            </a:endParaRPr>
+          </a:p>
+        </p:txBody>
+      </p:sp>
+      <p:pic>
+        <p:nvPicPr>
+          <p:cNvPr id="10" name="그림 9">
+            <a:extLst>
+              <a:ext uri="{FF2B5EF4-FFF2-40B4-BE49-F238E27FC236}">
+                <a16:creationId xmlns:a16="http://schemas.microsoft.com/office/drawing/2014/main" id="{BD2B3AFC-AD53-ADF9-181C-D121951C8257}"/>
+              </a:ext>
+            </a:extLst>
+          </p:cNvPr>
+          <p:cNvPicPr>
+            <a:picLocks noChangeAspect="1"/>
+          </p:cNvPicPr>
+          <p:nvPr/>
+        </p:nvPicPr>
+        <p:blipFill rotWithShape="1">
+          <a:blip r:embed="rId2"/>
+          <a:srcRect l="29442" t="29924" r="31498" b="36517"/>
+          <a:stretch/>
+        </p:blipFill>
+        <p:spPr>
+          <a:xfrm>
+            <a:off x="4343400" y="2657474"/>
+            <a:ext cx="381367" cy="360000"/>
+          </a:xfrm>
+          <a:prstGeom prst="rect">
+            <a:avLst/>
+          </a:prstGeom>
+        </p:spPr>
+      </p:pic>
+      <p:pic>
+        <p:nvPicPr>
+          <p:cNvPr id="12" name="그림 11">
+            <a:extLst>
+              <a:ext uri="{FF2B5EF4-FFF2-40B4-BE49-F238E27FC236}">
+                <a16:creationId xmlns:a16="http://schemas.microsoft.com/office/drawing/2014/main" id="{6D82E424-CAE9-42BE-D836-13B4B51A2594}"/>
+              </a:ext>
+            </a:extLst>
+          </p:cNvPr>
+          <p:cNvPicPr>
+            <a:picLocks noChangeAspect="1"/>
+          </p:cNvPicPr>
+          <p:nvPr/>
+        </p:nvPicPr>
+        <p:blipFill rotWithShape="1">
+          <a:blip r:embed="rId3"/>
+          <a:srcRect l="34619" t="35688" r="34619" b="41805"/>
+          <a:stretch/>
+        </p:blipFill>
+        <p:spPr>
+          <a:xfrm>
+            <a:off x="4343398" y="3505200"/>
+            <a:ext cx="381367" cy="360000"/>
+          </a:xfrm>
+          <a:prstGeom prst="rect">
+            <a:avLst/>
+          </a:prstGeom>
+        </p:spPr>
+      </p:pic>
+      <p:pic>
+        <p:nvPicPr>
+          <p:cNvPr id="14" name="그림 13">
+            <a:extLst>
+              <a:ext uri="{FF2B5EF4-FFF2-40B4-BE49-F238E27FC236}">
+                <a16:creationId xmlns:a16="http://schemas.microsoft.com/office/drawing/2014/main" id="{48755F38-96DB-CAEA-FB72-A7E22B32E403}"/>
+              </a:ext>
+            </a:extLst>
+          </p:cNvPr>
+          <p:cNvPicPr>
+            <a:picLocks noChangeAspect="1"/>
+          </p:cNvPicPr>
+          <p:nvPr/>
+        </p:nvPicPr>
+        <p:blipFill rotWithShape="1">
+          <a:blip r:embed="rId2"/>
+          <a:srcRect l="29442" t="29924" r="31498" b="36517"/>
+          <a:stretch/>
+        </p:blipFill>
+        <p:spPr>
+          <a:xfrm>
+            <a:off x="6527748" y="2657474"/>
+            <a:ext cx="114410" cy="108000"/>
+          </a:xfrm>
+          <a:prstGeom prst="rect">
+            <a:avLst/>
+          </a:prstGeom>
+        </p:spPr>
+      </p:pic>
+      <p:pic>
+        <p:nvPicPr>
+          <p:cNvPr id="15" name="그림 14">
+            <a:extLst>
+              <a:ext uri="{FF2B5EF4-FFF2-40B4-BE49-F238E27FC236}">
+                <a16:creationId xmlns:a16="http://schemas.microsoft.com/office/drawing/2014/main" id="{C79F2935-8944-1D9D-7ADD-DE542004EFD8}"/>
+              </a:ext>
+            </a:extLst>
+          </p:cNvPr>
+          <p:cNvPicPr>
+            <a:picLocks noChangeAspect="1"/>
+          </p:cNvPicPr>
+          <p:nvPr/>
+        </p:nvPicPr>
+        <p:blipFill rotWithShape="1">
+          <a:blip r:embed="rId3"/>
+          <a:srcRect l="34619" t="35688" r="34619" b="41805"/>
+          <a:stretch/>
+        </p:blipFill>
+        <p:spPr>
+          <a:xfrm>
+            <a:off x="6527746" y="3505200"/>
+            <a:ext cx="114410" cy="108000"/>
+          </a:xfrm>
+          <a:prstGeom prst="rect">
+            <a:avLst/>
+          </a:prstGeom>
+        </p:spPr>
+      </p:pic>
+    </p:spTree>
+    <p:extLst>
+      <p:ext uri="{BB962C8B-B14F-4D97-AF65-F5344CB8AC3E}">
+        <p14:creationId xmlns:p14="http://schemas.microsoft.com/office/powerpoint/2010/main" val="3572503234"/>
+      </p:ext>
+    </p:extLst>
+  </p:cSld>
+  <p:clrMapOvr>
+    <a:masterClrMapping/>
+  </p:clrMapOvr>
+</p:sld>
+</file>
+
 <file path=ppt/slides/slide2.xml><?xml version="1.0" encoding="utf-8"?>
 <p:sld xmlns:a="http://schemas.openxmlformats.org/drawingml/2006/main" xmlns:r="http://schemas.openxmlformats.org/officeDocument/2006/relationships" xmlns:p="http://schemas.openxmlformats.org/presentationml/2006/main">
   <p:cSld>
@@ -8261,7 +8665,7 @@
             <a:lstStyle/>
             <a:p>
               <a:pPr algn="ctr"/>
-              <a:endParaRPr lang="ko-KR" altLang="en-US"/>
+              <a:endParaRPr lang="ko-KR" altLang="en-US" dirty="0"/>
             </a:p>
           </p:txBody>
         </p:sp>
@@ -15948,6 +16352,423 @@
 </file>
 
 <file path=ppt/slides/slide5.xml><?xml version="1.0" encoding="utf-8"?>
+<p:sld xmlns:a="http://schemas.openxmlformats.org/drawingml/2006/main" xmlns:r="http://schemas.openxmlformats.org/officeDocument/2006/relationships" xmlns:p="http://schemas.openxmlformats.org/presentationml/2006/main">
+  <p:cSld>
+    <p:spTree>
+      <p:nvGrpSpPr>
+        <p:cNvPr id="1" name=""/>
+        <p:cNvGrpSpPr/>
+        <p:nvPr/>
+      </p:nvGrpSpPr>
+      <p:grpSpPr>
+        <a:xfrm>
+          <a:off x="0" y="0"/>
+          <a:ext cx="0" cy="0"/>
+          <a:chOff x="0" y="0"/>
+          <a:chExt cx="0" cy="0"/>
+        </a:xfrm>
+      </p:grpSpPr>
+      <p:sp>
+        <p:nvSpPr>
+          <p:cNvPr id="68" name="직사각형 67">
+            <a:extLst>
+              <a:ext uri="{FF2B5EF4-FFF2-40B4-BE49-F238E27FC236}">
+                <a16:creationId xmlns:a16="http://schemas.microsoft.com/office/drawing/2014/main" id="{BA23FC1C-CE9D-7C08-1368-9320A7236F8F}"/>
+              </a:ext>
+            </a:extLst>
+          </p:cNvPr>
+          <p:cNvSpPr/>
+          <p:nvPr/>
+        </p:nvSpPr>
+        <p:spPr>
+          <a:xfrm>
+            <a:off x="515935" y="896683"/>
+            <a:ext cx="4587010" cy="4587010"/>
+          </a:xfrm>
+          <a:prstGeom prst="rect">
+            <a:avLst/>
+          </a:prstGeom>
+          <a:noFill/>
+          <a:ln>
+            <a:noFill/>
+          </a:ln>
+        </p:spPr>
+        <p:style>
+          <a:lnRef idx="2">
+            <a:schemeClr val="accent1">
+              <a:shade val="15000"/>
+            </a:schemeClr>
+          </a:lnRef>
+          <a:fillRef idx="1">
+            <a:schemeClr val="accent1"/>
+          </a:fillRef>
+          <a:effectRef idx="0">
+            <a:schemeClr val="accent1"/>
+          </a:effectRef>
+          <a:fontRef idx="minor">
+            <a:schemeClr val="lt1"/>
+          </a:fontRef>
+        </p:style>
+        <p:txBody>
+          <a:bodyPr rtlCol="0" anchor="ctr"/>
+          <a:lstStyle/>
+          <a:p>
+            <a:pPr algn="ctr"/>
+            <a:endParaRPr lang="ko-KR" altLang="en-US"/>
+          </a:p>
+        </p:txBody>
+      </p:sp>
+      <p:grpSp>
+        <p:nvGrpSpPr>
+          <p:cNvPr id="66" name="그룹 65">
+            <a:extLst>
+              <a:ext uri="{FF2B5EF4-FFF2-40B4-BE49-F238E27FC236}">
+                <a16:creationId xmlns:a16="http://schemas.microsoft.com/office/drawing/2014/main" id="{BD421B48-4097-2E5E-C80E-0AD7BA45E6EB}"/>
+              </a:ext>
+            </a:extLst>
+          </p:cNvPr>
+          <p:cNvGrpSpPr/>
+          <p:nvPr/>
+        </p:nvGrpSpPr>
+        <p:grpSpPr>
+          <a:xfrm>
+            <a:off x="998045" y="1337661"/>
+            <a:ext cx="3640624" cy="3662965"/>
+            <a:chOff x="4303225" y="2027274"/>
+            <a:chExt cx="2016970" cy="2029347"/>
+          </a:xfrm>
+        </p:grpSpPr>
+        <p:grpSp>
+          <p:nvGrpSpPr>
+            <p:cNvPr id="64" name="그룹 63">
+              <a:extLst>
+                <a:ext uri="{FF2B5EF4-FFF2-40B4-BE49-F238E27FC236}">
+                  <a16:creationId xmlns:a16="http://schemas.microsoft.com/office/drawing/2014/main" id="{F4F9F4C8-7C50-5418-EF7C-F194624678A4}"/>
+                </a:ext>
+              </a:extLst>
+            </p:cNvPr>
+            <p:cNvGrpSpPr/>
+            <p:nvPr/>
+          </p:nvGrpSpPr>
+          <p:grpSpPr>
+            <a:xfrm>
+              <a:off x="4303225" y="2027274"/>
+              <a:ext cx="2016970" cy="2029347"/>
+              <a:chOff x="4065069" y="1846299"/>
+              <a:chExt cx="448917" cy="451672"/>
+            </a:xfrm>
+          </p:grpSpPr>
+          <p:sp>
+            <p:nvSpPr>
+              <p:cNvPr id="20" name="타원 19">
+                <a:extLst>
+                  <a:ext uri="{FF2B5EF4-FFF2-40B4-BE49-F238E27FC236}">
+                    <a16:creationId xmlns:a16="http://schemas.microsoft.com/office/drawing/2014/main" id="{AC168039-9737-A849-63A2-C8BD742D794A}"/>
+                  </a:ext>
+                </a:extLst>
+              </p:cNvPr>
+              <p:cNvSpPr>
+                <a:spLocks noChangeAspect="1"/>
+              </p:cNvSpPr>
+              <p:nvPr/>
+            </p:nvSpPr>
+            <p:spPr>
+              <a:xfrm>
+                <a:off x="4081986" y="1865971"/>
+                <a:ext cx="432000" cy="432000"/>
+              </a:xfrm>
+              <a:prstGeom prst="ellipse">
+                <a:avLst/>
+              </a:prstGeom>
+              <a:solidFill>
+                <a:schemeClr val="accent4">
+                  <a:lumMod val="60000"/>
+                  <a:lumOff val="40000"/>
+                </a:schemeClr>
+              </a:solidFill>
+              <a:ln>
+                <a:noFill/>
+              </a:ln>
+            </p:spPr>
+            <p:style>
+              <a:lnRef idx="2">
+                <a:schemeClr val="accent1">
+                  <a:shade val="15000"/>
+                </a:schemeClr>
+              </a:lnRef>
+              <a:fillRef idx="1">
+                <a:schemeClr val="accent1"/>
+              </a:fillRef>
+              <a:effectRef idx="0">
+                <a:schemeClr val="accent1"/>
+              </a:effectRef>
+              <a:fontRef idx="minor">
+                <a:schemeClr val="lt1"/>
+              </a:fontRef>
+            </p:style>
+            <p:txBody>
+              <a:bodyPr rtlCol="0" anchor="ctr"/>
+              <a:lstStyle/>
+              <a:p>
+                <a:pPr algn="ctr"/>
+                <a:endParaRPr lang="ko-KR" altLang="en-US" dirty="0"/>
+              </a:p>
+            </p:txBody>
+          </p:sp>
+          <p:sp>
+            <p:nvSpPr>
+              <p:cNvPr id="35" name="타원 34">
+                <a:extLst>
+                  <a:ext uri="{FF2B5EF4-FFF2-40B4-BE49-F238E27FC236}">
+                    <a16:creationId xmlns:a16="http://schemas.microsoft.com/office/drawing/2014/main" id="{4C4D3E6E-6F29-E345-BB67-313DE28E9B45}"/>
+                  </a:ext>
+                </a:extLst>
+              </p:cNvPr>
+              <p:cNvSpPr>
+                <a:spLocks noChangeAspect="1"/>
+              </p:cNvSpPr>
+              <p:nvPr/>
+            </p:nvSpPr>
+            <p:spPr>
+              <a:xfrm>
+                <a:off x="4072721" y="1858730"/>
+                <a:ext cx="432000" cy="432000"/>
+              </a:xfrm>
+              <a:prstGeom prst="ellipse">
+                <a:avLst/>
+              </a:prstGeom>
+              <a:solidFill>
+                <a:schemeClr val="accent5">
+                  <a:lumMod val="40000"/>
+                  <a:lumOff val="60000"/>
+                </a:schemeClr>
+              </a:solidFill>
+              <a:ln>
+                <a:noFill/>
+              </a:ln>
+            </p:spPr>
+            <p:style>
+              <a:lnRef idx="2">
+                <a:schemeClr val="accent1">
+                  <a:shade val="15000"/>
+                </a:schemeClr>
+              </a:lnRef>
+              <a:fillRef idx="1">
+                <a:schemeClr val="accent1"/>
+              </a:fillRef>
+              <a:effectRef idx="0">
+                <a:schemeClr val="accent1"/>
+              </a:effectRef>
+              <a:fontRef idx="minor">
+                <a:schemeClr val="lt1"/>
+              </a:fontRef>
+            </p:style>
+            <p:txBody>
+              <a:bodyPr rtlCol="0" anchor="ctr"/>
+              <a:lstStyle/>
+              <a:p>
+                <a:pPr algn="ctr"/>
+                <a:endParaRPr lang="ko-KR" altLang="en-US" dirty="0"/>
+              </a:p>
+            </p:txBody>
+          </p:sp>
+          <p:sp>
+            <p:nvSpPr>
+              <p:cNvPr id="51" name="타원 50">
+                <a:extLst>
+                  <a:ext uri="{FF2B5EF4-FFF2-40B4-BE49-F238E27FC236}">
+                    <a16:creationId xmlns:a16="http://schemas.microsoft.com/office/drawing/2014/main" id="{CCD493EC-9253-A85D-2A58-F687BC640011}"/>
+                  </a:ext>
+                </a:extLst>
+              </p:cNvPr>
+              <p:cNvSpPr>
+                <a:spLocks noChangeAspect="1"/>
+              </p:cNvSpPr>
+              <p:nvPr/>
+            </p:nvSpPr>
+            <p:spPr>
+              <a:xfrm>
+                <a:off x="4065069" y="1846299"/>
+                <a:ext cx="432000" cy="432000"/>
+              </a:xfrm>
+              <a:prstGeom prst="ellipse">
+                <a:avLst/>
+              </a:prstGeom>
+              <a:solidFill>
+                <a:schemeClr val="bg2">
+                  <a:lumMod val="50000"/>
+                </a:schemeClr>
+              </a:solidFill>
+              <a:ln>
+                <a:noFill/>
+              </a:ln>
+            </p:spPr>
+            <p:style>
+              <a:lnRef idx="2">
+                <a:schemeClr val="accent1">
+                  <a:shade val="15000"/>
+                </a:schemeClr>
+              </a:lnRef>
+              <a:fillRef idx="1">
+                <a:schemeClr val="accent1"/>
+              </a:fillRef>
+              <a:effectRef idx="0">
+                <a:schemeClr val="accent1"/>
+              </a:effectRef>
+              <a:fontRef idx="minor">
+                <a:schemeClr val="lt1"/>
+              </a:fontRef>
+            </p:style>
+            <p:txBody>
+              <a:bodyPr rtlCol="0" anchor="ctr"/>
+              <a:lstStyle/>
+              <a:p>
+                <a:pPr algn="ctr"/>
+                <a:endParaRPr lang="ko-KR" altLang="en-US" sz="8800" dirty="0">
+                  <a:latin typeface="디자인하우스 Bold" panose="020B0600000101010101" pitchFamily="50" charset="-127"/>
+                  <a:ea typeface="디자인하우스 Bold" panose="020B0600000101010101" pitchFamily="50" charset="-127"/>
+                </a:endParaRPr>
+              </a:p>
+            </p:txBody>
+          </p:sp>
+        </p:grpSp>
+        <p:sp>
+          <p:nvSpPr>
+            <p:cNvPr id="65" name="TextBox 64">
+              <a:extLst>
+                <a:ext uri="{FF2B5EF4-FFF2-40B4-BE49-F238E27FC236}">
+                  <a16:creationId xmlns:a16="http://schemas.microsoft.com/office/drawing/2014/main" id="{72A1D469-20E9-7247-B46F-0DC99E032EB2}"/>
+                </a:ext>
+              </a:extLst>
+            </p:cNvPr>
+            <p:cNvSpPr txBox="1"/>
+            <p:nvPr/>
+          </p:nvSpPr>
+          <p:spPr>
+            <a:xfrm>
+              <a:off x="4885965" y="2190668"/>
+              <a:ext cx="775481" cy="1466417"/>
+            </a:xfrm>
+            <a:prstGeom prst="rect">
+              <a:avLst/>
+            </a:prstGeom>
+            <a:noFill/>
+          </p:spPr>
+          <p:txBody>
+            <a:bodyPr wrap="none" rtlCol="0" anchor="ctr">
+              <a:spAutoFit/>
+            </a:bodyPr>
+            <a:lstStyle/>
+            <a:p>
+              <a:pPr algn="ctr"/>
+              <a:r>
+                <a:rPr lang="en-US" altLang="ko-KR" sz="16600" dirty="0">
+                  <a:solidFill>
+                    <a:schemeClr val="bg1"/>
+                  </a:solidFill>
+                  <a:effectLst>
+                    <a:outerShdw blurRad="38100" dist="38100" dir="2700000" algn="tl">
+                      <a:srgbClr val="000000">
+                        <a:alpha val="43137"/>
+                      </a:srgbClr>
+                    </a:outerShdw>
+                  </a:effectLst>
+                  <a:latin typeface="Bauhaus 93" panose="04030905020B02020C02" pitchFamily="82" charset="0"/>
+                </a:rPr>
+                <a:t>B</a:t>
+              </a:r>
+              <a:endParaRPr lang="ko-KR" altLang="en-US" sz="16600" dirty="0">
+                <a:solidFill>
+                  <a:schemeClr val="bg1"/>
+                </a:solidFill>
+                <a:effectLst>
+                  <a:outerShdw blurRad="38100" dist="38100" dir="2700000" algn="tl">
+                    <a:srgbClr val="000000">
+                      <a:alpha val="43137"/>
+                    </a:srgbClr>
+                  </a:outerShdw>
+                </a:effectLst>
+                <a:latin typeface="Bauhaus 93" panose="04030905020B02020C02" pitchFamily="82" charset="0"/>
+              </a:endParaRPr>
+            </a:p>
+          </p:txBody>
+        </p:sp>
+        <p:sp>
+          <p:nvSpPr>
+            <p:cNvPr id="67" name="TextBox 66">
+              <a:extLst>
+                <a:ext uri="{FF2B5EF4-FFF2-40B4-BE49-F238E27FC236}">
+                  <a16:creationId xmlns:a16="http://schemas.microsoft.com/office/drawing/2014/main" id="{3559C6A2-D004-C884-CA2F-491C8951A452}"/>
+                </a:ext>
+              </a:extLst>
+            </p:cNvPr>
+            <p:cNvSpPr txBox="1"/>
+            <p:nvPr/>
+          </p:nvSpPr>
+          <p:spPr>
+            <a:xfrm>
+              <a:off x="5001178" y="3316699"/>
+              <a:ext cx="611184" cy="358079"/>
+            </a:xfrm>
+            <a:prstGeom prst="rect">
+              <a:avLst/>
+            </a:prstGeom>
+            <a:noFill/>
+          </p:spPr>
+          <p:txBody>
+            <a:bodyPr wrap="none" rtlCol="0" anchor="ctr">
+              <a:spAutoFit/>
+            </a:bodyPr>
+            <a:lstStyle/>
+            <a:p>
+              <a:pPr algn="ctr"/>
+              <a:r>
+                <a:rPr lang="en-US" altLang="ko-KR" sz="3600" dirty="0">
+                  <a:solidFill>
+                    <a:schemeClr val="bg1"/>
+                  </a:solidFill>
+                  <a:effectLst>
+                    <a:outerShdw blurRad="38100" dist="38100" dir="2700000" algn="tl">
+                      <a:srgbClr val="000000">
+                        <a:alpha val="43137"/>
+                      </a:srgbClr>
+                    </a:outerShdw>
+                  </a:effectLst>
+                  <a:latin typeface="Bauhaus 93" panose="04030905020B02020C02" pitchFamily="82" charset="0"/>
+                </a:rPr>
+                <a:t>note</a:t>
+              </a:r>
+              <a:endParaRPr lang="ko-KR" altLang="en-US" sz="3600" dirty="0">
+                <a:solidFill>
+                  <a:schemeClr val="bg1"/>
+                </a:solidFill>
+                <a:effectLst>
+                  <a:outerShdw blurRad="38100" dist="38100" dir="2700000" algn="tl">
+                    <a:srgbClr val="000000">
+                      <a:alpha val="43137"/>
+                    </a:srgbClr>
+                  </a:outerShdw>
+                </a:effectLst>
+                <a:latin typeface="Bauhaus 93" panose="04030905020B02020C02" pitchFamily="82" charset="0"/>
+              </a:endParaRPr>
+            </a:p>
+          </p:txBody>
+        </p:sp>
+      </p:grpSp>
+    </p:spTree>
+    <p:extLst>
+      <p:ext uri="{BB962C8B-B14F-4D97-AF65-F5344CB8AC3E}">
+        <p14:creationId xmlns:p14="http://schemas.microsoft.com/office/powerpoint/2010/main" val="960163155"/>
+      </p:ext>
+    </p:extLst>
+  </p:cSld>
+  <p:clrMapOvr>
+    <a:masterClrMapping/>
+  </p:clrMapOvr>
+</p:sld>
+</file>
+
+<file path=ppt/slides/slide6.xml><?xml version="1.0" encoding="utf-8"?>
 <p:sld xmlns:a="http://schemas.openxmlformats.org/drawingml/2006/main" xmlns:r="http://schemas.openxmlformats.org/officeDocument/2006/relationships" xmlns:p="http://schemas.openxmlformats.org/presentationml/2006/main">
   <p:cSld>
     <p:spTree>
@@ -16400,7 +17221,7 @@
 </p:sld>
 </file>
 
-<file path=ppt/slides/slide6.xml><?xml version="1.0" encoding="utf-8"?>
+<file path=ppt/slides/slide7.xml><?xml version="1.0" encoding="utf-8"?>
 <p:sld xmlns:a="http://schemas.openxmlformats.org/drawingml/2006/main" xmlns:r="http://schemas.openxmlformats.org/officeDocument/2006/relationships" xmlns:p="http://schemas.openxmlformats.org/presentationml/2006/main">
   <p:cSld>
     <p:spTree>
@@ -16864,7 +17685,7 @@
 </p:sld>
 </file>
 
-<file path=ppt/slides/slide7.xml><?xml version="1.0" encoding="utf-8"?>
+<file path=ppt/slides/slide8.xml><?xml version="1.0" encoding="utf-8"?>
 <p:sld xmlns:a="http://schemas.openxmlformats.org/drawingml/2006/main" xmlns:r="http://schemas.openxmlformats.org/officeDocument/2006/relationships" xmlns:p="http://schemas.openxmlformats.org/presentationml/2006/main">
   <p:cSld>
     <p:spTree>
@@ -17274,8 +18095,472 @@
         </p:nvSpPr>
         <p:spPr>
           <a:xfrm>
-            <a:off x="3467100" y="2895600"/>
-            <a:ext cx="5334000" cy="2870200"/>
+            <a:off x="3467100" y="2724150"/>
+            <a:ext cx="5334000" cy="1181100"/>
+          </a:xfrm>
+          <a:prstGeom prst="roundRect">
+            <a:avLst/>
+          </a:prstGeom>
+          <a:noFill/>
+          <a:ln>
+            <a:solidFill>
+              <a:schemeClr val="bg1">
+                <a:lumMod val="85000"/>
+              </a:schemeClr>
+            </a:solidFill>
+            <a:prstDash val="dash"/>
+          </a:ln>
+        </p:spPr>
+        <p:style>
+          <a:lnRef idx="2">
+            <a:schemeClr val="accent1">
+              <a:shade val="15000"/>
+            </a:schemeClr>
+          </a:lnRef>
+          <a:fillRef idx="1">
+            <a:schemeClr val="accent1"/>
+          </a:fillRef>
+          <a:effectRef idx="0">
+            <a:schemeClr val="accent1"/>
+          </a:effectRef>
+          <a:fontRef idx="minor">
+            <a:schemeClr val="lt1"/>
+          </a:fontRef>
+        </p:style>
+        <p:txBody>
+          <a:bodyPr rtlCol="0" anchor="ctr"/>
+          <a:lstStyle/>
+          <a:p>
+            <a:pPr algn="ctr"/>
+            <a:endParaRPr lang="ko-KR" altLang="en-US"/>
+          </a:p>
+        </p:txBody>
+      </p:sp>
+    </p:spTree>
+    <p:extLst>
+      <p:ext uri="{BB962C8B-B14F-4D97-AF65-F5344CB8AC3E}">
+        <p14:creationId xmlns:p14="http://schemas.microsoft.com/office/powerpoint/2010/main" val="132232917"/>
+      </p:ext>
+    </p:extLst>
+  </p:cSld>
+  <p:clrMapOvr>
+    <a:masterClrMapping/>
+  </p:clrMapOvr>
+</p:sld>
+</file>
+
+<file path=ppt/slides/slide9.xml><?xml version="1.0" encoding="utf-8"?>
+<p:sld xmlns:a="http://schemas.openxmlformats.org/drawingml/2006/main" xmlns:r="http://schemas.openxmlformats.org/officeDocument/2006/relationships" xmlns:p="http://schemas.openxmlformats.org/presentationml/2006/main">
+  <p:cSld>
+    <p:spTree>
+      <p:nvGrpSpPr>
+        <p:cNvPr id="1" name=""/>
+        <p:cNvGrpSpPr/>
+        <p:nvPr/>
+      </p:nvGrpSpPr>
+      <p:grpSpPr>
+        <a:xfrm>
+          <a:off x="0" y="0"/>
+          <a:ext cx="0" cy="0"/>
+          <a:chOff x="0" y="0"/>
+          <a:chExt cx="0" cy="0"/>
+        </a:xfrm>
+      </p:grpSpPr>
+      <p:sp>
+        <p:nvSpPr>
+          <p:cNvPr id="4" name="직사각형 3">
+            <a:extLst>
+              <a:ext uri="{FF2B5EF4-FFF2-40B4-BE49-F238E27FC236}">
+                <a16:creationId xmlns:a16="http://schemas.microsoft.com/office/drawing/2014/main" id="{362C970C-5A6B-0EE0-C37A-699D9E0103B4}"/>
+              </a:ext>
+            </a:extLst>
+          </p:cNvPr>
+          <p:cNvSpPr/>
+          <p:nvPr/>
+        </p:nvSpPr>
+        <p:spPr>
+          <a:xfrm>
+            <a:off x="3815565" y="986135"/>
+            <a:ext cx="4560864" cy="923330"/>
+          </a:xfrm>
+          <a:prstGeom prst="rect">
+            <a:avLst/>
+          </a:prstGeom>
+          <a:noFill/>
+        </p:spPr>
+        <p:txBody>
+          <a:bodyPr wrap="none" lIns="91440" tIns="45720" rIns="91440" bIns="45720">
+            <a:spAutoFit/>
+          </a:bodyPr>
+          <a:lstStyle/>
+          <a:p>
+            <a:pPr algn="ctr"/>
+            <a:r>
+              <a:rPr lang="en-US" altLang="ko-KR" sz="5400" b="1" dirty="0">
+                <a:ln w="12700">
+                  <a:solidFill>
+                    <a:schemeClr val="accent1">
+                      <a:alpha val="33000"/>
+                    </a:schemeClr>
+                  </a:solidFill>
+                  <a:prstDash val="solid"/>
+                </a:ln>
+                <a:pattFill prst="pct50">
+                  <a:fgClr>
+                    <a:schemeClr val="bg1">
+                      <a:lumMod val="50000"/>
+                    </a:schemeClr>
+                  </a:fgClr>
+                  <a:bgClr>
+                    <a:schemeClr val="bg1">
+                      <a:lumMod val="85000"/>
+                    </a:schemeClr>
+                  </a:bgClr>
+                </a:pattFill>
+                <a:effectLst>
+                  <a:outerShdw dist="38100" dir="2640000" algn="bl" rotWithShape="0">
+                    <a:schemeClr val="accent1"/>
+                  </a:outerShdw>
+                </a:effectLst>
+                <a:latin typeface="디자인하우스 Bold" panose="020B0600000101010101" pitchFamily="50" charset="-127"/>
+                <a:ea typeface="디자인하우스 Bold" panose="020B0600000101010101" pitchFamily="50" charset="-127"/>
+              </a:rPr>
+              <a:t>Team Standard</a:t>
+            </a:r>
+            <a:endParaRPr lang="en-US" altLang="ko-KR" sz="5400" b="1" cap="none" spc="0" dirty="0">
+              <a:ln w="12700">
+                <a:solidFill>
+                  <a:schemeClr val="accent1">
+                    <a:alpha val="33000"/>
+                  </a:schemeClr>
+                </a:solidFill>
+                <a:prstDash val="solid"/>
+              </a:ln>
+              <a:pattFill prst="pct50">
+                <a:fgClr>
+                  <a:schemeClr val="bg1">
+                    <a:lumMod val="50000"/>
+                  </a:schemeClr>
+                </a:fgClr>
+                <a:bgClr>
+                  <a:schemeClr val="bg1">
+                    <a:lumMod val="85000"/>
+                  </a:schemeClr>
+                </a:bgClr>
+              </a:pattFill>
+              <a:effectLst>
+                <a:outerShdw dist="38100" dir="2640000" algn="bl" rotWithShape="0">
+                  <a:schemeClr val="accent1"/>
+                </a:outerShdw>
+              </a:effectLst>
+              <a:latin typeface="디자인하우스 Bold" panose="020B0600000101010101" pitchFamily="50" charset="-127"/>
+              <a:ea typeface="디자인하우스 Bold" panose="020B0600000101010101" pitchFamily="50" charset="-127"/>
+            </a:endParaRPr>
+          </a:p>
+        </p:txBody>
+      </p:sp>
+      <p:sp>
+        <p:nvSpPr>
+          <p:cNvPr id="5" name="직사각형 4">
+            <a:extLst>
+              <a:ext uri="{FF2B5EF4-FFF2-40B4-BE49-F238E27FC236}">
+                <a16:creationId xmlns:a16="http://schemas.microsoft.com/office/drawing/2014/main" id="{A7629D7F-2A1D-DF54-9E37-050A09205727}"/>
+              </a:ext>
+            </a:extLst>
+          </p:cNvPr>
+          <p:cNvSpPr/>
+          <p:nvPr/>
+        </p:nvSpPr>
+        <p:spPr>
+          <a:xfrm>
+            <a:off x="3608779" y="2981920"/>
+            <a:ext cx="4974439" cy="923330"/>
+          </a:xfrm>
+          <a:prstGeom prst="rect">
+            <a:avLst/>
+          </a:prstGeom>
+          <a:noFill/>
+        </p:spPr>
+        <p:txBody>
+          <a:bodyPr wrap="none" lIns="91440" tIns="45720" rIns="91440" bIns="45720">
+            <a:spAutoFit/>
+          </a:bodyPr>
+          <a:lstStyle/>
+          <a:p>
+            <a:pPr algn="ctr"/>
+            <a:r>
+              <a:rPr lang="en-US" altLang="ko-KR" sz="5400" b="1" dirty="0">
+                <a:ln w="12700">
+                  <a:solidFill>
+                    <a:schemeClr val="accent1"/>
+                  </a:solidFill>
+                  <a:prstDash val="solid"/>
+                </a:ln>
+                <a:pattFill prst="pct50">
+                  <a:fgClr>
+                    <a:schemeClr val="accent1"/>
+                  </a:fgClr>
+                  <a:bgClr>
+                    <a:schemeClr val="accent1">
+                      <a:lumMod val="20000"/>
+                      <a:lumOff val="80000"/>
+                    </a:schemeClr>
+                  </a:bgClr>
+                </a:pattFill>
+                <a:effectLst>
+                  <a:outerShdw dist="38100" dir="2640000" algn="bl" rotWithShape="0">
+                    <a:schemeClr val="accent1"/>
+                  </a:outerShdw>
+                </a:effectLst>
+                <a:latin typeface="디자인하우스 Bold" panose="020B0600000101010101" pitchFamily="50" charset="-127"/>
+                <a:ea typeface="디자인하우스 Bold" panose="020B0600000101010101" pitchFamily="50" charset="-127"/>
+              </a:rPr>
+              <a:t>Project Standard</a:t>
+            </a:r>
+            <a:endParaRPr lang="en-US" altLang="ko-KR" sz="5400" b="1" cap="none" spc="0" dirty="0">
+              <a:ln w="12700">
+                <a:solidFill>
+                  <a:schemeClr val="accent1"/>
+                </a:solidFill>
+                <a:prstDash val="solid"/>
+              </a:ln>
+              <a:pattFill prst="pct50">
+                <a:fgClr>
+                  <a:schemeClr val="accent1"/>
+                </a:fgClr>
+                <a:bgClr>
+                  <a:schemeClr val="accent1">
+                    <a:lumMod val="20000"/>
+                    <a:lumOff val="80000"/>
+                  </a:schemeClr>
+                </a:bgClr>
+              </a:pattFill>
+              <a:effectLst>
+                <a:outerShdw dist="38100" dir="2640000" algn="bl" rotWithShape="0">
+                  <a:schemeClr val="accent1"/>
+                </a:outerShdw>
+              </a:effectLst>
+              <a:latin typeface="디자인하우스 Bold" panose="020B0600000101010101" pitchFamily="50" charset="-127"/>
+              <a:ea typeface="디자인하우스 Bold" panose="020B0600000101010101" pitchFamily="50" charset="-127"/>
+            </a:endParaRPr>
+          </a:p>
+        </p:txBody>
+      </p:sp>
+      <p:sp>
+        <p:nvSpPr>
+          <p:cNvPr id="6" name="직사각형 5">
+            <a:extLst>
+              <a:ext uri="{FF2B5EF4-FFF2-40B4-BE49-F238E27FC236}">
+                <a16:creationId xmlns:a16="http://schemas.microsoft.com/office/drawing/2014/main" id="{6EB14060-D22F-77E1-F0EF-D004E171725E}"/>
+              </a:ext>
+            </a:extLst>
+          </p:cNvPr>
+          <p:cNvSpPr/>
+          <p:nvPr/>
+        </p:nvSpPr>
+        <p:spPr>
+          <a:xfrm>
+            <a:off x="4168229" y="4977705"/>
+            <a:ext cx="3855544" cy="923330"/>
+          </a:xfrm>
+          <a:prstGeom prst="rect">
+            <a:avLst/>
+          </a:prstGeom>
+          <a:noFill/>
+        </p:spPr>
+        <p:txBody>
+          <a:bodyPr wrap="none" lIns="91440" tIns="45720" rIns="91440" bIns="45720">
+            <a:spAutoFit/>
+          </a:bodyPr>
+          <a:lstStyle/>
+          <a:p>
+            <a:pPr algn="ctr"/>
+            <a:r>
+              <a:rPr lang="en-US" altLang="ko-KR" sz="5400" b="1" dirty="0">
+                <a:ln w="12700">
+                  <a:solidFill>
+                    <a:schemeClr val="accent1"/>
+                  </a:solidFill>
+                  <a:prstDash val="solid"/>
+                </a:ln>
+                <a:pattFill prst="pct50">
+                  <a:fgClr>
+                    <a:schemeClr val="accent5">
+                      <a:lumMod val="75000"/>
+                    </a:schemeClr>
+                  </a:fgClr>
+                  <a:bgClr>
+                    <a:schemeClr val="accent5">
+                      <a:lumMod val="40000"/>
+                      <a:lumOff val="60000"/>
+                    </a:schemeClr>
+                  </a:bgClr>
+                </a:pattFill>
+                <a:effectLst>
+                  <a:outerShdw dist="38100" dir="2640000" algn="bl" rotWithShape="0">
+                    <a:schemeClr val="accent1"/>
+                  </a:outerShdw>
+                </a:effectLst>
+                <a:latin typeface="디자인하우스 Bold" panose="020B0600000101010101" pitchFamily="50" charset="-127"/>
+                <a:ea typeface="디자인하우스 Bold" panose="020B0600000101010101" pitchFamily="50" charset="-127"/>
+              </a:rPr>
+              <a:t>Project Input</a:t>
+            </a:r>
+            <a:endParaRPr lang="en-US" altLang="ko-KR" sz="5400" b="1" cap="none" spc="0" dirty="0">
+              <a:ln w="12700">
+                <a:solidFill>
+                  <a:schemeClr val="accent1"/>
+                </a:solidFill>
+                <a:prstDash val="solid"/>
+              </a:ln>
+              <a:pattFill prst="pct50">
+                <a:fgClr>
+                  <a:schemeClr val="accent5">
+                    <a:lumMod val="75000"/>
+                  </a:schemeClr>
+                </a:fgClr>
+                <a:bgClr>
+                  <a:schemeClr val="accent5">
+                    <a:lumMod val="40000"/>
+                    <a:lumOff val="60000"/>
+                  </a:schemeClr>
+                </a:bgClr>
+              </a:pattFill>
+              <a:effectLst>
+                <a:outerShdw dist="38100" dir="2640000" algn="bl" rotWithShape="0">
+                  <a:schemeClr val="accent1"/>
+                </a:outerShdw>
+              </a:effectLst>
+              <a:latin typeface="디자인하우스 Bold" panose="020B0600000101010101" pitchFamily="50" charset="-127"/>
+              <a:ea typeface="디자인하우스 Bold" panose="020B0600000101010101" pitchFamily="50" charset="-127"/>
+            </a:endParaRPr>
+          </a:p>
+        </p:txBody>
+      </p:sp>
+      <p:sp>
+        <p:nvSpPr>
+          <p:cNvPr id="8" name="순서도: 병합 7">
+            <a:extLst>
+              <a:ext uri="{FF2B5EF4-FFF2-40B4-BE49-F238E27FC236}">
+                <a16:creationId xmlns:a16="http://schemas.microsoft.com/office/drawing/2014/main" id="{FD2C6B6D-A346-7180-2404-9A63AA38D5A4}"/>
+              </a:ext>
+            </a:extLst>
+          </p:cNvPr>
+          <p:cNvSpPr/>
+          <p:nvPr/>
+        </p:nvSpPr>
+        <p:spPr>
+          <a:xfrm>
+            <a:off x="5825996" y="2095500"/>
+            <a:ext cx="540000" cy="108000"/>
+          </a:xfrm>
+          <a:prstGeom prst="flowChartMerge">
+            <a:avLst/>
+          </a:prstGeom>
+          <a:solidFill>
+            <a:schemeClr val="tx1">
+              <a:alpha val="56000"/>
+            </a:schemeClr>
+          </a:solidFill>
+          <a:ln>
+            <a:noFill/>
+          </a:ln>
+        </p:spPr>
+        <p:style>
+          <a:lnRef idx="2">
+            <a:schemeClr val="accent1">
+              <a:shade val="15000"/>
+            </a:schemeClr>
+          </a:lnRef>
+          <a:fillRef idx="1">
+            <a:schemeClr val="accent1"/>
+          </a:fillRef>
+          <a:effectRef idx="0">
+            <a:schemeClr val="accent1"/>
+          </a:effectRef>
+          <a:fontRef idx="minor">
+            <a:schemeClr val="lt1"/>
+          </a:fontRef>
+        </p:style>
+        <p:txBody>
+          <a:bodyPr rtlCol="0" anchor="ctr"/>
+          <a:lstStyle/>
+          <a:p>
+            <a:pPr algn="ctr"/>
+            <a:endParaRPr lang="ko-KR" altLang="en-US"/>
+          </a:p>
+        </p:txBody>
+      </p:sp>
+      <p:sp>
+        <p:nvSpPr>
+          <p:cNvPr id="10" name="순서도: 병합 9">
+            <a:extLst>
+              <a:ext uri="{FF2B5EF4-FFF2-40B4-BE49-F238E27FC236}">
+                <a16:creationId xmlns:a16="http://schemas.microsoft.com/office/drawing/2014/main" id="{9987C965-6FF2-D23A-E216-775C8E052184}"/>
+              </a:ext>
+            </a:extLst>
+          </p:cNvPr>
+          <p:cNvSpPr/>
+          <p:nvPr/>
+        </p:nvSpPr>
+        <p:spPr>
+          <a:xfrm>
+            <a:off x="5825996" y="4279477"/>
+            <a:ext cx="540000" cy="108000"/>
+          </a:xfrm>
+          <a:prstGeom prst="flowChartMerge">
+            <a:avLst/>
+          </a:prstGeom>
+          <a:solidFill>
+            <a:schemeClr val="tx1">
+              <a:alpha val="56000"/>
+            </a:schemeClr>
+          </a:solidFill>
+          <a:ln>
+            <a:noFill/>
+          </a:ln>
+        </p:spPr>
+        <p:style>
+          <a:lnRef idx="2">
+            <a:schemeClr val="accent1">
+              <a:shade val="15000"/>
+            </a:schemeClr>
+          </a:lnRef>
+          <a:fillRef idx="1">
+            <a:schemeClr val="accent1"/>
+          </a:fillRef>
+          <a:effectRef idx="0">
+            <a:schemeClr val="accent1"/>
+          </a:effectRef>
+          <a:fontRef idx="minor">
+            <a:schemeClr val="lt1"/>
+          </a:fontRef>
+        </p:style>
+        <p:txBody>
+          <a:bodyPr rtlCol="0" anchor="ctr"/>
+          <a:lstStyle/>
+          <a:p>
+            <a:pPr algn="ctr"/>
+            <a:endParaRPr lang="ko-KR" altLang="en-US"/>
+          </a:p>
+        </p:txBody>
+      </p:sp>
+      <p:sp>
+        <p:nvSpPr>
+          <p:cNvPr id="11" name="사각형: 둥근 모서리 10">
+            <a:extLst>
+              <a:ext uri="{FF2B5EF4-FFF2-40B4-BE49-F238E27FC236}">
+                <a16:creationId xmlns:a16="http://schemas.microsoft.com/office/drawing/2014/main" id="{2C97DE32-B7DF-4F0B-F75E-43137C7E6449}"/>
+              </a:ext>
+            </a:extLst>
+          </p:cNvPr>
+          <p:cNvSpPr/>
+          <p:nvPr/>
+        </p:nvSpPr>
+        <p:spPr>
+          <a:xfrm>
+            <a:off x="3467100" y="4842469"/>
+            <a:ext cx="5334000" cy="1029395"/>
           </a:xfrm>
           <a:prstGeom prst="roundRect">
             <a:avLst/>
@@ -17319,408 +18604,6 @@
     <p:extLst>
       <p:ext uri="{BB962C8B-B14F-4D97-AF65-F5344CB8AC3E}">
         <p14:creationId xmlns:p14="http://schemas.microsoft.com/office/powerpoint/2010/main" val="3805762065"/>
-      </p:ext>
-    </p:extLst>
-  </p:cSld>
-  <p:clrMapOvr>
-    <a:masterClrMapping/>
-  </p:clrMapOvr>
-</p:sld>
-</file>
-
-<file path=ppt/slides/slide8.xml><?xml version="1.0" encoding="utf-8"?>
-<p:sld xmlns:a="http://schemas.openxmlformats.org/drawingml/2006/main" xmlns:r="http://schemas.openxmlformats.org/officeDocument/2006/relationships" xmlns:p="http://schemas.openxmlformats.org/presentationml/2006/main">
-  <p:cSld>
-    <p:spTree>
-      <p:nvGrpSpPr>
-        <p:cNvPr id="1" name=""/>
-        <p:cNvGrpSpPr/>
-        <p:nvPr/>
-      </p:nvGrpSpPr>
-      <p:grpSpPr>
-        <a:xfrm>
-          <a:off x="0" y="0"/>
-          <a:ext cx="0" cy="0"/>
-          <a:chOff x="0" y="0"/>
-          <a:chExt cx="0" cy="0"/>
-        </a:xfrm>
-      </p:grpSpPr>
-      <p:pic>
-        <p:nvPicPr>
-          <p:cNvPr id="9" name="그림 8">
-            <a:extLst>
-              <a:ext uri="{FF2B5EF4-FFF2-40B4-BE49-F238E27FC236}">
-                <a16:creationId xmlns:a16="http://schemas.microsoft.com/office/drawing/2014/main" id="{C62B05E0-F2A2-ACA1-032C-AEABEEDF1F23}"/>
-              </a:ext>
-            </a:extLst>
-          </p:cNvPr>
-          <p:cNvPicPr>
-            <a:picLocks noChangeAspect="1"/>
-          </p:cNvPicPr>
-          <p:nvPr/>
-        </p:nvPicPr>
-        <p:blipFill>
-          <a:blip r:embed="rId2"/>
-          <a:stretch>
-            <a:fillRect/>
-          </a:stretch>
-        </p:blipFill>
-        <p:spPr>
-          <a:xfrm>
-            <a:off x="0" y="0"/>
-            <a:ext cx="5377460" cy="3164267"/>
-          </a:xfrm>
-          <a:prstGeom prst="rect">
-            <a:avLst/>
-          </a:prstGeom>
-        </p:spPr>
-      </p:pic>
-      <p:pic>
-        <p:nvPicPr>
-          <p:cNvPr id="11" name="그림 10">
-            <a:extLst>
-              <a:ext uri="{FF2B5EF4-FFF2-40B4-BE49-F238E27FC236}">
-                <a16:creationId xmlns:a16="http://schemas.microsoft.com/office/drawing/2014/main" id="{CC211FCA-800B-74C3-9941-863A1410AF23}"/>
-              </a:ext>
-            </a:extLst>
-          </p:cNvPr>
-          <p:cNvPicPr>
-            <a:picLocks noChangeAspect="1"/>
-          </p:cNvPicPr>
-          <p:nvPr/>
-        </p:nvPicPr>
-        <p:blipFill>
-          <a:blip r:embed="rId3"/>
-          <a:stretch>
-            <a:fillRect/>
-          </a:stretch>
-        </p:blipFill>
-        <p:spPr>
-          <a:xfrm>
-            <a:off x="5567054" y="199848"/>
-            <a:ext cx="4410691" cy="2534004"/>
-          </a:xfrm>
-          <a:prstGeom prst="rect">
-            <a:avLst/>
-          </a:prstGeom>
-        </p:spPr>
-      </p:pic>
-      <p:pic>
-        <p:nvPicPr>
-          <p:cNvPr id="13" name="그림 12">
-            <a:extLst>
-              <a:ext uri="{FF2B5EF4-FFF2-40B4-BE49-F238E27FC236}">
-                <a16:creationId xmlns:a16="http://schemas.microsoft.com/office/drawing/2014/main" id="{6EB10B58-9BEF-39D7-53BD-2AA23CB2D975}"/>
-              </a:ext>
-            </a:extLst>
-          </p:cNvPr>
-          <p:cNvPicPr>
-            <a:picLocks noChangeAspect="1"/>
-          </p:cNvPicPr>
-          <p:nvPr/>
-        </p:nvPicPr>
-        <p:blipFill>
-          <a:blip r:embed="rId4"/>
-          <a:stretch>
-            <a:fillRect/>
-          </a:stretch>
-        </p:blipFill>
-        <p:spPr>
-          <a:xfrm>
-            <a:off x="166815" y="3561888"/>
-            <a:ext cx="5400239" cy="2715417"/>
-          </a:xfrm>
-          <a:prstGeom prst="rect">
-            <a:avLst/>
-          </a:prstGeom>
-        </p:spPr>
-      </p:pic>
-      <p:pic>
-        <p:nvPicPr>
-          <p:cNvPr id="15" name="그림 14">
-            <a:extLst>
-              <a:ext uri="{FF2B5EF4-FFF2-40B4-BE49-F238E27FC236}">
-                <a16:creationId xmlns:a16="http://schemas.microsoft.com/office/drawing/2014/main" id="{30E76742-D5BC-1D5D-AAA3-F654F375BBCF}"/>
-              </a:ext>
-            </a:extLst>
-          </p:cNvPr>
-          <p:cNvPicPr>
-            <a:picLocks noChangeAspect="1"/>
-          </p:cNvPicPr>
-          <p:nvPr/>
-        </p:nvPicPr>
-        <p:blipFill>
-          <a:blip r:embed="rId5"/>
-          <a:stretch>
-            <a:fillRect/>
-          </a:stretch>
-        </p:blipFill>
-        <p:spPr>
-          <a:xfrm>
-            <a:off x="6046035" y="3561888"/>
-            <a:ext cx="5478058" cy="2715417"/>
-          </a:xfrm>
-          <a:prstGeom prst="rect">
-            <a:avLst/>
-          </a:prstGeom>
-        </p:spPr>
-      </p:pic>
-    </p:spTree>
-    <p:extLst>
-      <p:ext uri="{BB962C8B-B14F-4D97-AF65-F5344CB8AC3E}">
-        <p14:creationId xmlns:p14="http://schemas.microsoft.com/office/powerpoint/2010/main" val="973011046"/>
-      </p:ext>
-    </p:extLst>
-  </p:cSld>
-  <p:clrMapOvr>
-    <a:masterClrMapping/>
-  </p:clrMapOvr>
-</p:sld>
-</file>
-
-<file path=ppt/slides/slide9.xml><?xml version="1.0" encoding="utf-8"?>
-<p:sld xmlns:a="http://schemas.openxmlformats.org/drawingml/2006/main" xmlns:r="http://schemas.openxmlformats.org/officeDocument/2006/relationships" xmlns:p="http://schemas.openxmlformats.org/presentationml/2006/main">
-  <p:cSld>
-    <p:spTree>
-      <p:nvGrpSpPr>
-        <p:cNvPr id="1" name=""/>
-        <p:cNvGrpSpPr/>
-        <p:nvPr/>
-      </p:nvGrpSpPr>
-      <p:grpSpPr>
-        <a:xfrm>
-          <a:off x="0" y="0"/>
-          <a:ext cx="0" cy="0"/>
-          <a:chOff x="0" y="0"/>
-          <a:chExt cx="0" cy="0"/>
-        </a:xfrm>
-      </p:grpSpPr>
-      <p:sp>
-        <p:nvSpPr>
-          <p:cNvPr id="4" name="직사각형 3">
-            <a:extLst>
-              <a:ext uri="{FF2B5EF4-FFF2-40B4-BE49-F238E27FC236}">
-                <a16:creationId xmlns:a16="http://schemas.microsoft.com/office/drawing/2014/main" id="{02540FA1-D830-7CA8-5C47-5795E2E7A8FF}"/>
-              </a:ext>
-            </a:extLst>
-          </p:cNvPr>
-          <p:cNvSpPr/>
-          <p:nvPr/>
-        </p:nvSpPr>
-        <p:spPr>
-          <a:xfrm>
-            <a:off x="1841262" y="2538710"/>
-            <a:ext cx="508473" cy="646331"/>
-          </a:xfrm>
-          <a:prstGeom prst="rect">
-            <a:avLst/>
-          </a:prstGeom>
-          <a:noFill/>
-        </p:spPr>
-        <p:txBody>
-          <a:bodyPr wrap="none" lIns="91440" tIns="45720" rIns="91440" bIns="45720">
-            <a:spAutoFit/>
-          </a:bodyPr>
-          <a:lstStyle/>
-          <a:p>
-            <a:pPr algn="ctr"/>
-            <a:r>
-              <a:rPr lang="en-US" altLang="ko-KR" sz="3600" b="0" cap="none" spc="0" dirty="0">
-                <a:ln w="0"/>
-                <a:solidFill>
-                  <a:schemeClr val="tx1"/>
-                </a:solidFill>
-                <a:effectLst>
-                  <a:outerShdw blurRad="38100" dist="19050" dir="2700000" algn="tl" rotWithShape="0">
-                    <a:schemeClr val="dk1">
-                      <a:alpha val="40000"/>
-                    </a:schemeClr>
-                  </a:outerShdw>
-                </a:effectLst>
-              </a:rPr>
-              <a:t>+</a:t>
-            </a:r>
-          </a:p>
-        </p:txBody>
-      </p:sp>
-      <p:sp>
-        <p:nvSpPr>
-          <p:cNvPr id="5" name="직사각형 4">
-            <a:extLst>
-              <a:ext uri="{FF2B5EF4-FFF2-40B4-BE49-F238E27FC236}">
-                <a16:creationId xmlns:a16="http://schemas.microsoft.com/office/drawing/2014/main" id="{838F9C1C-23B5-5C3F-B1AE-D744BE913A75}"/>
-              </a:ext>
-            </a:extLst>
-          </p:cNvPr>
-          <p:cNvSpPr/>
-          <p:nvPr/>
-        </p:nvSpPr>
-        <p:spPr>
-          <a:xfrm>
-            <a:off x="1861300" y="3211295"/>
-            <a:ext cx="468398" cy="923330"/>
-          </a:xfrm>
-          <a:prstGeom prst="rect">
-            <a:avLst/>
-          </a:prstGeom>
-          <a:noFill/>
-        </p:spPr>
-        <p:txBody>
-          <a:bodyPr wrap="none" lIns="91440" tIns="45720" rIns="91440" bIns="45720">
-            <a:spAutoFit/>
-          </a:bodyPr>
-          <a:lstStyle/>
-          <a:p>
-            <a:pPr algn="ctr"/>
-            <a:r>
-              <a:rPr lang="en-US" altLang="ko-KR" sz="5400" dirty="0">
-                <a:ln w="0"/>
-                <a:effectLst>
-                  <a:outerShdw blurRad="38100" dist="19050" dir="2700000" algn="tl" rotWithShape="0">
-                    <a:schemeClr val="dk1">
-                      <a:alpha val="40000"/>
-                    </a:schemeClr>
-                  </a:outerShdw>
-                </a:effectLst>
-              </a:rPr>
-              <a:t>-</a:t>
-            </a:r>
-            <a:endParaRPr lang="en-US" altLang="ko-KR" sz="5400" b="0" cap="none" spc="0" dirty="0">
-              <a:ln w="0"/>
-              <a:solidFill>
-                <a:schemeClr val="tx1"/>
-              </a:solidFill>
-              <a:effectLst>
-                <a:outerShdw blurRad="38100" dist="19050" dir="2700000" algn="tl" rotWithShape="0">
-                  <a:schemeClr val="dk1">
-                    <a:alpha val="40000"/>
-                  </a:schemeClr>
-                </a:outerShdw>
-              </a:effectLst>
-            </a:endParaRPr>
-          </a:p>
-        </p:txBody>
-      </p:sp>
-      <p:pic>
-        <p:nvPicPr>
-          <p:cNvPr id="10" name="그림 9">
-            <a:extLst>
-              <a:ext uri="{FF2B5EF4-FFF2-40B4-BE49-F238E27FC236}">
-                <a16:creationId xmlns:a16="http://schemas.microsoft.com/office/drawing/2014/main" id="{BD2B3AFC-AD53-ADF9-181C-D121951C8257}"/>
-              </a:ext>
-            </a:extLst>
-          </p:cNvPr>
-          <p:cNvPicPr>
-            <a:picLocks noChangeAspect="1"/>
-          </p:cNvPicPr>
-          <p:nvPr/>
-        </p:nvPicPr>
-        <p:blipFill rotWithShape="1">
-          <a:blip r:embed="rId2"/>
-          <a:srcRect l="29442" t="29924" r="31498" b="36517"/>
-          <a:stretch/>
-        </p:blipFill>
-        <p:spPr>
-          <a:xfrm>
-            <a:off x="4343400" y="2657474"/>
-            <a:ext cx="381367" cy="360000"/>
-          </a:xfrm>
-          <a:prstGeom prst="rect">
-            <a:avLst/>
-          </a:prstGeom>
-        </p:spPr>
-      </p:pic>
-      <p:pic>
-        <p:nvPicPr>
-          <p:cNvPr id="12" name="그림 11">
-            <a:extLst>
-              <a:ext uri="{FF2B5EF4-FFF2-40B4-BE49-F238E27FC236}">
-                <a16:creationId xmlns:a16="http://schemas.microsoft.com/office/drawing/2014/main" id="{6D82E424-CAE9-42BE-D836-13B4B51A2594}"/>
-              </a:ext>
-            </a:extLst>
-          </p:cNvPr>
-          <p:cNvPicPr>
-            <a:picLocks noChangeAspect="1"/>
-          </p:cNvPicPr>
-          <p:nvPr/>
-        </p:nvPicPr>
-        <p:blipFill rotWithShape="1">
-          <a:blip r:embed="rId3"/>
-          <a:srcRect l="34619" t="35688" r="34619" b="41805"/>
-          <a:stretch/>
-        </p:blipFill>
-        <p:spPr>
-          <a:xfrm>
-            <a:off x="4343398" y="3505200"/>
-            <a:ext cx="381367" cy="360000"/>
-          </a:xfrm>
-          <a:prstGeom prst="rect">
-            <a:avLst/>
-          </a:prstGeom>
-        </p:spPr>
-      </p:pic>
-      <p:pic>
-        <p:nvPicPr>
-          <p:cNvPr id="14" name="그림 13">
-            <a:extLst>
-              <a:ext uri="{FF2B5EF4-FFF2-40B4-BE49-F238E27FC236}">
-                <a16:creationId xmlns:a16="http://schemas.microsoft.com/office/drawing/2014/main" id="{48755F38-96DB-CAEA-FB72-A7E22B32E403}"/>
-              </a:ext>
-            </a:extLst>
-          </p:cNvPr>
-          <p:cNvPicPr>
-            <a:picLocks noChangeAspect="1"/>
-          </p:cNvPicPr>
-          <p:nvPr/>
-        </p:nvPicPr>
-        <p:blipFill rotWithShape="1">
-          <a:blip r:embed="rId2"/>
-          <a:srcRect l="29442" t="29924" r="31498" b="36517"/>
-          <a:stretch/>
-        </p:blipFill>
-        <p:spPr>
-          <a:xfrm>
-            <a:off x="6527748" y="2657474"/>
-            <a:ext cx="114410" cy="108000"/>
-          </a:xfrm>
-          <a:prstGeom prst="rect">
-            <a:avLst/>
-          </a:prstGeom>
-        </p:spPr>
-      </p:pic>
-      <p:pic>
-        <p:nvPicPr>
-          <p:cNvPr id="15" name="그림 14">
-            <a:extLst>
-              <a:ext uri="{FF2B5EF4-FFF2-40B4-BE49-F238E27FC236}">
-                <a16:creationId xmlns:a16="http://schemas.microsoft.com/office/drawing/2014/main" id="{C79F2935-8944-1D9D-7ADD-DE542004EFD8}"/>
-              </a:ext>
-            </a:extLst>
-          </p:cNvPr>
-          <p:cNvPicPr>
-            <a:picLocks noChangeAspect="1"/>
-          </p:cNvPicPr>
-          <p:nvPr/>
-        </p:nvPicPr>
-        <p:blipFill rotWithShape="1">
-          <a:blip r:embed="rId3"/>
-          <a:srcRect l="34619" t="35688" r="34619" b="41805"/>
-          <a:stretch/>
-        </p:blipFill>
-        <p:spPr>
-          <a:xfrm>
-            <a:off x="6527746" y="3505200"/>
-            <a:ext cx="114410" cy="108000"/>
-          </a:xfrm>
-          <a:prstGeom prst="rect">
-            <a:avLst/>
-          </a:prstGeom>
-        </p:spPr>
-      </p:pic>
-    </p:spTree>
-    <p:extLst>
-      <p:ext uri="{BB962C8B-B14F-4D97-AF65-F5344CB8AC3E}">
-        <p14:creationId xmlns:p14="http://schemas.microsoft.com/office/powerpoint/2010/main" val="3572503234"/>
       </p:ext>
     </p:extLst>
   </p:cSld>

--- a/H_BimNote/logo.pptx
+++ b/H_BimNote/logo.pptx
@@ -10,12 +10,13 @@
     <p:sldId id="258" r:id="rId4"/>
     <p:sldId id="261" r:id="rId5"/>
     <p:sldId id="266" r:id="rId6"/>
-    <p:sldId id="263" r:id="rId7"/>
-    <p:sldId id="264" r:id="rId8"/>
-    <p:sldId id="267" r:id="rId9"/>
-    <p:sldId id="265" r:id="rId10"/>
-    <p:sldId id="260" r:id="rId11"/>
-    <p:sldId id="262" r:id="rId12"/>
+    <p:sldId id="268" r:id="rId7"/>
+    <p:sldId id="263" r:id="rId8"/>
+    <p:sldId id="264" r:id="rId9"/>
+    <p:sldId id="267" r:id="rId10"/>
+    <p:sldId id="265" r:id="rId11"/>
+    <p:sldId id="260" r:id="rId12"/>
+    <p:sldId id="262" r:id="rId13"/>
   </p:sldIdLst>
   <p:sldSz cx="12192000" cy="6858000"/>
   <p:notesSz cx="6858000" cy="9144000"/>
@@ -269,7 +270,7 @@
           <a:p>
             <a:fld id="{A6A5F888-23C1-4C2D-8DA0-CBACC41D9E90}" type="datetimeFigureOut">
               <a:rPr lang="ko-KR" altLang="en-US" smtClean="0"/>
-              <a:t>2025-01-24</a:t>
+              <a:t>2025-02-05</a:t>
             </a:fld>
             <a:endParaRPr lang="ko-KR" altLang="en-US"/>
           </a:p>
@@ -467,7 +468,7 @@
           <a:p>
             <a:fld id="{A6A5F888-23C1-4C2D-8DA0-CBACC41D9E90}" type="datetimeFigureOut">
               <a:rPr lang="ko-KR" altLang="en-US" smtClean="0"/>
-              <a:t>2025-01-24</a:t>
+              <a:t>2025-02-05</a:t>
             </a:fld>
             <a:endParaRPr lang="ko-KR" altLang="en-US"/>
           </a:p>
@@ -675,7 +676,7 @@
           <a:p>
             <a:fld id="{A6A5F888-23C1-4C2D-8DA0-CBACC41D9E90}" type="datetimeFigureOut">
               <a:rPr lang="ko-KR" altLang="en-US" smtClean="0"/>
-              <a:t>2025-01-24</a:t>
+              <a:t>2025-02-05</a:t>
             </a:fld>
             <a:endParaRPr lang="ko-KR" altLang="en-US"/>
           </a:p>
@@ -873,7 +874,7 @@
           <a:p>
             <a:fld id="{A6A5F888-23C1-4C2D-8DA0-CBACC41D9E90}" type="datetimeFigureOut">
               <a:rPr lang="ko-KR" altLang="en-US" smtClean="0"/>
-              <a:t>2025-01-24</a:t>
+              <a:t>2025-02-05</a:t>
             </a:fld>
             <a:endParaRPr lang="ko-KR" altLang="en-US"/>
           </a:p>
@@ -1148,7 +1149,7 @@
           <a:p>
             <a:fld id="{A6A5F888-23C1-4C2D-8DA0-CBACC41D9E90}" type="datetimeFigureOut">
               <a:rPr lang="ko-KR" altLang="en-US" smtClean="0"/>
-              <a:t>2025-01-24</a:t>
+              <a:t>2025-02-05</a:t>
             </a:fld>
             <a:endParaRPr lang="ko-KR" altLang="en-US"/>
           </a:p>
@@ -1413,7 +1414,7 @@
           <a:p>
             <a:fld id="{A6A5F888-23C1-4C2D-8DA0-CBACC41D9E90}" type="datetimeFigureOut">
               <a:rPr lang="ko-KR" altLang="en-US" smtClean="0"/>
-              <a:t>2025-01-24</a:t>
+              <a:t>2025-02-05</a:t>
             </a:fld>
             <a:endParaRPr lang="ko-KR" altLang="en-US"/>
           </a:p>
@@ -1825,7 +1826,7 @@
           <a:p>
             <a:fld id="{A6A5F888-23C1-4C2D-8DA0-CBACC41D9E90}" type="datetimeFigureOut">
               <a:rPr lang="ko-KR" altLang="en-US" smtClean="0"/>
-              <a:t>2025-01-24</a:t>
+              <a:t>2025-02-05</a:t>
             </a:fld>
             <a:endParaRPr lang="ko-KR" altLang="en-US"/>
           </a:p>
@@ -1966,7 +1967,7 @@
           <a:p>
             <a:fld id="{A6A5F888-23C1-4C2D-8DA0-CBACC41D9E90}" type="datetimeFigureOut">
               <a:rPr lang="ko-KR" altLang="en-US" smtClean="0"/>
-              <a:t>2025-01-24</a:t>
+              <a:t>2025-02-05</a:t>
             </a:fld>
             <a:endParaRPr lang="ko-KR" altLang="en-US"/>
           </a:p>
@@ -2079,7 +2080,7 @@
           <a:p>
             <a:fld id="{A6A5F888-23C1-4C2D-8DA0-CBACC41D9E90}" type="datetimeFigureOut">
               <a:rPr lang="ko-KR" altLang="en-US" smtClean="0"/>
-              <a:t>2025-01-24</a:t>
+              <a:t>2025-02-05</a:t>
             </a:fld>
             <a:endParaRPr lang="ko-KR" altLang="en-US"/>
           </a:p>
@@ -2390,7 +2391,7 @@
           <a:p>
             <a:fld id="{A6A5F888-23C1-4C2D-8DA0-CBACC41D9E90}" type="datetimeFigureOut">
               <a:rPr lang="ko-KR" altLang="en-US" smtClean="0"/>
-              <a:t>2025-01-24</a:t>
+              <a:t>2025-02-05</a:t>
             </a:fld>
             <a:endParaRPr lang="ko-KR" altLang="en-US"/>
           </a:p>
@@ -2678,7 +2679,7 @@
           <a:p>
             <a:fld id="{A6A5F888-23C1-4C2D-8DA0-CBACC41D9E90}" type="datetimeFigureOut">
               <a:rPr lang="ko-KR" altLang="en-US" smtClean="0"/>
-              <a:t>2025-01-24</a:t>
+              <a:t>2025-02-05</a:t>
             </a:fld>
             <a:endParaRPr lang="ko-KR" altLang="en-US"/>
           </a:p>
@@ -2919,7 +2920,7 @@
           <a:p>
             <a:fld id="{A6A5F888-23C1-4C2D-8DA0-CBACC41D9E90}" type="datetimeFigureOut">
               <a:rPr lang="ko-KR" altLang="en-US" smtClean="0"/>
-              <a:t>2025-01-24</a:t>
+              <a:t>2025-02-05</a:t>
             </a:fld>
             <a:endParaRPr lang="ko-KR" altLang="en-US"/>
           </a:p>
@@ -5981,6 +5982,470 @@
           <a:chExt cx="0" cy="0"/>
         </a:xfrm>
       </p:grpSpPr>
+      <p:sp>
+        <p:nvSpPr>
+          <p:cNvPr id="4" name="직사각형 3">
+            <a:extLst>
+              <a:ext uri="{FF2B5EF4-FFF2-40B4-BE49-F238E27FC236}">
+                <a16:creationId xmlns:a16="http://schemas.microsoft.com/office/drawing/2014/main" id="{362C970C-5A6B-0EE0-C37A-699D9E0103B4}"/>
+              </a:ext>
+            </a:extLst>
+          </p:cNvPr>
+          <p:cNvSpPr/>
+          <p:nvPr/>
+        </p:nvSpPr>
+        <p:spPr>
+          <a:xfrm>
+            <a:off x="3815565" y="986135"/>
+            <a:ext cx="4560864" cy="923330"/>
+          </a:xfrm>
+          <a:prstGeom prst="rect">
+            <a:avLst/>
+          </a:prstGeom>
+          <a:noFill/>
+        </p:spPr>
+        <p:txBody>
+          <a:bodyPr wrap="none" lIns="91440" tIns="45720" rIns="91440" bIns="45720">
+            <a:spAutoFit/>
+          </a:bodyPr>
+          <a:lstStyle/>
+          <a:p>
+            <a:pPr algn="ctr"/>
+            <a:r>
+              <a:rPr lang="en-US" altLang="ko-KR" sz="5400" b="1" dirty="0">
+                <a:ln w="12700">
+                  <a:solidFill>
+                    <a:schemeClr val="accent1">
+                      <a:alpha val="33000"/>
+                    </a:schemeClr>
+                  </a:solidFill>
+                  <a:prstDash val="solid"/>
+                </a:ln>
+                <a:pattFill prst="pct50">
+                  <a:fgClr>
+                    <a:schemeClr val="bg1">
+                      <a:lumMod val="50000"/>
+                    </a:schemeClr>
+                  </a:fgClr>
+                  <a:bgClr>
+                    <a:schemeClr val="bg1">
+                      <a:lumMod val="85000"/>
+                    </a:schemeClr>
+                  </a:bgClr>
+                </a:pattFill>
+                <a:effectLst>
+                  <a:outerShdw dist="38100" dir="2640000" algn="bl" rotWithShape="0">
+                    <a:schemeClr val="accent1"/>
+                  </a:outerShdw>
+                </a:effectLst>
+                <a:latin typeface="디자인하우스 Bold" panose="020B0600000101010101" pitchFamily="50" charset="-127"/>
+                <a:ea typeface="디자인하우스 Bold" panose="020B0600000101010101" pitchFamily="50" charset="-127"/>
+              </a:rPr>
+              <a:t>Team Standard</a:t>
+            </a:r>
+            <a:endParaRPr lang="en-US" altLang="ko-KR" sz="5400" b="1" cap="none" spc="0" dirty="0">
+              <a:ln w="12700">
+                <a:solidFill>
+                  <a:schemeClr val="accent1">
+                    <a:alpha val="33000"/>
+                  </a:schemeClr>
+                </a:solidFill>
+                <a:prstDash val="solid"/>
+              </a:ln>
+              <a:pattFill prst="pct50">
+                <a:fgClr>
+                  <a:schemeClr val="bg1">
+                    <a:lumMod val="50000"/>
+                  </a:schemeClr>
+                </a:fgClr>
+                <a:bgClr>
+                  <a:schemeClr val="bg1">
+                    <a:lumMod val="85000"/>
+                  </a:schemeClr>
+                </a:bgClr>
+              </a:pattFill>
+              <a:effectLst>
+                <a:outerShdw dist="38100" dir="2640000" algn="bl" rotWithShape="0">
+                  <a:schemeClr val="accent1"/>
+                </a:outerShdw>
+              </a:effectLst>
+              <a:latin typeface="디자인하우스 Bold" panose="020B0600000101010101" pitchFamily="50" charset="-127"/>
+              <a:ea typeface="디자인하우스 Bold" panose="020B0600000101010101" pitchFamily="50" charset="-127"/>
+            </a:endParaRPr>
+          </a:p>
+        </p:txBody>
+      </p:sp>
+      <p:sp>
+        <p:nvSpPr>
+          <p:cNvPr id="5" name="직사각형 4">
+            <a:extLst>
+              <a:ext uri="{FF2B5EF4-FFF2-40B4-BE49-F238E27FC236}">
+                <a16:creationId xmlns:a16="http://schemas.microsoft.com/office/drawing/2014/main" id="{A7629D7F-2A1D-DF54-9E37-050A09205727}"/>
+              </a:ext>
+            </a:extLst>
+          </p:cNvPr>
+          <p:cNvSpPr/>
+          <p:nvPr/>
+        </p:nvSpPr>
+        <p:spPr>
+          <a:xfrm>
+            <a:off x="3608779" y="2981920"/>
+            <a:ext cx="4974439" cy="923330"/>
+          </a:xfrm>
+          <a:prstGeom prst="rect">
+            <a:avLst/>
+          </a:prstGeom>
+          <a:noFill/>
+        </p:spPr>
+        <p:txBody>
+          <a:bodyPr wrap="none" lIns="91440" tIns="45720" rIns="91440" bIns="45720">
+            <a:spAutoFit/>
+          </a:bodyPr>
+          <a:lstStyle/>
+          <a:p>
+            <a:pPr algn="ctr"/>
+            <a:r>
+              <a:rPr lang="en-US" altLang="ko-KR" sz="5400" b="1" dirty="0">
+                <a:ln w="12700">
+                  <a:solidFill>
+                    <a:schemeClr val="accent1"/>
+                  </a:solidFill>
+                  <a:prstDash val="solid"/>
+                </a:ln>
+                <a:pattFill prst="pct50">
+                  <a:fgClr>
+                    <a:schemeClr val="accent1"/>
+                  </a:fgClr>
+                  <a:bgClr>
+                    <a:schemeClr val="accent1">
+                      <a:lumMod val="20000"/>
+                      <a:lumOff val="80000"/>
+                    </a:schemeClr>
+                  </a:bgClr>
+                </a:pattFill>
+                <a:effectLst>
+                  <a:outerShdw dist="38100" dir="2640000" algn="bl" rotWithShape="0">
+                    <a:schemeClr val="accent1"/>
+                  </a:outerShdw>
+                </a:effectLst>
+                <a:latin typeface="디자인하우스 Bold" panose="020B0600000101010101" pitchFamily="50" charset="-127"/>
+                <a:ea typeface="디자인하우스 Bold" panose="020B0600000101010101" pitchFamily="50" charset="-127"/>
+              </a:rPr>
+              <a:t>Project Standard</a:t>
+            </a:r>
+            <a:endParaRPr lang="en-US" altLang="ko-KR" sz="5400" b="1" cap="none" spc="0" dirty="0">
+              <a:ln w="12700">
+                <a:solidFill>
+                  <a:schemeClr val="accent1"/>
+                </a:solidFill>
+                <a:prstDash val="solid"/>
+              </a:ln>
+              <a:pattFill prst="pct50">
+                <a:fgClr>
+                  <a:schemeClr val="accent1"/>
+                </a:fgClr>
+                <a:bgClr>
+                  <a:schemeClr val="accent1">
+                    <a:lumMod val="20000"/>
+                    <a:lumOff val="80000"/>
+                  </a:schemeClr>
+                </a:bgClr>
+              </a:pattFill>
+              <a:effectLst>
+                <a:outerShdw dist="38100" dir="2640000" algn="bl" rotWithShape="0">
+                  <a:schemeClr val="accent1"/>
+                </a:outerShdw>
+              </a:effectLst>
+              <a:latin typeface="디자인하우스 Bold" panose="020B0600000101010101" pitchFamily="50" charset="-127"/>
+              <a:ea typeface="디자인하우스 Bold" panose="020B0600000101010101" pitchFamily="50" charset="-127"/>
+            </a:endParaRPr>
+          </a:p>
+        </p:txBody>
+      </p:sp>
+      <p:sp>
+        <p:nvSpPr>
+          <p:cNvPr id="6" name="직사각형 5">
+            <a:extLst>
+              <a:ext uri="{FF2B5EF4-FFF2-40B4-BE49-F238E27FC236}">
+                <a16:creationId xmlns:a16="http://schemas.microsoft.com/office/drawing/2014/main" id="{6EB14060-D22F-77E1-F0EF-D004E171725E}"/>
+              </a:ext>
+            </a:extLst>
+          </p:cNvPr>
+          <p:cNvSpPr/>
+          <p:nvPr/>
+        </p:nvSpPr>
+        <p:spPr>
+          <a:xfrm>
+            <a:off x="4168229" y="4977705"/>
+            <a:ext cx="3855544" cy="923330"/>
+          </a:xfrm>
+          <a:prstGeom prst="rect">
+            <a:avLst/>
+          </a:prstGeom>
+          <a:noFill/>
+        </p:spPr>
+        <p:txBody>
+          <a:bodyPr wrap="none" lIns="91440" tIns="45720" rIns="91440" bIns="45720">
+            <a:spAutoFit/>
+          </a:bodyPr>
+          <a:lstStyle/>
+          <a:p>
+            <a:pPr algn="ctr"/>
+            <a:r>
+              <a:rPr lang="en-US" altLang="ko-KR" sz="5400" b="1" dirty="0">
+                <a:ln w="12700">
+                  <a:solidFill>
+                    <a:schemeClr val="accent1"/>
+                  </a:solidFill>
+                  <a:prstDash val="solid"/>
+                </a:ln>
+                <a:pattFill prst="pct50">
+                  <a:fgClr>
+                    <a:schemeClr val="accent5">
+                      <a:lumMod val="75000"/>
+                    </a:schemeClr>
+                  </a:fgClr>
+                  <a:bgClr>
+                    <a:schemeClr val="accent5">
+                      <a:lumMod val="40000"/>
+                      <a:lumOff val="60000"/>
+                    </a:schemeClr>
+                  </a:bgClr>
+                </a:pattFill>
+                <a:effectLst>
+                  <a:outerShdw dist="38100" dir="2640000" algn="bl" rotWithShape="0">
+                    <a:schemeClr val="accent1"/>
+                  </a:outerShdw>
+                </a:effectLst>
+                <a:latin typeface="디자인하우스 Bold" panose="020B0600000101010101" pitchFamily="50" charset="-127"/>
+                <a:ea typeface="디자인하우스 Bold" panose="020B0600000101010101" pitchFamily="50" charset="-127"/>
+              </a:rPr>
+              <a:t>Project Input</a:t>
+            </a:r>
+            <a:endParaRPr lang="en-US" altLang="ko-KR" sz="5400" b="1" cap="none" spc="0" dirty="0">
+              <a:ln w="12700">
+                <a:solidFill>
+                  <a:schemeClr val="accent1"/>
+                </a:solidFill>
+                <a:prstDash val="solid"/>
+              </a:ln>
+              <a:pattFill prst="pct50">
+                <a:fgClr>
+                  <a:schemeClr val="accent5">
+                    <a:lumMod val="75000"/>
+                  </a:schemeClr>
+                </a:fgClr>
+                <a:bgClr>
+                  <a:schemeClr val="accent5">
+                    <a:lumMod val="40000"/>
+                    <a:lumOff val="60000"/>
+                  </a:schemeClr>
+                </a:bgClr>
+              </a:pattFill>
+              <a:effectLst>
+                <a:outerShdw dist="38100" dir="2640000" algn="bl" rotWithShape="0">
+                  <a:schemeClr val="accent1"/>
+                </a:outerShdw>
+              </a:effectLst>
+              <a:latin typeface="디자인하우스 Bold" panose="020B0600000101010101" pitchFamily="50" charset="-127"/>
+              <a:ea typeface="디자인하우스 Bold" panose="020B0600000101010101" pitchFamily="50" charset="-127"/>
+            </a:endParaRPr>
+          </a:p>
+        </p:txBody>
+      </p:sp>
+      <p:sp>
+        <p:nvSpPr>
+          <p:cNvPr id="8" name="순서도: 병합 7">
+            <a:extLst>
+              <a:ext uri="{FF2B5EF4-FFF2-40B4-BE49-F238E27FC236}">
+                <a16:creationId xmlns:a16="http://schemas.microsoft.com/office/drawing/2014/main" id="{FD2C6B6D-A346-7180-2404-9A63AA38D5A4}"/>
+              </a:ext>
+            </a:extLst>
+          </p:cNvPr>
+          <p:cNvSpPr/>
+          <p:nvPr/>
+        </p:nvSpPr>
+        <p:spPr>
+          <a:xfrm>
+            <a:off x="5825996" y="2095500"/>
+            <a:ext cx="540000" cy="108000"/>
+          </a:xfrm>
+          <a:prstGeom prst="flowChartMerge">
+            <a:avLst/>
+          </a:prstGeom>
+          <a:solidFill>
+            <a:schemeClr val="tx1">
+              <a:alpha val="56000"/>
+            </a:schemeClr>
+          </a:solidFill>
+          <a:ln>
+            <a:noFill/>
+          </a:ln>
+        </p:spPr>
+        <p:style>
+          <a:lnRef idx="2">
+            <a:schemeClr val="accent1">
+              <a:shade val="15000"/>
+            </a:schemeClr>
+          </a:lnRef>
+          <a:fillRef idx="1">
+            <a:schemeClr val="accent1"/>
+          </a:fillRef>
+          <a:effectRef idx="0">
+            <a:schemeClr val="accent1"/>
+          </a:effectRef>
+          <a:fontRef idx="minor">
+            <a:schemeClr val="lt1"/>
+          </a:fontRef>
+        </p:style>
+        <p:txBody>
+          <a:bodyPr rtlCol="0" anchor="ctr"/>
+          <a:lstStyle/>
+          <a:p>
+            <a:pPr algn="ctr"/>
+            <a:endParaRPr lang="ko-KR" altLang="en-US"/>
+          </a:p>
+        </p:txBody>
+      </p:sp>
+      <p:sp>
+        <p:nvSpPr>
+          <p:cNvPr id="10" name="순서도: 병합 9">
+            <a:extLst>
+              <a:ext uri="{FF2B5EF4-FFF2-40B4-BE49-F238E27FC236}">
+                <a16:creationId xmlns:a16="http://schemas.microsoft.com/office/drawing/2014/main" id="{9987C965-6FF2-D23A-E216-775C8E052184}"/>
+              </a:ext>
+            </a:extLst>
+          </p:cNvPr>
+          <p:cNvSpPr/>
+          <p:nvPr/>
+        </p:nvSpPr>
+        <p:spPr>
+          <a:xfrm>
+            <a:off x="5825996" y="4279477"/>
+            <a:ext cx="540000" cy="108000"/>
+          </a:xfrm>
+          <a:prstGeom prst="flowChartMerge">
+            <a:avLst/>
+          </a:prstGeom>
+          <a:solidFill>
+            <a:schemeClr val="tx1">
+              <a:alpha val="56000"/>
+            </a:schemeClr>
+          </a:solidFill>
+          <a:ln>
+            <a:noFill/>
+          </a:ln>
+        </p:spPr>
+        <p:style>
+          <a:lnRef idx="2">
+            <a:schemeClr val="accent1">
+              <a:shade val="15000"/>
+            </a:schemeClr>
+          </a:lnRef>
+          <a:fillRef idx="1">
+            <a:schemeClr val="accent1"/>
+          </a:fillRef>
+          <a:effectRef idx="0">
+            <a:schemeClr val="accent1"/>
+          </a:effectRef>
+          <a:fontRef idx="minor">
+            <a:schemeClr val="lt1"/>
+          </a:fontRef>
+        </p:style>
+        <p:txBody>
+          <a:bodyPr rtlCol="0" anchor="ctr"/>
+          <a:lstStyle/>
+          <a:p>
+            <a:pPr algn="ctr"/>
+            <a:endParaRPr lang="ko-KR" altLang="en-US"/>
+          </a:p>
+        </p:txBody>
+      </p:sp>
+      <p:sp>
+        <p:nvSpPr>
+          <p:cNvPr id="11" name="사각형: 둥근 모서리 10">
+            <a:extLst>
+              <a:ext uri="{FF2B5EF4-FFF2-40B4-BE49-F238E27FC236}">
+                <a16:creationId xmlns:a16="http://schemas.microsoft.com/office/drawing/2014/main" id="{2C97DE32-B7DF-4F0B-F75E-43137C7E6449}"/>
+              </a:ext>
+            </a:extLst>
+          </p:cNvPr>
+          <p:cNvSpPr/>
+          <p:nvPr/>
+        </p:nvSpPr>
+        <p:spPr>
+          <a:xfrm>
+            <a:off x="3467100" y="4842469"/>
+            <a:ext cx="5334000" cy="1029395"/>
+          </a:xfrm>
+          <a:prstGeom prst="roundRect">
+            <a:avLst/>
+          </a:prstGeom>
+          <a:noFill/>
+          <a:ln>
+            <a:solidFill>
+              <a:schemeClr val="bg1">
+                <a:lumMod val="85000"/>
+              </a:schemeClr>
+            </a:solidFill>
+            <a:prstDash val="dash"/>
+          </a:ln>
+        </p:spPr>
+        <p:style>
+          <a:lnRef idx="2">
+            <a:schemeClr val="accent1">
+              <a:shade val="15000"/>
+            </a:schemeClr>
+          </a:lnRef>
+          <a:fillRef idx="1">
+            <a:schemeClr val="accent1"/>
+          </a:fillRef>
+          <a:effectRef idx="0">
+            <a:schemeClr val="accent1"/>
+          </a:effectRef>
+          <a:fontRef idx="minor">
+            <a:schemeClr val="lt1"/>
+          </a:fontRef>
+        </p:style>
+        <p:txBody>
+          <a:bodyPr rtlCol="0" anchor="ctr"/>
+          <a:lstStyle/>
+          <a:p>
+            <a:pPr algn="ctr"/>
+            <a:endParaRPr lang="ko-KR" altLang="en-US"/>
+          </a:p>
+        </p:txBody>
+      </p:sp>
+    </p:spTree>
+    <p:extLst>
+      <p:ext uri="{BB962C8B-B14F-4D97-AF65-F5344CB8AC3E}">
+        <p14:creationId xmlns:p14="http://schemas.microsoft.com/office/powerpoint/2010/main" val="3805762065"/>
+      </p:ext>
+    </p:extLst>
+  </p:cSld>
+  <p:clrMapOvr>
+    <a:masterClrMapping/>
+  </p:clrMapOvr>
+</p:sld>
+</file>
+
+<file path=ppt/slides/slide11.xml><?xml version="1.0" encoding="utf-8"?>
+<p:sld xmlns:a="http://schemas.openxmlformats.org/drawingml/2006/main" xmlns:r="http://schemas.openxmlformats.org/officeDocument/2006/relationships" xmlns:p="http://schemas.openxmlformats.org/presentationml/2006/main">
+  <p:cSld>
+    <p:spTree>
+      <p:nvGrpSpPr>
+        <p:cNvPr id="1" name=""/>
+        <p:cNvGrpSpPr/>
+        <p:nvPr/>
+      </p:nvGrpSpPr>
+      <p:grpSpPr>
+        <a:xfrm>
+          <a:off x="0" y="0"/>
+          <a:ext cx="0" cy="0"/>
+          <a:chOff x="0" y="0"/>
+          <a:chExt cx="0" cy="0"/>
+        </a:xfrm>
+      </p:grpSpPr>
       <p:pic>
         <p:nvPicPr>
           <p:cNvPr id="9" name="그림 8">
@@ -6114,7 +6579,7 @@
 </p:sld>
 </file>
 
-<file path=ppt/slides/slide11.xml><?xml version="1.0" encoding="utf-8"?>
+<file path=ppt/slides/slide12.xml><?xml version="1.0" encoding="utf-8"?>
 <p:sld xmlns:a="http://schemas.openxmlformats.org/drawingml/2006/main" xmlns:r="http://schemas.openxmlformats.org/officeDocument/2006/relationships" xmlns:p="http://schemas.openxmlformats.org/presentationml/2006/main">
   <p:cSld>
     <p:spTree>
@@ -16773,6 +17238,421 @@
   <p:cSld>
     <p:spTree>
       <p:nvGrpSpPr>
+        <p:cNvPr id="1" name=""/>
+        <p:cNvGrpSpPr/>
+        <p:nvPr/>
+      </p:nvGrpSpPr>
+      <p:grpSpPr>
+        <a:xfrm>
+          <a:off x="0" y="0"/>
+          <a:ext cx="0" cy="0"/>
+          <a:chOff x="0" y="0"/>
+          <a:chExt cx="0" cy="0"/>
+        </a:xfrm>
+      </p:grpSpPr>
+      <p:sp>
+        <p:nvSpPr>
+          <p:cNvPr id="68" name="직사각형 67">
+            <a:extLst>
+              <a:ext uri="{FF2B5EF4-FFF2-40B4-BE49-F238E27FC236}">
+                <a16:creationId xmlns:a16="http://schemas.microsoft.com/office/drawing/2014/main" id="{BA23FC1C-CE9D-7C08-1368-9320A7236F8F}"/>
+              </a:ext>
+            </a:extLst>
+          </p:cNvPr>
+          <p:cNvSpPr/>
+          <p:nvPr/>
+        </p:nvSpPr>
+        <p:spPr>
+          <a:xfrm>
+            <a:off x="515935" y="896683"/>
+            <a:ext cx="4587010" cy="4587010"/>
+          </a:xfrm>
+          <a:prstGeom prst="rect">
+            <a:avLst/>
+          </a:prstGeom>
+          <a:noFill/>
+          <a:ln>
+            <a:noFill/>
+          </a:ln>
+        </p:spPr>
+        <p:style>
+          <a:lnRef idx="2">
+            <a:schemeClr val="accent1">
+              <a:shade val="15000"/>
+            </a:schemeClr>
+          </a:lnRef>
+          <a:fillRef idx="1">
+            <a:schemeClr val="accent1"/>
+          </a:fillRef>
+          <a:effectRef idx="0">
+            <a:schemeClr val="accent1"/>
+          </a:effectRef>
+          <a:fontRef idx="minor">
+            <a:schemeClr val="lt1"/>
+          </a:fontRef>
+        </p:style>
+        <p:txBody>
+          <a:bodyPr rtlCol="0" anchor="ctr"/>
+          <a:lstStyle/>
+          <a:p>
+            <a:pPr algn="ctr"/>
+            <a:endParaRPr lang="ko-KR" altLang="en-US"/>
+          </a:p>
+        </p:txBody>
+      </p:sp>
+      <p:grpSp>
+        <p:nvGrpSpPr>
+          <p:cNvPr id="66" name="그룹 65">
+            <a:extLst>
+              <a:ext uri="{FF2B5EF4-FFF2-40B4-BE49-F238E27FC236}">
+                <a16:creationId xmlns:a16="http://schemas.microsoft.com/office/drawing/2014/main" id="{BD421B48-4097-2E5E-C80E-0AD7BA45E6EB}"/>
+              </a:ext>
+            </a:extLst>
+          </p:cNvPr>
+          <p:cNvGrpSpPr/>
+          <p:nvPr/>
+        </p:nvGrpSpPr>
+        <p:grpSpPr>
+          <a:xfrm>
+            <a:off x="998045" y="1337661"/>
+            <a:ext cx="3640624" cy="3662965"/>
+            <a:chOff x="4303225" y="2027274"/>
+            <a:chExt cx="2016970" cy="2029347"/>
+          </a:xfrm>
+        </p:grpSpPr>
+        <p:grpSp>
+          <p:nvGrpSpPr>
+            <p:cNvPr id="64" name="그룹 63">
+              <a:extLst>
+                <a:ext uri="{FF2B5EF4-FFF2-40B4-BE49-F238E27FC236}">
+                  <a16:creationId xmlns:a16="http://schemas.microsoft.com/office/drawing/2014/main" id="{F4F9F4C8-7C50-5418-EF7C-F194624678A4}"/>
+                </a:ext>
+              </a:extLst>
+            </p:cNvPr>
+            <p:cNvGrpSpPr/>
+            <p:nvPr/>
+          </p:nvGrpSpPr>
+          <p:grpSpPr>
+            <a:xfrm>
+              <a:off x="4303225" y="2027274"/>
+              <a:ext cx="2016970" cy="2029347"/>
+              <a:chOff x="4065069" y="1846299"/>
+              <a:chExt cx="448917" cy="451672"/>
+            </a:xfrm>
+          </p:grpSpPr>
+          <p:sp>
+            <p:nvSpPr>
+              <p:cNvPr id="20" name="타원 19">
+                <a:extLst>
+                  <a:ext uri="{FF2B5EF4-FFF2-40B4-BE49-F238E27FC236}">
+                    <a16:creationId xmlns:a16="http://schemas.microsoft.com/office/drawing/2014/main" id="{AC168039-9737-A849-63A2-C8BD742D794A}"/>
+                  </a:ext>
+                </a:extLst>
+              </p:cNvPr>
+              <p:cNvSpPr>
+                <a:spLocks noChangeAspect="1"/>
+              </p:cNvSpPr>
+              <p:nvPr/>
+            </p:nvSpPr>
+            <p:spPr>
+              <a:xfrm>
+                <a:off x="4081986" y="1865971"/>
+                <a:ext cx="432000" cy="432000"/>
+              </a:xfrm>
+              <a:prstGeom prst="ellipse">
+                <a:avLst/>
+              </a:prstGeom>
+              <a:solidFill>
+                <a:schemeClr val="accent4">
+                  <a:lumMod val="60000"/>
+                  <a:lumOff val="40000"/>
+                </a:schemeClr>
+              </a:solidFill>
+              <a:ln>
+                <a:noFill/>
+              </a:ln>
+            </p:spPr>
+            <p:style>
+              <a:lnRef idx="2">
+                <a:schemeClr val="accent1">
+                  <a:shade val="15000"/>
+                </a:schemeClr>
+              </a:lnRef>
+              <a:fillRef idx="1">
+                <a:schemeClr val="accent1"/>
+              </a:fillRef>
+              <a:effectRef idx="0">
+                <a:schemeClr val="accent1"/>
+              </a:effectRef>
+              <a:fontRef idx="minor">
+                <a:schemeClr val="lt1"/>
+              </a:fontRef>
+            </p:style>
+            <p:txBody>
+              <a:bodyPr rtlCol="0" anchor="ctr"/>
+              <a:lstStyle/>
+              <a:p>
+                <a:pPr algn="ctr"/>
+                <a:endParaRPr lang="ko-KR" altLang="en-US" dirty="0"/>
+              </a:p>
+            </p:txBody>
+          </p:sp>
+          <p:sp>
+            <p:nvSpPr>
+              <p:cNvPr id="35" name="타원 34">
+                <a:extLst>
+                  <a:ext uri="{FF2B5EF4-FFF2-40B4-BE49-F238E27FC236}">
+                    <a16:creationId xmlns:a16="http://schemas.microsoft.com/office/drawing/2014/main" id="{4C4D3E6E-6F29-E345-BB67-313DE28E9B45}"/>
+                  </a:ext>
+                </a:extLst>
+              </p:cNvPr>
+              <p:cNvSpPr>
+                <a:spLocks noChangeAspect="1"/>
+              </p:cNvSpPr>
+              <p:nvPr/>
+            </p:nvSpPr>
+            <p:spPr>
+              <a:xfrm>
+                <a:off x="4072721" y="1858730"/>
+                <a:ext cx="432000" cy="432000"/>
+              </a:xfrm>
+              <a:prstGeom prst="ellipse">
+                <a:avLst/>
+              </a:prstGeom>
+              <a:solidFill>
+                <a:schemeClr val="accent5">
+                  <a:lumMod val="40000"/>
+                  <a:lumOff val="60000"/>
+                </a:schemeClr>
+              </a:solidFill>
+              <a:ln>
+                <a:noFill/>
+              </a:ln>
+            </p:spPr>
+            <p:style>
+              <a:lnRef idx="2">
+                <a:schemeClr val="accent1">
+                  <a:shade val="15000"/>
+                </a:schemeClr>
+              </a:lnRef>
+              <a:fillRef idx="1">
+                <a:schemeClr val="accent1"/>
+              </a:fillRef>
+              <a:effectRef idx="0">
+                <a:schemeClr val="accent1"/>
+              </a:effectRef>
+              <a:fontRef idx="minor">
+                <a:schemeClr val="lt1"/>
+              </a:fontRef>
+            </p:style>
+            <p:txBody>
+              <a:bodyPr rtlCol="0" anchor="ctr"/>
+              <a:lstStyle/>
+              <a:p>
+                <a:pPr algn="ctr"/>
+                <a:endParaRPr lang="ko-KR" altLang="en-US" dirty="0"/>
+              </a:p>
+            </p:txBody>
+          </p:sp>
+          <p:sp>
+            <p:nvSpPr>
+              <p:cNvPr id="51" name="타원 50">
+                <a:extLst>
+                  <a:ext uri="{FF2B5EF4-FFF2-40B4-BE49-F238E27FC236}">
+                    <a16:creationId xmlns:a16="http://schemas.microsoft.com/office/drawing/2014/main" id="{CCD493EC-9253-A85D-2A58-F687BC640011}"/>
+                  </a:ext>
+                </a:extLst>
+              </p:cNvPr>
+              <p:cNvSpPr>
+                <a:spLocks noChangeAspect="1"/>
+              </p:cNvSpPr>
+              <p:nvPr/>
+            </p:nvSpPr>
+            <p:spPr>
+              <a:xfrm>
+                <a:off x="4065069" y="1846299"/>
+                <a:ext cx="432000" cy="432000"/>
+              </a:xfrm>
+              <a:prstGeom prst="ellipse">
+                <a:avLst/>
+              </a:prstGeom>
+              <a:solidFill>
+                <a:srgbClr val="FFC715"/>
+              </a:solidFill>
+              <a:ln>
+                <a:noFill/>
+              </a:ln>
+            </p:spPr>
+            <p:style>
+              <a:lnRef idx="2">
+                <a:schemeClr val="accent1">
+                  <a:shade val="15000"/>
+                </a:schemeClr>
+              </a:lnRef>
+              <a:fillRef idx="1">
+                <a:schemeClr val="accent1"/>
+              </a:fillRef>
+              <a:effectRef idx="0">
+                <a:schemeClr val="accent1"/>
+              </a:effectRef>
+              <a:fontRef idx="minor">
+                <a:schemeClr val="lt1"/>
+              </a:fontRef>
+            </p:style>
+            <p:txBody>
+              <a:bodyPr rtlCol="0" anchor="ctr"/>
+              <a:lstStyle/>
+              <a:p>
+                <a:pPr algn="ctr"/>
+                <a:endParaRPr lang="ko-KR" altLang="en-US" sz="8800" dirty="0">
+                  <a:latin typeface="디자인하우스 Bold" panose="020B0600000101010101" pitchFamily="50" charset="-127"/>
+                  <a:ea typeface="디자인하우스 Bold" panose="020B0600000101010101" pitchFamily="50" charset="-127"/>
+                </a:endParaRPr>
+              </a:p>
+            </p:txBody>
+          </p:sp>
+        </p:grpSp>
+        <p:sp>
+          <p:nvSpPr>
+            <p:cNvPr id="65" name="TextBox 64">
+              <a:extLst>
+                <a:ext uri="{FF2B5EF4-FFF2-40B4-BE49-F238E27FC236}">
+                  <a16:creationId xmlns:a16="http://schemas.microsoft.com/office/drawing/2014/main" id="{72A1D469-20E9-7247-B46F-0DC99E032EB2}"/>
+                </a:ext>
+              </a:extLst>
+            </p:cNvPr>
+            <p:cNvSpPr txBox="1"/>
+            <p:nvPr/>
+          </p:nvSpPr>
+          <p:spPr>
+            <a:xfrm>
+              <a:off x="4474334" y="2310027"/>
+              <a:ext cx="1598743" cy="1227698"/>
+            </a:xfrm>
+            <a:prstGeom prst="rect">
+              <a:avLst/>
+            </a:prstGeom>
+            <a:noFill/>
+          </p:spPr>
+          <p:txBody>
+            <a:bodyPr wrap="none" rtlCol="0" anchor="ctr">
+              <a:spAutoFit/>
+            </a:bodyPr>
+            <a:lstStyle/>
+            <a:p>
+              <a:pPr algn="ctr"/>
+              <a:r>
+                <a:rPr lang="en-US" altLang="ko-KR" sz="13800" dirty="0">
+                  <a:solidFill>
+                    <a:schemeClr val="bg1"/>
+                  </a:solidFill>
+                  <a:effectLst>
+                    <a:outerShdw blurRad="38100" dist="38100" dir="2700000" algn="tl">
+                      <a:srgbClr val="000000">
+                        <a:alpha val="43137"/>
+                      </a:srgbClr>
+                    </a:outerShdw>
+                  </a:effectLst>
+                  <a:latin typeface="Bauhaus 93" panose="04030905020B02020C02" pitchFamily="82" charset="0"/>
+                </a:rPr>
+                <a:t>STR</a:t>
+              </a:r>
+              <a:endParaRPr lang="ko-KR" altLang="en-US" sz="13800" dirty="0">
+                <a:solidFill>
+                  <a:schemeClr val="bg1"/>
+                </a:solidFill>
+                <a:effectLst>
+                  <a:outerShdw blurRad="38100" dist="38100" dir="2700000" algn="tl">
+                    <a:srgbClr val="000000">
+                      <a:alpha val="43137"/>
+                    </a:srgbClr>
+                  </a:outerShdw>
+                </a:effectLst>
+                <a:latin typeface="Bauhaus 93" panose="04030905020B02020C02" pitchFamily="82" charset="0"/>
+              </a:endParaRPr>
+            </a:p>
+          </p:txBody>
+        </p:sp>
+        <p:sp>
+          <p:nvSpPr>
+            <p:cNvPr id="67" name="TextBox 66">
+              <a:extLst>
+                <a:ext uri="{FF2B5EF4-FFF2-40B4-BE49-F238E27FC236}">
+                  <a16:creationId xmlns:a16="http://schemas.microsoft.com/office/drawing/2014/main" id="{3559C6A2-D004-C884-CA2F-491C8951A452}"/>
+                </a:ext>
+              </a:extLst>
+            </p:cNvPr>
+            <p:cNvSpPr txBox="1"/>
+            <p:nvPr/>
+          </p:nvSpPr>
+          <p:spPr>
+            <a:xfrm>
+              <a:off x="5001178" y="3316699"/>
+              <a:ext cx="611184" cy="358079"/>
+            </a:xfrm>
+            <a:prstGeom prst="rect">
+              <a:avLst/>
+            </a:prstGeom>
+            <a:noFill/>
+          </p:spPr>
+          <p:txBody>
+            <a:bodyPr wrap="none" rtlCol="0" anchor="ctr">
+              <a:spAutoFit/>
+            </a:bodyPr>
+            <a:lstStyle/>
+            <a:p>
+              <a:pPr algn="ctr"/>
+              <a:r>
+                <a:rPr lang="en-US" altLang="ko-KR" sz="3600" dirty="0">
+                  <a:solidFill>
+                    <a:schemeClr val="bg1"/>
+                  </a:solidFill>
+                  <a:effectLst>
+                    <a:outerShdw blurRad="38100" dist="38100" dir="2700000" algn="tl">
+                      <a:srgbClr val="000000">
+                        <a:alpha val="43137"/>
+                      </a:srgbClr>
+                    </a:outerShdw>
+                  </a:effectLst>
+                  <a:latin typeface="Bauhaus 93" panose="04030905020B02020C02" pitchFamily="82" charset="0"/>
+                </a:rPr>
+                <a:t>note</a:t>
+              </a:r>
+              <a:endParaRPr lang="ko-KR" altLang="en-US" sz="3600" dirty="0">
+                <a:solidFill>
+                  <a:schemeClr val="bg1"/>
+                </a:solidFill>
+                <a:effectLst>
+                  <a:outerShdw blurRad="38100" dist="38100" dir="2700000" algn="tl">
+                    <a:srgbClr val="000000">
+                      <a:alpha val="43137"/>
+                    </a:srgbClr>
+                  </a:outerShdw>
+                </a:effectLst>
+                <a:latin typeface="Bauhaus 93" panose="04030905020B02020C02" pitchFamily="82" charset="0"/>
+              </a:endParaRPr>
+            </a:p>
+          </p:txBody>
+        </p:sp>
+      </p:grpSp>
+    </p:spTree>
+    <p:extLst>
+      <p:ext uri="{BB962C8B-B14F-4D97-AF65-F5344CB8AC3E}">
+        <p14:creationId xmlns:p14="http://schemas.microsoft.com/office/powerpoint/2010/main" val="462535965"/>
+      </p:ext>
+    </p:extLst>
+  </p:cSld>
+  <p:clrMapOvr>
+    <a:masterClrMapping/>
+  </p:clrMapOvr>
+</p:sld>
+</file>
+
+<file path=ppt/slides/slide7.xml><?xml version="1.0" encoding="utf-8"?>
+<p:sld xmlns:a="http://schemas.openxmlformats.org/drawingml/2006/main" xmlns:r="http://schemas.openxmlformats.org/officeDocument/2006/relationships" xmlns:p="http://schemas.openxmlformats.org/presentationml/2006/main">
+  <p:cSld>
+    <p:spTree>
+      <p:nvGrpSpPr>
         <p:cNvPr id="1" name="">
           <a:extLst>
             <a:ext uri="{FF2B5EF4-FFF2-40B4-BE49-F238E27FC236}">
@@ -17221,7 +18101,7 @@
 </p:sld>
 </file>
 
-<file path=ppt/slides/slide7.xml><?xml version="1.0" encoding="utf-8"?>
+<file path=ppt/slides/slide8.xml><?xml version="1.0" encoding="utf-8"?>
 <p:sld xmlns:a="http://schemas.openxmlformats.org/drawingml/2006/main" xmlns:r="http://schemas.openxmlformats.org/officeDocument/2006/relationships" xmlns:p="http://schemas.openxmlformats.org/presentationml/2006/main">
   <p:cSld>
     <p:spTree>
@@ -17685,7 +18565,7 @@
 </p:sld>
 </file>
 
-<file path=ppt/slides/slide8.xml><?xml version="1.0" encoding="utf-8"?>
+<file path=ppt/slides/slide9.xml><?xml version="1.0" encoding="utf-8"?>
 <p:sld xmlns:a="http://schemas.openxmlformats.org/drawingml/2006/main" xmlns:r="http://schemas.openxmlformats.org/officeDocument/2006/relationships" xmlns:p="http://schemas.openxmlformats.org/presentationml/2006/main">
   <p:cSld>
     <p:spTree>
@@ -18149,470 +19029,6 @@
 </p:sld>
 </file>
 
-<file path=ppt/slides/slide9.xml><?xml version="1.0" encoding="utf-8"?>
-<p:sld xmlns:a="http://schemas.openxmlformats.org/drawingml/2006/main" xmlns:r="http://schemas.openxmlformats.org/officeDocument/2006/relationships" xmlns:p="http://schemas.openxmlformats.org/presentationml/2006/main">
-  <p:cSld>
-    <p:spTree>
-      <p:nvGrpSpPr>
-        <p:cNvPr id="1" name=""/>
-        <p:cNvGrpSpPr/>
-        <p:nvPr/>
-      </p:nvGrpSpPr>
-      <p:grpSpPr>
-        <a:xfrm>
-          <a:off x="0" y="0"/>
-          <a:ext cx="0" cy="0"/>
-          <a:chOff x="0" y="0"/>
-          <a:chExt cx="0" cy="0"/>
-        </a:xfrm>
-      </p:grpSpPr>
-      <p:sp>
-        <p:nvSpPr>
-          <p:cNvPr id="4" name="직사각형 3">
-            <a:extLst>
-              <a:ext uri="{FF2B5EF4-FFF2-40B4-BE49-F238E27FC236}">
-                <a16:creationId xmlns:a16="http://schemas.microsoft.com/office/drawing/2014/main" id="{362C970C-5A6B-0EE0-C37A-699D9E0103B4}"/>
-              </a:ext>
-            </a:extLst>
-          </p:cNvPr>
-          <p:cNvSpPr/>
-          <p:nvPr/>
-        </p:nvSpPr>
-        <p:spPr>
-          <a:xfrm>
-            <a:off x="3815565" y="986135"/>
-            <a:ext cx="4560864" cy="923330"/>
-          </a:xfrm>
-          <a:prstGeom prst="rect">
-            <a:avLst/>
-          </a:prstGeom>
-          <a:noFill/>
-        </p:spPr>
-        <p:txBody>
-          <a:bodyPr wrap="none" lIns="91440" tIns="45720" rIns="91440" bIns="45720">
-            <a:spAutoFit/>
-          </a:bodyPr>
-          <a:lstStyle/>
-          <a:p>
-            <a:pPr algn="ctr"/>
-            <a:r>
-              <a:rPr lang="en-US" altLang="ko-KR" sz="5400" b="1" dirty="0">
-                <a:ln w="12700">
-                  <a:solidFill>
-                    <a:schemeClr val="accent1">
-                      <a:alpha val="33000"/>
-                    </a:schemeClr>
-                  </a:solidFill>
-                  <a:prstDash val="solid"/>
-                </a:ln>
-                <a:pattFill prst="pct50">
-                  <a:fgClr>
-                    <a:schemeClr val="bg1">
-                      <a:lumMod val="50000"/>
-                    </a:schemeClr>
-                  </a:fgClr>
-                  <a:bgClr>
-                    <a:schemeClr val="bg1">
-                      <a:lumMod val="85000"/>
-                    </a:schemeClr>
-                  </a:bgClr>
-                </a:pattFill>
-                <a:effectLst>
-                  <a:outerShdw dist="38100" dir="2640000" algn="bl" rotWithShape="0">
-                    <a:schemeClr val="accent1"/>
-                  </a:outerShdw>
-                </a:effectLst>
-                <a:latin typeface="디자인하우스 Bold" panose="020B0600000101010101" pitchFamily="50" charset="-127"/>
-                <a:ea typeface="디자인하우스 Bold" panose="020B0600000101010101" pitchFamily="50" charset="-127"/>
-              </a:rPr>
-              <a:t>Team Standard</a:t>
-            </a:r>
-            <a:endParaRPr lang="en-US" altLang="ko-KR" sz="5400" b="1" cap="none" spc="0" dirty="0">
-              <a:ln w="12700">
-                <a:solidFill>
-                  <a:schemeClr val="accent1">
-                    <a:alpha val="33000"/>
-                  </a:schemeClr>
-                </a:solidFill>
-                <a:prstDash val="solid"/>
-              </a:ln>
-              <a:pattFill prst="pct50">
-                <a:fgClr>
-                  <a:schemeClr val="bg1">
-                    <a:lumMod val="50000"/>
-                  </a:schemeClr>
-                </a:fgClr>
-                <a:bgClr>
-                  <a:schemeClr val="bg1">
-                    <a:lumMod val="85000"/>
-                  </a:schemeClr>
-                </a:bgClr>
-              </a:pattFill>
-              <a:effectLst>
-                <a:outerShdw dist="38100" dir="2640000" algn="bl" rotWithShape="0">
-                  <a:schemeClr val="accent1"/>
-                </a:outerShdw>
-              </a:effectLst>
-              <a:latin typeface="디자인하우스 Bold" panose="020B0600000101010101" pitchFamily="50" charset="-127"/>
-              <a:ea typeface="디자인하우스 Bold" panose="020B0600000101010101" pitchFamily="50" charset="-127"/>
-            </a:endParaRPr>
-          </a:p>
-        </p:txBody>
-      </p:sp>
-      <p:sp>
-        <p:nvSpPr>
-          <p:cNvPr id="5" name="직사각형 4">
-            <a:extLst>
-              <a:ext uri="{FF2B5EF4-FFF2-40B4-BE49-F238E27FC236}">
-                <a16:creationId xmlns:a16="http://schemas.microsoft.com/office/drawing/2014/main" id="{A7629D7F-2A1D-DF54-9E37-050A09205727}"/>
-              </a:ext>
-            </a:extLst>
-          </p:cNvPr>
-          <p:cNvSpPr/>
-          <p:nvPr/>
-        </p:nvSpPr>
-        <p:spPr>
-          <a:xfrm>
-            <a:off x="3608779" y="2981920"/>
-            <a:ext cx="4974439" cy="923330"/>
-          </a:xfrm>
-          <a:prstGeom prst="rect">
-            <a:avLst/>
-          </a:prstGeom>
-          <a:noFill/>
-        </p:spPr>
-        <p:txBody>
-          <a:bodyPr wrap="none" lIns="91440" tIns="45720" rIns="91440" bIns="45720">
-            <a:spAutoFit/>
-          </a:bodyPr>
-          <a:lstStyle/>
-          <a:p>
-            <a:pPr algn="ctr"/>
-            <a:r>
-              <a:rPr lang="en-US" altLang="ko-KR" sz="5400" b="1" dirty="0">
-                <a:ln w="12700">
-                  <a:solidFill>
-                    <a:schemeClr val="accent1"/>
-                  </a:solidFill>
-                  <a:prstDash val="solid"/>
-                </a:ln>
-                <a:pattFill prst="pct50">
-                  <a:fgClr>
-                    <a:schemeClr val="accent1"/>
-                  </a:fgClr>
-                  <a:bgClr>
-                    <a:schemeClr val="accent1">
-                      <a:lumMod val="20000"/>
-                      <a:lumOff val="80000"/>
-                    </a:schemeClr>
-                  </a:bgClr>
-                </a:pattFill>
-                <a:effectLst>
-                  <a:outerShdw dist="38100" dir="2640000" algn="bl" rotWithShape="0">
-                    <a:schemeClr val="accent1"/>
-                  </a:outerShdw>
-                </a:effectLst>
-                <a:latin typeface="디자인하우스 Bold" panose="020B0600000101010101" pitchFamily="50" charset="-127"/>
-                <a:ea typeface="디자인하우스 Bold" panose="020B0600000101010101" pitchFamily="50" charset="-127"/>
-              </a:rPr>
-              <a:t>Project Standard</a:t>
-            </a:r>
-            <a:endParaRPr lang="en-US" altLang="ko-KR" sz="5400" b="1" cap="none" spc="0" dirty="0">
-              <a:ln w="12700">
-                <a:solidFill>
-                  <a:schemeClr val="accent1"/>
-                </a:solidFill>
-                <a:prstDash val="solid"/>
-              </a:ln>
-              <a:pattFill prst="pct50">
-                <a:fgClr>
-                  <a:schemeClr val="accent1"/>
-                </a:fgClr>
-                <a:bgClr>
-                  <a:schemeClr val="accent1">
-                    <a:lumMod val="20000"/>
-                    <a:lumOff val="80000"/>
-                  </a:schemeClr>
-                </a:bgClr>
-              </a:pattFill>
-              <a:effectLst>
-                <a:outerShdw dist="38100" dir="2640000" algn="bl" rotWithShape="0">
-                  <a:schemeClr val="accent1"/>
-                </a:outerShdw>
-              </a:effectLst>
-              <a:latin typeface="디자인하우스 Bold" panose="020B0600000101010101" pitchFamily="50" charset="-127"/>
-              <a:ea typeface="디자인하우스 Bold" panose="020B0600000101010101" pitchFamily="50" charset="-127"/>
-            </a:endParaRPr>
-          </a:p>
-        </p:txBody>
-      </p:sp>
-      <p:sp>
-        <p:nvSpPr>
-          <p:cNvPr id="6" name="직사각형 5">
-            <a:extLst>
-              <a:ext uri="{FF2B5EF4-FFF2-40B4-BE49-F238E27FC236}">
-                <a16:creationId xmlns:a16="http://schemas.microsoft.com/office/drawing/2014/main" id="{6EB14060-D22F-77E1-F0EF-D004E171725E}"/>
-              </a:ext>
-            </a:extLst>
-          </p:cNvPr>
-          <p:cNvSpPr/>
-          <p:nvPr/>
-        </p:nvSpPr>
-        <p:spPr>
-          <a:xfrm>
-            <a:off x="4168229" y="4977705"/>
-            <a:ext cx="3855544" cy="923330"/>
-          </a:xfrm>
-          <a:prstGeom prst="rect">
-            <a:avLst/>
-          </a:prstGeom>
-          <a:noFill/>
-        </p:spPr>
-        <p:txBody>
-          <a:bodyPr wrap="none" lIns="91440" tIns="45720" rIns="91440" bIns="45720">
-            <a:spAutoFit/>
-          </a:bodyPr>
-          <a:lstStyle/>
-          <a:p>
-            <a:pPr algn="ctr"/>
-            <a:r>
-              <a:rPr lang="en-US" altLang="ko-KR" sz="5400" b="1" dirty="0">
-                <a:ln w="12700">
-                  <a:solidFill>
-                    <a:schemeClr val="accent1"/>
-                  </a:solidFill>
-                  <a:prstDash val="solid"/>
-                </a:ln>
-                <a:pattFill prst="pct50">
-                  <a:fgClr>
-                    <a:schemeClr val="accent5">
-                      <a:lumMod val="75000"/>
-                    </a:schemeClr>
-                  </a:fgClr>
-                  <a:bgClr>
-                    <a:schemeClr val="accent5">
-                      <a:lumMod val="40000"/>
-                      <a:lumOff val="60000"/>
-                    </a:schemeClr>
-                  </a:bgClr>
-                </a:pattFill>
-                <a:effectLst>
-                  <a:outerShdw dist="38100" dir="2640000" algn="bl" rotWithShape="0">
-                    <a:schemeClr val="accent1"/>
-                  </a:outerShdw>
-                </a:effectLst>
-                <a:latin typeface="디자인하우스 Bold" panose="020B0600000101010101" pitchFamily="50" charset="-127"/>
-                <a:ea typeface="디자인하우스 Bold" panose="020B0600000101010101" pitchFamily="50" charset="-127"/>
-              </a:rPr>
-              <a:t>Project Input</a:t>
-            </a:r>
-            <a:endParaRPr lang="en-US" altLang="ko-KR" sz="5400" b="1" cap="none" spc="0" dirty="0">
-              <a:ln w="12700">
-                <a:solidFill>
-                  <a:schemeClr val="accent1"/>
-                </a:solidFill>
-                <a:prstDash val="solid"/>
-              </a:ln>
-              <a:pattFill prst="pct50">
-                <a:fgClr>
-                  <a:schemeClr val="accent5">
-                    <a:lumMod val="75000"/>
-                  </a:schemeClr>
-                </a:fgClr>
-                <a:bgClr>
-                  <a:schemeClr val="accent5">
-                    <a:lumMod val="40000"/>
-                    <a:lumOff val="60000"/>
-                  </a:schemeClr>
-                </a:bgClr>
-              </a:pattFill>
-              <a:effectLst>
-                <a:outerShdw dist="38100" dir="2640000" algn="bl" rotWithShape="0">
-                  <a:schemeClr val="accent1"/>
-                </a:outerShdw>
-              </a:effectLst>
-              <a:latin typeface="디자인하우스 Bold" panose="020B0600000101010101" pitchFamily="50" charset="-127"/>
-              <a:ea typeface="디자인하우스 Bold" panose="020B0600000101010101" pitchFamily="50" charset="-127"/>
-            </a:endParaRPr>
-          </a:p>
-        </p:txBody>
-      </p:sp>
-      <p:sp>
-        <p:nvSpPr>
-          <p:cNvPr id="8" name="순서도: 병합 7">
-            <a:extLst>
-              <a:ext uri="{FF2B5EF4-FFF2-40B4-BE49-F238E27FC236}">
-                <a16:creationId xmlns:a16="http://schemas.microsoft.com/office/drawing/2014/main" id="{FD2C6B6D-A346-7180-2404-9A63AA38D5A4}"/>
-              </a:ext>
-            </a:extLst>
-          </p:cNvPr>
-          <p:cNvSpPr/>
-          <p:nvPr/>
-        </p:nvSpPr>
-        <p:spPr>
-          <a:xfrm>
-            <a:off x="5825996" y="2095500"/>
-            <a:ext cx="540000" cy="108000"/>
-          </a:xfrm>
-          <a:prstGeom prst="flowChartMerge">
-            <a:avLst/>
-          </a:prstGeom>
-          <a:solidFill>
-            <a:schemeClr val="tx1">
-              <a:alpha val="56000"/>
-            </a:schemeClr>
-          </a:solidFill>
-          <a:ln>
-            <a:noFill/>
-          </a:ln>
-        </p:spPr>
-        <p:style>
-          <a:lnRef idx="2">
-            <a:schemeClr val="accent1">
-              <a:shade val="15000"/>
-            </a:schemeClr>
-          </a:lnRef>
-          <a:fillRef idx="1">
-            <a:schemeClr val="accent1"/>
-          </a:fillRef>
-          <a:effectRef idx="0">
-            <a:schemeClr val="accent1"/>
-          </a:effectRef>
-          <a:fontRef idx="minor">
-            <a:schemeClr val="lt1"/>
-          </a:fontRef>
-        </p:style>
-        <p:txBody>
-          <a:bodyPr rtlCol="0" anchor="ctr"/>
-          <a:lstStyle/>
-          <a:p>
-            <a:pPr algn="ctr"/>
-            <a:endParaRPr lang="ko-KR" altLang="en-US"/>
-          </a:p>
-        </p:txBody>
-      </p:sp>
-      <p:sp>
-        <p:nvSpPr>
-          <p:cNvPr id="10" name="순서도: 병합 9">
-            <a:extLst>
-              <a:ext uri="{FF2B5EF4-FFF2-40B4-BE49-F238E27FC236}">
-                <a16:creationId xmlns:a16="http://schemas.microsoft.com/office/drawing/2014/main" id="{9987C965-6FF2-D23A-E216-775C8E052184}"/>
-              </a:ext>
-            </a:extLst>
-          </p:cNvPr>
-          <p:cNvSpPr/>
-          <p:nvPr/>
-        </p:nvSpPr>
-        <p:spPr>
-          <a:xfrm>
-            <a:off x="5825996" y="4279477"/>
-            <a:ext cx="540000" cy="108000"/>
-          </a:xfrm>
-          <a:prstGeom prst="flowChartMerge">
-            <a:avLst/>
-          </a:prstGeom>
-          <a:solidFill>
-            <a:schemeClr val="tx1">
-              <a:alpha val="56000"/>
-            </a:schemeClr>
-          </a:solidFill>
-          <a:ln>
-            <a:noFill/>
-          </a:ln>
-        </p:spPr>
-        <p:style>
-          <a:lnRef idx="2">
-            <a:schemeClr val="accent1">
-              <a:shade val="15000"/>
-            </a:schemeClr>
-          </a:lnRef>
-          <a:fillRef idx="1">
-            <a:schemeClr val="accent1"/>
-          </a:fillRef>
-          <a:effectRef idx="0">
-            <a:schemeClr val="accent1"/>
-          </a:effectRef>
-          <a:fontRef idx="minor">
-            <a:schemeClr val="lt1"/>
-          </a:fontRef>
-        </p:style>
-        <p:txBody>
-          <a:bodyPr rtlCol="0" anchor="ctr"/>
-          <a:lstStyle/>
-          <a:p>
-            <a:pPr algn="ctr"/>
-            <a:endParaRPr lang="ko-KR" altLang="en-US"/>
-          </a:p>
-        </p:txBody>
-      </p:sp>
-      <p:sp>
-        <p:nvSpPr>
-          <p:cNvPr id="11" name="사각형: 둥근 모서리 10">
-            <a:extLst>
-              <a:ext uri="{FF2B5EF4-FFF2-40B4-BE49-F238E27FC236}">
-                <a16:creationId xmlns:a16="http://schemas.microsoft.com/office/drawing/2014/main" id="{2C97DE32-B7DF-4F0B-F75E-43137C7E6449}"/>
-              </a:ext>
-            </a:extLst>
-          </p:cNvPr>
-          <p:cNvSpPr/>
-          <p:nvPr/>
-        </p:nvSpPr>
-        <p:spPr>
-          <a:xfrm>
-            <a:off x="3467100" y="4842469"/>
-            <a:ext cx="5334000" cy="1029395"/>
-          </a:xfrm>
-          <a:prstGeom prst="roundRect">
-            <a:avLst/>
-          </a:prstGeom>
-          <a:noFill/>
-          <a:ln>
-            <a:solidFill>
-              <a:schemeClr val="bg1">
-                <a:lumMod val="85000"/>
-              </a:schemeClr>
-            </a:solidFill>
-            <a:prstDash val="dash"/>
-          </a:ln>
-        </p:spPr>
-        <p:style>
-          <a:lnRef idx="2">
-            <a:schemeClr val="accent1">
-              <a:shade val="15000"/>
-            </a:schemeClr>
-          </a:lnRef>
-          <a:fillRef idx="1">
-            <a:schemeClr val="accent1"/>
-          </a:fillRef>
-          <a:effectRef idx="0">
-            <a:schemeClr val="accent1"/>
-          </a:effectRef>
-          <a:fontRef idx="minor">
-            <a:schemeClr val="lt1"/>
-          </a:fontRef>
-        </p:style>
-        <p:txBody>
-          <a:bodyPr rtlCol="0" anchor="ctr"/>
-          <a:lstStyle/>
-          <a:p>
-            <a:pPr algn="ctr"/>
-            <a:endParaRPr lang="ko-KR" altLang="en-US"/>
-          </a:p>
-        </p:txBody>
-      </p:sp>
-    </p:spTree>
-    <p:extLst>
-      <p:ext uri="{BB962C8B-B14F-4D97-AF65-F5344CB8AC3E}">
-        <p14:creationId xmlns:p14="http://schemas.microsoft.com/office/powerpoint/2010/main" val="3805762065"/>
-      </p:ext>
-    </p:extLst>
-  </p:cSld>
-  <p:clrMapOvr>
-    <a:masterClrMapping/>
-  </p:clrMapOvr>
-</p:sld>
-</file>
-
 <file path=ppt/theme/theme1.xml><?xml version="1.0" encoding="utf-8"?>
 <a:theme xmlns:a="http://schemas.openxmlformats.org/drawingml/2006/main" name="Office 테마">
   <a:themeElements>

--- a/H_BimNote/logo.pptx
+++ b/H_BimNote/logo.pptx
@@ -270,7 +270,7 @@
           <a:p>
             <a:fld id="{A6A5F888-23C1-4C2D-8DA0-CBACC41D9E90}" type="datetimeFigureOut">
               <a:rPr lang="ko-KR" altLang="en-US" smtClean="0"/>
-              <a:t>2025-02-05</a:t>
+              <a:t>2025-02-07</a:t>
             </a:fld>
             <a:endParaRPr lang="ko-KR" altLang="en-US"/>
           </a:p>
@@ -468,7 +468,7 @@
           <a:p>
             <a:fld id="{A6A5F888-23C1-4C2D-8DA0-CBACC41D9E90}" type="datetimeFigureOut">
               <a:rPr lang="ko-KR" altLang="en-US" smtClean="0"/>
-              <a:t>2025-02-05</a:t>
+              <a:t>2025-02-07</a:t>
             </a:fld>
             <a:endParaRPr lang="ko-KR" altLang="en-US"/>
           </a:p>
@@ -676,7 +676,7 @@
           <a:p>
             <a:fld id="{A6A5F888-23C1-4C2D-8DA0-CBACC41D9E90}" type="datetimeFigureOut">
               <a:rPr lang="ko-KR" altLang="en-US" smtClean="0"/>
-              <a:t>2025-02-05</a:t>
+              <a:t>2025-02-07</a:t>
             </a:fld>
             <a:endParaRPr lang="ko-KR" altLang="en-US"/>
           </a:p>
@@ -874,7 +874,7 @@
           <a:p>
             <a:fld id="{A6A5F888-23C1-4C2D-8DA0-CBACC41D9E90}" type="datetimeFigureOut">
               <a:rPr lang="ko-KR" altLang="en-US" smtClean="0"/>
-              <a:t>2025-02-05</a:t>
+              <a:t>2025-02-07</a:t>
             </a:fld>
             <a:endParaRPr lang="ko-KR" altLang="en-US"/>
           </a:p>
@@ -1149,7 +1149,7 @@
           <a:p>
             <a:fld id="{A6A5F888-23C1-4C2D-8DA0-CBACC41D9E90}" type="datetimeFigureOut">
               <a:rPr lang="ko-KR" altLang="en-US" smtClean="0"/>
-              <a:t>2025-02-05</a:t>
+              <a:t>2025-02-07</a:t>
             </a:fld>
             <a:endParaRPr lang="ko-KR" altLang="en-US"/>
           </a:p>
@@ -1414,7 +1414,7 @@
           <a:p>
             <a:fld id="{A6A5F888-23C1-4C2D-8DA0-CBACC41D9E90}" type="datetimeFigureOut">
               <a:rPr lang="ko-KR" altLang="en-US" smtClean="0"/>
-              <a:t>2025-02-05</a:t>
+              <a:t>2025-02-07</a:t>
             </a:fld>
             <a:endParaRPr lang="ko-KR" altLang="en-US"/>
           </a:p>
@@ -1826,7 +1826,7 @@
           <a:p>
             <a:fld id="{A6A5F888-23C1-4C2D-8DA0-CBACC41D9E90}" type="datetimeFigureOut">
               <a:rPr lang="ko-KR" altLang="en-US" smtClean="0"/>
-              <a:t>2025-02-05</a:t>
+              <a:t>2025-02-07</a:t>
             </a:fld>
             <a:endParaRPr lang="ko-KR" altLang="en-US"/>
           </a:p>
@@ -1967,7 +1967,7 @@
           <a:p>
             <a:fld id="{A6A5F888-23C1-4C2D-8DA0-CBACC41D9E90}" type="datetimeFigureOut">
               <a:rPr lang="ko-KR" altLang="en-US" smtClean="0"/>
-              <a:t>2025-02-05</a:t>
+              <a:t>2025-02-07</a:t>
             </a:fld>
             <a:endParaRPr lang="ko-KR" altLang="en-US"/>
           </a:p>
@@ -2080,7 +2080,7 @@
           <a:p>
             <a:fld id="{A6A5F888-23C1-4C2D-8DA0-CBACC41D9E90}" type="datetimeFigureOut">
               <a:rPr lang="ko-KR" altLang="en-US" smtClean="0"/>
-              <a:t>2025-02-05</a:t>
+              <a:t>2025-02-07</a:t>
             </a:fld>
             <a:endParaRPr lang="ko-KR" altLang="en-US"/>
           </a:p>
@@ -2391,7 +2391,7 @@
           <a:p>
             <a:fld id="{A6A5F888-23C1-4C2D-8DA0-CBACC41D9E90}" type="datetimeFigureOut">
               <a:rPr lang="ko-KR" altLang="en-US" smtClean="0"/>
-              <a:t>2025-02-05</a:t>
+              <a:t>2025-02-07</a:t>
             </a:fld>
             <a:endParaRPr lang="ko-KR" altLang="en-US"/>
           </a:p>
@@ -2679,7 +2679,7 @@
           <a:p>
             <a:fld id="{A6A5F888-23C1-4C2D-8DA0-CBACC41D9E90}" type="datetimeFigureOut">
               <a:rPr lang="ko-KR" altLang="en-US" smtClean="0"/>
-              <a:t>2025-02-05</a:t>
+              <a:t>2025-02-07</a:t>
             </a:fld>
             <a:endParaRPr lang="ko-KR" altLang="en-US"/>
           </a:p>
@@ -2920,7 +2920,7 @@
           <a:p>
             <a:fld id="{A6A5F888-23C1-4C2D-8DA0-CBACC41D9E90}" type="datetimeFigureOut">
               <a:rPr lang="ko-KR" altLang="en-US" smtClean="0"/>
-              <a:t>2025-02-05</a:t>
+              <a:t>2025-02-07</a:t>
             </a:fld>
             <a:endParaRPr lang="ko-KR" altLang="en-US"/>
           </a:p>

--- a/H_BimNote/logo.pptx
+++ b/H_BimNote/logo.pptx
@@ -11,12 +11,13 @@
     <p:sldId id="261" r:id="rId5"/>
     <p:sldId id="266" r:id="rId6"/>
     <p:sldId id="268" r:id="rId7"/>
-    <p:sldId id="263" r:id="rId8"/>
-    <p:sldId id="264" r:id="rId9"/>
-    <p:sldId id="267" r:id="rId10"/>
-    <p:sldId id="265" r:id="rId11"/>
-    <p:sldId id="260" r:id="rId12"/>
-    <p:sldId id="262" r:id="rId13"/>
+    <p:sldId id="269" r:id="rId8"/>
+    <p:sldId id="263" r:id="rId9"/>
+    <p:sldId id="264" r:id="rId10"/>
+    <p:sldId id="267" r:id="rId11"/>
+    <p:sldId id="265" r:id="rId12"/>
+    <p:sldId id="260" r:id="rId13"/>
+    <p:sldId id="262" r:id="rId14"/>
   </p:sldIdLst>
   <p:sldSz cx="12192000" cy="6858000"/>
   <p:notesSz cx="6858000" cy="9144000"/>
@@ -270,7 +271,7 @@
           <a:p>
             <a:fld id="{A6A5F888-23C1-4C2D-8DA0-CBACC41D9E90}" type="datetimeFigureOut">
               <a:rPr lang="ko-KR" altLang="en-US" smtClean="0"/>
-              <a:t>2025-02-07</a:t>
+              <a:t>2025-02-21</a:t>
             </a:fld>
             <a:endParaRPr lang="ko-KR" altLang="en-US"/>
           </a:p>
@@ -468,7 +469,7 @@
           <a:p>
             <a:fld id="{A6A5F888-23C1-4C2D-8DA0-CBACC41D9E90}" type="datetimeFigureOut">
               <a:rPr lang="ko-KR" altLang="en-US" smtClean="0"/>
-              <a:t>2025-02-07</a:t>
+              <a:t>2025-02-21</a:t>
             </a:fld>
             <a:endParaRPr lang="ko-KR" altLang="en-US"/>
           </a:p>
@@ -676,7 +677,7 @@
           <a:p>
             <a:fld id="{A6A5F888-23C1-4C2D-8DA0-CBACC41D9E90}" type="datetimeFigureOut">
               <a:rPr lang="ko-KR" altLang="en-US" smtClean="0"/>
-              <a:t>2025-02-07</a:t>
+              <a:t>2025-02-21</a:t>
             </a:fld>
             <a:endParaRPr lang="ko-KR" altLang="en-US"/>
           </a:p>
@@ -874,7 +875,7 @@
           <a:p>
             <a:fld id="{A6A5F888-23C1-4C2D-8DA0-CBACC41D9E90}" type="datetimeFigureOut">
               <a:rPr lang="ko-KR" altLang="en-US" smtClean="0"/>
-              <a:t>2025-02-07</a:t>
+              <a:t>2025-02-21</a:t>
             </a:fld>
             <a:endParaRPr lang="ko-KR" altLang="en-US"/>
           </a:p>
@@ -1149,7 +1150,7 @@
           <a:p>
             <a:fld id="{A6A5F888-23C1-4C2D-8DA0-CBACC41D9E90}" type="datetimeFigureOut">
               <a:rPr lang="ko-KR" altLang="en-US" smtClean="0"/>
-              <a:t>2025-02-07</a:t>
+              <a:t>2025-02-21</a:t>
             </a:fld>
             <a:endParaRPr lang="ko-KR" altLang="en-US"/>
           </a:p>
@@ -1414,7 +1415,7 @@
           <a:p>
             <a:fld id="{A6A5F888-23C1-4C2D-8DA0-CBACC41D9E90}" type="datetimeFigureOut">
               <a:rPr lang="ko-KR" altLang="en-US" smtClean="0"/>
-              <a:t>2025-02-07</a:t>
+              <a:t>2025-02-21</a:t>
             </a:fld>
             <a:endParaRPr lang="ko-KR" altLang="en-US"/>
           </a:p>
@@ -1826,7 +1827,7 @@
           <a:p>
             <a:fld id="{A6A5F888-23C1-4C2D-8DA0-CBACC41D9E90}" type="datetimeFigureOut">
               <a:rPr lang="ko-KR" altLang="en-US" smtClean="0"/>
-              <a:t>2025-02-07</a:t>
+              <a:t>2025-02-21</a:t>
             </a:fld>
             <a:endParaRPr lang="ko-KR" altLang="en-US"/>
           </a:p>
@@ -1967,7 +1968,7 @@
           <a:p>
             <a:fld id="{A6A5F888-23C1-4C2D-8DA0-CBACC41D9E90}" type="datetimeFigureOut">
               <a:rPr lang="ko-KR" altLang="en-US" smtClean="0"/>
-              <a:t>2025-02-07</a:t>
+              <a:t>2025-02-21</a:t>
             </a:fld>
             <a:endParaRPr lang="ko-KR" altLang="en-US"/>
           </a:p>
@@ -2080,7 +2081,7 @@
           <a:p>
             <a:fld id="{A6A5F888-23C1-4C2D-8DA0-CBACC41D9E90}" type="datetimeFigureOut">
               <a:rPr lang="ko-KR" altLang="en-US" smtClean="0"/>
-              <a:t>2025-02-07</a:t>
+              <a:t>2025-02-21</a:t>
             </a:fld>
             <a:endParaRPr lang="ko-KR" altLang="en-US"/>
           </a:p>
@@ -2391,7 +2392,7 @@
           <a:p>
             <a:fld id="{A6A5F888-23C1-4C2D-8DA0-CBACC41D9E90}" type="datetimeFigureOut">
               <a:rPr lang="ko-KR" altLang="en-US" smtClean="0"/>
-              <a:t>2025-02-07</a:t>
+              <a:t>2025-02-21</a:t>
             </a:fld>
             <a:endParaRPr lang="ko-KR" altLang="en-US"/>
           </a:p>
@@ -2679,7 +2680,7 @@
           <a:p>
             <a:fld id="{A6A5F888-23C1-4C2D-8DA0-CBACC41D9E90}" type="datetimeFigureOut">
               <a:rPr lang="ko-KR" altLang="en-US" smtClean="0"/>
-              <a:t>2025-02-07</a:t>
+              <a:t>2025-02-21</a:t>
             </a:fld>
             <a:endParaRPr lang="ko-KR" altLang="en-US"/>
           </a:p>
@@ -2920,7 +2921,7 @@
           <a:p>
             <a:fld id="{A6A5F888-23C1-4C2D-8DA0-CBACC41D9E90}" type="datetimeFigureOut">
               <a:rPr lang="ko-KR" altLang="en-US" smtClean="0"/>
-              <a:t>2025-02-07</a:t>
+              <a:t>2025-02-21</a:t>
             </a:fld>
             <a:endParaRPr lang="ko-KR" altLang="en-US"/>
           </a:p>
@@ -6375,6 +6376,470 @@
         </p:nvSpPr>
         <p:spPr>
           <a:xfrm>
+            <a:off x="3467100" y="2724150"/>
+            <a:ext cx="5334000" cy="1181100"/>
+          </a:xfrm>
+          <a:prstGeom prst="roundRect">
+            <a:avLst/>
+          </a:prstGeom>
+          <a:noFill/>
+          <a:ln>
+            <a:solidFill>
+              <a:schemeClr val="bg1">
+                <a:lumMod val="85000"/>
+              </a:schemeClr>
+            </a:solidFill>
+            <a:prstDash val="dash"/>
+          </a:ln>
+        </p:spPr>
+        <p:style>
+          <a:lnRef idx="2">
+            <a:schemeClr val="accent1">
+              <a:shade val="15000"/>
+            </a:schemeClr>
+          </a:lnRef>
+          <a:fillRef idx="1">
+            <a:schemeClr val="accent1"/>
+          </a:fillRef>
+          <a:effectRef idx="0">
+            <a:schemeClr val="accent1"/>
+          </a:effectRef>
+          <a:fontRef idx="minor">
+            <a:schemeClr val="lt1"/>
+          </a:fontRef>
+        </p:style>
+        <p:txBody>
+          <a:bodyPr rtlCol="0" anchor="ctr"/>
+          <a:lstStyle/>
+          <a:p>
+            <a:pPr algn="ctr"/>
+            <a:endParaRPr lang="ko-KR" altLang="en-US"/>
+          </a:p>
+        </p:txBody>
+      </p:sp>
+    </p:spTree>
+    <p:extLst>
+      <p:ext uri="{BB962C8B-B14F-4D97-AF65-F5344CB8AC3E}">
+        <p14:creationId xmlns:p14="http://schemas.microsoft.com/office/powerpoint/2010/main" val="132232917"/>
+      </p:ext>
+    </p:extLst>
+  </p:cSld>
+  <p:clrMapOvr>
+    <a:masterClrMapping/>
+  </p:clrMapOvr>
+</p:sld>
+</file>
+
+<file path=ppt/slides/slide11.xml><?xml version="1.0" encoding="utf-8"?>
+<p:sld xmlns:a="http://schemas.openxmlformats.org/drawingml/2006/main" xmlns:r="http://schemas.openxmlformats.org/officeDocument/2006/relationships" xmlns:p="http://schemas.openxmlformats.org/presentationml/2006/main">
+  <p:cSld>
+    <p:spTree>
+      <p:nvGrpSpPr>
+        <p:cNvPr id="1" name=""/>
+        <p:cNvGrpSpPr/>
+        <p:nvPr/>
+      </p:nvGrpSpPr>
+      <p:grpSpPr>
+        <a:xfrm>
+          <a:off x="0" y="0"/>
+          <a:ext cx="0" cy="0"/>
+          <a:chOff x="0" y="0"/>
+          <a:chExt cx="0" cy="0"/>
+        </a:xfrm>
+      </p:grpSpPr>
+      <p:sp>
+        <p:nvSpPr>
+          <p:cNvPr id="4" name="직사각형 3">
+            <a:extLst>
+              <a:ext uri="{FF2B5EF4-FFF2-40B4-BE49-F238E27FC236}">
+                <a16:creationId xmlns:a16="http://schemas.microsoft.com/office/drawing/2014/main" id="{362C970C-5A6B-0EE0-C37A-699D9E0103B4}"/>
+              </a:ext>
+            </a:extLst>
+          </p:cNvPr>
+          <p:cNvSpPr/>
+          <p:nvPr/>
+        </p:nvSpPr>
+        <p:spPr>
+          <a:xfrm>
+            <a:off x="3815565" y="986135"/>
+            <a:ext cx="4560864" cy="923330"/>
+          </a:xfrm>
+          <a:prstGeom prst="rect">
+            <a:avLst/>
+          </a:prstGeom>
+          <a:noFill/>
+        </p:spPr>
+        <p:txBody>
+          <a:bodyPr wrap="none" lIns="91440" tIns="45720" rIns="91440" bIns="45720">
+            <a:spAutoFit/>
+          </a:bodyPr>
+          <a:lstStyle/>
+          <a:p>
+            <a:pPr algn="ctr"/>
+            <a:r>
+              <a:rPr lang="en-US" altLang="ko-KR" sz="5400" b="1" dirty="0">
+                <a:ln w="12700">
+                  <a:solidFill>
+                    <a:schemeClr val="accent1">
+                      <a:alpha val="33000"/>
+                    </a:schemeClr>
+                  </a:solidFill>
+                  <a:prstDash val="solid"/>
+                </a:ln>
+                <a:pattFill prst="pct50">
+                  <a:fgClr>
+                    <a:schemeClr val="bg1">
+                      <a:lumMod val="50000"/>
+                    </a:schemeClr>
+                  </a:fgClr>
+                  <a:bgClr>
+                    <a:schemeClr val="bg1">
+                      <a:lumMod val="85000"/>
+                    </a:schemeClr>
+                  </a:bgClr>
+                </a:pattFill>
+                <a:effectLst>
+                  <a:outerShdw dist="38100" dir="2640000" algn="bl" rotWithShape="0">
+                    <a:schemeClr val="accent1"/>
+                  </a:outerShdw>
+                </a:effectLst>
+                <a:latin typeface="디자인하우스 Bold" panose="020B0600000101010101" pitchFamily="50" charset="-127"/>
+                <a:ea typeface="디자인하우스 Bold" panose="020B0600000101010101" pitchFamily="50" charset="-127"/>
+              </a:rPr>
+              <a:t>Team Standard</a:t>
+            </a:r>
+            <a:endParaRPr lang="en-US" altLang="ko-KR" sz="5400" b="1" cap="none" spc="0" dirty="0">
+              <a:ln w="12700">
+                <a:solidFill>
+                  <a:schemeClr val="accent1">
+                    <a:alpha val="33000"/>
+                  </a:schemeClr>
+                </a:solidFill>
+                <a:prstDash val="solid"/>
+              </a:ln>
+              <a:pattFill prst="pct50">
+                <a:fgClr>
+                  <a:schemeClr val="bg1">
+                    <a:lumMod val="50000"/>
+                  </a:schemeClr>
+                </a:fgClr>
+                <a:bgClr>
+                  <a:schemeClr val="bg1">
+                    <a:lumMod val="85000"/>
+                  </a:schemeClr>
+                </a:bgClr>
+              </a:pattFill>
+              <a:effectLst>
+                <a:outerShdw dist="38100" dir="2640000" algn="bl" rotWithShape="0">
+                  <a:schemeClr val="accent1"/>
+                </a:outerShdw>
+              </a:effectLst>
+              <a:latin typeface="디자인하우스 Bold" panose="020B0600000101010101" pitchFamily="50" charset="-127"/>
+              <a:ea typeface="디자인하우스 Bold" panose="020B0600000101010101" pitchFamily="50" charset="-127"/>
+            </a:endParaRPr>
+          </a:p>
+        </p:txBody>
+      </p:sp>
+      <p:sp>
+        <p:nvSpPr>
+          <p:cNvPr id="5" name="직사각형 4">
+            <a:extLst>
+              <a:ext uri="{FF2B5EF4-FFF2-40B4-BE49-F238E27FC236}">
+                <a16:creationId xmlns:a16="http://schemas.microsoft.com/office/drawing/2014/main" id="{A7629D7F-2A1D-DF54-9E37-050A09205727}"/>
+              </a:ext>
+            </a:extLst>
+          </p:cNvPr>
+          <p:cNvSpPr/>
+          <p:nvPr/>
+        </p:nvSpPr>
+        <p:spPr>
+          <a:xfrm>
+            <a:off x="3608779" y="2981920"/>
+            <a:ext cx="4974439" cy="923330"/>
+          </a:xfrm>
+          <a:prstGeom prst="rect">
+            <a:avLst/>
+          </a:prstGeom>
+          <a:noFill/>
+        </p:spPr>
+        <p:txBody>
+          <a:bodyPr wrap="none" lIns="91440" tIns="45720" rIns="91440" bIns="45720">
+            <a:spAutoFit/>
+          </a:bodyPr>
+          <a:lstStyle/>
+          <a:p>
+            <a:pPr algn="ctr"/>
+            <a:r>
+              <a:rPr lang="en-US" altLang="ko-KR" sz="5400" b="1" dirty="0">
+                <a:ln w="12700">
+                  <a:solidFill>
+                    <a:schemeClr val="accent1"/>
+                  </a:solidFill>
+                  <a:prstDash val="solid"/>
+                </a:ln>
+                <a:pattFill prst="pct50">
+                  <a:fgClr>
+                    <a:schemeClr val="accent1"/>
+                  </a:fgClr>
+                  <a:bgClr>
+                    <a:schemeClr val="accent1">
+                      <a:lumMod val="20000"/>
+                      <a:lumOff val="80000"/>
+                    </a:schemeClr>
+                  </a:bgClr>
+                </a:pattFill>
+                <a:effectLst>
+                  <a:outerShdw dist="38100" dir="2640000" algn="bl" rotWithShape="0">
+                    <a:schemeClr val="accent1"/>
+                  </a:outerShdw>
+                </a:effectLst>
+                <a:latin typeface="디자인하우스 Bold" panose="020B0600000101010101" pitchFamily="50" charset="-127"/>
+                <a:ea typeface="디자인하우스 Bold" panose="020B0600000101010101" pitchFamily="50" charset="-127"/>
+              </a:rPr>
+              <a:t>Project Standard</a:t>
+            </a:r>
+            <a:endParaRPr lang="en-US" altLang="ko-KR" sz="5400" b="1" cap="none" spc="0" dirty="0">
+              <a:ln w="12700">
+                <a:solidFill>
+                  <a:schemeClr val="accent1"/>
+                </a:solidFill>
+                <a:prstDash val="solid"/>
+              </a:ln>
+              <a:pattFill prst="pct50">
+                <a:fgClr>
+                  <a:schemeClr val="accent1"/>
+                </a:fgClr>
+                <a:bgClr>
+                  <a:schemeClr val="accent1">
+                    <a:lumMod val="20000"/>
+                    <a:lumOff val="80000"/>
+                  </a:schemeClr>
+                </a:bgClr>
+              </a:pattFill>
+              <a:effectLst>
+                <a:outerShdw dist="38100" dir="2640000" algn="bl" rotWithShape="0">
+                  <a:schemeClr val="accent1"/>
+                </a:outerShdw>
+              </a:effectLst>
+              <a:latin typeface="디자인하우스 Bold" panose="020B0600000101010101" pitchFamily="50" charset="-127"/>
+              <a:ea typeface="디자인하우스 Bold" panose="020B0600000101010101" pitchFamily="50" charset="-127"/>
+            </a:endParaRPr>
+          </a:p>
+        </p:txBody>
+      </p:sp>
+      <p:sp>
+        <p:nvSpPr>
+          <p:cNvPr id="6" name="직사각형 5">
+            <a:extLst>
+              <a:ext uri="{FF2B5EF4-FFF2-40B4-BE49-F238E27FC236}">
+                <a16:creationId xmlns:a16="http://schemas.microsoft.com/office/drawing/2014/main" id="{6EB14060-D22F-77E1-F0EF-D004E171725E}"/>
+              </a:ext>
+            </a:extLst>
+          </p:cNvPr>
+          <p:cNvSpPr/>
+          <p:nvPr/>
+        </p:nvSpPr>
+        <p:spPr>
+          <a:xfrm>
+            <a:off x="4168229" y="4977705"/>
+            <a:ext cx="3855544" cy="923330"/>
+          </a:xfrm>
+          <a:prstGeom prst="rect">
+            <a:avLst/>
+          </a:prstGeom>
+          <a:noFill/>
+        </p:spPr>
+        <p:txBody>
+          <a:bodyPr wrap="none" lIns="91440" tIns="45720" rIns="91440" bIns="45720">
+            <a:spAutoFit/>
+          </a:bodyPr>
+          <a:lstStyle/>
+          <a:p>
+            <a:pPr algn="ctr"/>
+            <a:r>
+              <a:rPr lang="en-US" altLang="ko-KR" sz="5400" b="1" dirty="0">
+                <a:ln w="12700">
+                  <a:solidFill>
+                    <a:schemeClr val="accent1"/>
+                  </a:solidFill>
+                  <a:prstDash val="solid"/>
+                </a:ln>
+                <a:pattFill prst="pct50">
+                  <a:fgClr>
+                    <a:schemeClr val="accent5">
+                      <a:lumMod val="75000"/>
+                    </a:schemeClr>
+                  </a:fgClr>
+                  <a:bgClr>
+                    <a:schemeClr val="accent5">
+                      <a:lumMod val="40000"/>
+                      <a:lumOff val="60000"/>
+                    </a:schemeClr>
+                  </a:bgClr>
+                </a:pattFill>
+                <a:effectLst>
+                  <a:outerShdw dist="38100" dir="2640000" algn="bl" rotWithShape="0">
+                    <a:schemeClr val="accent1"/>
+                  </a:outerShdw>
+                </a:effectLst>
+                <a:latin typeface="디자인하우스 Bold" panose="020B0600000101010101" pitchFamily="50" charset="-127"/>
+                <a:ea typeface="디자인하우스 Bold" panose="020B0600000101010101" pitchFamily="50" charset="-127"/>
+              </a:rPr>
+              <a:t>Project Input</a:t>
+            </a:r>
+            <a:endParaRPr lang="en-US" altLang="ko-KR" sz="5400" b="1" cap="none" spc="0" dirty="0">
+              <a:ln w="12700">
+                <a:solidFill>
+                  <a:schemeClr val="accent1"/>
+                </a:solidFill>
+                <a:prstDash val="solid"/>
+              </a:ln>
+              <a:pattFill prst="pct50">
+                <a:fgClr>
+                  <a:schemeClr val="accent5">
+                    <a:lumMod val="75000"/>
+                  </a:schemeClr>
+                </a:fgClr>
+                <a:bgClr>
+                  <a:schemeClr val="accent5">
+                    <a:lumMod val="40000"/>
+                    <a:lumOff val="60000"/>
+                  </a:schemeClr>
+                </a:bgClr>
+              </a:pattFill>
+              <a:effectLst>
+                <a:outerShdw dist="38100" dir="2640000" algn="bl" rotWithShape="0">
+                  <a:schemeClr val="accent1"/>
+                </a:outerShdw>
+              </a:effectLst>
+              <a:latin typeface="디자인하우스 Bold" panose="020B0600000101010101" pitchFamily="50" charset="-127"/>
+              <a:ea typeface="디자인하우스 Bold" panose="020B0600000101010101" pitchFamily="50" charset="-127"/>
+            </a:endParaRPr>
+          </a:p>
+        </p:txBody>
+      </p:sp>
+      <p:sp>
+        <p:nvSpPr>
+          <p:cNvPr id="8" name="순서도: 병합 7">
+            <a:extLst>
+              <a:ext uri="{FF2B5EF4-FFF2-40B4-BE49-F238E27FC236}">
+                <a16:creationId xmlns:a16="http://schemas.microsoft.com/office/drawing/2014/main" id="{FD2C6B6D-A346-7180-2404-9A63AA38D5A4}"/>
+              </a:ext>
+            </a:extLst>
+          </p:cNvPr>
+          <p:cNvSpPr/>
+          <p:nvPr/>
+        </p:nvSpPr>
+        <p:spPr>
+          <a:xfrm>
+            <a:off x="5825996" y="2095500"/>
+            <a:ext cx="540000" cy="108000"/>
+          </a:xfrm>
+          <a:prstGeom prst="flowChartMerge">
+            <a:avLst/>
+          </a:prstGeom>
+          <a:solidFill>
+            <a:schemeClr val="tx1">
+              <a:alpha val="56000"/>
+            </a:schemeClr>
+          </a:solidFill>
+          <a:ln>
+            <a:noFill/>
+          </a:ln>
+        </p:spPr>
+        <p:style>
+          <a:lnRef idx="2">
+            <a:schemeClr val="accent1">
+              <a:shade val="15000"/>
+            </a:schemeClr>
+          </a:lnRef>
+          <a:fillRef idx="1">
+            <a:schemeClr val="accent1"/>
+          </a:fillRef>
+          <a:effectRef idx="0">
+            <a:schemeClr val="accent1"/>
+          </a:effectRef>
+          <a:fontRef idx="minor">
+            <a:schemeClr val="lt1"/>
+          </a:fontRef>
+        </p:style>
+        <p:txBody>
+          <a:bodyPr rtlCol="0" anchor="ctr"/>
+          <a:lstStyle/>
+          <a:p>
+            <a:pPr algn="ctr"/>
+            <a:endParaRPr lang="ko-KR" altLang="en-US"/>
+          </a:p>
+        </p:txBody>
+      </p:sp>
+      <p:sp>
+        <p:nvSpPr>
+          <p:cNvPr id="10" name="순서도: 병합 9">
+            <a:extLst>
+              <a:ext uri="{FF2B5EF4-FFF2-40B4-BE49-F238E27FC236}">
+                <a16:creationId xmlns:a16="http://schemas.microsoft.com/office/drawing/2014/main" id="{9987C965-6FF2-D23A-E216-775C8E052184}"/>
+              </a:ext>
+            </a:extLst>
+          </p:cNvPr>
+          <p:cNvSpPr/>
+          <p:nvPr/>
+        </p:nvSpPr>
+        <p:spPr>
+          <a:xfrm>
+            <a:off x="5825996" y="4279477"/>
+            <a:ext cx="540000" cy="108000"/>
+          </a:xfrm>
+          <a:prstGeom prst="flowChartMerge">
+            <a:avLst/>
+          </a:prstGeom>
+          <a:solidFill>
+            <a:schemeClr val="tx1">
+              <a:alpha val="56000"/>
+            </a:schemeClr>
+          </a:solidFill>
+          <a:ln>
+            <a:noFill/>
+          </a:ln>
+        </p:spPr>
+        <p:style>
+          <a:lnRef idx="2">
+            <a:schemeClr val="accent1">
+              <a:shade val="15000"/>
+            </a:schemeClr>
+          </a:lnRef>
+          <a:fillRef idx="1">
+            <a:schemeClr val="accent1"/>
+          </a:fillRef>
+          <a:effectRef idx="0">
+            <a:schemeClr val="accent1"/>
+          </a:effectRef>
+          <a:fontRef idx="minor">
+            <a:schemeClr val="lt1"/>
+          </a:fontRef>
+        </p:style>
+        <p:txBody>
+          <a:bodyPr rtlCol="0" anchor="ctr"/>
+          <a:lstStyle/>
+          <a:p>
+            <a:pPr algn="ctr"/>
+            <a:endParaRPr lang="ko-KR" altLang="en-US"/>
+          </a:p>
+        </p:txBody>
+      </p:sp>
+      <p:sp>
+        <p:nvSpPr>
+          <p:cNvPr id="11" name="사각형: 둥근 모서리 10">
+            <a:extLst>
+              <a:ext uri="{FF2B5EF4-FFF2-40B4-BE49-F238E27FC236}">
+                <a16:creationId xmlns:a16="http://schemas.microsoft.com/office/drawing/2014/main" id="{2C97DE32-B7DF-4F0B-F75E-43137C7E6449}"/>
+              </a:ext>
+            </a:extLst>
+          </p:cNvPr>
+          <p:cNvSpPr/>
+          <p:nvPr/>
+        </p:nvSpPr>
+        <p:spPr>
+          <a:xfrm>
             <a:off x="3467100" y="4842469"/>
             <a:ext cx="5334000" cy="1029395"/>
           </a:xfrm>
@@ -6429,7 +6894,7 @@
 </p:sld>
 </file>
 
-<file path=ppt/slides/slide11.xml><?xml version="1.0" encoding="utf-8"?>
+<file path=ppt/slides/slide12.xml><?xml version="1.0" encoding="utf-8"?>
 <p:sld xmlns:a="http://schemas.openxmlformats.org/drawingml/2006/main" xmlns:r="http://schemas.openxmlformats.org/officeDocument/2006/relationships" xmlns:p="http://schemas.openxmlformats.org/presentationml/2006/main">
   <p:cSld>
     <p:spTree>
@@ -6579,7 +7044,7 @@
 </p:sld>
 </file>
 
-<file path=ppt/slides/slide12.xml><?xml version="1.0" encoding="utf-8"?>
+<file path=ppt/slides/slide13.xml><?xml version="1.0" encoding="utf-8"?>
 <p:sld xmlns:a="http://schemas.openxmlformats.org/drawingml/2006/main" xmlns:r="http://schemas.openxmlformats.org/officeDocument/2006/relationships" xmlns:p="http://schemas.openxmlformats.org/presentationml/2006/main">
   <p:cSld>
     <p:spTree>
@@ -17653,6 +18118,293 @@
   <p:cSld>
     <p:spTree>
       <p:nvGrpSpPr>
+        <p:cNvPr id="1" name=""/>
+        <p:cNvGrpSpPr/>
+        <p:nvPr/>
+      </p:nvGrpSpPr>
+      <p:grpSpPr>
+        <a:xfrm>
+          <a:off x="0" y="0"/>
+          <a:ext cx="0" cy="0"/>
+          <a:chOff x="0" y="0"/>
+          <a:chExt cx="0" cy="0"/>
+        </a:xfrm>
+      </p:grpSpPr>
+      <p:sp>
+        <p:nvSpPr>
+          <p:cNvPr id="7" name="사각형: 둥근 모서리 6">
+            <a:extLst>
+              <a:ext uri="{FF2B5EF4-FFF2-40B4-BE49-F238E27FC236}">
+                <a16:creationId xmlns:a16="http://schemas.microsoft.com/office/drawing/2014/main" id="{61E1E783-8A74-B587-0853-369D73197A5A}"/>
+              </a:ext>
+            </a:extLst>
+          </p:cNvPr>
+          <p:cNvSpPr/>
+          <p:nvPr/>
+        </p:nvSpPr>
+        <p:spPr>
+          <a:xfrm>
+            <a:off x="531093" y="831273"/>
+            <a:ext cx="4082473" cy="4017818"/>
+          </a:xfrm>
+          <a:prstGeom prst="roundRect">
+            <a:avLst>
+              <a:gd name="adj" fmla="val 20421"/>
+            </a:avLst>
+          </a:prstGeom>
+          <a:solidFill>
+            <a:schemeClr val="tx1"/>
+          </a:solidFill>
+          <a:ln w="212725">
+            <a:solidFill>
+              <a:schemeClr val="accent1">
+                <a:lumMod val="60000"/>
+                <a:lumOff val="40000"/>
+              </a:schemeClr>
+            </a:solidFill>
+          </a:ln>
+        </p:spPr>
+        <p:style>
+          <a:lnRef idx="2">
+            <a:schemeClr val="accent1">
+              <a:shade val="15000"/>
+            </a:schemeClr>
+          </a:lnRef>
+          <a:fillRef idx="1">
+            <a:schemeClr val="accent1"/>
+          </a:fillRef>
+          <a:effectRef idx="0">
+            <a:schemeClr val="accent1"/>
+          </a:effectRef>
+          <a:fontRef idx="minor">
+            <a:schemeClr val="lt1"/>
+          </a:fontRef>
+        </p:style>
+        <p:txBody>
+          <a:bodyPr rtlCol="0" anchor="ctr"/>
+          <a:lstStyle/>
+          <a:p>
+            <a:pPr algn="ctr"/>
+            <a:endParaRPr lang="ko-KR" altLang="en-US"/>
+          </a:p>
+        </p:txBody>
+      </p:sp>
+      <p:sp>
+        <p:nvSpPr>
+          <p:cNvPr id="8" name="TextBox 7">
+            <a:extLst>
+              <a:ext uri="{FF2B5EF4-FFF2-40B4-BE49-F238E27FC236}">
+                <a16:creationId xmlns:a16="http://schemas.microsoft.com/office/drawing/2014/main" id="{A67BDC64-37AD-F343-0764-0EBFBBB6101A}"/>
+              </a:ext>
+            </a:extLst>
+          </p:cNvPr>
+          <p:cNvSpPr txBox="1"/>
+          <p:nvPr/>
+        </p:nvSpPr>
+        <p:spPr>
+          <a:xfrm>
+            <a:off x="1359001" y="340164"/>
+            <a:ext cx="2528256" cy="4508927"/>
+          </a:xfrm>
+          <a:prstGeom prst="rect">
+            <a:avLst/>
+          </a:prstGeom>
+          <a:noFill/>
+        </p:spPr>
+        <p:txBody>
+          <a:bodyPr wrap="none" rtlCol="0">
+            <a:spAutoFit/>
+          </a:bodyPr>
+          <a:lstStyle/>
+          <a:p>
+            <a:r>
+              <a:rPr lang="en-US" altLang="ko-KR" sz="28700" b="1" dirty="0">
+                <a:solidFill>
+                  <a:schemeClr val="bg1"/>
+                </a:solidFill>
+                <a:latin typeface="MS PGothic" panose="020B0600070205080204" pitchFamily="34" charset="-128"/>
+                <a:ea typeface="MS PGothic" panose="020B0600070205080204" pitchFamily="34" charset="-128"/>
+              </a:rPr>
+              <a:t>B</a:t>
+            </a:r>
+            <a:endParaRPr lang="ko-KR" altLang="en-US" sz="28700" b="1" dirty="0">
+              <a:solidFill>
+                <a:schemeClr val="bg1"/>
+              </a:solidFill>
+              <a:latin typeface="MS PGothic" panose="020B0600070205080204" pitchFamily="34" charset="-128"/>
+              <a:ea typeface="HD LOGO" panose="02020603020101020101" pitchFamily="18" charset="-127"/>
+            </a:endParaRPr>
+          </a:p>
+        </p:txBody>
+      </p:sp>
+      <p:sp>
+        <p:nvSpPr>
+          <p:cNvPr id="4" name="사각형: 둥근 모서리 3">
+            <a:extLst>
+              <a:ext uri="{FF2B5EF4-FFF2-40B4-BE49-F238E27FC236}">
+                <a16:creationId xmlns:a16="http://schemas.microsoft.com/office/drawing/2014/main" id="{03AD10FC-0E5A-D2B9-2F20-CD4AD67F680D}"/>
+              </a:ext>
+            </a:extLst>
+          </p:cNvPr>
+          <p:cNvSpPr/>
+          <p:nvPr/>
+        </p:nvSpPr>
+        <p:spPr>
+          <a:xfrm>
+            <a:off x="7211293" y="831273"/>
+            <a:ext cx="4082473" cy="4017818"/>
+          </a:xfrm>
+          <a:prstGeom prst="roundRect">
+            <a:avLst>
+              <a:gd name="adj" fmla="val 20421"/>
+            </a:avLst>
+          </a:prstGeom>
+          <a:solidFill>
+            <a:schemeClr val="tx1"/>
+          </a:solidFill>
+          <a:ln w="212725">
+            <a:solidFill>
+              <a:schemeClr val="accent1">
+                <a:lumMod val="60000"/>
+                <a:lumOff val="40000"/>
+              </a:schemeClr>
+            </a:solidFill>
+          </a:ln>
+        </p:spPr>
+        <p:style>
+          <a:lnRef idx="2">
+            <a:schemeClr val="accent1">
+              <a:shade val="15000"/>
+            </a:schemeClr>
+          </a:lnRef>
+          <a:fillRef idx="1">
+            <a:schemeClr val="accent1"/>
+          </a:fillRef>
+          <a:effectRef idx="0">
+            <a:schemeClr val="accent1"/>
+          </a:effectRef>
+          <a:fontRef idx="minor">
+            <a:schemeClr val="lt1"/>
+          </a:fontRef>
+        </p:style>
+        <p:txBody>
+          <a:bodyPr rtlCol="0" anchor="ctr"/>
+          <a:lstStyle/>
+          <a:p>
+            <a:pPr algn="ctr"/>
+            <a:endParaRPr lang="ko-KR" altLang="en-US"/>
+          </a:p>
+        </p:txBody>
+      </p:sp>
+      <p:sp>
+        <p:nvSpPr>
+          <p:cNvPr id="5" name="TextBox 4">
+            <a:extLst>
+              <a:ext uri="{FF2B5EF4-FFF2-40B4-BE49-F238E27FC236}">
+                <a16:creationId xmlns:a16="http://schemas.microsoft.com/office/drawing/2014/main" id="{53BB0246-4A14-6016-770E-9C02EBA99C46}"/>
+              </a:ext>
+            </a:extLst>
+          </p:cNvPr>
+          <p:cNvSpPr txBox="1"/>
+          <p:nvPr/>
+        </p:nvSpPr>
+        <p:spPr>
+          <a:xfrm>
+            <a:off x="8039201" y="340164"/>
+            <a:ext cx="2528256" cy="4508927"/>
+          </a:xfrm>
+          <a:prstGeom prst="rect">
+            <a:avLst/>
+          </a:prstGeom>
+          <a:noFill/>
+        </p:spPr>
+        <p:txBody>
+          <a:bodyPr wrap="none" rtlCol="0">
+            <a:spAutoFit/>
+          </a:bodyPr>
+          <a:lstStyle/>
+          <a:p>
+            <a:r>
+              <a:rPr lang="en-US" altLang="ko-KR" sz="28700" b="1" dirty="0">
+                <a:solidFill>
+                  <a:schemeClr val="bg1"/>
+                </a:solidFill>
+                <a:latin typeface="MS PGothic" panose="020B0600070205080204" pitchFamily="34" charset="-128"/>
+                <a:ea typeface="MS PGothic" panose="020B0600070205080204" pitchFamily="34" charset="-128"/>
+              </a:rPr>
+              <a:t>B</a:t>
+            </a:r>
+            <a:endParaRPr lang="ko-KR" altLang="en-US" sz="28700" b="1" dirty="0">
+              <a:solidFill>
+                <a:schemeClr val="bg1"/>
+              </a:solidFill>
+              <a:latin typeface="MS PGothic" panose="020B0600070205080204" pitchFamily="34" charset="-128"/>
+              <a:ea typeface="HD LOGO" panose="02020603020101020101" pitchFamily="18" charset="-127"/>
+            </a:endParaRPr>
+          </a:p>
+        </p:txBody>
+      </p:sp>
+      <p:sp>
+        <p:nvSpPr>
+          <p:cNvPr id="6" name="TextBox 5">
+            <a:extLst>
+              <a:ext uri="{FF2B5EF4-FFF2-40B4-BE49-F238E27FC236}">
+                <a16:creationId xmlns:a16="http://schemas.microsoft.com/office/drawing/2014/main" id="{97A58153-D427-C74B-6F50-813F7309CED3}"/>
+              </a:ext>
+            </a:extLst>
+          </p:cNvPr>
+          <p:cNvSpPr txBox="1"/>
+          <p:nvPr/>
+        </p:nvSpPr>
+        <p:spPr>
+          <a:xfrm>
+            <a:off x="7211293" y="4667725"/>
+            <a:ext cx="4082473" cy="1323439"/>
+          </a:xfrm>
+          <a:prstGeom prst="rect">
+            <a:avLst/>
+          </a:prstGeom>
+          <a:noFill/>
+        </p:spPr>
+        <p:txBody>
+          <a:bodyPr wrap="square" rtlCol="0">
+            <a:spAutoFit/>
+          </a:bodyPr>
+          <a:lstStyle/>
+          <a:p>
+            <a:pPr algn="ctr"/>
+            <a:r>
+              <a:rPr lang="en-US" altLang="ko-KR" sz="8000" b="1" dirty="0">
+                <a:latin typeface="MS PGothic" panose="020B0600070205080204" pitchFamily="34" charset="-128"/>
+                <a:ea typeface="MS PGothic" panose="020B0600070205080204" pitchFamily="34" charset="-128"/>
+              </a:rPr>
+              <a:t>B-NOTE</a:t>
+            </a:r>
+            <a:endParaRPr lang="ko-KR" altLang="en-US" sz="8000" b="1" dirty="0">
+              <a:latin typeface="MS PGothic" panose="020B0600070205080204" pitchFamily="34" charset="-128"/>
+              <a:ea typeface="HD LOGO" panose="02020603020101020101" pitchFamily="18" charset="-127"/>
+            </a:endParaRPr>
+          </a:p>
+        </p:txBody>
+      </p:sp>
+    </p:spTree>
+    <p:extLst>
+      <p:ext uri="{BB962C8B-B14F-4D97-AF65-F5344CB8AC3E}">
+        <p14:creationId xmlns:p14="http://schemas.microsoft.com/office/powerpoint/2010/main" val="353763119"/>
+      </p:ext>
+    </p:extLst>
+  </p:cSld>
+  <p:clrMapOvr>
+    <a:masterClrMapping/>
+  </p:clrMapOvr>
+</p:sld>
+</file>
+
+<file path=ppt/slides/slide8.xml><?xml version="1.0" encoding="utf-8"?>
+<p:sld xmlns:a="http://schemas.openxmlformats.org/drawingml/2006/main" xmlns:r="http://schemas.openxmlformats.org/officeDocument/2006/relationships" xmlns:p="http://schemas.openxmlformats.org/presentationml/2006/main">
+  <p:cSld>
+    <p:spTree>
+      <p:nvGrpSpPr>
         <p:cNvPr id="1" name="">
           <a:extLst>
             <a:ext uri="{FF2B5EF4-FFF2-40B4-BE49-F238E27FC236}">
@@ -18101,7 +18853,7 @@
 </p:sld>
 </file>
 
-<file path=ppt/slides/slide8.xml><?xml version="1.0" encoding="utf-8"?>
+<file path=ppt/slides/slide9.xml><?xml version="1.0" encoding="utf-8"?>
 <p:sld xmlns:a="http://schemas.openxmlformats.org/drawingml/2006/main" xmlns:r="http://schemas.openxmlformats.org/officeDocument/2006/relationships" xmlns:p="http://schemas.openxmlformats.org/presentationml/2006/main">
   <p:cSld>
     <p:spTree>
@@ -18565,470 +19317,6 @@
 </p:sld>
 </file>
 
-<file path=ppt/slides/slide9.xml><?xml version="1.0" encoding="utf-8"?>
-<p:sld xmlns:a="http://schemas.openxmlformats.org/drawingml/2006/main" xmlns:r="http://schemas.openxmlformats.org/officeDocument/2006/relationships" xmlns:p="http://schemas.openxmlformats.org/presentationml/2006/main">
-  <p:cSld>
-    <p:spTree>
-      <p:nvGrpSpPr>
-        <p:cNvPr id="1" name=""/>
-        <p:cNvGrpSpPr/>
-        <p:nvPr/>
-      </p:nvGrpSpPr>
-      <p:grpSpPr>
-        <a:xfrm>
-          <a:off x="0" y="0"/>
-          <a:ext cx="0" cy="0"/>
-          <a:chOff x="0" y="0"/>
-          <a:chExt cx="0" cy="0"/>
-        </a:xfrm>
-      </p:grpSpPr>
-      <p:sp>
-        <p:nvSpPr>
-          <p:cNvPr id="4" name="직사각형 3">
-            <a:extLst>
-              <a:ext uri="{FF2B5EF4-FFF2-40B4-BE49-F238E27FC236}">
-                <a16:creationId xmlns:a16="http://schemas.microsoft.com/office/drawing/2014/main" id="{362C970C-5A6B-0EE0-C37A-699D9E0103B4}"/>
-              </a:ext>
-            </a:extLst>
-          </p:cNvPr>
-          <p:cNvSpPr/>
-          <p:nvPr/>
-        </p:nvSpPr>
-        <p:spPr>
-          <a:xfrm>
-            <a:off x="3815565" y="986135"/>
-            <a:ext cx="4560864" cy="923330"/>
-          </a:xfrm>
-          <a:prstGeom prst="rect">
-            <a:avLst/>
-          </a:prstGeom>
-          <a:noFill/>
-        </p:spPr>
-        <p:txBody>
-          <a:bodyPr wrap="none" lIns="91440" tIns="45720" rIns="91440" bIns="45720">
-            <a:spAutoFit/>
-          </a:bodyPr>
-          <a:lstStyle/>
-          <a:p>
-            <a:pPr algn="ctr"/>
-            <a:r>
-              <a:rPr lang="en-US" altLang="ko-KR" sz="5400" b="1" dirty="0">
-                <a:ln w="12700">
-                  <a:solidFill>
-                    <a:schemeClr val="accent1">
-                      <a:alpha val="33000"/>
-                    </a:schemeClr>
-                  </a:solidFill>
-                  <a:prstDash val="solid"/>
-                </a:ln>
-                <a:pattFill prst="pct50">
-                  <a:fgClr>
-                    <a:schemeClr val="bg1">
-                      <a:lumMod val="50000"/>
-                    </a:schemeClr>
-                  </a:fgClr>
-                  <a:bgClr>
-                    <a:schemeClr val="bg1">
-                      <a:lumMod val="85000"/>
-                    </a:schemeClr>
-                  </a:bgClr>
-                </a:pattFill>
-                <a:effectLst>
-                  <a:outerShdw dist="38100" dir="2640000" algn="bl" rotWithShape="0">
-                    <a:schemeClr val="accent1"/>
-                  </a:outerShdw>
-                </a:effectLst>
-                <a:latin typeface="디자인하우스 Bold" panose="020B0600000101010101" pitchFamily="50" charset="-127"/>
-                <a:ea typeface="디자인하우스 Bold" panose="020B0600000101010101" pitchFamily="50" charset="-127"/>
-              </a:rPr>
-              <a:t>Team Standard</a:t>
-            </a:r>
-            <a:endParaRPr lang="en-US" altLang="ko-KR" sz="5400" b="1" cap="none" spc="0" dirty="0">
-              <a:ln w="12700">
-                <a:solidFill>
-                  <a:schemeClr val="accent1">
-                    <a:alpha val="33000"/>
-                  </a:schemeClr>
-                </a:solidFill>
-                <a:prstDash val="solid"/>
-              </a:ln>
-              <a:pattFill prst="pct50">
-                <a:fgClr>
-                  <a:schemeClr val="bg1">
-                    <a:lumMod val="50000"/>
-                  </a:schemeClr>
-                </a:fgClr>
-                <a:bgClr>
-                  <a:schemeClr val="bg1">
-                    <a:lumMod val="85000"/>
-                  </a:schemeClr>
-                </a:bgClr>
-              </a:pattFill>
-              <a:effectLst>
-                <a:outerShdw dist="38100" dir="2640000" algn="bl" rotWithShape="0">
-                  <a:schemeClr val="accent1"/>
-                </a:outerShdw>
-              </a:effectLst>
-              <a:latin typeface="디자인하우스 Bold" panose="020B0600000101010101" pitchFamily="50" charset="-127"/>
-              <a:ea typeface="디자인하우스 Bold" panose="020B0600000101010101" pitchFamily="50" charset="-127"/>
-            </a:endParaRPr>
-          </a:p>
-        </p:txBody>
-      </p:sp>
-      <p:sp>
-        <p:nvSpPr>
-          <p:cNvPr id="5" name="직사각형 4">
-            <a:extLst>
-              <a:ext uri="{FF2B5EF4-FFF2-40B4-BE49-F238E27FC236}">
-                <a16:creationId xmlns:a16="http://schemas.microsoft.com/office/drawing/2014/main" id="{A7629D7F-2A1D-DF54-9E37-050A09205727}"/>
-              </a:ext>
-            </a:extLst>
-          </p:cNvPr>
-          <p:cNvSpPr/>
-          <p:nvPr/>
-        </p:nvSpPr>
-        <p:spPr>
-          <a:xfrm>
-            <a:off x="3608779" y="2981920"/>
-            <a:ext cx="4974439" cy="923330"/>
-          </a:xfrm>
-          <a:prstGeom prst="rect">
-            <a:avLst/>
-          </a:prstGeom>
-          <a:noFill/>
-        </p:spPr>
-        <p:txBody>
-          <a:bodyPr wrap="none" lIns="91440" tIns="45720" rIns="91440" bIns="45720">
-            <a:spAutoFit/>
-          </a:bodyPr>
-          <a:lstStyle/>
-          <a:p>
-            <a:pPr algn="ctr"/>
-            <a:r>
-              <a:rPr lang="en-US" altLang="ko-KR" sz="5400" b="1" dirty="0">
-                <a:ln w="12700">
-                  <a:solidFill>
-                    <a:schemeClr val="accent1"/>
-                  </a:solidFill>
-                  <a:prstDash val="solid"/>
-                </a:ln>
-                <a:pattFill prst="pct50">
-                  <a:fgClr>
-                    <a:schemeClr val="accent1"/>
-                  </a:fgClr>
-                  <a:bgClr>
-                    <a:schemeClr val="accent1">
-                      <a:lumMod val="20000"/>
-                      <a:lumOff val="80000"/>
-                    </a:schemeClr>
-                  </a:bgClr>
-                </a:pattFill>
-                <a:effectLst>
-                  <a:outerShdw dist="38100" dir="2640000" algn="bl" rotWithShape="0">
-                    <a:schemeClr val="accent1"/>
-                  </a:outerShdw>
-                </a:effectLst>
-                <a:latin typeface="디자인하우스 Bold" panose="020B0600000101010101" pitchFamily="50" charset="-127"/>
-                <a:ea typeface="디자인하우스 Bold" panose="020B0600000101010101" pitchFamily="50" charset="-127"/>
-              </a:rPr>
-              <a:t>Project Standard</a:t>
-            </a:r>
-            <a:endParaRPr lang="en-US" altLang="ko-KR" sz="5400" b="1" cap="none" spc="0" dirty="0">
-              <a:ln w="12700">
-                <a:solidFill>
-                  <a:schemeClr val="accent1"/>
-                </a:solidFill>
-                <a:prstDash val="solid"/>
-              </a:ln>
-              <a:pattFill prst="pct50">
-                <a:fgClr>
-                  <a:schemeClr val="accent1"/>
-                </a:fgClr>
-                <a:bgClr>
-                  <a:schemeClr val="accent1">
-                    <a:lumMod val="20000"/>
-                    <a:lumOff val="80000"/>
-                  </a:schemeClr>
-                </a:bgClr>
-              </a:pattFill>
-              <a:effectLst>
-                <a:outerShdw dist="38100" dir="2640000" algn="bl" rotWithShape="0">
-                  <a:schemeClr val="accent1"/>
-                </a:outerShdw>
-              </a:effectLst>
-              <a:latin typeface="디자인하우스 Bold" panose="020B0600000101010101" pitchFamily="50" charset="-127"/>
-              <a:ea typeface="디자인하우스 Bold" panose="020B0600000101010101" pitchFamily="50" charset="-127"/>
-            </a:endParaRPr>
-          </a:p>
-        </p:txBody>
-      </p:sp>
-      <p:sp>
-        <p:nvSpPr>
-          <p:cNvPr id="6" name="직사각형 5">
-            <a:extLst>
-              <a:ext uri="{FF2B5EF4-FFF2-40B4-BE49-F238E27FC236}">
-                <a16:creationId xmlns:a16="http://schemas.microsoft.com/office/drawing/2014/main" id="{6EB14060-D22F-77E1-F0EF-D004E171725E}"/>
-              </a:ext>
-            </a:extLst>
-          </p:cNvPr>
-          <p:cNvSpPr/>
-          <p:nvPr/>
-        </p:nvSpPr>
-        <p:spPr>
-          <a:xfrm>
-            <a:off x="4168229" y="4977705"/>
-            <a:ext cx="3855544" cy="923330"/>
-          </a:xfrm>
-          <a:prstGeom prst="rect">
-            <a:avLst/>
-          </a:prstGeom>
-          <a:noFill/>
-        </p:spPr>
-        <p:txBody>
-          <a:bodyPr wrap="none" lIns="91440" tIns="45720" rIns="91440" bIns="45720">
-            <a:spAutoFit/>
-          </a:bodyPr>
-          <a:lstStyle/>
-          <a:p>
-            <a:pPr algn="ctr"/>
-            <a:r>
-              <a:rPr lang="en-US" altLang="ko-KR" sz="5400" b="1" dirty="0">
-                <a:ln w="12700">
-                  <a:solidFill>
-                    <a:schemeClr val="accent1"/>
-                  </a:solidFill>
-                  <a:prstDash val="solid"/>
-                </a:ln>
-                <a:pattFill prst="pct50">
-                  <a:fgClr>
-                    <a:schemeClr val="accent5">
-                      <a:lumMod val="75000"/>
-                    </a:schemeClr>
-                  </a:fgClr>
-                  <a:bgClr>
-                    <a:schemeClr val="accent5">
-                      <a:lumMod val="40000"/>
-                      <a:lumOff val="60000"/>
-                    </a:schemeClr>
-                  </a:bgClr>
-                </a:pattFill>
-                <a:effectLst>
-                  <a:outerShdw dist="38100" dir="2640000" algn="bl" rotWithShape="0">
-                    <a:schemeClr val="accent1"/>
-                  </a:outerShdw>
-                </a:effectLst>
-                <a:latin typeface="디자인하우스 Bold" panose="020B0600000101010101" pitchFamily="50" charset="-127"/>
-                <a:ea typeface="디자인하우스 Bold" panose="020B0600000101010101" pitchFamily="50" charset="-127"/>
-              </a:rPr>
-              <a:t>Project Input</a:t>
-            </a:r>
-            <a:endParaRPr lang="en-US" altLang="ko-KR" sz="5400" b="1" cap="none" spc="0" dirty="0">
-              <a:ln w="12700">
-                <a:solidFill>
-                  <a:schemeClr val="accent1"/>
-                </a:solidFill>
-                <a:prstDash val="solid"/>
-              </a:ln>
-              <a:pattFill prst="pct50">
-                <a:fgClr>
-                  <a:schemeClr val="accent5">
-                    <a:lumMod val="75000"/>
-                  </a:schemeClr>
-                </a:fgClr>
-                <a:bgClr>
-                  <a:schemeClr val="accent5">
-                    <a:lumMod val="40000"/>
-                    <a:lumOff val="60000"/>
-                  </a:schemeClr>
-                </a:bgClr>
-              </a:pattFill>
-              <a:effectLst>
-                <a:outerShdw dist="38100" dir="2640000" algn="bl" rotWithShape="0">
-                  <a:schemeClr val="accent1"/>
-                </a:outerShdw>
-              </a:effectLst>
-              <a:latin typeface="디자인하우스 Bold" panose="020B0600000101010101" pitchFamily="50" charset="-127"/>
-              <a:ea typeface="디자인하우스 Bold" panose="020B0600000101010101" pitchFamily="50" charset="-127"/>
-            </a:endParaRPr>
-          </a:p>
-        </p:txBody>
-      </p:sp>
-      <p:sp>
-        <p:nvSpPr>
-          <p:cNvPr id="8" name="순서도: 병합 7">
-            <a:extLst>
-              <a:ext uri="{FF2B5EF4-FFF2-40B4-BE49-F238E27FC236}">
-                <a16:creationId xmlns:a16="http://schemas.microsoft.com/office/drawing/2014/main" id="{FD2C6B6D-A346-7180-2404-9A63AA38D5A4}"/>
-              </a:ext>
-            </a:extLst>
-          </p:cNvPr>
-          <p:cNvSpPr/>
-          <p:nvPr/>
-        </p:nvSpPr>
-        <p:spPr>
-          <a:xfrm>
-            <a:off x="5825996" y="2095500"/>
-            <a:ext cx="540000" cy="108000"/>
-          </a:xfrm>
-          <a:prstGeom prst="flowChartMerge">
-            <a:avLst/>
-          </a:prstGeom>
-          <a:solidFill>
-            <a:schemeClr val="tx1">
-              <a:alpha val="56000"/>
-            </a:schemeClr>
-          </a:solidFill>
-          <a:ln>
-            <a:noFill/>
-          </a:ln>
-        </p:spPr>
-        <p:style>
-          <a:lnRef idx="2">
-            <a:schemeClr val="accent1">
-              <a:shade val="15000"/>
-            </a:schemeClr>
-          </a:lnRef>
-          <a:fillRef idx="1">
-            <a:schemeClr val="accent1"/>
-          </a:fillRef>
-          <a:effectRef idx="0">
-            <a:schemeClr val="accent1"/>
-          </a:effectRef>
-          <a:fontRef idx="minor">
-            <a:schemeClr val="lt1"/>
-          </a:fontRef>
-        </p:style>
-        <p:txBody>
-          <a:bodyPr rtlCol="0" anchor="ctr"/>
-          <a:lstStyle/>
-          <a:p>
-            <a:pPr algn="ctr"/>
-            <a:endParaRPr lang="ko-KR" altLang="en-US"/>
-          </a:p>
-        </p:txBody>
-      </p:sp>
-      <p:sp>
-        <p:nvSpPr>
-          <p:cNvPr id="10" name="순서도: 병합 9">
-            <a:extLst>
-              <a:ext uri="{FF2B5EF4-FFF2-40B4-BE49-F238E27FC236}">
-                <a16:creationId xmlns:a16="http://schemas.microsoft.com/office/drawing/2014/main" id="{9987C965-6FF2-D23A-E216-775C8E052184}"/>
-              </a:ext>
-            </a:extLst>
-          </p:cNvPr>
-          <p:cNvSpPr/>
-          <p:nvPr/>
-        </p:nvSpPr>
-        <p:spPr>
-          <a:xfrm>
-            <a:off x="5825996" y="4279477"/>
-            <a:ext cx="540000" cy="108000"/>
-          </a:xfrm>
-          <a:prstGeom prst="flowChartMerge">
-            <a:avLst/>
-          </a:prstGeom>
-          <a:solidFill>
-            <a:schemeClr val="tx1">
-              <a:alpha val="56000"/>
-            </a:schemeClr>
-          </a:solidFill>
-          <a:ln>
-            <a:noFill/>
-          </a:ln>
-        </p:spPr>
-        <p:style>
-          <a:lnRef idx="2">
-            <a:schemeClr val="accent1">
-              <a:shade val="15000"/>
-            </a:schemeClr>
-          </a:lnRef>
-          <a:fillRef idx="1">
-            <a:schemeClr val="accent1"/>
-          </a:fillRef>
-          <a:effectRef idx="0">
-            <a:schemeClr val="accent1"/>
-          </a:effectRef>
-          <a:fontRef idx="minor">
-            <a:schemeClr val="lt1"/>
-          </a:fontRef>
-        </p:style>
-        <p:txBody>
-          <a:bodyPr rtlCol="0" anchor="ctr"/>
-          <a:lstStyle/>
-          <a:p>
-            <a:pPr algn="ctr"/>
-            <a:endParaRPr lang="ko-KR" altLang="en-US"/>
-          </a:p>
-        </p:txBody>
-      </p:sp>
-      <p:sp>
-        <p:nvSpPr>
-          <p:cNvPr id="11" name="사각형: 둥근 모서리 10">
-            <a:extLst>
-              <a:ext uri="{FF2B5EF4-FFF2-40B4-BE49-F238E27FC236}">
-                <a16:creationId xmlns:a16="http://schemas.microsoft.com/office/drawing/2014/main" id="{2C97DE32-B7DF-4F0B-F75E-43137C7E6449}"/>
-              </a:ext>
-            </a:extLst>
-          </p:cNvPr>
-          <p:cNvSpPr/>
-          <p:nvPr/>
-        </p:nvSpPr>
-        <p:spPr>
-          <a:xfrm>
-            <a:off x="3467100" y="2724150"/>
-            <a:ext cx="5334000" cy="1181100"/>
-          </a:xfrm>
-          <a:prstGeom prst="roundRect">
-            <a:avLst/>
-          </a:prstGeom>
-          <a:noFill/>
-          <a:ln>
-            <a:solidFill>
-              <a:schemeClr val="bg1">
-                <a:lumMod val="85000"/>
-              </a:schemeClr>
-            </a:solidFill>
-            <a:prstDash val="dash"/>
-          </a:ln>
-        </p:spPr>
-        <p:style>
-          <a:lnRef idx="2">
-            <a:schemeClr val="accent1">
-              <a:shade val="15000"/>
-            </a:schemeClr>
-          </a:lnRef>
-          <a:fillRef idx="1">
-            <a:schemeClr val="accent1"/>
-          </a:fillRef>
-          <a:effectRef idx="0">
-            <a:schemeClr val="accent1"/>
-          </a:effectRef>
-          <a:fontRef idx="minor">
-            <a:schemeClr val="lt1"/>
-          </a:fontRef>
-        </p:style>
-        <p:txBody>
-          <a:bodyPr rtlCol="0" anchor="ctr"/>
-          <a:lstStyle/>
-          <a:p>
-            <a:pPr algn="ctr"/>
-            <a:endParaRPr lang="ko-KR" altLang="en-US"/>
-          </a:p>
-        </p:txBody>
-      </p:sp>
-    </p:spTree>
-    <p:extLst>
-      <p:ext uri="{BB962C8B-B14F-4D97-AF65-F5344CB8AC3E}">
-        <p14:creationId xmlns:p14="http://schemas.microsoft.com/office/powerpoint/2010/main" val="132232917"/>
-      </p:ext>
-    </p:extLst>
-  </p:cSld>
-  <p:clrMapOvr>
-    <a:masterClrMapping/>
-  </p:clrMapOvr>
-</p:sld>
-</file>
-
 <file path=ppt/theme/theme1.xml><?xml version="1.0" encoding="utf-8"?>
 <a:theme xmlns:a="http://schemas.openxmlformats.org/drawingml/2006/main" name="Office 테마">
   <a:themeElements>

--- a/H_BimNote/logo.pptx
+++ b/H_BimNote/logo.pptx
@@ -4,6 +4,9 @@
   <p:sldMasterIdLst>
     <p:sldMasterId id="2147483648" r:id="rId1"/>
   </p:sldMasterIdLst>
+  <p:notesMasterIdLst>
+    <p:notesMasterId r:id="rId17"/>
+  </p:notesMasterIdLst>
   <p:sldIdLst>
     <p:sldId id="256" r:id="rId2"/>
     <p:sldId id="257" r:id="rId3"/>
@@ -12,12 +15,14 @@
     <p:sldId id="266" r:id="rId6"/>
     <p:sldId id="268" r:id="rId7"/>
     <p:sldId id="269" r:id="rId8"/>
-    <p:sldId id="263" r:id="rId9"/>
-    <p:sldId id="264" r:id="rId10"/>
-    <p:sldId id="267" r:id="rId11"/>
-    <p:sldId id="265" r:id="rId12"/>
-    <p:sldId id="260" r:id="rId13"/>
-    <p:sldId id="262" r:id="rId14"/>
+    <p:sldId id="270" r:id="rId9"/>
+    <p:sldId id="271" r:id="rId10"/>
+    <p:sldId id="263" r:id="rId11"/>
+    <p:sldId id="264" r:id="rId12"/>
+    <p:sldId id="267" r:id="rId13"/>
+    <p:sldId id="265" r:id="rId14"/>
+    <p:sldId id="260" r:id="rId15"/>
+    <p:sldId id="262" r:id="rId16"/>
   </p:sldIdLst>
   <p:sldSz cx="12192000" cy="6858000"/>
   <p:notesSz cx="6858000" cy="9144000"/>
@@ -124,6 +129,439 @@
 </p:presentation>
 </file>
 
+<file path=ppt/notesMasters/notesMaster1.xml><?xml version="1.0" encoding="utf-8"?>
+<p:notesMaster xmlns:a="http://schemas.openxmlformats.org/drawingml/2006/main" xmlns:r="http://schemas.openxmlformats.org/officeDocument/2006/relationships" xmlns:p="http://schemas.openxmlformats.org/presentationml/2006/main">
+  <p:cSld>
+    <p:bg>
+      <p:bgRef idx="1001">
+        <a:schemeClr val="bg1"/>
+      </p:bgRef>
+    </p:bg>
+    <p:spTree>
+      <p:nvGrpSpPr>
+        <p:cNvPr id="1" name=""/>
+        <p:cNvGrpSpPr/>
+        <p:nvPr/>
+      </p:nvGrpSpPr>
+      <p:grpSpPr>
+        <a:xfrm>
+          <a:off x="0" y="0"/>
+          <a:ext cx="0" cy="0"/>
+          <a:chOff x="0" y="0"/>
+          <a:chExt cx="0" cy="0"/>
+        </a:xfrm>
+      </p:grpSpPr>
+      <p:sp>
+        <p:nvSpPr>
+          <p:cNvPr id="2" name="머리글 개체 틀 1"/>
+          <p:cNvSpPr>
+            <a:spLocks noGrp="1"/>
+          </p:cNvSpPr>
+          <p:nvPr>
+            <p:ph type="hdr" sz="quarter"/>
+          </p:nvPr>
+        </p:nvSpPr>
+        <p:spPr>
+          <a:xfrm>
+            <a:off x="0" y="0"/>
+            <a:ext cx="2971800" cy="458788"/>
+          </a:xfrm>
+          <a:prstGeom prst="rect">
+            <a:avLst/>
+          </a:prstGeom>
+        </p:spPr>
+        <p:txBody>
+          <a:bodyPr vert="horz" lIns="91440" tIns="45720" rIns="91440" bIns="45720" rtlCol="0"/>
+          <a:lstStyle>
+            <a:lvl1pPr algn="l">
+              <a:defRPr sz="1200"/>
+            </a:lvl1pPr>
+          </a:lstStyle>
+          <a:p>
+            <a:endParaRPr lang="ko-KR" altLang="en-US"/>
+          </a:p>
+        </p:txBody>
+      </p:sp>
+      <p:sp>
+        <p:nvSpPr>
+          <p:cNvPr id="3" name="날짜 개체 틀 2"/>
+          <p:cNvSpPr>
+            <a:spLocks noGrp="1"/>
+          </p:cNvSpPr>
+          <p:nvPr>
+            <p:ph type="dt" idx="1"/>
+          </p:nvPr>
+        </p:nvSpPr>
+        <p:spPr>
+          <a:xfrm>
+            <a:off x="3884613" y="0"/>
+            <a:ext cx="2971800" cy="458788"/>
+          </a:xfrm>
+          <a:prstGeom prst="rect">
+            <a:avLst/>
+          </a:prstGeom>
+        </p:spPr>
+        <p:txBody>
+          <a:bodyPr vert="horz" lIns="91440" tIns="45720" rIns="91440" bIns="45720" rtlCol="0"/>
+          <a:lstStyle>
+            <a:lvl1pPr algn="r">
+              <a:defRPr sz="1200"/>
+            </a:lvl1pPr>
+          </a:lstStyle>
+          <a:p>
+            <a:fld id="{48AAFD3A-D167-4B0E-814F-9B02F0F068BF}" type="datetimeFigureOut">
+              <a:rPr lang="ko-KR" altLang="en-US" smtClean="0"/>
+              <a:t>2025-02-22</a:t>
+            </a:fld>
+            <a:endParaRPr lang="ko-KR" altLang="en-US"/>
+          </a:p>
+        </p:txBody>
+      </p:sp>
+      <p:sp>
+        <p:nvSpPr>
+          <p:cNvPr id="4" name="슬라이드 이미지 개체 틀 3"/>
+          <p:cNvSpPr>
+            <a:spLocks noGrp="1" noRot="1" noChangeAspect="1"/>
+          </p:cNvSpPr>
+          <p:nvPr>
+            <p:ph type="sldImg" idx="2"/>
+          </p:nvPr>
+        </p:nvSpPr>
+        <p:spPr>
+          <a:xfrm>
+            <a:off x="685800" y="1143000"/>
+            <a:ext cx="5486400" cy="3086100"/>
+          </a:xfrm>
+          <a:prstGeom prst="rect">
+            <a:avLst/>
+          </a:prstGeom>
+          <a:noFill/>
+          <a:ln w="12700">
+            <a:solidFill>
+              <a:prstClr val="black"/>
+            </a:solidFill>
+          </a:ln>
+        </p:spPr>
+        <p:txBody>
+          <a:bodyPr vert="horz" lIns="91440" tIns="45720" rIns="91440" bIns="45720" rtlCol="0" anchor="ctr"/>
+          <a:lstStyle/>
+          <a:p>
+            <a:endParaRPr lang="ko-KR" altLang="en-US"/>
+          </a:p>
+        </p:txBody>
+      </p:sp>
+      <p:sp>
+        <p:nvSpPr>
+          <p:cNvPr id="5" name="슬라이드 노트 개체 틀 4"/>
+          <p:cNvSpPr>
+            <a:spLocks noGrp="1"/>
+          </p:cNvSpPr>
+          <p:nvPr>
+            <p:ph type="body" sz="quarter" idx="3"/>
+          </p:nvPr>
+        </p:nvSpPr>
+        <p:spPr>
+          <a:xfrm>
+            <a:off x="685800" y="4400550"/>
+            <a:ext cx="5486400" cy="3600450"/>
+          </a:xfrm>
+          <a:prstGeom prst="rect">
+            <a:avLst/>
+          </a:prstGeom>
+        </p:spPr>
+        <p:txBody>
+          <a:bodyPr vert="horz" lIns="91440" tIns="45720" rIns="91440" bIns="45720" rtlCol="0"/>
+          <a:lstStyle/>
+          <a:p>
+            <a:pPr lvl="0"/>
+            <a:r>
+              <a:rPr lang="ko-KR" altLang="en-US"/>
+              <a:t>마스터 텍스트 스타일을 편집하려면 클릭</a:t>
+            </a:r>
+          </a:p>
+          <a:p>
+            <a:pPr lvl="1"/>
+            <a:r>
+              <a:rPr lang="ko-KR" altLang="en-US"/>
+              <a:t>두 번째 수준</a:t>
+            </a:r>
+          </a:p>
+          <a:p>
+            <a:pPr lvl="2"/>
+            <a:r>
+              <a:rPr lang="ko-KR" altLang="en-US"/>
+              <a:t>세 번째 수준</a:t>
+            </a:r>
+          </a:p>
+          <a:p>
+            <a:pPr lvl="3"/>
+            <a:r>
+              <a:rPr lang="ko-KR" altLang="en-US"/>
+              <a:t>네 번째 수준</a:t>
+            </a:r>
+          </a:p>
+          <a:p>
+            <a:pPr lvl="4"/>
+            <a:r>
+              <a:rPr lang="ko-KR" altLang="en-US"/>
+              <a:t>다섯 번째 수준</a:t>
+            </a:r>
+          </a:p>
+        </p:txBody>
+      </p:sp>
+      <p:sp>
+        <p:nvSpPr>
+          <p:cNvPr id="6" name="바닥글 개체 틀 5"/>
+          <p:cNvSpPr>
+            <a:spLocks noGrp="1"/>
+          </p:cNvSpPr>
+          <p:nvPr>
+            <p:ph type="ftr" sz="quarter" idx="4"/>
+          </p:nvPr>
+        </p:nvSpPr>
+        <p:spPr>
+          <a:xfrm>
+            <a:off x="0" y="8685213"/>
+            <a:ext cx="2971800" cy="458787"/>
+          </a:xfrm>
+          <a:prstGeom prst="rect">
+            <a:avLst/>
+          </a:prstGeom>
+        </p:spPr>
+        <p:txBody>
+          <a:bodyPr vert="horz" lIns="91440" tIns="45720" rIns="91440" bIns="45720" rtlCol="0" anchor="b"/>
+          <a:lstStyle>
+            <a:lvl1pPr algn="l">
+              <a:defRPr sz="1200"/>
+            </a:lvl1pPr>
+          </a:lstStyle>
+          <a:p>
+            <a:endParaRPr lang="ko-KR" altLang="en-US"/>
+          </a:p>
+        </p:txBody>
+      </p:sp>
+      <p:sp>
+        <p:nvSpPr>
+          <p:cNvPr id="7" name="슬라이드 번호 개체 틀 6"/>
+          <p:cNvSpPr>
+            <a:spLocks noGrp="1"/>
+          </p:cNvSpPr>
+          <p:nvPr>
+            <p:ph type="sldNum" sz="quarter" idx="5"/>
+          </p:nvPr>
+        </p:nvSpPr>
+        <p:spPr>
+          <a:xfrm>
+            <a:off x="3884613" y="8685213"/>
+            <a:ext cx="2971800" cy="458787"/>
+          </a:xfrm>
+          <a:prstGeom prst="rect">
+            <a:avLst/>
+          </a:prstGeom>
+        </p:spPr>
+        <p:txBody>
+          <a:bodyPr vert="horz" lIns="91440" tIns="45720" rIns="91440" bIns="45720" rtlCol="0" anchor="b"/>
+          <a:lstStyle>
+            <a:lvl1pPr algn="r">
+              <a:defRPr sz="1200"/>
+            </a:lvl1pPr>
+          </a:lstStyle>
+          <a:p>
+            <a:fld id="{89A6BBCC-7048-4466-966E-DDFBAF952D20}" type="slidenum">
+              <a:rPr lang="ko-KR" altLang="en-US" smtClean="0"/>
+              <a:t>‹#›</a:t>
+            </a:fld>
+            <a:endParaRPr lang="ko-KR" altLang="en-US"/>
+          </a:p>
+        </p:txBody>
+      </p:sp>
+    </p:spTree>
+    <p:extLst>
+      <p:ext uri="{BB962C8B-B14F-4D97-AF65-F5344CB8AC3E}">
+        <p14:creationId xmlns:p14="http://schemas.microsoft.com/office/powerpoint/2010/main" val="2323292631"/>
+      </p:ext>
+    </p:extLst>
+  </p:cSld>
+  <p:clrMap bg1="lt1" tx1="dk1" bg2="lt2" tx2="dk2" accent1="accent1" accent2="accent2" accent3="accent3" accent4="accent4" accent5="accent5" accent6="accent6" hlink="hlink" folHlink="folHlink"/>
+  <p:notesStyle>
+    <a:lvl1pPr marL="0" algn="l" defTabSz="914400" rtl="0" eaLnBrk="1" latinLnBrk="1" hangingPunct="1">
+      <a:defRPr sz="1200" kern="1200">
+        <a:solidFill>
+          <a:schemeClr val="tx1"/>
+        </a:solidFill>
+        <a:latin typeface="+mn-lt"/>
+        <a:ea typeface="+mn-ea"/>
+        <a:cs typeface="+mn-cs"/>
+      </a:defRPr>
+    </a:lvl1pPr>
+    <a:lvl2pPr marL="457200" algn="l" defTabSz="914400" rtl="0" eaLnBrk="1" latinLnBrk="1" hangingPunct="1">
+      <a:defRPr sz="1200" kern="1200">
+        <a:solidFill>
+          <a:schemeClr val="tx1"/>
+        </a:solidFill>
+        <a:latin typeface="+mn-lt"/>
+        <a:ea typeface="+mn-ea"/>
+        <a:cs typeface="+mn-cs"/>
+      </a:defRPr>
+    </a:lvl2pPr>
+    <a:lvl3pPr marL="914400" algn="l" defTabSz="914400" rtl="0" eaLnBrk="1" latinLnBrk="1" hangingPunct="1">
+      <a:defRPr sz="1200" kern="1200">
+        <a:solidFill>
+          <a:schemeClr val="tx1"/>
+        </a:solidFill>
+        <a:latin typeface="+mn-lt"/>
+        <a:ea typeface="+mn-ea"/>
+        <a:cs typeface="+mn-cs"/>
+      </a:defRPr>
+    </a:lvl3pPr>
+    <a:lvl4pPr marL="1371600" algn="l" defTabSz="914400" rtl="0" eaLnBrk="1" latinLnBrk="1" hangingPunct="1">
+      <a:defRPr sz="1200" kern="1200">
+        <a:solidFill>
+          <a:schemeClr val="tx1"/>
+        </a:solidFill>
+        <a:latin typeface="+mn-lt"/>
+        <a:ea typeface="+mn-ea"/>
+        <a:cs typeface="+mn-cs"/>
+      </a:defRPr>
+    </a:lvl4pPr>
+    <a:lvl5pPr marL="1828800" algn="l" defTabSz="914400" rtl="0" eaLnBrk="1" latinLnBrk="1" hangingPunct="1">
+      <a:defRPr sz="1200" kern="1200">
+        <a:solidFill>
+          <a:schemeClr val="tx1"/>
+        </a:solidFill>
+        <a:latin typeface="+mn-lt"/>
+        <a:ea typeface="+mn-ea"/>
+        <a:cs typeface="+mn-cs"/>
+      </a:defRPr>
+    </a:lvl5pPr>
+    <a:lvl6pPr marL="2286000" algn="l" defTabSz="914400" rtl="0" eaLnBrk="1" latinLnBrk="1" hangingPunct="1">
+      <a:defRPr sz="1200" kern="1200">
+        <a:solidFill>
+          <a:schemeClr val="tx1"/>
+        </a:solidFill>
+        <a:latin typeface="+mn-lt"/>
+        <a:ea typeface="+mn-ea"/>
+        <a:cs typeface="+mn-cs"/>
+      </a:defRPr>
+    </a:lvl6pPr>
+    <a:lvl7pPr marL="2743200" algn="l" defTabSz="914400" rtl="0" eaLnBrk="1" latinLnBrk="1" hangingPunct="1">
+      <a:defRPr sz="1200" kern="1200">
+        <a:solidFill>
+          <a:schemeClr val="tx1"/>
+        </a:solidFill>
+        <a:latin typeface="+mn-lt"/>
+        <a:ea typeface="+mn-ea"/>
+        <a:cs typeface="+mn-cs"/>
+      </a:defRPr>
+    </a:lvl7pPr>
+    <a:lvl8pPr marL="3200400" algn="l" defTabSz="914400" rtl="0" eaLnBrk="1" latinLnBrk="1" hangingPunct="1">
+      <a:defRPr sz="1200" kern="1200">
+        <a:solidFill>
+          <a:schemeClr val="tx1"/>
+        </a:solidFill>
+        <a:latin typeface="+mn-lt"/>
+        <a:ea typeface="+mn-ea"/>
+        <a:cs typeface="+mn-cs"/>
+      </a:defRPr>
+    </a:lvl8pPr>
+    <a:lvl9pPr marL="3657600" algn="l" defTabSz="914400" rtl="0" eaLnBrk="1" latinLnBrk="1" hangingPunct="1">
+      <a:defRPr sz="1200" kern="1200">
+        <a:solidFill>
+          <a:schemeClr val="tx1"/>
+        </a:solidFill>
+        <a:latin typeface="+mn-lt"/>
+        <a:ea typeface="+mn-ea"/>
+        <a:cs typeface="+mn-cs"/>
+      </a:defRPr>
+    </a:lvl9pPr>
+  </p:notesStyle>
+</p:notesMaster>
+</file>
+
+<file path=ppt/notesSlides/notesSlide1.xml><?xml version="1.0" encoding="utf-8"?>
+<p:notes xmlns:a="http://schemas.openxmlformats.org/drawingml/2006/main" xmlns:r="http://schemas.openxmlformats.org/officeDocument/2006/relationships" xmlns:p="http://schemas.openxmlformats.org/presentationml/2006/main">
+  <p:cSld>
+    <p:spTree>
+      <p:nvGrpSpPr>
+        <p:cNvPr id="1" name=""/>
+        <p:cNvGrpSpPr/>
+        <p:nvPr/>
+      </p:nvGrpSpPr>
+      <p:grpSpPr>
+        <a:xfrm>
+          <a:off x="0" y="0"/>
+          <a:ext cx="0" cy="0"/>
+          <a:chOff x="0" y="0"/>
+          <a:chExt cx="0" cy="0"/>
+        </a:xfrm>
+      </p:grpSpPr>
+      <p:sp>
+        <p:nvSpPr>
+          <p:cNvPr id="2" name="슬라이드 이미지 개체 틀 1"/>
+          <p:cNvSpPr>
+            <a:spLocks noGrp="1" noRot="1" noChangeAspect="1"/>
+          </p:cNvSpPr>
+          <p:nvPr>
+            <p:ph type="sldImg"/>
+          </p:nvPr>
+        </p:nvSpPr>
+        <p:spPr/>
+      </p:sp>
+      <p:sp>
+        <p:nvSpPr>
+          <p:cNvPr id="3" name="슬라이드 노트 개체 틀 2"/>
+          <p:cNvSpPr>
+            <a:spLocks noGrp="1"/>
+          </p:cNvSpPr>
+          <p:nvPr>
+            <p:ph type="body" idx="1"/>
+          </p:nvPr>
+        </p:nvSpPr>
+        <p:spPr/>
+        <p:txBody>
+          <a:bodyPr/>
+          <a:lstStyle/>
+          <a:p>
+            <a:endParaRPr lang="ko-KR" altLang="en-US" dirty="0"/>
+          </a:p>
+        </p:txBody>
+      </p:sp>
+      <p:sp>
+        <p:nvSpPr>
+          <p:cNvPr id="4" name="슬라이드 번호 개체 틀 3"/>
+          <p:cNvSpPr>
+            <a:spLocks noGrp="1"/>
+          </p:cNvSpPr>
+          <p:nvPr>
+            <p:ph type="sldNum" sz="quarter" idx="5"/>
+          </p:nvPr>
+        </p:nvSpPr>
+        <p:spPr/>
+        <p:txBody>
+          <a:bodyPr/>
+          <a:lstStyle/>
+          <a:p>
+            <a:fld id="{89A6BBCC-7048-4466-966E-DDFBAF952D20}" type="slidenum">
+              <a:rPr lang="ko-KR" altLang="en-US" smtClean="0"/>
+              <a:t>8</a:t>
+            </a:fld>
+            <a:endParaRPr lang="ko-KR" altLang="en-US"/>
+          </a:p>
+        </p:txBody>
+      </p:sp>
+    </p:spTree>
+    <p:extLst>
+      <p:ext uri="{BB962C8B-B14F-4D97-AF65-F5344CB8AC3E}">
+        <p14:creationId xmlns:p14="http://schemas.microsoft.com/office/powerpoint/2010/main" val="4243492924"/>
+      </p:ext>
+    </p:extLst>
+  </p:cSld>
+  <p:clrMapOvr>
+    <a:masterClrMapping/>
+  </p:clrMapOvr>
+</p:notes>
+</file>
+
 <file path=ppt/slideLayouts/slideLayout1.xml><?xml version="1.0" encoding="utf-8"?>
 <p:sldLayout xmlns:a="http://schemas.openxmlformats.org/drawingml/2006/main" xmlns:r="http://schemas.openxmlformats.org/officeDocument/2006/relationships" xmlns:p="http://schemas.openxmlformats.org/presentationml/2006/main" type="title" preserve="1">
   <p:cSld name="제목 슬라이드">
@@ -271,7 +709,7 @@
           <a:p>
             <a:fld id="{A6A5F888-23C1-4C2D-8DA0-CBACC41D9E90}" type="datetimeFigureOut">
               <a:rPr lang="ko-KR" altLang="en-US" smtClean="0"/>
-              <a:t>2025-02-21</a:t>
+              <a:t>2025-02-22</a:t>
             </a:fld>
             <a:endParaRPr lang="ko-KR" altLang="en-US"/>
           </a:p>
@@ -469,7 +907,7 @@
           <a:p>
             <a:fld id="{A6A5F888-23C1-4C2D-8DA0-CBACC41D9E90}" type="datetimeFigureOut">
               <a:rPr lang="ko-KR" altLang="en-US" smtClean="0"/>
-              <a:t>2025-02-21</a:t>
+              <a:t>2025-02-22</a:t>
             </a:fld>
             <a:endParaRPr lang="ko-KR" altLang="en-US"/>
           </a:p>
@@ -677,7 +1115,7 @@
           <a:p>
             <a:fld id="{A6A5F888-23C1-4C2D-8DA0-CBACC41D9E90}" type="datetimeFigureOut">
               <a:rPr lang="ko-KR" altLang="en-US" smtClean="0"/>
-              <a:t>2025-02-21</a:t>
+              <a:t>2025-02-22</a:t>
             </a:fld>
             <a:endParaRPr lang="ko-KR" altLang="en-US"/>
           </a:p>
@@ -875,7 +1313,7 @@
           <a:p>
             <a:fld id="{A6A5F888-23C1-4C2D-8DA0-CBACC41D9E90}" type="datetimeFigureOut">
               <a:rPr lang="ko-KR" altLang="en-US" smtClean="0"/>
-              <a:t>2025-02-21</a:t>
+              <a:t>2025-02-22</a:t>
             </a:fld>
             <a:endParaRPr lang="ko-KR" altLang="en-US"/>
           </a:p>
@@ -1150,7 +1588,7 @@
           <a:p>
             <a:fld id="{A6A5F888-23C1-4C2D-8DA0-CBACC41D9E90}" type="datetimeFigureOut">
               <a:rPr lang="ko-KR" altLang="en-US" smtClean="0"/>
-              <a:t>2025-02-21</a:t>
+              <a:t>2025-02-22</a:t>
             </a:fld>
             <a:endParaRPr lang="ko-KR" altLang="en-US"/>
           </a:p>
@@ -1415,7 +1853,7 @@
           <a:p>
             <a:fld id="{A6A5F888-23C1-4C2D-8DA0-CBACC41D9E90}" type="datetimeFigureOut">
               <a:rPr lang="ko-KR" altLang="en-US" smtClean="0"/>
-              <a:t>2025-02-21</a:t>
+              <a:t>2025-02-22</a:t>
             </a:fld>
             <a:endParaRPr lang="ko-KR" altLang="en-US"/>
           </a:p>
@@ -1827,7 +2265,7 @@
           <a:p>
             <a:fld id="{A6A5F888-23C1-4C2D-8DA0-CBACC41D9E90}" type="datetimeFigureOut">
               <a:rPr lang="ko-KR" altLang="en-US" smtClean="0"/>
-              <a:t>2025-02-21</a:t>
+              <a:t>2025-02-22</a:t>
             </a:fld>
             <a:endParaRPr lang="ko-KR" altLang="en-US"/>
           </a:p>
@@ -1968,7 +2406,7 @@
           <a:p>
             <a:fld id="{A6A5F888-23C1-4C2D-8DA0-CBACC41D9E90}" type="datetimeFigureOut">
               <a:rPr lang="ko-KR" altLang="en-US" smtClean="0"/>
-              <a:t>2025-02-21</a:t>
+              <a:t>2025-02-22</a:t>
             </a:fld>
             <a:endParaRPr lang="ko-KR" altLang="en-US"/>
           </a:p>
@@ -2081,7 +2519,7 @@
           <a:p>
             <a:fld id="{A6A5F888-23C1-4C2D-8DA0-CBACC41D9E90}" type="datetimeFigureOut">
               <a:rPr lang="ko-KR" altLang="en-US" smtClean="0"/>
-              <a:t>2025-02-21</a:t>
+              <a:t>2025-02-22</a:t>
             </a:fld>
             <a:endParaRPr lang="ko-KR" altLang="en-US"/>
           </a:p>
@@ -2392,7 +2830,7 @@
           <a:p>
             <a:fld id="{A6A5F888-23C1-4C2D-8DA0-CBACC41D9E90}" type="datetimeFigureOut">
               <a:rPr lang="ko-KR" altLang="en-US" smtClean="0"/>
-              <a:t>2025-02-21</a:t>
+              <a:t>2025-02-22</a:t>
             </a:fld>
             <a:endParaRPr lang="ko-KR" altLang="en-US"/>
           </a:p>
@@ -2680,7 +3118,7 @@
           <a:p>
             <a:fld id="{A6A5F888-23C1-4C2D-8DA0-CBACC41D9E90}" type="datetimeFigureOut">
               <a:rPr lang="ko-KR" altLang="en-US" smtClean="0"/>
-              <a:t>2025-02-21</a:t>
+              <a:t>2025-02-22</a:t>
             </a:fld>
             <a:endParaRPr lang="ko-KR" altLang="en-US"/>
           </a:p>
@@ -2921,7 +3359,7 @@
           <a:p>
             <a:fld id="{A6A5F888-23C1-4C2D-8DA0-CBACC41D9E90}" type="datetimeFigureOut">
               <a:rPr lang="ko-KR" altLang="en-US" smtClean="0"/>
-              <a:t>2025-02-21</a:t>
+              <a:t>2025-02-22</a:t>
             </a:fld>
             <a:endParaRPr lang="ko-KR" altLang="en-US"/>
           </a:p>
@@ -5971,6 +6409,459 @@
   <p:cSld>
     <p:spTree>
       <p:nvGrpSpPr>
+        <p:cNvPr id="1" name="">
+          <a:extLst>
+            <a:ext uri="{FF2B5EF4-FFF2-40B4-BE49-F238E27FC236}">
+              <a16:creationId xmlns:a16="http://schemas.microsoft.com/office/drawing/2014/main" id="{9D88C5CB-7AD4-2BCB-A500-FC8F22CD8424}"/>
+            </a:ext>
+          </a:extLst>
+        </p:cNvPr>
+        <p:cNvGrpSpPr/>
+        <p:nvPr/>
+      </p:nvGrpSpPr>
+      <p:grpSpPr>
+        <a:xfrm>
+          <a:off x="0" y="0"/>
+          <a:ext cx="0" cy="0"/>
+          <a:chOff x="0" y="0"/>
+          <a:chExt cx="0" cy="0"/>
+        </a:xfrm>
+      </p:grpSpPr>
+      <p:sp>
+        <p:nvSpPr>
+          <p:cNvPr id="51" name="직사각형 50">
+            <a:extLst>
+              <a:ext uri="{FF2B5EF4-FFF2-40B4-BE49-F238E27FC236}">
+                <a16:creationId xmlns:a16="http://schemas.microsoft.com/office/drawing/2014/main" id="{FDC4B374-2D5C-891B-C2C1-BF299111421F}"/>
+              </a:ext>
+            </a:extLst>
+          </p:cNvPr>
+          <p:cNvSpPr/>
+          <p:nvPr/>
+        </p:nvSpPr>
+        <p:spPr>
+          <a:xfrm>
+            <a:off x="1087437" y="1314450"/>
+            <a:ext cx="7599363" cy="4229098"/>
+          </a:xfrm>
+          <a:prstGeom prst="rect">
+            <a:avLst/>
+          </a:prstGeom>
+          <a:solidFill>
+            <a:schemeClr val="accent2">
+              <a:lumMod val="40000"/>
+              <a:lumOff val="60000"/>
+              <a:alpha val="26000"/>
+            </a:schemeClr>
+          </a:solidFill>
+          <a:ln>
+            <a:noFill/>
+          </a:ln>
+        </p:spPr>
+        <p:style>
+          <a:lnRef idx="2">
+            <a:schemeClr val="accent1">
+              <a:shade val="15000"/>
+            </a:schemeClr>
+          </a:lnRef>
+          <a:fillRef idx="1">
+            <a:schemeClr val="accent1"/>
+          </a:fillRef>
+          <a:effectRef idx="0">
+            <a:schemeClr val="accent1"/>
+          </a:effectRef>
+          <a:fontRef idx="minor">
+            <a:schemeClr val="lt1"/>
+          </a:fontRef>
+        </p:style>
+        <p:txBody>
+          <a:bodyPr rtlCol="0" anchor="ctr"/>
+          <a:lstStyle/>
+          <a:p>
+            <a:pPr algn="ctr"/>
+            <a:endParaRPr lang="ko-KR" altLang="en-US" dirty="0"/>
+          </a:p>
+        </p:txBody>
+      </p:sp>
+      <p:pic>
+        <p:nvPicPr>
+          <p:cNvPr id="50" name="그림 49">
+            <a:extLst>
+              <a:ext uri="{FF2B5EF4-FFF2-40B4-BE49-F238E27FC236}">
+                <a16:creationId xmlns:a16="http://schemas.microsoft.com/office/drawing/2014/main" id="{FF7BEF90-CAA5-9244-78FD-6FEF8B57B9E5}"/>
+              </a:ext>
+            </a:extLst>
+          </p:cNvPr>
+          <p:cNvPicPr>
+            <a:picLocks noChangeAspect="1"/>
+          </p:cNvPicPr>
+          <p:nvPr/>
+        </p:nvPicPr>
+        <p:blipFill>
+          <a:blip r:embed="rId2"/>
+          <a:stretch>
+            <a:fillRect/>
+          </a:stretch>
+        </p:blipFill>
+        <p:spPr>
+          <a:xfrm>
+            <a:off x="1445660" y="1886578"/>
+            <a:ext cx="2493480" cy="3084843"/>
+          </a:xfrm>
+          <a:prstGeom prst="rect">
+            <a:avLst/>
+          </a:prstGeom>
+        </p:spPr>
+      </p:pic>
+      <p:sp>
+        <p:nvSpPr>
+          <p:cNvPr id="53" name="TextBox 52">
+            <a:extLst>
+              <a:ext uri="{FF2B5EF4-FFF2-40B4-BE49-F238E27FC236}">
+                <a16:creationId xmlns:a16="http://schemas.microsoft.com/office/drawing/2014/main" id="{68FBD7B9-2C18-1939-0D1E-C2465B410F2C}"/>
+              </a:ext>
+            </a:extLst>
+          </p:cNvPr>
+          <p:cNvSpPr txBox="1"/>
+          <p:nvPr/>
+        </p:nvSpPr>
+        <p:spPr>
+          <a:xfrm>
+            <a:off x="4186790" y="2038204"/>
+            <a:ext cx="4252360" cy="461665"/>
+          </a:xfrm>
+          <a:prstGeom prst="rect">
+            <a:avLst/>
+          </a:prstGeom>
+          <a:noFill/>
+        </p:spPr>
+        <p:txBody>
+          <a:bodyPr wrap="square" rtlCol="0">
+            <a:spAutoFit/>
+          </a:bodyPr>
+          <a:lstStyle/>
+          <a:p>
+            <a:r>
+              <a:rPr lang="en-US" altLang="ko-KR" sz="1200" dirty="0">
+                <a:latin typeface="리디바탕" panose="020B0600000101010101" pitchFamily="34" charset="-127"/>
+                <a:ea typeface="리디바탕" panose="020B0600000101010101" pitchFamily="34" charset="-127"/>
+              </a:rPr>
+              <a:t>Project Standard: Team Standard </a:t>
+            </a:r>
+            <a:r>
+              <a:rPr lang="ko-KR" altLang="en-US" sz="1200" dirty="0">
+                <a:latin typeface="리디바탕" panose="020B0600000101010101" pitchFamily="34" charset="-127"/>
+                <a:ea typeface="리디바탕" panose="020B0600000101010101" pitchFamily="34" charset="-127"/>
+              </a:rPr>
+              <a:t>를 일부 수정하여 </a:t>
+            </a:r>
+            <a:r>
+              <a:rPr lang="en-US" altLang="ko-KR" sz="1200" dirty="0">
+                <a:latin typeface="리디바탕" panose="020B0600000101010101" pitchFamily="34" charset="-127"/>
+                <a:ea typeface="리디바탕" panose="020B0600000101010101" pitchFamily="34" charset="-127"/>
+              </a:rPr>
+              <a:t>Project</a:t>
+            </a:r>
+            <a:r>
+              <a:rPr lang="ko-KR" altLang="en-US" sz="1200" dirty="0">
+                <a:latin typeface="리디바탕" panose="020B0600000101010101" pitchFamily="34" charset="-127"/>
+                <a:ea typeface="리디바탕" panose="020B0600000101010101" pitchFamily="34" charset="-127"/>
+              </a:rPr>
+              <a:t>에 부합하는 </a:t>
+            </a:r>
+            <a:r>
+              <a:rPr lang="en-US" altLang="ko-KR" sz="1200" dirty="0">
+                <a:latin typeface="리디바탕" panose="020B0600000101010101" pitchFamily="34" charset="-127"/>
+                <a:ea typeface="리디바탕" panose="020B0600000101010101" pitchFamily="34" charset="-127"/>
+              </a:rPr>
+              <a:t>WM </a:t>
+            </a:r>
+            <a:r>
+              <a:rPr lang="ko-KR" altLang="en-US" sz="1200" dirty="0">
+                <a:latin typeface="리디바탕" panose="020B0600000101010101" pitchFamily="34" charset="-127"/>
+                <a:ea typeface="리디바탕" panose="020B0600000101010101" pitchFamily="34" charset="-127"/>
+              </a:rPr>
+              <a:t>조합</a:t>
+            </a:r>
+            <a:r>
+              <a:rPr lang="en-US" altLang="ko-KR" sz="1200" dirty="0">
+                <a:latin typeface="리디바탕" panose="020B0600000101010101" pitchFamily="34" charset="-127"/>
+                <a:ea typeface="리디바탕" panose="020B0600000101010101" pitchFamily="34" charset="-127"/>
+              </a:rPr>
+              <a:t> </a:t>
+            </a:r>
+            <a:r>
+              <a:rPr lang="ko-KR" altLang="en-US" sz="1200" dirty="0">
+                <a:latin typeface="리디바탕" panose="020B0600000101010101" pitchFamily="34" charset="-127"/>
+                <a:ea typeface="리디바탕" panose="020B0600000101010101" pitchFamily="34" charset="-127"/>
+              </a:rPr>
+              <a:t>사전 세팅</a:t>
+            </a:r>
+          </a:p>
+        </p:txBody>
+      </p:sp>
+      <p:cxnSp>
+        <p:nvCxnSpPr>
+          <p:cNvPr id="55" name="직선 화살표 연결선 54">
+            <a:extLst>
+              <a:ext uri="{FF2B5EF4-FFF2-40B4-BE49-F238E27FC236}">
+                <a16:creationId xmlns:a16="http://schemas.microsoft.com/office/drawing/2014/main" id="{9559E434-DD1B-8F49-E138-002E7C84710B}"/>
+              </a:ext>
+            </a:extLst>
+          </p:cNvPr>
+          <p:cNvCxnSpPr>
+            <a:cxnSpLocks/>
+          </p:cNvCxnSpPr>
+          <p:nvPr/>
+        </p:nvCxnSpPr>
+        <p:spPr>
+          <a:xfrm>
+            <a:off x="6096000" y="2619375"/>
+            <a:ext cx="0" cy="409575"/>
+          </a:xfrm>
+          <a:prstGeom prst="straightConnector1">
+            <a:avLst/>
+          </a:prstGeom>
+          <a:ln>
+            <a:prstDash val="dash"/>
+            <a:tailEnd type="stealth" w="lg" len="lg"/>
+          </a:ln>
+        </p:spPr>
+        <p:style>
+          <a:lnRef idx="2">
+            <a:schemeClr val="accent1"/>
+          </a:lnRef>
+          <a:fillRef idx="0">
+            <a:schemeClr val="accent1"/>
+          </a:fillRef>
+          <a:effectRef idx="1">
+            <a:schemeClr val="accent1"/>
+          </a:effectRef>
+          <a:fontRef idx="minor">
+            <a:schemeClr val="tx1"/>
+          </a:fontRef>
+        </p:style>
+      </p:cxnSp>
+      <p:sp>
+        <p:nvSpPr>
+          <p:cNvPr id="57" name="TextBox 56">
+            <a:extLst>
+              <a:ext uri="{FF2B5EF4-FFF2-40B4-BE49-F238E27FC236}">
+                <a16:creationId xmlns:a16="http://schemas.microsoft.com/office/drawing/2014/main" id="{E4EEF2AC-A599-A90B-038B-1860FF575A88}"/>
+              </a:ext>
+            </a:extLst>
+          </p:cNvPr>
+          <p:cNvSpPr txBox="1"/>
+          <p:nvPr/>
+        </p:nvSpPr>
+        <p:spPr>
+          <a:xfrm>
+            <a:off x="4186790" y="3205606"/>
+            <a:ext cx="4252360" cy="276999"/>
+          </a:xfrm>
+          <a:prstGeom prst="rect">
+            <a:avLst/>
+          </a:prstGeom>
+          <a:noFill/>
+        </p:spPr>
+        <p:txBody>
+          <a:bodyPr wrap="square" rtlCol="0">
+            <a:spAutoFit/>
+          </a:bodyPr>
+          <a:lstStyle/>
+          <a:p>
+            <a:r>
+              <a:rPr lang="en-US" altLang="ko-KR" sz="1200" dirty="0">
+                <a:latin typeface="리디바탕" panose="020B0600000101010101" pitchFamily="34" charset="-127"/>
+                <a:ea typeface="리디바탕" panose="020B0600000101010101" pitchFamily="34" charset="-127"/>
+              </a:rPr>
+              <a:t>Project Apply 1: </a:t>
+            </a:r>
+            <a:r>
+              <a:rPr lang="ko-KR" altLang="en-US" sz="1200" dirty="0">
+                <a:latin typeface="리디바탕" panose="020B0600000101010101" pitchFamily="34" charset="-127"/>
+                <a:ea typeface="리디바탕" panose="020B0600000101010101" pitchFamily="34" charset="-127"/>
+              </a:rPr>
+              <a:t>프로젝트에 속한 </a:t>
+            </a:r>
+            <a:r>
+              <a:rPr lang="en-US" altLang="ko-KR" sz="1200" dirty="0">
+                <a:latin typeface="리디바탕" panose="020B0600000101010101" pitchFamily="34" charset="-127"/>
+                <a:ea typeface="리디바탕" panose="020B0600000101010101" pitchFamily="34" charset="-127"/>
+              </a:rPr>
+              <a:t>Building </a:t>
+            </a:r>
+            <a:r>
+              <a:rPr lang="ko-KR" altLang="en-US" sz="1200" dirty="0">
+                <a:latin typeface="리디바탕" panose="020B0600000101010101" pitchFamily="34" charset="-127"/>
+                <a:ea typeface="리디바탕" panose="020B0600000101010101" pitchFamily="34" charset="-127"/>
+              </a:rPr>
+              <a:t>명 입력</a:t>
+            </a:r>
+          </a:p>
+        </p:txBody>
+      </p:sp>
+      <p:cxnSp>
+        <p:nvCxnSpPr>
+          <p:cNvPr id="59" name="직선 화살표 연결선 58">
+            <a:extLst>
+              <a:ext uri="{FF2B5EF4-FFF2-40B4-BE49-F238E27FC236}">
+                <a16:creationId xmlns:a16="http://schemas.microsoft.com/office/drawing/2014/main" id="{B593B806-9D2A-827E-8A4B-F9621E76ECA2}"/>
+              </a:ext>
+            </a:extLst>
+          </p:cNvPr>
+          <p:cNvCxnSpPr>
+            <a:cxnSpLocks/>
+          </p:cNvCxnSpPr>
+          <p:nvPr/>
+        </p:nvCxnSpPr>
+        <p:spPr>
+          <a:xfrm>
+            <a:off x="6096000" y="3752850"/>
+            <a:ext cx="0" cy="409575"/>
+          </a:xfrm>
+          <a:prstGeom prst="straightConnector1">
+            <a:avLst/>
+          </a:prstGeom>
+          <a:ln>
+            <a:prstDash val="dash"/>
+            <a:tailEnd type="stealth" w="lg" len="lg"/>
+          </a:ln>
+        </p:spPr>
+        <p:style>
+          <a:lnRef idx="2">
+            <a:schemeClr val="accent1"/>
+          </a:lnRef>
+          <a:fillRef idx="0">
+            <a:schemeClr val="accent1"/>
+          </a:fillRef>
+          <a:effectRef idx="1">
+            <a:schemeClr val="accent1"/>
+          </a:effectRef>
+          <a:fontRef idx="minor">
+            <a:schemeClr val="tx1"/>
+          </a:fontRef>
+        </p:style>
+      </p:cxnSp>
+      <p:sp>
+        <p:nvSpPr>
+          <p:cNvPr id="60" name="TextBox 59">
+            <a:extLst>
+              <a:ext uri="{FF2B5EF4-FFF2-40B4-BE49-F238E27FC236}">
+                <a16:creationId xmlns:a16="http://schemas.microsoft.com/office/drawing/2014/main" id="{2FA587E7-AC00-B690-BE5A-4E30A0234A43}"/>
+              </a:ext>
+            </a:extLst>
+          </p:cNvPr>
+          <p:cNvSpPr txBox="1"/>
+          <p:nvPr/>
+        </p:nvSpPr>
+        <p:spPr>
+          <a:xfrm>
+            <a:off x="4186790" y="4305154"/>
+            <a:ext cx="4252360" cy="461665"/>
+          </a:xfrm>
+          <a:prstGeom prst="rect">
+            <a:avLst/>
+          </a:prstGeom>
+          <a:noFill/>
+        </p:spPr>
+        <p:txBody>
+          <a:bodyPr wrap="square" rtlCol="0">
+            <a:spAutoFit/>
+          </a:bodyPr>
+          <a:lstStyle/>
+          <a:p>
+            <a:r>
+              <a:rPr lang="en-US" altLang="ko-KR" sz="1200" dirty="0">
+                <a:latin typeface="리디바탕" panose="020B0600000101010101" pitchFamily="34" charset="-127"/>
+                <a:ea typeface="리디바탕" panose="020B0600000101010101" pitchFamily="34" charset="-127"/>
+              </a:rPr>
+              <a:t>Project Apply 2: </a:t>
+            </a:r>
+            <a:r>
+              <a:rPr lang="ko-KR" altLang="en-US" sz="1200" dirty="0">
+                <a:latin typeface="리디바탕" panose="020B0600000101010101" pitchFamily="34" charset="-127"/>
+                <a:ea typeface="리디바탕" panose="020B0600000101010101" pitchFamily="34" charset="-127"/>
+              </a:rPr>
+              <a:t>빌딩 별</a:t>
+            </a:r>
+            <a:r>
+              <a:rPr lang="en-US" altLang="ko-KR" sz="1200" dirty="0">
+                <a:latin typeface="리디바탕" panose="020B0600000101010101" pitchFamily="34" charset="-127"/>
+                <a:ea typeface="리디바탕" panose="020B0600000101010101" pitchFamily="34" charset="-127"/>
+              </a:rPr>
+              <a:t>, Project Standard </a:t>
+            </a:r>
+            <a:r>
+              <a:rPr lang="ko-KR" altLang="en-US" sz="1200" dirty="0">
+                <a:latin typeface="리디바탕" panose="020B0600000101010101" pitchFamily="34" charset="-127"/>
+                <a:ea typeface="리디바탕" panose="020B0600000101010101" pitchFamily="34" charset="-127"/>
+              </a:rPr>
+              <a:t>타입에</a:t>
+            </a:r>
+            <a:r>
+              <a:rPr lang="en-US" altLang="ko-KR" sz="1200" dirty="0">
+                <a:latin typeface="리디바탕" panose="020B0600000101010101" pitchFamily="34" charset="-127"/>
+                <a:ea typeface="리디바탕" panose="020B0600000101010101" pitchFamily="34" charset="-127"/>
+              </a:rPr>
+              <a:t> </a:t>
+            </a:r>
+            <a:r>
+              <a:rPr lang="ko-KR" altLang="en-US" sz="1200" dirty="0">
+                <a:latin typeface="리디바탕" panose="020B0600000101010101" pitchFamily="34" charset="-127"/>
+                <a:ea typeface="리디바탕" panose="020B0600000101010101" pitchFamily="34" charset="-127"/>
+              </a:rPr>
+              <a:t>입찰 </a:t>
+            </a:r>
+            <a:r>
+              <a:rPr lang="en-US" altLang="ko-KR" sz="1200" dirty="0">
+                <a:latin typeface="리디바탕" panose="020B0600000101010101" pitchFamily="34" charset="-127"/>
+                <a:ea typeface="리디바탕" panose="020B0600000101010101" pitchFamily="34" charset="-127"/>
+              </a:rPr>
+              <a:t>/ </a:t>
+            </a:r>
+            <a:r>
+              <a:rPr lang="ko-KR" altLang="en-US" sz="1200" dirty="0">
+                <a:latin typeface="리디바탕" panose="020B0600000101010101" pitchFamily="34" charset="-127"/>
+                <a:ea typeface="리디바탕" panose="020B0600000101010101" pitchFamily="34" charset="-127"/>
+              </a:rPr>
+              <a:t>실행 용으로 작성된 </a:t>
+            </a:r>
+            <a:r>
+              <a:rPr lang="en-US" altLang="ko-KR" sz="1200" dirty="0">
+                <a:latin typeface="리디바탕" panose="020B0600000101010101" pitchFamily="34" charset="-127"/>
+                <a:ea typeface="리디바탕" panose="020B0600000101010101" pitchFamily="34" charset="-127"/>
+              </a:rPr>
+              <a:t>Revit </a:t>
+            </a:r>
+            <a:r>
+              <a:rPr lang="ko-KR" altLang="en-US" sz="1200" dirty="0">
+                <a:latin typeface="리디바탕" panose="020B0600000101010101" pitchFamily="34" charset="-127"/>
+                <a:ea typeface="리디바탕" panose="020B0600000101010101" pitchFamily="34" charset="-127"/>
+              </a:rPr>
+              <a:t>타입 매칭</a:t>
+            </a:r>
+          </a:p>
+        </p:txBody>
+      </p:sp>
+    </p:spTree>
+    <p:extLst>
+      <p:ext uri="{BB962C8B-B14F-4D97-AF65-F5344CB8AC3E}">
+        <p14:creationId xmlns:p14="http://schemas.microsoft.com/office/powerpoint/2010/main" val="288011756"/>
+      </p:ext>
+    </p:extLst>
+  </p:cSld>
+  <p:clrMapOvr>
+    <a:masterClrMapping/>
+  </p:clrMapOvr>
+</p:sld>
+</file>
+
+<file path=ppt/slides/slide11.xml><?xml version="1.0" encoding="utf-8"?>
+<p:sld xmlns:a="http://schemas.openxmlformats.org/drawingml/2006/main" xmlns:r="http://schemas.openxmlformats.org/officeDocument/2006/relationships" xmlns:p="http://schemas.openxmlformats.org/presentationml/2006/main">
+  <p:cSld>
+    <p:spTree>
+      <p:nvGrpSpPr>
         <p:cNvPr id="1" name=""/>
         <p:cNvGrpSpPr/>
         <p:nvPr/>
@@ -6177,8 +7068,8 @@
         </p:nvSpPr>
         <p:spPr>
           <a:xfrm>
-            <a:off x="4168229" y="4977705"/>
-            <a:ext cx="3855544" cy="923330"/>
+            <a:off x="4088880" y="4977705"/>
+            <a:ext cx="4014240" cy="923330"/>
           </a:xfrm>
           <a:prstGeom prst="rect">
             <a:avLst/>
@@ -6221,7 +7112,7 @@
                 <a:latin typeface="디자인하우스 Bold" panose="020B0600000101010101" pitchFamily="50" charset="-127"/>
                 <a:ea typeface="디자인하우스 Bold" panose="020B0600000101010101" pitchFamily="50" charset="-127"/>
               </a:rPr>
-              <a:t>Project Input</a:t>
+              <a:t>Project Apply</a:t>
             </a:r>
             <a:endParaRPr lang="en-US" altLang="ko-KR" sz="5400" b="1" cap="none" spc="0" dirty="0">
               <a:ln w="12700">
@@ -6376,8 +7267,8 @@
         </p:nvSpPr>
         <p:spPr>
           <a:xfrm>
-            <a:off x="3467100" y="2724150"/>
-            <a:ext cx="5334000" cy="1181100"/>
+            <a:off x="3467100" y="2895600"/>
+            <a:ext cx="5334000" cy="2870200"/>
           </a:xfrm>
           <a:prstGeom prst="roundRect">
             <a:avLst/>
@@ -6420,7 +7311,7 @@
     </p:spTree>
     <p:extLst>
       <p:ext uri="{BB962C8B-B14F-4D97-AF65-F5344CB8AC3E}">
-        <p14:creationId xmlns:p14="http://schemas.microsoft.com/office/powerpoint/2010/main" val="132232917"/>
+        <p14:creationId xmlns:p14="http://schemas.microsoft.com/office/powerpoint/2010/main" val="2177619887"/>
       </p:ext>
     </p:extLst>
   </p:cSld>
@@ -6430,7 +7321,7 @@
 </p:sld>
 </file>
 
-<file path=ppt/slides/slide11.xml><?xml version="1.0" encoding="utf-8"?>
+<file path=ppt/slides/slide12.xml><?xml version="1.0" encoding="utf-8"?>
 <p:sld xmlns:a="http://schemas.openxmlformats.org/drawingml/2006/main" xmlns:r="http://schemas.openxmlformats.org/officeDocument/2006/relationships" xmlns:p="http://schemas.openxmlformats.org/presentationml/2006/main">
   <p:cSld>
     <p:spTree>
@@ -6840,6 +7731,470 @@
         </p:nvSpPr>
         <p:spPr>
           <a:xfrm>
+            <a:off x="3467100" y="2724150"/>
+            <a:ext cx="5334000" cy="1181100"/>
+          </a:xfrm>
+          <a:prstGeom prst="roundRect">
+            <a:avLst/>
+          </a:prstGeom>
+          <a:noFill/>
+          <a:ln>
+            <a:solidFill>
+              <a:schemeClr val="bg1">
+                <a:lumMod val="85000"/>
+              </a:schemeClr>
+            </a:solidFill>
+            <a:prstDash val="dash"/>
+          </a:ln>
+        </p:spPr>
+        <p:style>
+          <a:lnRef idx="2">
+            <a:schemeClr val="accent1">
+              <a:shade val="15000"/>
+            </a:schemeClr>
+          </a:lnRef>
+          <a:fillRef idx="1">
+            <a:schemeClr val="accent1"/>
+          </a:fillRef>
+          <a:effectRef idx="0">
+            <a:schemeClr val="accent1"/>
+          </a:effectRef>
+          <a:fontRef idx="minor">
+            <a:schemeClr val="lt1"/>
+          </a:fontRef>
+        </p:style>
+        <p:txBody>
+          <a:bodyPr rtlCol="0" anchor="ctr"/>
+          <a:lstStyle/>
+          <a:p>
+            <a:pPr algn="ctr"/>
+            <a:endParaRPr lang="ko-KR" altLang="en-US"/>
+          </a:p>
+        </p:txBody>
+      </p:sp>
+    </p:spTree>
+    <p:extLst>
+      <p:ext uri="{BB962C8B-B14F-4D97-AF65-F5344CB8AC3E}">
+        <p14:creationId xmlns:p14="http://schemas.microsoft.com/office/powerpoint/2010/main" val="132232917"/>
+      </p:ext>
+    </p:extLst>
+  </p:cSld>
+  <p:clrMapOvr>
+    <a:masterClrMapping/>
+  </p:clrMapOvr>
+</p:sld>
+</file>
+
+<file path=ppt/slides/slide13.xml><?xml version="1.0" encoding="utf-8"?>
+<p:sld xmlns:a="http://schemas.openxmlformats.org/drawingml/2006/main" xmlns:r="http://schemas.openxmlformats.org/officeDocument/2006/relationships" xmlns:p="http://schemas.openxmlformats.org/presentationml/2006/main">
+  <p:cSld>
+    <p:spTree>
+      <p:nvGrpSpPr>
+        <p:cNvPr id="1" name=""/>
+        <p:cNvGrpSpPr/>
+        <p:nvPr/>
+      </p:nvGrpSpPr>
+      <p:grpSpPr>
+        <a:xfrm>
+          <a:off x="0" y="0"/>
+          <a:ext cx="0" cy="0"/>
+          <a:chOff x="0" y="0"/>
+          <a:chExt cx="0" cy="0"/>
+        </a:xfrm>
+      </p:grpSpPr>
+      <p:sp>
+        <p:nvSpPr>
+          <p:cNvPr id="4" name="직사각형 3">
+            <a:extLst>
+              <a:ext uri="{FF2B5EF4-FFF2-40B4-BE49-F238E27FC236}">
+                <a16:creationId xmlns:a16="http://schemas.microsoft.com/office/drawing/2014/main" id="{362C970C-5A6B-0EE0-C37A-699D9E0103B4}"/>
+              </a:ext>
+            </a:extLst>
+          </p:cNvPr>
+          <p:cNvSpPr/>
+          <p:nvPr/>
+        </p:nvSpPr>
+        <p:spPr>
+          <a:xfrm>
+            <a:off x="3815565" y="986135"/>
+            <a:ext cx="4560864" cy="923330"/>
+          </a:xfrm>
+          <a:prstGeom prst="rect">
+            <a:avLst/>
+          </a:prstGeom>
+          <a:noFill/>
+        </p:spPr>
+        <p:txBody>
+          <a:bodyPr wrap="none" lIns="91440" tIns="45720" rIns="91440" bIns="45720">
+            <a:spAutoFit/>
+          </a:bodyPr>
+          <a:lstStyle/>
+          <a:p>
+            <a:pPr algn="ctr"/>
+            <a:r>
+              <a:rPr lang="en-US" altLang="ko-KR" sz="5400" b="1" dirty="0">
+                <a:ln w="12700">
+                  <a:solidFill>
+                    <a:schemeClr val="accent1">
+                      <a:alpha val="33000"/>
+                    </a:schemeClr>
+                  </a:solidFill>
+                  <a:prstDash val="solid"/>
+                </a:ln>
+                <a:pattFill prst="pct50">
+                  <a:fgClr>
+                    <a:schemeClr val="bg1">
+                      <a:lumMod val="50000"/>
+                    </a:schemeClr>
+                  </a:fgClr>
+                  <a:bgClr>
+                    <a:schemeClr val="bg1">
+                      <a:lumMod val="85000"/>
+                    </a:schemeClr>
+                  </a:bgClr>
+                </a:pattFill>
+                <a:effectLst>
+                  <a:outerShdw dist="38100" dir="2640000" algn="bl" rotWithShape="0">
+                    <a:schemeClr val="accent1"/>
+                  </a:outerShdw>
+                </a:effectLst>
+                <a:latin typeface="디자인하우스 Bold" panose="020B0600000101010101" pitchFamily="50" charset="-127"/>
+                <a:ea typeface="디자인하우스 Bold" panose="020B0600000101010101" pitchFamily="50" charset="-127"/>
+              </a:rPr>
+              <a:t>Team Standard</a:t>
+            </a:r>
+            <a:endParaRPr lang="en-US" altLang="ko-KR" sz="5400" b="1" cap="none" spc="0" dirty="0">
+              <a:ln w="12700">
+                <a:solidFill>
+                  <a:schemeClr val="accent1">
+                    <a:alpha val="33000"/>
+                  </a:schemeClr>
+                </a:solidFill>
+                <a:prstDash val="solid"/>
+              </a:ln>
+              <a:pattFill prst="pct50">
+                <a:fgClr>
+                  <a:schemeClr val="bg1">
+                    <a:lumMod val="50000"/>
+                  </a:schemeClr>
+                </a:fgClr>
+                <a:bgClr>
+                  <a:schemeClr val="bg1">
+                    <a:lumMod val="85000"/>
+                  </a:schemeClr>
+                </a:bgClr>
+              </a:pattFill>
+              <a:effectLst>
+                <a:outerShdw dist="38100" dir="2640000" algn="bl" rotWithShape="0">
+                  <a:schemeClr val="accent1"/>
+                </a:outerShdw>
+              </a:effectLst>
+              <a:latin typeface="디자인하우스 Bold" panose="020B0600000101010101" pitchFamily="50" charset="-127"/>
+              <a:ea typeface="디자인하우스 Bold" panose="020B0600000101010101" pitchFamily="50" charset="-127"/>
+            </a:endParaRPr>
+          </a:p>
+        </p:txBody>
+      </p:sp>
+      <p:sp>
+        <p:nvSpPr>
+          <p:cNvPr id="5" name="직사각형 4">
+            <a:extLst>
+              <a:ext uri="{FF2B5EF4-FFF2-40B4-BE49-F238E27FC236}">
+                <a16:creationId xmlns:a16="http://schemas.microsoft.com/office/drawing/2014/main" id="{A7629D7F-2A1D-DF54-9E37-050A09205727}"/>
+              </a:ext>
+            </a:extLst>
+          </p:cNvPr>
+          <p:cNvSpPr/>
+          <p:nvPr/>
+        </p:nvSpPr>
+        <p:spPr>
+          <a:xfrm>
+            <a:off x="3608779" y="2981920"/>
+            <a:ext cx="4974439" cy="923330"/>
+          </a:xfrm>
+          <a:prstGeom prst="rect">
+            <a:avLst/>
+          </a:prstGeom>
+          <a:noFill/>
+        </p:spPr>
+        <p:txBody>
+          <a:bodyPr wrap="none" lIns="91440" tIns="45720" rIns="91440" bIns="45720">
+            <a:spAutoFit/>
+          </a:bodyPr>
+          <a:lstStyle/>
+          <a:p>
+            <a:pPr algn="ctr"/>
+            <a:r>
+              <a:rPr lang="en-US" altLang="ko-KR" sz="5400" b="1" dirty="0">
+                <a:ln w="12700">
+                  <a:solidFill>
+                    <a:schemeClr val="accent1"/>
+                  </a:solidFill>
+                  <a:prstDash val="solid"/>
+                </a:ln>
+                <a:pattFill prst="pct50">
+                  <a:fgClr>
+                    <a:schemeClr val="accent1"/>
+                  </a:fgClr>
+                  <a:bgClr>
+                    <a:schemeClr val="accent1">
+                      <a:lumMod val="20000"/>
+                      <a:lumOff val="80000"/>
+                    </a:schemeClr>
+                  </a:bgClr>
+                </a:pattFill>
+                <a:effectLst>
+                  <a:outerShdw dist="38100" dir="2640000" algn="bl" rotWithShape="0">
+                    <a:schemeClr val="accent1"/>
+                  </a:outerShdw>
+                </a:effectLst>
+                <a:latin typeface="디자인하우스 Bold" panose="020B0600000101010101" pitchFamily="50" charset="-127"/>
+                <a:ea typeface="디자인하우스 Bold" panose="020B0600000101010101" pitchFamily="50" charset="-127"/>
+              </a:rPr>
+              <a:t>Project Standard</a:t>
+            </a:r>
+            <a:endParaRPr lang="en-US" altLang="ko-KR" sz="5400" b="1" cap="none" spc="0" dirty="0">
+              <a:ln w="12700">
+                <a:solidFill>
+                  <a:schemeClr val="accent1"/>
+                </a:solidFill>
+                <a:prstDash val="solid"/>
+              </a:ln>
+              <a:pattFill prst="pct50">
+                <a:fgClr>
+                  <a:schemeClr val="accent1"/>
+                </a:fgClr>
+                <a:bgClr>
+                  <a:schemeClr val="accent1">
+                    <a:lumMod val="20000"/>
+                    <a:lumOff val="80000"/>
+                  </a:schemeClr>
+                </a:bgClr>
+              </a:pattFill>
+              <a:effectLst>
+                <a:outerShdw dist="38100" dir="2640000" algn="bl" rotWithShape="0">
+                  <a:schemeClr val="accent1"/>
+                </a:outerShdw>
+              </a:effectLst>
+              <a:latin typeface="디자인하우스 Bold" panose="020B0600000101010101" pitchFamily="50" charset="-127"/>
+              <a:ea typeface="디자인하우스 Bold" panose="020B0600000101010101" pitchFamily="50" charset="-127"/>
+            </a:endParaRPr>
+          </a:p>
+        </p:txBody>
+      </p:sp>
+      <p:sp>
+        <p:nvSpPr>
+          <p:cNvPr id="6" name="직사각형 5">
+            <a:extLst>
+              <a:ext uri="{FF2B5EF4-FFF2-40B4-BE49-F238E27FC236}">
+                <a16:creationId xmlns:a16="http://schemas.microsoft.com/office/drawing/2014/main" id="{6EB14060-D22F-77E1-F0EF-D004E171725E}"/>
+              </a:ext>
+            </a:extLst>
+          </p:cNvPr>
+          <p:cNvSpPr/>
+          <p:nvPr/>
+        </p:nvSpPr>
+        <p:spPr>
+          <a:xfrm>
+            <a:off x="4168229" y="4977705"/>
+            <a:ext cx="3855544" cy="923330"/>
+          </a:xfrm>
+          <a:prstGeom prst="rect">
+            <a:avLst/>
+          </a:prstGeom>
+          <a:noFill/>
+        </p:spPr>
+        <p:txBody>
+          <a:bodyPr wrap="none" lIns="91440" tIns="45720" rIns="91440" bIns="45720">
+            <a:spAutoFit/>
+          </a:bodyPr>
+          <a:lstStyle/>
+          <a:p>
+            <a:pPr algn="ctr"/>
+            <a:r>
+              <a:rPr lang="en-US" altLang="ko-KR" sz="5400" b="1" dirty="0">
+                <a:ln w="12700">
+                  <a:solidFill>
+                    <a:schemeClr val="accent1"/>
+                  </a:solidFill>
+                  <a:prstDash val="solid"/>
+                </a:ln>
+                <a:pattFill prst="pct50">
+                  <a:fgClr>
+                    <a:schemeClr val="accent5">
+                      <a:lumMod val="75000"/>
+                    </a:schemeClr>
+                  </a:fgClr>
+                  <a:bgClr>
+                    <a:schemeClr val="accent5">
+                      <a:lumMod val="40000"/>
+                      <a:lumOff val="60000"/>
+                    </a:schemeClr>
+                  </a:bgClr>
+                </a:pattFill>
+                <a:effectLst>
+                  <a:outerShdw dist="38100" dir="2640000" algn="bl" rotWithShape="0">
+                    <a:schemeClr val="accent1"/>
+                  </a:outerShdw>
+                </a:effectLst>
+                <a:latin typeface="디자인하우스 Bold" panose="020B0600000101010101" pitchFamily="50" charset="-127"/>
+                <a:ea typeface="디자인하우스 Bold" panose="020B0600000101010101" pitchFamily="50" charset="-127"/>
+              </a:rPr>
+              <a:t>Project Input</a:t>
+            </a:r>
+            <a:endParaRPr lang="en-US" altLang="ko-KR" sz="5400" b="1" cap="none" spc="0" dirty="0">
+              <a:ln w="12700">
+                <a:solidFill>
+                  <a:schemeClr val="accent1"/>
+                </a:solidFill>
+                <a:prstDash val="solid"/>
+              </a:ln>
+              <a:pattFill prst="pct50">
+                <a:fgClr>
+                  <a:schemeClr val="accent5">
+                    <a:lumMod val="75000"/>
+                  </a:schemeClr>
+                </a:fgClr>
+                <a:bgClr>
+                  <a:schemeClr val="accent5">
+                    <a:lumMod val="40000"/>
+                    <a:lumOff val="60000"/>
+                  </a:schemeClr>
+                </a:bgClr>
+              </a:pattFill>
+              <a:effectLst>
+                <a:outerShdw dist="38100" dir="2640000" algn="bl" rotWithShape="0">
+                  <a:schemeClr val="accent1"/>
+                </a:outerShdw>
+              </a:effectLst>
+              <a:latin typeface="디자인하우스 Bold" panose="020B0600000101010101" pitchFamily="50" charset="-127"/>
+              <a:ea typeface="디자인하우스 Bold" panose="020B0600000101010101" pitchFamily="50" charset="-127"/>
+            </a:endParaRPr>
+          </a:p>
+        </p:txBody>
+      </p:sp>
+      <p:sp>
+        <p:nvSpPr>
+          <p:cNvPr id="8" name="순서도: 병합 7">
+            <a:extLst>
+              <a:ext uri="{FF2B5EF4-FFF2-40B4-BE49-F238E27FC236}">
+                <a16:creationId xmlns:a16="http://schemas.microsoft.com/office/drawing/2014/main" id="{FD2C6B6D-A346-7180-2404-9A63AA38D5A4}"/>
+              </a:ext>
+            </a:extLst>
+          </p:cNvPr>
+          <p:cNvSpPr/>
+          <p:nvPr/>
+        </p:nvSpPr>
+        <p:spPr>
+          <a:xfrm>
+            <a:off x="5825996" y="2095500"/>
+            <a:ext cx="540000" cy="108000"/>
+          </a:xfrm>
+          <a:prstGeom prst="flowChartMerge">
+            <a:avLst/>
+          </a:prstGeom>
+          <a:solidFill>
+            <a:schemeClr val="tx1">
+              <a:alpha val="56000"/>
+            </a:schemeClr>
+          </a:solidFill>
+          <a:ln>
+            <a:noFill/>
+          </a:ln>
+        </p:spPr>
+        <p:style>
+          <a:lnRef idx="2">
+            <a:schemeClr val="accent1">
+              <a:shade val="15000"/>
+            </a:schemeClr>
+          </a:lnRef>
+          <a:fillRef idx="1">
+            <a:schemeClr val="accent1"/>
+          </a:fillRef>
+          <a:effectRef idx="0">
+            <a:schemeClr val="accent1"/>
+          </a:effectRef>
+          <a:fontRef idx="minor">
+            <a:schemeClr val="lt1"/>
+          </a:fontRef>
+        </p:style>
+        <p:txBody>
+          <a:bodyPr rtlCol="0" anchor="ctr"/>
+          <a:lstStyle/>
+          <a:p>
+            <a:pPr algn="ctr"/>
+            <a:endParaRPr lang="ko-KR" altLang="en-US"/>
+          </a:p>
+        </p:txBody>
+      </p:sp>
+      <p:sp>
+        <p:nvSpPr>
+          <p:cNvPr id="10" name="순서도: 병합 9">
+            <a:extLst>
+              <a:ext uri="{FF2B5EF4-FFF2-40B4-BE49-F238E27FC236}">
+                <a16:creationId xmlns:a16="http://schemas.microsoft.com/office/drawing/2014/main" id="{9987C965-6FF2-D23A-E216-775C8E052184}"/>
+              </a:ext>
+            </a:extLst>
+          </p:cNvPr>
+          <p:cNvSpPr/>
+          <p:nvPr/>
+        </p:nvSpPr>
+        <p:spPr>
+          <a:xfrm>
+            <a:off x="5825996" y="4279477"/>
+            <a:ext cx="540000" cy="108000"/>
+          </a:xfrm>
+          <a:prstGeom prst="flowChartMerge">
+            <a:avLst/>
+          </a:prstGeom>
+          <a:solidFill>
+            <a:schemeClr val="tx1">
+              <a:alpha val="56000"/>
+            </a:schemeClr>
+          </a:solidFill>
+          <a:ln>
+            <a:noFill/>
+          </a:ln>
+        </p:spPr>
+        <p:style>
+          <a:lnRef idx="2">
+            <a:schemeClr val="accent1">
+              <a:shade val="15000"/>
+            </a:schemeClr>
+          </a:lnRef>
+          <a:fillRef idx="1">
+            <a:schemeClr val="accent1"/>
+          </a:fillRef>
+          <a:effectRef idx="0">
+            <a:schemeClr val="accent1"/>
+          </a:effectRef>
+          <a:fontRef idx="minor">
+            <a:schemeClr val="lt1"/>
+          </a:fontRef>
+        </p:style>
+        <p:txBody>
+          <a:bodyPr rtlCol="0" anchor="ctr"/>
+          <a:lstStyle/>
+          <a:p>
+            <a:pPr algn="ctr"/>
+            <a:endParaRPr lang="ko-KR" altLang="en-US"/>
+          </a:p>
+        </p:txBody>
+      </p:sp>
+      <p:sp>
+        <p:nvSpPr>
+          <p:cNvPr id="11" name="사각형: 둥근 모서리 10">
+            <a:extLst>
+              <a:ext uri="{FF2B5EF4-FFF2-40B4-BE49-F238E27FC236}">
+                <a16:creationId xmlns:a16="http://schemas.microsoft.com/office/drawing/2014/main" id="{2C97DE32-B7DF-4F0B-F75E-43137C7E6449}"/>
+              </a:ext>
+            </a:extLst>
+          </p:cNvPr>
+          <p:cNvSpPr/>
+          <p:nvPr/>
+        </p:nvSpPr>
+        <p:spPr>
+          <a:xfrm>
             <a:off x="3467100" y="4842469"/>
             <a:ext cx="5334000" cy="1029395"/>
           </a:xfrm>
@@ -6894,7 +8249,7 @@
 </p:sld>
 </file>
 
-<file path=ppt/slides/slide12.xml><?xml version="1.0" encoding="utf-8"?>
+<file path=ppt/slides/slide14.xml><?xml version="1.0" encoding="utf-8"?>
 <p:sld xmlns:a="http://schemas.openxmlformats.org/drawingml/2006/main" xmlns:r="http://schemas.openxmlformats.org/officeDocument/2006/relationships" xmlns:p="http://schemas.openxmlformats.org/presentationml/2006/main">
   <p:cSld>
     <p:spTree>
@@ -7044,7 +8399,7 @@
 </p:sld>
 </file>
 
-<file path=ppt/slides/slide13.xml><?xml version="1.0" encoding="utf-8"?>
+<file path=ppt/slides/slide15.xml><?xml version="1.0" encoding="utf-8"?>
 <p:sld xmlns:a="http://schemas.openxmlformats.org/drawingml/2006/main" xmlns:r="http://schemas.openxmlformats.org/officeDocument/2006/relationships" xmlns:p="http://schemas.openxmlformats.org/presentationml/2006/main">
   <p:cSld>
     <p:spTree>
@@ -18212,7 +19567,7 @@
           <a:noFill/>
         </p:spPr>
         <p:txBody>
-          <a:bodyPr wrap="none" rtlCol="0">
+          <a:bodyPr wrap="square" rtlCol="0">
             <a:spAutoFit/>
           </a:bodyPr>
           <a:lstStyle/>
@@ -18405,13 +19760,7 @@
   <p:cSld>
     <p:spTree>
       <p:nvGrpSpPr>
-        <p:cNvPr id="1" name="">
-          <a:extLst>
-            <a:ext uri="{FF2B5EF4-FFF2-40B4-BE49-F238E27FC236}">
-              <a16:creationId xmlns:a16="http://schemas.microsoft.com/office/drawing/2014/main" id="{9D88C5CB-7AD4-2BCB-A500-FC8F22CD8424}"/>
-            </a:ext>
-          </a:extLst>
-        </p:cNvPr>
+        <p:cNvPr id="1" name=""/>
         <p:cNvGrpSpPr/>
         <p:nvPr/>
       </p:nvGrpSpPr>
@@ -18425,10 +19774,58 @@
       </p:grpSpPr>
       <p:sp>
         <p:nvSpPr>
-          <p:cNvPr id="51" name="직사각형 50">
+          <p:cNvPr id="10" name="TextBox 9">
             <a:extLst>
               <a:ext uri="{FF2B5EF4-FFF2-40B4-BE49-F238E27FC236}">
-                <a16:creationId xmlns:a16="http://schemas.microsoft.com/office/drawing/2014/main" id="{FDC4B374-2D5C-891B-C2C1-BF299111421F}"/>
+                <a16:creationId xmlns:a16="http://schemas.microsoft.com/office/drawing/2014/main" id="{747BEEA2-7206-C8DC-1220-F681ECC6AE15}"/>
+              </a:ext>
+            </a:extLst>
+          </p:cNvPr>
+          <p:cNvSpPr txBox="1"/>
+          <p:nvPr/>
+        </p:nvSpPr>
+        <p:spPr>
+          <a:xfrm>
+            <a:off x="7667500" y="2967335"/>
+            <a:ext cx="4082473" cy="923330"/>
+          </a:xfrm>
+          <a:prstGeom prst="rect">
+            <a:avLst/>
+          </a:prstGeom>
+          <a:noFill/>
+        </p:spPr>
+        <p:txBody>
+          <a:bodyPr wrap="square" rtlCol="0">
+            <a:spAutoFit/>
+          </a:bodyPr>
+          <a:lstStyle/>
+          <a:p>
+            <a:r>
+              <a:rPr lang="en-US" altLang="ko-KR" sz="5400" b="1" dirty="0">
+                <a:solidFill>
+                  <a:schemeClr val="bg1"/>
+                </a:solidFill>
+                <a:latin typeface="MS PGothic" panose="020B0600070205080204" pitchFamily="34" charset="-128"/>
+                <a:ea typeface="MS PGothic" panose="020B0600070205080204" pitchFamily="34" charset="-128"/>
+              </a:rPr>
+              <a:t>NOTE</a:t>
+            </a:r>
+            <a:endParaRPr lang="ko-KR" altLang="en-US" sz="5400" b="1" dirty="0">
+              <a:solidFill>
+                <a:schemeClr val="bg1"/>
+              </a:solidFill>
+              <a:latin typeface="MS PGothic" panose="020B0600070205080204" pitchFamily="34" charset="-128"/>
+              <a:ea typeface="HD LOGO" panose="02020603020101020101" pitchFamily="18" charset="-127"/>
+            </a:endParaRPr>
+          </a:p>
+        </p:txBody>
+      </p:sp>
+      <p:sp>
+        <p:nvSpPr>
+          <p:cNvPr id="15" name="사각형: 둥근 모서리 14">
+            <a:extLst>
+              <a:ext uri="{FF2B5EF4-FFF2-40B4-BE49-F238E27FC236}">
+                <a16:creationId xmlns:a16="http://schemas.microsoft.com/office/drawing/2014/main" id="{ADB473C3-5DDC-F387-DFDA-8F0F57467B66}"/>
               </a:ext>
             </a:extLst>
           </p:cNvPr>
@@ -18437,21 +19834,21 @@
         </p:nvSpPr>
         <p:spPr>
           <a:xfrm>
-            <a:off x="1087437" y="1314450"/>
-            <a:ext cx="7599363" cy="4229098"/>
+            <a:off x="5631543" y="831273"/>
+            <a:ext cx="5794250" cy="4017818"/>
           </a:xfrm>
-          <a:prstGeom prst="rect">
-            <a:avLst/>
+          <a:prstGeom prst="roundRect">
+            <a:avLst>
+              <a:gd name="adj" fmla="val 20421"/>
+            </a:avLst>
           </a:prstGeom>
           <a:solidFill>
-            <a:schemeClr val="accent2">
-              <a:lumMod val="40000"/>
-              <a:lumOff val="60000"/>
-              <a:alpha val="26000"/>
-            </a:schemeClr>
+            <a:schemeClr val="tx1"/>
           </a:solidFill>
-          <a:ln>
-            <a:noFill/>
+          <a:ln w="212725">
+            <a:solidFill>
+              <a:srgbClr val="FFC000"/>
+            </a:solidFill>
           </a:ln>
         </p:spPr>
         <p:style>
@@ -18479,42 +19876,12 @@
           </a:p>
         </p:txBody>
       </p:sp>
-      <p:pic>
-        <p:nvPicPr>
-          <p:cNvPr id="50" name="그림 49">
+      <p:sp>
+        <p:nvSpPr>
+          <p:cNvPr id="16" name="TextBox 15">
             <a:extLst>
               <a:ext uri="{FF2B5EF4-FFF2-40B4-BE49-F238E27FC236}">
-                <a16:creationId xmlns:a16="http://schemas.microsoft.com/office/drawing/2014/main" id="{FF7BEF90-CAA5-9244-78FD-6FEF8B57B9E5}"/>
-              </a:ext>
-            </a:extLst>
-          </p:cNvPr>
-          <p:cNvPicPr>
-            <a:picLocks noChangeAspect="1"/>
-          </p:cNvPicPr>
-          <p:nvPr/>
-        </p:nvPicPr>
-        <p:blipFill>
-          <a:blip r:embed="rId2"/>
-          <a:stretch>
-            <a:fillRect/>
-          </a:stretch>
-        </p:blipFill>
-        <p:spPr>
-          <a:xfrm>
-            <a:off x="1445660" y="1886578"/>
-            <a:ext cx="2493480" cy="3084843"/>
-          </a:xfrm>
-          <a:prstGeom prst="rect">
-            <a:avLst/>
-          </a:prstGeom>
-        </p:spPr>
-      </p:pic>
-      <p:sp>
-        <p:nvSpPr>
-          <p:cNvPr id="53" name="TextBox 52">
-            <a:extLst>
-              <a:ext uri="{FF2B5EF4-FFF2-40B4-BE49-F238E27FC236}">
-                <a16:creationId xmlns:a16="http://schemas.microsoft.com/office/drawing/2014/main" id="{68FBD7B9-2C18-1939-0D1E-C2465B410F2C}"/>
+                <a16:creationId xmlns:a16="http://schemas.microsoft.com/office/drawing/2014/main" id="{1A6BFC26-6ED7-C615-E3FD-5AC09F512EDE}"/>
               </a:ext>
             </a:extLst>
           </p:cNvPr>
@@ -18523,8 +19890,292 @@
         </p:nvSpPr>
         <p:spPr>
           <a:xfrm>
-            <a:off x="4186790" y="2038204"/>
-            <a:ext cx="4252360" cy="461665"/>
+            <a:off x="6077017" y="340164"/>
+            <a:ext cx="2528256" cy="4508927"/>
+          </a:xfrm>
+          <a:prstGeom prst="rect">
+            <a:avLst/>
+          </a:prstGeom>
+          <a:noFill/>
+        </p:spPr>
+        <p:txBody>
+          <a:bodyPr wrap="none" rtlCol="0">
+            <a:spAutoFit/>
+          </a:bodyPr>
+          <a:lstStyle/>
+          <a:p>
+            <a:r>
+              <a:rPr lang="en-US" altLang="ko-KR" sz="28700" b="1" dirty="0">
+                <a:solidFill>
+                  <a:srgbClr val="FFC000"/>
+                </a:solidFill>
+                <a:latin typeface="MS PGothic" panose="020B0600070205080204" pitchFamily="34" charset="-128"/>
+                <a:ea typeface="MS PGothic" panose="020B0600070205080204" pitchFamily="34" charset="-128"/>
+              </a:rPr>
+              <a:t>B</a:t>
+            </a:r>
+            <a:endParaRPr lang="ko-KR" altLang="en-US" sz="28700" b="1" dirty="0">
+              <a:solidFill>
+                <a:srgbClr val="FFC000"/>
+              </a:solidFill>
+              <a:latin typeface="MS PGothic" panose="020B0600070205080204" pitchFamily="34" charset="-128"/>
+              <a:ea typeface="HD LOGO" panose="02020603020101020101" pitchFamily="18" charset="-127"/>
+            </a:endParaRPr>
+          </a:p>
+        </p:txBody>
+      </p:sp>
+      <p:sp>
+        <p:nvSpPr>
+          <p:cNvPr id="17" name="TextBox 16">
+            <a:extLst>
+              <a:ext uri="{FF2B5EF4-FFF2-40B4-BE49-F238E27FC236}">
+                <a16:creationId xmlns:a16="http://schemas.microsoft.com/office/drawing/2014/main" id="{7C2CAF2D-1423-03B8-F509-AFF51900D144}"/>
+              </a:ext>
+            </a:extLst>
+          </p:cNvPr>
+          <p:cNvSpPr txBox="1"/>
+          <p:nvPr/>
+        </p:nvSpPr>
+        <p:spPr>
+          <a:xfrm>
+            <a:off x="8601238" y="1378567"/>
+            <a:ext cx="3375230" cy="1588768"/>
+          </a:xfrm>
+          <a:prstGeom prst="rect">
+            <a:avLst/>
+          </a:prstGeom>
+          <a:noFill/>
+        </p:spPr>
+        <p:txBody>
+          <a:bodyPr wrap="square" rtlCol="0" anchor="b">
+            <a:spAutoFit/>
+          </a:bodyPr>
+          <a:lstStyle/>
+          <a:p>
+            <a:pPr>
+              <a:lnSpc>
+                <a:spcPct val="200000"/>
+              </a:lnSpc>
+            </a:pPr>
+            <a:r>
+              <a:rPr lang="en-US" altLang="ko-KR" sz="1700" dirty="0">
+                <a:solidFill>
+                  <a:srgbClr val="FFC000"/>
+                </a:solidFill>
+                <a:latin typeface="Corbel Light" panose="020B0303020204020204" pitchFamily="34" charset="0"/>
+                <a:ea typeface="Nirmala UI" panose="020B0502040204020203" pitchFamily="34" charset="0"/>
+                <a:cs typeface="Nirmala UI" panose="020B0502040204020203" pitchFamily="34" charset="0"/>
+              </a:rPr>
+              <a:t>Note</a:t>
+            </a:r>
+            <a:r>
+              <a:rPr lang="ko-KR" altLang="en-US" sz="1700" dirty="0">
+                <a:solidFill>
+                  <a:srgbClr val="FFC000"/>
+                </a:solidFill>
+                <a:latin typeface="Corbel Light" panose="020B0303020204020204" pitchFamily="34" charset="0"/>
+                <a:cs typeface="Nirmala UI" panose="020B0502040204020203" pitchFamily="34" charset="0"/>
+              </a:rPr>
+              <a:t> </a:t>
+            </a:r>
+            <a:r>
+              <a:rPr lang="en-US" altLang="ko-KR" sz="1700" dirty="0">
+                <a:solidFill>
+                  <a:srgbClr val="FFC000"/>
+                </a:solidFill>
+                <a:latin typeface="Corbel Light" panose="020B0303020204020204" pitchFamily="34" charset="0"/>
+                <a:ea typeface="Nirmala UI" panose="020B0502040204020203" pitchFamily="34" charset="0"/>
+                <a:cs typeface="Nirmala UI" panose="020B0502040204020203" pitchFamily="34" charset="0"/>
+              </a:rPr>
+              <a:t>for</a:t>
+            </a:r>
+            <a:r>
+              <a:rPr lang="ko-KR" altLang="en-US" sz="1700" dirty="0">
+                <a:solidFill>
+                  <a:srgbClr val="FFC000"/>
+                </a:solidFill>
+                <a:latin typeface="Corbel Light" panose="020B0303020204020204" pitchFamily="34" charset="0"/>
+                <a:cs typeface="Nirmala UI" panose="020B0502040204020203" pitchFamily="34" charset="0"/>
+              </a:rPr>
+              <a:t> </a:t>
+            </a:r>
+            <a:r>
+              <a:rPr lang="en-US" altLang="ko-KR" sz="1700" dirty="0">
+                <a:solidFill>
+                  <a:srgbClr val="FFC000"/>
+                </a:solidFill>
+                <a:latin typeface="Corbel Light" panose="020B0303020204020204" pitchFamily="34" charset="0"/>
+                <a:ea typeface="Nirmala UI" panose="020B0502040204020203" pitchFamily="34" charset="0"/>
+                <a:cs typeface="Nirmala UI" panose="020B0502040204020203" pitchFamily="34" charset="0"/>
+              </a:rPr>
+              <a:t>Calculation</a:t>
+            </a:r>
+          </a:p>
+          <a:p>
+            <a:pPr>
+              <a:lnSpc>
+                <a:spcPct val="200000"/>
+              </a:lnSpc>
+            </a:pPr>
+            <a:r>
+              <a:rPr lang="en-US" altLang="ko-KR" sz="1700" dirty="0">
+                <a:solidFill>
+                  <a:srgbClr val="FFC000"/>
+                </a:solidFill>
+                <a:latin typeface="Corbel Light" panose="020B0303020204020204" pitchFamily="34" charset="0"/>
+                <a:ea typeface="Nirmala UI" panose="020B0502040204020203" pitchFamily="34" charset="0"/>
+                <a:cs typeface="Nirmala UI" panose="020B0502040204020203" pitchFamily="34" charset="0"/>
+              </a:rPr>
+              <a:t>With Revit Modeling</a:t>
+            </a:r>
+          </a:p>
+          <a:p>
+            <a:pPr>
+              <a:lnSpc>
+                <a:spcPct val="200000"/>
+              </a:lnSpc>
+            </a:pPr>
+            <a:r>
+              <a:rPr lang="en-US" altLang="ko-KR" sz="1700" dirty="0">
+                <a:solidFill>
+                  <a:srgbClr val="FFC000"/>
+                </a:solidFill>
+                <a:latin typeface="Corbel Light" panose="020B0303020204020204" pitchFamily="34" charset="0"/>
+                <a:ea typeface="Nirmala UI" panose="020B0502040204020203" pitchFamily="34" charset="0"/>
+                <a:cs typeface="Nirmala UI" panose="020B0502040204020203" pitchFamily="34" charset="0"/>
+              </a:rPr>
+              <a:t>By assigning Work Master</a:t>
+            </a:r>
+            <a:endParaRPr lang="ko-KR" altLang="en-US" sz="1700" dirty="0">
+              <a:solidFill>
+                <a:srgbClr val="FFC000"/>
+              </a:solidFill>
+              <a:latin typeface="Corbel Light" panose="020B0303020204020204" pitchFamily="34" charset="0"/>
+              <a:cs typeface="Nirmala UI" panose="020B0502040204020203" pitchFamily="34" charset="0"/>
+            </a:endParaRPr>
+          </a:p>
+        </p:txBody>
+      </p:sp>
+      <p:sp>
+        <p:nvSpPr>
+          <p:cNvPr id="20" name="TextBox 19">
+            <a:extLst>
+              <a:ext uri="{FF2B5EF4-FFF2-40B4-BE49-F238E27FC236}">
+                <a16:creationId xmlns:a16="http://schemas.microsoft.com/office/drawing/2014/main" id="{8C60F1E7-04C4-AAE0-87CB-E37136A93725}"/>
+              </a:ext>
+            </a:extLst>
+          </p:cNvPr>
+          <p:cNvSpPr txBox="1"/>
+          <p:nvPr/>
+        </p:nvSpPr>
+        <p:spPr>
+          <a:xfrm>
+            <a:off x="8524669" y="2967335"/>
+            <a:ext cx="2255746" cy="1323439"/>
+          </a:xfrm>
+          <a:prstGeom prst="rect">
+            <a:avLst/>
+          </a:prstGeom>
+          <a:noFill/>
+        </p:spPr>
+        <p:txBody>
+          <a:bodyPr wrap="none" rtlCol="0">
+            <a:spAutoFit/>
+          </a:bodyPr>
+          <a:lstStyle/>
+          <a:p>
+            <a:r>
+              <a:rPr lang="en-US" altLang="ko-KR" sz="8000" b="1" dirty="0">
+                <a:solidFill>
+                  <a:srgbClr val="FFC000"/>
+                </a:solidFill>
+                <a:latin typeface="MS PGothic" panose="020B0600070205080204" pitchFamily="34" charset="-128"/>
+                <a:ea typeface="MS PGothic" panose="020B0600070205080204" pitchFamily="34" charset="-128"/>
+              </a:rPr>
+              <a:t>Note</a:t>
+            </a:r>
+            <a:endParaRPr lang="ko-KR" altLang="en-US" sz="8000" b="1" dirty="0">
+              <a:solidFill>
+                <a:srgbClr val="FFC000"/>
+              </a:solidFill>
+              <a:latin typeface="MS PGothic" panose="020B0600070205080204" pitchFamily="34" charset="-128"/>
+              <a:ea typeface="HD LOGO" panose="02020603020101020101" pitchFamily="18" charset="-127"/>
+            </a:endParaRPr>
+          </a:p>
+        </p:txBody>
+      </p:sp>
+      <p:sp>
+        <p:nvSpPr>
+          <p:cNvPr id="21" name="사각형: 둥근 모서리 20">
+            <a:extLst>
+              <a:ext uri="{FF2B5EF4-FFF2-40B4-BE49-F238E27FC236}">
+                <a16:creationId xmlns:a16="http://schemas.microsoft.com/office/drawing/2014/main" id="{C3088FFC-9295-7974-08A9-92E4107D23F7}"/>
+              </a:ext>
+            </a:extLst>
+          </p:cNvPr>
+          <p:cNvSpPr/>
+          <p:nvPr/>
+        </p:nvSpPr>
+        <p:spPr>
+          <a:xfrm>
+            <a:off x="531093" y="831273"/>
+            <a:ext cx="4082473" cy="4017818"/>
+          </a:xfrm>
+          <a:prstGeom prst="roundRect">
+            <a:avLst>
+              <a:gd name="adj" fmla="val 20421"/>
+            </a:avLst>
+          </a:prstGeom>
+          <a:solidFill>
+            <a:schemeClr val="tx1"/>
+          </a:solidFill>
+          <a:ln w="212725">
+            <a:solidFill>
+              <a:srgbClr val="FFC000"/>
+            </a:solidFill>
+          </a:ln>
+        </p:spPr>
+        <p:style>
+          <a:lnRef idx="2">
+            <a:schemeClr val="accent1">
+              <a:shade val="15000"/>
+            </a:schemeClr>
+          </a:lnRef>
+          <a:fillRef idx="1">
+            <a:schemeClr val="accent1"/>
+          </a:fillRef>
+          <a:effectRef idx="0">
+            <a:schemeClr val="accent1"/>
+          </a:effectRef>
+          <a:fontRef idx="minor">
+            <a:schemeClr val="lt1"/>
+          </a:fontRef>
+        </p:style>
+        <p:txBody>
+          <a:bodyPr rtlCol="0" anchor="ctr"/>
+          <a:lstStyle/>
+          <a:p>
+            <a:pPr algn="ctr"/>
+            <a:endParaRPr lang="ko-KR" altLang="en-US"/>
+          </a:p>
+        </p:txBody>
+      </p:sp>
+      <p:sp>
+        <p:nvSpPr>
+          <p:cNvPr id="22" name="TextBox 21">
+            <a:extLst>
+              <a:ext uri="{FF2B5EF4-FFF2-40B4-BE49-F238E27FC236}">
+                <a16:creationId xmlns:a16="http://schemas.microsoft.com/office/drawing/2014/main" id="{A921451E-3356-49CA-8897-5F27633AD5C0}"/>
+              </a:ext>
+            </a:extLst>
+          </p:cNvPr>
+          <p:cNvSpPr txBox="1"/>
+          <p:nvPr/>
+        </p:nvSpPr>
+        <p:spPr>
+          <a:xfrm>
+            <a:off x="1359001" y="340164"/>
+            <a:ext cx="2528256" cy="4508927"/>
           </a:xfrm>
           <a:prstGeom prst="rect">
             <a:avLst/>
@@ -18538,312 +20189,29 @@
           <a:lstStyle/>
           <a:p>
             <a:r>
-              <a:rPr lang="en-US" altLang="ko-KR" sz="1200" dirty="0">
-                <a:latin typeface="리디바탕" panose="020B0600000101010101" pitchFamily="34" charset="-127"/>
-                <a:ea typeface="리디바탕" panose="020B0600000101010101" pitchFamily="34" charset="-127"/>
+              <a:rPr lang="en-US" altLang="ko-KR" sz="28700" b="1" dirty="0">
+                <a:solidFill>
+                  <a:srgbClr val="FFC000"/>
+                </a:solidFill>
+                <a:latin typeface="MS PGothic" panose="020B0600070205080204" pitchFamily="34" charset="-128"/>
+                <a:ea typeface="MS PGothic" panose="020B0600070205080204" pitchFamily="34" charset="-128"/>
               </a:rPr>
-              <a:t>Project Standard: Team Standard </a:t>
+              <a:t>B</a:t>
             </a:r>
-            <a:r>
-              <a:rPr lang="ko-KR" altLang="en-US" sz="1200" dirty="0">
-                <a:latin typeface="리디바탕" panose="020B0600000101010101" pitchFamily="34" charset="-127"/>
-                <a:ea typeface="리디바탕" panose="020B0600000101010101" pitchFamily="34" charset="-127"/>
-              </a:rPr>
-              <a:t>를 일부 수정하여 </a:t>
-            </a:r>
-            <a:r>
-              <a:rPr lang="en-US" altLang="ko-KR" sz="1200" dirty="0">
-                <a:latin typeface="리디바탕" panose="020B0600000101010101" pitchFamily="34" charset="-127"/>
-                <a:ea typeface="리디바탕" panose="020B0600000101010101" pitchFamily="34" charset="-127"/>
-              </a:rPr>
-              <a:t>Project</a:t>
-            </a:r>
-            <a:r>
-              <a:rPr lang="ko-KR" altLang="en-US" sz="1200" dirty="0">
-                <a:latin typeface="리디바탕" panose="020B0600000101010101" pitchFamily="34" charset="-127"/>
-                <a:ea typeface="리디바탕" panose="020B0600000101010101" pitchFamily="34" charset="-127"/>
-              </a:rPr>
-              <a:t>에 부합하는 </a:t>
-            </a:r>
-            <a:r>
-              <a:rPr lang="en-US" altLang="ko-KR" sz="1200" dirty="0">
-                <a:latin typeface="리디바탕" panose="020B0600000101010101" pitchFamily="34" charset="-127"/>
-                <a:ea typeface="리디바탕" panose="020B0600000101010101" pitchFamily="34" charset="-127"/>
-              </a:rPr>
-              <a:t>WM </a:t>
-            </a:r>
-            <a:r>
-              <a:rPr lang="ko-KR" altLang="en-US" sz="1200" dirty="0">
-                <a:latin typeface="리디바탕" panose="020B0600000101010101" pitchFamily="34" charset="-127"/>
-                <a:ea typeface="리디바탕" panose="020B0600000101010101" pitchFamily="34" charset="-127"/>
-              </a:rPr>
-              <a:t>조합</a:t>
-            </a:r>
-            <a:r>
-              <a:rPr lang="en-US" altLang="ko-KR" sz="1200" dirty="0">
-                <a:latin typeface="리디바탕" panose="020B0600000101010101" pitchFamily="34" charset="-127"/>
-                <a:ea typeface="리디바탕" panose="020B0600000101010101" pitchFamily="34" charset="-127"/>
-              </a:rPr>
-              <a:t> </a:t>
-            </a:r>
-            <a:r>
-              <a:rPr lang="ko-KR" altLang="en-US" sz="1200" dirty="0">
-                <a:latin typeface="리디바탕" panose="020B0600000101010101" pitchFamily="34" charset="-127"/>
-                <a:ea typeface="리디바탕" panose="020B0600000101010101" pitchFamily="34" charset="-127"/>
-              </a:rPr>
-              <a:t>사전 세팅</a:t>
-            </a:r>
-          </a:p>
-        </p:txBody>
-      </p:sp>
-      <p:cxnSp>
-        <p:nvCxnSpPr>
-          <p:cNvPr id="55" name="직선 화살표 연결선 54">
-            <a:extLst>
-              <a:ext uri="{FF2B5EF4-FFF2-40B4-BE49-F238E27FC236}">
-                <a16:creationId xmlns:a16="http://schemas.microsoft.com/office/drawing/2014/main" id="{9559E434-DD1B-8F49-E138-002E7C84710B}"/>
-              </a:ext>
-            </a:extLst>
-          </p:cNvPr>
-          <p:cNvCxnSpPr>
-            <a:cxnSpLocks/>
-          </p:cNvCxnSpPr>
-          <p:nvPr/>
-        </p:nvCxnSpPr>
-        <p:spPr>
-          <a:xfrm>
-            <a:off x="6096000" y="2619375"/>
-            <a:ext cx="0" cy="409575"/>
-          </a:xfrm>
-          <a:prstGeom prst="straightConnector1">
-            <a:avLst/>
-          </a:prstGeom>
-          <a:ln>
-            <a:prstDash val="dash"/>
-            <a:tailEnd type="stealth" w="lg" len="lg"/>
-          </a:ln>
-        </p:spPr>
-        <p:style>
-          <a:lnRef idx="2">
-            <a:schemeClr val="accent1"/>
-          </a:lnRef>
-          <a:fillRef idx="0">
-            <a:schemeClr val="accent1"/>
-          </a:fillRef>
-          <a:effectRef idx="1">
-            <a:schemeClr val="accent1"/>
-          </a:effectRef>
-          <a:fontRef idx="minor">
-            <a:schemeClr val="tx1"/>
-          </a:fontRef>
-        </p:style>
-      </p:cxnSp>
-      <p:sp>
-        <p:nvSpPr>
-          <p:cNvPr id="57" name="TextBox 56">
-            <a:extLst>
-              <a:ext uri="{FF2B5EF4-FFF2-40B4-BE49-F238E27FC236}">
-                <a16:creationId xmlns:a16="http://schemas.microsoft.com/office/drawing/2014/main" id="{E4EEF2AC-A599-A90B-038B-1860FF575A88}"/>
-              </a:ext>
-            </a:extLst>
-          </p:cNvPr>
-          <p:cNvSpPr txBox="1"/>
-          <p:nvPr/>
-        </p:nvSpPr>
-        <p:spPr>
-          <a:xfrm>
-            <a:off x="4186790" y="3205606"/>
-            <a:ext cx="4252360" cy="276999"/>
-          </a:xfrm>
-          <a:prstGeom prst="rect">
-            <a:avLst/>
-          </a:prstGeom>
-          <a:noFill/>
-        </p:spPr>
-        <p:txBody>
-          <a:bodyPr wrap="square" rtlCol="0">
-            <a:spAutoFit/>
-          </a:bodyPr>
-          <a:lstStyle/>
-          <a:p>
-            <a:r>
-              <a:rPr lang="en-US" altLang="ko-KR" sz="1200" dirty="0">
-                <a:latin typeface="리디바탕" panose="020B0600000101010101" pitchFamily="34" charset="-127"/>
-                <a:ea typeface="리디바탕" panose="020B0600000101010101" pitchFamily="34" charset="-127"/>
-              </a:rPr>
-              <a:t>Project Apply 1: </a:t>
-            </a:r>
-            <a:r>
-              <a:rPr lang="ko-KR" altLang="en-US" sz="1200" dirty="0">
-                <a:latin typeface="리디바탕" panose="020B0600000101010101" pitchFamily="34" charset="-127"/>
-                <a:ea typeface="리디바탕" panose="020B0600000101010101" pitchFamily="34" charset="-127"/>
-              </a:rPr>
-              <a:t>프로젝트에 속한 </a:t>
-            </a:r>
-            <a:r>
-              <a:rPr lang="en-US" altLang="ko-KR" sz="1200" dirty="0">
-                <a:latin typeface="리디바탕" panose="020B0600000101010101" pitchFamily="34" charset="-127"/>
-                <a:ea typeface="리디바탕" panose="020B0600000101010101" pitchFamily="34" charset="-127"/>
-              </a:rPr>
-              <a:t>Building </a:t>
-            </a:r>
-            <a:r>
-              <a:rPr lang="ko-KR" altLang="en-US" sz="1200" dirty="0">
-                <a:latin typeface="리디바탕" panose="020B0600000101010101" pitchFamily="34" charset="-127"/>
-                <a:ea typeface="리디바탕" panose="020B0600000101010101" pitchFamily="34" charset="-127"/>
-              </a:rPr>
-              <a:t>명 입력</a:t>
-            </a:r>
-          </a:p>
-        </p:txBody>
-      </p:sp>
-      <p:cxnSp>
-        <p:nvCxnSpPr>
-          <p:cNvPr id="59" name="직선 화살표 연결선 58">
-            <a:extLst>
-              <a:ext uri="{FF2B5EF4-FFF2-40B4-BE49-F238E27FC236}">
-                <a16:creationId xmlns:a16="http://schemas.microsoft.com/office/drawing/2014/main" id="{B593B806-9D2A-827E-8A4B-F9621E76ECA2}"/>
-              </a:ext>
-            </a:extLst>
-          </p:cNvPr>
-          <p:cNvCxnSpPr>
-            <a:cxnSpLocks/>
-          </p:cNvCxnSpPr>
-          <p:nvPr/>
-        </p:nvCxnSpPr>
-        <p:spPr>
-          <a:xfrm>
-            <a:off x="6096000" y="3752850"/>
-            <a:ext cx="0" cy="409575"/>
-          </a:xfrm>
-          <a:prstGeom prst="straightConnector1">
-            <a:avLst/>
-          </a:prstGeom>
-          <a:ln>
-            <a:prstDash val="dash"/>
-            <a:tailEnd type="stealth" w="lg" len="lg"/>
-          </a:ln>
-        </p:spPr>
-        <p:style>
-          <a:lnRef idx="2">
-            <a:schemeClr val="accent1"/>
-          </a:lnRef>
-          <a:fillRef idx="0">
-            <a:schemeClr val="accent1"/>
-          </a:fillRef>
-          <a:effectRef idx="1">
-            <a:schemeClr val="accent1"/>
-          </a:effectRef>
-          <a:fontRef idx="minor">
-            <a:schemeClr val="tx1"/>
-          </a:fontRef>
-        </p:style>
-      </p:cxnSp>
-      <p:sp>
-        <p:nvSpPr>
-          <p:cNvPr id="60" name="TextBox 59">
-            <a:extLst>
-              <a:ext uri="{FF2B5EF4-FFF2-40B4-BE49-F238E27FC236}">
-                <a16:creationId xmlns:a16="http://schemas.microsoft.com/office/drawing/2014/main" id="{2FA587E7-AC00-B690-BE5A-4E30A0234A43}"/>
-              </a:ext>
-            </a:extLst>
-          </p:cNvPr>
-          <p:cNvSpPr txBox="1"/>
-          <p:nvPr/>
-        </p:nvSpPr>
-        <p:spPr>
-          <a:xfrm>
-            <a:off x="4186790" y="4305154"/>
-            <a:ext cx="4252360" cy="461665"/>
-          </a:xfrm>
-          <a:prstGeom prst="rect">
-            <a:avLst/>
-          </a:prstGeom>
-          <a:noFill/>
-        </p:spPr>
-        <p:txBody>
-          <a:bodyPr wrap="square" rtlCol="0">
-            <a:spAutoFit/>
-          </a:bodyPr>
-          <a:lstStyle/>
-          <a:p>
-            <a:r>
-              <a:rPr lang="en-US" altLang="ko-KR" sz="1200" dirty="0">
-                <a:latin typeface="리디바탕" panose="020B0600000101010101" pitchFamily="34" charset="-127"/>
-                <a:ea typeface="리디바탕" panose="020B0600000101010101" pitchFamily="34" charset="-127"/>
-              </a:rPr>
-              <a:t>Project Apply 2: </a:t>
-            </a:r>
-            <a:r>
-              <a:rPr lang="ko-KR" altLang="en-US" sz="1200" dirty="0">
-                <a:latin typeface="리디바탕" panose="020B0600000101010101" pitchFamily="34" charset="-127"/>
-                <a:ea typeface="리디바탕" panose="020B0600000101010101" pitchFamily="34" charset="-127"/>
-              </a:rPr>
-              <a:t>빌딩 별</a:t>
-            </a:r>
-            <a:r>
-              <a:rPr lang="en-US" altLang="ko-KR" sz="1200" dirty="0">
-                <a:latin typeface="리디바탕" panose="020B0600000101010101" pitchFamily="34" charset="-127"/>
-                <a:ea typeface="리디바탕" panose="020B0600000101010101" pitchFamily="34" charset="-127"/>
-              </a:rPr>
-              <a:t>, Project Standard </a:t>
-            </a:r>
-            <a:r>
-              <a:rPr lang="ko-KR" altLang="en-US" sz="1200" dirty="0">
-                <a:latin typeface="리디바탕" panose="020B0600000101010101" pitchFamily="34" charset="-127"/>
-                <a:ea typeface="리디바탕" panose="020B0600000101010101" pitchFamily="34" charset="-127"/>
-              </a:rPr>
-              <a:t>타입에</a:t>
-            </a:r>
-            <a:r>
-              <a:rPr lang="en-US" altLang="ko-KR" sz="1200" dirty="0">
-                <a:latin typeface="리디바탕" panose="020B0600000101010101" pitchFamily="34" charset="-127"/>
-                <a:ea typeface="리디바탕" panose="020B0600000101010101" pitchFamily="34" charset="-127"/>
-              </a:rPr>
-              <a:t> </a:t>
-            </a:r>
-            <a:r>
-              <a:rPr lang="ko-KR" altLang="en-US" sz="1200" dirty="0">
-                <a:latin typeface="리디바탕" panose="020B0600000101010101" pitchFamily="34" charset="-127"/>
-                <a:ea typeface="리디바탕" panose="020B0600000101010101" pitchFamily="34" charset="-127"/>
-              </a:rPr>
-              <a:t>입찰 </a:t>
-            </a:r>
-            <a:r>
-              <a:rPr lang="en-US" altLang="ko-KR" sz="1200" dirty="0">
-                <a:latin typeface="리디바탕" panose="020B0600000101010101" pitchFamily="34" charset="-127"/>
-                <a:ea typeface="리디바탕" panose="020B0600000101010101" pitchFamily="34" charset="-127"/>
-              </a:rPr>
-              <a:t>/ </a:t>
-            </a:r>
-            <a:r>
-              <a:rPr lang="ko-KR" altLang="en-US" sz="1200" dirty="0">
-                <a:latin typeface="리디바탕" panose="020B0600000101010101" pitchFamily="34" charset="-127"/>
-                <a:ea typeface="리디바탕" panose="020B0600000101010101" pitchFamily="34" charset="-127"/>
-              </a:rPr>
-              <a:t>실행 용으로 작성된 </a:t>
-            </a:r>
-            <a:r>
-              <a:rPr lang="en-US" altLang="ko-KR" sz="1200" dirty="0">
-                <a:latin typeface="리디바탕" panose="020B0600000101010101" pitchFamily="34" charset="-127"/>
-                <a:ea typeface="리디바탕" panose="020B0600000101010101" pitchFamily="34" charset="-127"/>
-              </a:rPr>
-              <a:t>Revit </a:t>
-            </a:r>
-            <a:r>
-              <a:rPr lang="ko-KR" altLang="en-US" sz="1200" dirty="0">
-                <a:latin typeface="리디바탕" panose="020B0600000101010101" pitchFamily="34" charset="-127"/>
-                <a:ea typeface="리디바탕" panose="020B0600000101010101" pitchFamily="34" charset="-127"/>
-              </a:rPr>
-              <a:t>타입 매칭</a:t>
-            </a:r>
+            <a:endParaRPr lang="ko-KR" altLang="en-US" sz="28700" b="1" dirty="0">
+              <a:solidFill>
+                <a:srgbClr val="FFC000"/>
+              </a:solidFill>
+              <a:latin typeface="MS PGothic" panose="020B0600070205080204" pitchFamily="34" charset="-128"/>
+              <a:ea typeface="HD LOGO" panose="02020603020101020101" pitchFamily="18" charset="-127"/>
+            </a:endParaRPr>
           </a:p>
         </p:txBody>
       </p:sp>
     </p:spTree>
     <p:extLst>
       <p:ext uri="{BB962C8B-B14F-4D97-AF65-F5344CB8AC3E}">
-        <p14:creationId xmlns:p14="http://schemas.microsoft.com/office/powerpoint/2010/main" val="288011756"/>
+        <p14:creationId xmlns:p14="http://schemas.microsoft.com/office/powerpoint/2010/main" val="303888373"/>
       </p:ext>
     </p:extLst>
   </p:cSld>
@@ -18870,444 +20238,68 @@
           <a:chExt cx="0" cy="0"/>
         </a:xfrm>
       </p:grpSpPr>
-      <p:sp>
-        <p:nvSpPr>
-          <p:cNvPr id="4" name="직사각형 3">
+      <p:pic>
+        <p:nvPicPr>
+          <p:cNvPr id="6" name="그림 5">
             <a:extLst>
               <a:ext uri="{FF2B5EF4-FFF2-40B4-BE49-F238E27FC236}">
-                <a16:creationId xmlns:a16="http://schemas.microsoft.com/office/drawing/2014/main" id="{362C970C-5A6B-0EE0-C37A-699D9E0103B4}"/>
+                <a16:creationId xmlns:a16="http://schemas.microsoft.com/office/drawing/2014/main" id="{7A919FEE-518E-5EBE-E31F-CA90ECA56AA0}"/>
               </a:ext>
             </a:extLst>
           </p:cNvPr>
-          <p:cNvSpPr/>
+          <p:cNvPicPr>
+            <a:picLocks noChangeAspect="1"/>
+          </p:cNvPicPr>
           <p:nvPr/>
-        </p:nvSpPr>
+        </p:nvPicPr>
+        <p:blipFill>
+          <a:blip r:embed="rId2"/>
+          <a:srcRect l="17408" t="18623" r="18559" b="25926"/>
+          <a:stretch/>
+        </p:blipFill>
         <p:spPr>
           <a:xfrm>
-            <a:off x="3815565" y="986135"/>
-            <a:ext cx="4560864" cy="923330"/>
+            <a:off x="1019175" y="1277257"/>
+            <a:ext cx="3843338" cy="3802744"/>
           </a:xfrm>
           <a:prstGeom prst="rect">
             <a:avLst/>
           </a:prstGeom>
-          <a:noFill/>
         </p:spPr>
-        <p:txBody>
-          <a:bodyPr wrap="none" lIns="91440" tIns="45720" rIns="91440" bIns="45720">
-            <a:spAutoFit/>
-          </a:bodyPr>
-          <a:lstStyle/>
-          <a:p>
-            <a:pPr algn="ctr"/>
-            <a:r>
-              <a:rPr lang="en-US" altLang="ko-KR" sz="5400" b="1" dirty="0">
-                <a:ln w="12700">
-                  <a:solidFill>
-                    <a:schemeClr val="accent1">
-                      <a:alpha val="33000"/>
-                    </a:schemeClr>
-                  </a:solidFill>
-                  <a:prstDash val="solid"/>
-                </a:ln>
-                <a:pattFill prst="pct50">
-                  <a:fgClr>
-                    <a:schemeClr val="bg1">
-                      <a:lumMod val="50000"/>
-                    </a:schemeClr>
-                  </a:fgClr>
-                  <a:bgClr>
-                    <a:schemeClr val="bg1">
-                      <a:lumMod val="85000"/>
-                    </a:schemeClr>
-                  </a:bgClr>
-                </a:pattFill>
-                <a:effectLst>
-                  <a:outerShdw dist="38100" dir="2640000" algn="bl" rotWithShape="0">
-                    <a:schemeClr val="accent1"/>
-                  </a:outerShdw>
-                </a:effectLst>
-                <a:latin typeface="디자인하우스 Bold" panose="020B0600000101010101" pitchFamily="50" charset="-127"/>
-                <a:ea typeface="디자인하우스 Bold" panose="020B0600000101010101" pitchFamily="50" charset="-127"/>
-              </a:rPr>
-              <a:t>Team Standard</a:t>
-            </a:r>
-            <a:endParaRPr lang="en-US" altLang="ko-KR" sz="5400" b="1" cap="none" spc="0" dirty="0">
-              <a:ln w="12700">
-                <a:solidFill>
-                  <a:schemeClr val="accent1">
-                    <a:alpha val="33000"/>
-                  </a:schemeClr>
-                </a:solidFill>
-                <a:prstDash val="solid"/>
-              </a:ln>
-              <a:pattFill prst="pct50">
-                <a:fgClr>
-                  <a:schemeClr val="bg1">
-                    <a:lumMod val="50000"/>
-                  </a:schemeClr>
-                </a:fgClr>
-                <a:bgClr>
-                  <a:schemeClr val="bg1">
-                    <a:lumMod val="85000"/>
-                  </a:schemeClr>
-                </a:bgClr>
-              </a:pattFill>
-              <a:effectLst>
-                <a:outerShdw dist="38100" dir="2640000" algn="bl" rotWithShape="0">
-                  <a:schemeClr val="accent1"/>
-                </a:outerShdw>
-              </a:effectLst>
-              <a:latin typeface="디자인하우스 Bold" panose="020B0600000101010101" pitchFamily="50" charset="-127"/>
-              <a:ea typeface="디자인하우스 Bold" panose="020B0600000101010101" pitchFamily="50" charset="-127"/>
-            </a:endParaRPr>
-          </a:p>
-        </p:txBody>
-      </p:sp>
-      <p:sp>
-        <p:nvSpPr>
-          <p:cNvPr id="5" name="직사각형 4">
+      </p:pic>
+      <p:pic>
+        <p:nvPicPr>
+          <p:cNvPr id="12" name="그림 11">
             <a:extLst>
               <a:ext uri="{FF2B5EF4-FFF2-40B4-BE49-F238E27FC236}">
-                <a16:creationId xmlns:a16="http://schemas.microsoft.com/office/drawing/2014/main" id="{A7629D7F-2A1D-DF54-9E37-050A09205727}"/>
+                <a16:creationId xmlns:a16="http://schemas.microsoft.com/office/drawing/2014/main" id="{823BFFAF-68F4-5764-4CC6-627A2F7EC3DB}"/>
               </a:ext>
             </a:extLst>
           </p:cNvPr>
-          <p:cNvSpPr/>
+          <p:cNvPicPr>
+            <a:picLocks noChangeAspect="1"/>
+          </p:cNvPicPr>
           <p:nvPr/>
-        </p:nvSpPr>
+        </p:nvPicPr>
+        <p:blipFill>
+          <a:blip r:embed="rId3"/>
+          <a:srcRect l="19381" t="18624" r="5389" b="25926"/>
+          <a:stretch/>
+        </p:blipFill>
         <p:spPr>
           <a:xfrm>
-            <a:off x="3608779" y="2981920"/>
-            <a:ext cx="4974439" cy="923330"/>
+            <a:off x="6096001" y="1277257"/>
+            <a:ext cx="5384800" cy="3802744"/>
           </a:xfrm>
           <a:prstGeom prst="rect">
             <a:avLst/>
           </a:prstGeom>
-          <a:noFill/>
         </p:spPr>
-        <p:txBody>
-          <a:bodyPr wrap="none" lIns="91440" tIns="45720" rIns="91440" bIns="45720">
-            <a:spAutoFit/>
-          </a:bodyPr>
-          <a:lstStyle/>
-          <a:p>
-            <a:pPr algn="ctr"/>
-            <a:r>
-              <a:rPr lang="en-US" altLang="ko-KR" sz="5400" b="1" dirty="0">
-                <a:ln w="12700">
-                  <a:solidFill>
-                    <a:schemeClr val="accent1"/>
-                  </a:solidFill>
-                  <a:prstDash val="solid"/>
-                </a:ln>
-                <a:pattFill prst="pct50">
-                  <a:fgClr>
-                    <a:schemeClr val="accent1"/>
-                  </a:fgClr>
-                  <a:bgClr>
-                    <a:schemeClr val="accent1">
-                      <a:lumMod val="20000"/>
-                      <a:lumOff val="80000"/>
-                    </a:schemeClr>
-                  </a:bgClr>
-                </a:pattFill>
-                <a:effectLst>
-                  <a:outerShdw dist="38100" dir="2640000" algn="bl" rotWithShape="0">
-                    <a:schemeClr val="accent1"/>
-                  </a:outerShdw>
-                </a:effectLst>
-                <a:latin typeface="디자인하우스 Bold" panose="020B0600000101010101" pitchFamily="50" charset="-127"/>
-                <a:ea typeface="디자인하우스 Bold" panose="020B0600000101010101" pitchFamily="50" charset="-127"/>
-              </a:rPr>
-              <a:t>Project Standard</a:t>
-            </a:r>
-            <a:endParaRPr lang="en-US" altLang="ko-KR" sz="5400" b="1" cap="none" spc="0" dirty="0">
-              <a:ln w="12700">
-                <a:solidFill>
-                  <a:schemeClr val="accent1"/>
-                </a:solidFill>
-                <a:prstDash val="solid"/>
-              </a:ln>
-              <a:pattFill prst="pct50">
-                <a:fgClr>
-                  <a:schemeClr val="accent1"/>
-                </a:fgClr>
-                <a:bgClr>
-                  <a:schemeClr val="accent1">
-                    <a:lumMod val="20000"/>
-                    <a:lumOff val="80000"/>
-                  </a:schemeClr>
-                </a:bgClr>
-              </a:pattFill>
-              <a:effectLst>
-                <a:outerShdw dist="38100" dir="2640000" algn="bl" rotWithShape="0">
-                  <a:schemeClr val="accent1"/>
-                </a:outerShdw>
-              </a:effectLst>
-              <a:latin typeface="디자인하우스 Bold" panose="020B0600000101010101" pitchFamily="50" charset="-127"/>
-              <a:ea typeface="디자인하우스 Bold" panose="020B0600000101010101" pitchFamily="50" charset="-127"/>
-            </a:endParaRPr>
-          </a:p>
-        </p:txBody>
-      </p:sp>
-      <p:sp>
-        <p:nvSpPr>
-          <p:cNvPr id="6" name="직사각형 5">
-            <a:extLst>
-              <a:ext uri="{FF2B5EF4-FFF2-40B4-BE49-F238E27FC236}">
-                <a16:creationId xmlns:a16="http://schemas.microsoft.com/office/drawing/2014/main" id="{6EB14060-D22F-77E1-F0EF-D004E171725E}"/>
-              </a:ext>
-            </a:extLst>
-          </p:cNvPr>
-          <p:cNvSpPr/>
-          <p:nvPr/>
-        </p:nvSpPr>
-        <p:spPr>
-          <a:xfrm>
-            <a:off x="4088880" y="4977705"/>
-            <a:ext cx="4014240" cy="923330"/>
-          </a:xfrm>
-          <a:prstGeom prst="rect">
-            <a:avLst/>
-          </a:prstGeom>
-          <a:noFill/>
-        </p:spPr>
-        <p:txBody>
-          <a:bodyPr wrap="none" lIns="91440" tIns="45720" rIns="91440" bIns="45720">
-            <a:spAutoFit/>
-          </a:bodyPr>
-          <a:lstStyle/>
-          <a:p>
-            <a:pPr algn="ctr"/>
-            <a:r>
-              <a:rPr lang="en-US" altLang="ko-KR" sz="5400" b="1" dirty="0">
-                <a:ln w="12700">
-                  <a:solidFill>
-                    <a:schemeClr val="accent1"/>
-                  </a:solidFill>
-                  <a:prstDash val="solid"/>
-                </a:ln>
-                <a:pattFill prst="pct50">
-                  <a:fgClr>
-                    <a:schemeClr val="accent5">
-                      <a:lumMod val="75000"/>
-                    </a:schemeClr>
-                  </a:fgClr>
-                  <a:bgClr>
-                    <a:schemeClr val="accent5">
-                      <a:lumMod val="40000"/>
-                      <a:lumOff val="60000"/>
-                    </a:schemeClr>
-                  </a:bgClr>
-                </a:pattFill>
-                <a:effectLst>
-                  <a:outerShdw dist="38100" dir="2640000" algn="bl" rotWithShape="0">
-                    <a:schemeClr val="accent1"/>
-                  </a:outerShdw>
-                </a:effectLst>
-                <a:latin typeface="디자인하우스 Bold" panose="020B0600000101010101" pitchFamily="50" charset="-127"/>
-                <a:ea typeface="디자인하우스 Bold" panose="020B0600000101010101" pitchFamily="50" charset="-127"/>
-              </a:rPr>
-              <a:t>Project Apply</a:t>
-            </a:r>
-            <a:endParaRPr lang="en-US" altLang="ko-KR" sz="5400" b="1" cap="none" spc="0" dirty="0">
-              <a:ln w="12700">
-                <a:solidFill>
-                  <a:schemeClr val="accent1"/>
-                </a:solidFill>
-                <a:prstDash val="solid"/>
-              </a:ln>
-              <a:pattFill prst="pct50">
-                <a:fgClr>
-                  <a:schemeClr val="accent5">
-                    <a:lumMod val="75000"/>
-                  </a:schemeClr>
-                </a:fgClr>
-                <a:bgClr>
-                  <a:schemeClr val="accent5">
-                    <a:lumMod val="40000"/>
-                    <a:lumOff val="60000"/>
-                  </a:schemeClr>
-                </a:bgClr>
-              </a:pattFill>
-              <a:effectLst>
-                <a:outerShdw dist="38100" dir="2640000" algn="bl" rotWithShape="0">
-                  <a:schemeClr val="accent1"/>
-                </a:outerShdw>
-              </a:effectLst>
-              <a:latin typeface="디자인하우스 Bold" panose="020B0600000101010101" pitchFamily="50" charset="-127"/>
-              <a:ea typeface="디자인하우스 Bold" panose="020B0600000101010101" pitchFamily="50" charset="-127"/>
-            </a:endParaRPr>
-          </a:p>
-        </p:txBody>
-      </p:sp>
-      <p:sp>
-        <p:nvSpPr>
-          <p:cNvPr id="8" name="순서도: 병합 7">
-            <a:extLst>
-              <a:ext uri="{FF2B5EF4-FFF2-40B4-BE49-F238E27FC236}">
-                <a16:creationId xmlns:a16="http://schemas.microsoft.com/office/drawing/2014/main" id="{FD2C6B6D-A346-7180-2404-9A63AA38D5A4}"/>
-              </a:ext>
-            </a:extLst>
-          </p:cNvPr>
-          <p:cNvSpPr/>
-          <p:nvPr/>
-        </p:nvSpPr>
-        <p:spPr>
-          <a:xfrm>
-            <a:off x="5825996" y="2095500"/>
-            <a:ext cx="540000" cy="108000"/>
-          </a:xfrm>
-          <a:prstGeom prst="flowChartMerge">
-            <a:avLst/>
-          </a:prstGeom>
-          <a:solidFill>
-            <a:schemeClr val="tx1">
-              <a:alpha val="56000"/>
-            </a:schemeClr>
-          </a:solidFill>
-          <a:ln>
-            <a:noFill/>
-          </a:ln>
-        </p:spPr>
-        <p:style>
-          <a:lnRef idx="2">
-            <a:schemeClr val="accent1">
-              <a:shade val="15000"/>
-            </a:schemeClr>
-          </a:lnRef>
-          <a:fillRef idx="1">
-            <a:schemeClr val="accent1"/>
-          </a:fillRef>
-          <a:effectRef idx="0">
-            <a:schemeClr val="accent1"/>
-          </a:effectRef>
-          <a:fontRef idx="minor">
-            <a:schemeClr val="lt1"/>
-          </a:fontRef>
-        </p:style>
-        <p:txBody>
-          <a:bodyPr rtlCol="0" anchor="ctr"/>
-          <a:lstStyle/>
-          <a:p>
-            <a:pPr algn="ctr"/>
-            <a:endParaRPr lang="ko-KR" altLang="en-US"/>
-          </a:p>
-        </p:txBody>
-      </p:sp>
-      <p:sp>
-        <p:nvSpPr>
-          <p:cNvPr id="10" name="순서도: 병합 9">
-            <a:extLst>
-              <a:ext uri="{FF2B5EF4-FFF2-40B4-BE49-F238E27FC236}">
-                <a16:creationId xmlns:a16="http://schemas.microsoft.com/office/drawing/2014/main" id="{9987C965-6FF2-D23A-E216-775C8E052184}"/>
-              </a:ext>
-            </a:extLst>
-          </p:cNvPr>
-          <p:cNvSpPr/>
-          <p:nvPr/>
-        </p:nvSpPr>
-        <p:spPr>
-          <a:xfrm>
-            <a:off x="5825996" y="4279477"/>
-            <a:ext cx="540000" cy="108000"/>
-          </a:xfrm>
-          <a:prstGeom prst="flowChartMerge">
-            <a:avLst/>
-          </a:prstGeom>
-          <a:solidFill>
-            <a:schemeClr val="tx1">
-              <a:alpha val="56000"/>
-            </a:schemeClr>
-          </a:solidFill>
-          <a:ln>
-            <a:noFill/>
-          </a:ln>
-        </p:spPr>
-        <p:style>
-          <a:lnRef idx="2">
-            <a:schemeClr val="accent1">
-              <a:shade val="15000"/>
-            </a:schemeClr>
-          </a:lnRef>
-          <a:fillRef idx="1">
-            <a:schemeClr val="accent1"/>
-          </a:fillRef>
-          <a:effectRef idx="0">
-            <a:schemeClr val="accent1"/>
-          </a:effectRef>
-          <a:fontRef idx="minor">
-            <a:schemeClr val="lt1"/>
-          </a:fontRef>
-        </p:style>
-        <p:txBody>
-          <a:bodyPr rtlCol="0" anchor="ctr"/>
-          <a:lstStyle/>
-          <a:p>
-            <a:pPr algn="ctr"/>
-            <a:endParaRPr lang="ko-KR" altLang="en-US"/>
-          </a:p>
-        </p:txBody>
-      </p:sp>
-      <p:sp>
-        <p:nvSpPr>
-          <p:cNvPr id="11" name="사각형: 둥근 모서리 10">
-            <a:extLst>
-              <a:ext uri="{FF2B5EF4-FFF2-40B4-BE49-F238E27FC236}">
-                <a16:creationId xmlns:a16="http://schemas.microsoft.com/office/drawing/2014/main" id="{2C97DE32-B7DF-4F0B-F75E-43137C7E6449}"/>
-              </a:ext>
-            </a:extLst>
-          </p:cNvPr>
-          <p:cNvSpPr/>
-          <p:nvPr/>
-        </p:nvSpPr>
-        <p:spPr>
-          <a:xfrm>
-            <a:off x="3467100" y="2895600"/>
-            <a:ext cx="5334000" cy="2870200"/>
-          </a:xfrm>
-          <a:prstGeom prst="roundRect">
-            <a:avLst/>
-          </a:prstGeom>
-          <a:noFill/>
-          <a:ln>
-            <a:solidFill>
-              <a:schemeClr val="bg1">
-                <a:lumMod val="85000"/>
-              </a:schemeClr>
-            </a:solidFill>
-            <a:prstDash val="dash"/>
-          </a:ln>
-        </p:spPr>
-        <p:style>
-          <a:lnRef idx="2">
-            <a:schemeClr val="accent1">
-              <a:shade val="15000"/>
-            </a:schemeClr>
-          </a:lnRef>
-          <a:fillRef idx="1">
-            <a:schemeClr val="accent1"/>
-          </a:fillRef>
-          <a:effectRef idx="0">
-            <a:schemeClr val="accent1"/>
-          </a:effectRef>
-          <a:fontRef idx="minor">
-            <a:schemeClr val="lt1"/>
-          </a:fontRef>
-        </p:style>
-        <p:txBody>
-          <a:bodyPr rtlCol="0" anchor="ctr"/>
-          <a:lstStyle/>
-          <a:p>
-            <a:pPr algn="ctr"/>
-            <a:endParaRPr lang="ko-KR" altLang="en-US"/>
-          </a:p>
-        </p:txBody>
-      </p:sp>
+      </p:pic>
     </p:spTree>
     <p:extLst>
       <p:ext uri="{BB962C8B-B14F-4D97-AF65-F5344CB8AC3E}">
-        <p14:creationId xmlns:p14="http://schemas.microsoft.com/office/powerpoint/2010/main" val="2177619887"/>
+        <p14:creationId xmlns:p14="http://schemas.microsoft.com/office/powerpoint/2010/main" val="1091722817"/>
       </p:ext>
     </p:extLst>
   </p:cSld>
@@ -19632,6 +20624,321 @@
 </a:theme>
 </file>
 
+<file path=ppt/theme/theme2.xml><?xml version="1.0" encoding="utf-8"?>
+<a:theme xmlns:a="http://schemas.openxmlformats.org/drawingml/2006/main" name="Office 테마">
+  <a:themeElements>
+    <a:clrScheme name="Office">
+      <a:dk1>
+        <a:sysClr val="windowText" lastClr="000000"/>
+      </a:dk1>
+      <a:lt1>
+        <a:sysClr val="window" lastClr="FFFFFF"/>
+      </a:lt1>
+      <a:dk2>
+        <a:srgbClr val="0E2841"/>
+      </a:dk2>
+      <a:lt2>
+        <a:srgbClr val="E8E8E8"/>
+      </a:lt2>
+      <a:accent1>
+        <a:srgbClr val="156082"/>
+      </a:accent1>
+      <a:accent2>
+        <a:srgbClr val="E97132"/>
+      </a:accent2>
+      <a:accent3>
+        <a:srgbClr val="196B24"/>
+      </a:accent3>
+      <a:accent4>
+        <a:srgbClr val="0F9ED5"/>
+      </a:accent4>
+      <a:accent5>
+        <a:srgbClr val="A02B93"/>
+      </a:accent5>
+      <a:accent6>
+        <a:srgbClr val="4EA72E"/>
+      </a:accent6>
+      <a:hlink>
+        <a:srgbClr val="467886"/>
+      </a:hlink>
+      <a:folHlink>
+        <a:srgbClr val="96607D"/>
+      </a:folHlink>
+    </a:clrScheme>
+    <a:fontScheme name="Office">
+      <a:majorFont>
+        <a:latin typeface="맑은 고딕" panose="02110004020202020204"/>
+        <a:ea typeface=""/>
+        <a:cs typeface=""/>
+        <a:font script="Jpan" typeface="游ゴシック Light"/>
+        <a:font script="Hang" typeface="맑은 고딕"/>
+        <a:font script="Hans" typeface="等线 Light"/>
+        <a:font script="Hant" typeface="新細明體"/>
+        <a:font script="Arab" typeface="Times New Roman"/>
+        <a:font script="Hebr" typeface="Times New Roman"/>
+        <a:font script="Thai" typeface="Angsana New"/>
+        <a:font script="Ethi" typeface="Nyala"/>
+        <a:font script="Beng" typeface="Vrinda"/>
+        <a:font script="Gujr" typeface="Shruti"/>
+        <a:font script="Khmr" typeface="MoolBoran"/>
+        <a:font script="Knda" typeface="Tunga"/>
+        <a:font script="Guru" typeface="Raavi"/>
+        <a:font script="Cans" typeface="Euphemia"/>
+        <a:font script="Cher" typeface="Plantagenet Cherokee"/>
+        <a:font script="Yiii" typeface="Microsoft Yi Baiti"/>
+        <a:font script="Tibt" typeface="Microsoft Himalaya"/>
+        <a:font script="Thaa" typeface="MV Boli"/>
+        <a:font script="Deva" typeface="Mangal"/>
+        <a:font script="Telu" typeface="Gautami"/>
+        <a:font script="Taml" typeface="Latha"/>
+        <a:font script="Syrc" typeface="Estrangelo Edessa"/>
+        <a:font script="Orya" typeface="Kalinga"/>
+        <a:font script="Mlym" typeface="Kartika"/>
+        <a:font script="Laoo" typeface="DokChampa"/>
+        <a:font script="Sinh" typeface="Iskoola Pota"/>
+        <a:font script="Mong" typeface="Mongolian Baiti"/>
+        <a:font script="Viet" typeface="Times New Roman"/>
+        <a:font script="Uigh" typeface="Microsoft Uighur"/>
+        <a:font script="Geor" typeface="Sylfaen"/>
+        <a:font script="Armn" typeface="Arial"/>
+        <a:font script="Bugi" typeface="Leelawadee UI"/>
+        <a:font script="Bopo" typeface="Microsoft JhengHei"/>
+        <a:font script="Java" typeface="Javanese Text"/>
+        <a:font script="Lisu" typeface="Segoe UI"/>
+        <a:font script="Mymr" typeface="Myanmar Text"/>
+        <a:font script="Nkoo" typeface="Ebrima"/>
+        <a:font script="Olck" typeface="Nirmala UI"/>
+        <a:font script="Osma" typeface="Ebrima"/>
+        <a:font script="Phag" typeface="Phagspa"/>
+        <a:font script="Syrn" typeface="Estrangelo Edessa"/>
+        <a:font script="Syrj" typeface="Estrangelo Edessa"/>
+        <a:font script="Syre" typeface="Estrangelo Edessa"/>
+        <a:font script="Sora" typeface="Nirmala UI"/>
+        <a:font script="Tale" typeface="Microsoft Tai Le"/>
+        <a:font script="Talu" typeface="Microsoft New Tai Lue"/>
+        <a:font script="Tfng" typeface="Ebrima"/>
+      </a:majorFont>
+      <a:minorFont>
+        <a:latin typeface="맑은 고딕" panose="02110004020202020204"/>
+        <a:ea typeface=""/>
+        <a:cs typeface=""/>
+        <a:font script="Jpan" typeface="游ゴシック"/>
+        <a:font script="Hang" typeface="맑은 고딕"/>
+        <a:font script="Hans" typeface="等线"/>
+        <a:font script="Hant" typeface="新細明體"/>
+        <a:font script="Arab" typeface="Arial"/>
+        <a:font script="Hebr" typeface="Arial"/>
+        <a:font script="Thai" typeface="Cordia New"/>
+        <a:font script="Ethi" typeface="Nyala"/>
+        <a:font script="Beng" typeface="Vrinda"/>
+        <a:font script="Gujr" typeface="Shruti"/>
+        <a:font script="Khmr" typeface="DaunPenh"/>
+        <a:font script="Knda" typeface="Tunga"/>
+        <a:font script="Guru" typeface="Raavi"/>
+        <a:font script="Cans" typeface="Euphemia"/>
+        <a:font script="Cher" typeface="Plantagenet Cherokee"/>
+        <a:font script="Yiii" typeface="Microsoft Yi Baiti"/>
+        <a:font script="Tibt" typeface="Microsoft Himalaya"/>
+        <a:font script="Thaa" typeface="MV Boli"/>
+        <a:font script="Deva" typeface="Mangal"/>
+        <a:font script="Telu" typeface="Gautami"/>
+        <a:font script="Taml" typeface="Latha"/>
+        <a:font script="Syrc" typeface="Estrangelo Edessa"/>
+        <a:font script="Orya" typeface="Kalinga"/>
+        <a:font script="Mlym" typeface="Kartika"/>
+        <a:font script="Laoo" typeface="DokChampa"/>
+        <a:font script="Sinh" typeface="Iskoola Pota"/>
+        <a:font script="Mong" typeface="Mongolian Baiti"/>
+        <a:font script="Viet" typeface="Arial"/>
+        <a:font script="Uigh" typeface="Microsoft Uighur"/>
+        <a:font script="Geor" typeface="Sylfaen"/>
+        <a:font script="Armn" typeface="Arial"/>
+        <a:font script="Bugi" typeface="Leelawadee UI"/>
+        <a:font script="Bopo" typeface="Microsoft JhengHei"/>
+        <a:font script="Java" typeface="Javanese Text"/>
+        <a:font script="Lisu" typeface="Segoe UI"/>
+        <a:font script="Mymr" typeface="Myanmar Text"/>
+        <a:font script="Nkoo" typeface="Ebrima"/>
+        <a:font script="Olck" typeface="Nirmala UI"/>
+        <a:font script="Osma" typeface="Ebrima"/>
+        <a:font script="Phag" typeface="Phagspa"/>
+        <a:font script="Syrn" typeface="Estrangelo Edessa"/>
+        <a:font script="Syrj" typeface="Estrangelo Edessa"/>
+        <a:font script="Syre" typeface="Estrangelo Edessa"/>
+        <a:font script="Sora" typeface="Nirmala UI"/>
+        <a:font script="Tale" typeface="Microsoft Tai Le"/>
+        <a:font script="Talu" typeface="Microsoft New Tai Lue"/>
+        <a:font script="Tfng" typeface="Ebrima"/>
+      </a:minorFont>
+    </a:fontScheme>
+    <a:fmtScheme name="Office">
+      <a:fillStyleLst>
+        <a:solidFill>
+          <a:schemeClr val="phClr"/>
+        </a:solidFill>
+        <a:gradFill rotWithShape="1">
+          <a:gsLst>
+            <a:gs pos="0">
+              <a:schemeClr val="phClr">
+                <a:lumMod val="110000"/>
+                <a:satMod val="105000"/>
+                <a:tint val="67000"/>
+              </a:schemeClr>
+            </a:gs>
+            <a:gs pos="50000">
+              <a:schemeClr val="phClr">
+                <a:lumMod val="105000"/>
+                <a:satMod val="103000"/>
+                <a:tint val="73000"/>
+              </a:schemeClr>
+            </a:gs>
+            <a:gs pos="100000">
+              <a:schemeClr val="phClr">
+                <a:lumMod val="105000"/>
+                <a:satMod val="109000"/>
+                <a:tint val="81000"/>
+              </a:schemeClr>
+            </a:gs>
+          </a:gsLst>
+          <a:lin ang="5400000" scaled="0"/>
+        </a:gradFill>
+        <a:gradFill rotWithShape="1">
+          <a:gsLst>
+            <a:gs pos="0">
+              <a:schemeClr val="phClr">
+                <a:satMod val="103000"/>
+                <a:lumMod val="102000"/>
+                <a:tint val="94000"/>
+              </a:schemeClr>
+            </a:gs>
+            <a:gs pos="50000">
+              <a:schemeClr val="phClr">
+                <a:satMod val="110000"/>
+                <a:lumMod val="100000"/>
+                <a:shade val="100000"/>
+              </a:schemeClr>
+            </a:gs>
+            <a:gs pos="100000">
+              <a:schemeClr val="phClr">
+                <a:lumMod val="99000"/>
+                <a:satMod val="120000"/>
+                <a:shade val="78000"/>
+              </a:schemeClr>
+            </a:gs>
+          </a:gsLst>
+          <a:lin ang="5400000" scaled="0"/>
+        </a:gradFill>
+      </a:fillStyleLst>
+      <a:lnStyleLst>
+        <a:ln w="12700" cap="flat" cmpd="sng" algn="ctr">
+          <a:solidFill>
+            <a:schemeClr val="phClr"/>
+          </a:solidFill>
+          <a:prstDash val="solid"/>
+          <a:miter lim="800000"/>
+        </a:ln>
+        <a:ln w="19050" cap="flat" cmpd="sng" algn="ctr">
+          <a:solidFill>
+            <a:schemeClr val="phClr"/>
+          </a:solidFill>
+          <a:prstDash val="solid"/>
+          <a:miter lim="800000"/>
+        </a:ln>
+        <a:ln w="25400" cap="flat" cmpd="sng" algn="ctr">
+          <a:solidFill>
+            <a:schemeClr val="phClr"/>
+          </a:solidFill>
+          <a:prstDash val="solid"/>
+          <a:miter lim="800000"/>
+        </a:ln>
+      </a:lnStyleLst>
+      <a:effectStyleLst>
+        <a:effectStyle>
+          <a:effectLst/>
+        </a:effectStyle>
+        <a:effectStyle>
+          <a:effectLst/>
+        </a:effectStyle>
+        <a:effectStyle>
+          <a:effectLst>
+            <a:outerShdw blurRad="57150" dist="19050" dir="5400000" algn="ctr" rotWithShape="0">
+              <a:srgbClr val="000000">
+                <a:alpha val="63000"/>
+              </a:srgbClr>
+            </a:outerShdw>
+          </a:effectLst>
+        </a:effectStyle>
+      </a:effectStyleLst>
+      <a:bgFillStyleLst>
+        <a:solidFill>
+          <a:schemeClr val="phClr"/>
+        </a:solidFill>
+        <a:solidFill>
+          <a:schemeClr val="phClr">
+            <a:tint val="95000"/>
+            <a:satMod val="170000"/>
+          </a:schemeClr>
+        </a:solidFill>
+        <a:gradFill rotWithShape="1">
+          <a:gsLst>
+            <a:gs pos="0">
+              <a:schemeClr val="phClr">
+                <a:tint val="93000"/>
+                <a:satMod val="150000"/>
+                <a:shade val="98000"/>
+                <a:lumMod val="102000"/>
+              </a:schemeClr>
+            </a:gs>
+            <a:gs pos="50000">
+              <a:schemeClr val="phClr">
+                <a:tint val="98000"/>
+                <a:satMod val="130000"/>
+                <a:shade val="90000"/>
+                <a:lumMod val="103000"/>
+              </a:schemeClr>
+            </a:gs>
+            <a:gs pos="100000">
+              <a:schemeClr val="phClr">
+                <a:shade val="63000"/>
+                <a:satMod val="120000"/>
+              </a:schemeClr>
+            </a:gs>
+          </a:gsLst>
+          <a:lin ang="5400000" scaled="0"/>
+        </a:gradFill>
+      </a:bgFillStyleLst>
+    </a:fmtScheme>
+  </a:themeElements>
+  <a:objectDefaults>
+    <a:lnDef>
+      <a:spPr/>
+      <a:bodyPr/>
+      <a:lstStyle/>
+      <a:style>
+        <a:lnRef idx="2">
+          <a:schemeClr val="accent1"/>
+        </a:lnRef>
+        <a:fillRef idx="0">
+          <a:schemeClr val="accent1"/>
+        </a:fillRef>
+        <a:effectRef idx="1">
+          <a:schemeClr val="accent1"/>
+        </a:effectRef>
+        <a:fontRef idx="minor">
+          <a:schemeClr val="tx1"/>
+        </a:fontRef>
+      </a:style>
+    </a:lnDef>
+  </a:objectDefaults>
+  <a:extraClrSchemeLst/>
+  <a:extLst>
+    <a:ext uri="{05A4C25C-085E-4340-85A3-A5531E510DB2}">
+      <thm15:themeFamily xmlns:thm15="http://schemas.microsoft.com/office/thememl/2012/main" name="Office Theme" id="{2E142A2C-CD16-42D6-873A-C26D2A0506FA}" vid="{1BDDFF52-6CD6-40A5-AB3C-68EB2F1E4D0A}"/>
+    </a:ext>
+  </a:extLst>
+</a:theme>
+</file>
+
 <file path=docMetadata/LabelInfo.xml><?xml version="1.0" encoding="utf-8"?>
 <clbl:labelList xmlns:clbl="http://schemas.microsoft.com/office/2020/mipLabelMetadata">
   <clbl:label id="{a11ee6e5-21a0-48c4-8af4-6cc1347f763e}" enabled="1" method="Privileged" siteId="{a27ddcc1-bea5-4183-aa29-fd96d7612a1d}" contentBits="0" removed="0"/>
